--- a/slideshows/grafreprezentacio.pptx
+++ b/slideshows/grafreprezentacio.pptx
@@ -1,36 +1,34 @@
 
 <file path=ppt/presentation.xml><?xml version="1.0" encoding="utf-8"?>
-<p:presentation xmlns:a="http://schemas.openxmlformats.org/drawingml/2006/main" xmlns:r="http://schemas.openxmlformats.org/officeDocument/2006/relationships" xmlns:mc="http://schemas.openxmlformats.org/markup-compatibility/2006" xmlns:mv="urn:schemas-microsoft-com:mac:vml" xmlns:p="http://schemas.openxmlformats.org/presentationml/2006/main" xmlns:c="http://schemas.openxmlformats.org/drawingml/2006/chart" xmlns:dgm="http://schemas.openxmlformats.org/drawingml/2006/diagram" xmlns:o="urn:schemas-microsoft-com:office:office" xmlns:v="urn:schemas-microsoft-com:vml" xmlns:pvml="urn:schemas-microsoft-com:office:powerpoint" xmlns:com="http://schemas.openxmlformats.org/drawingml/2006/compatibility" xmlns:p14="http://schemas.microsoft.com/office/powerpoint/2010/main" autoCompressPictures="0" strictFirstAndLastChars="0" saveSubsetFonts="1">
+<p:presentation xmlns:a="http://schemas.openxmlformats.org/drawingml/2006/main" xmlns:r="http://schemas.openxmlformats.org/officeDocument/2006/relationships" xmlns:p="http://schemas.openxmlformats.org/presentationml/2006/main" strictFirstAndLastChars="0" saveSubsetFonts="1" autoCompressPictures="0">
   <p:sldMasterIdLst>
-    <p:sldMasterId id="2147483659" r:id="rId3"/>
+    <p:sldMasterId id="2147483659" r:id="rId1"/>
   </p:sldMasterIdLst>
   <p:notesMasterIdLst>
-    <p:notesMasterId r:id="rId4"/>
+    <p:notesMasterId r:id="rId18"/>
   </p:notesMasterIdLst>
   <p:sldIdLst>
-    <p:sldId id="256" r:id="rId5"/>
-    <p:sldId id="257" r:id="rId6"/>
-    <p:sldId id="258" r:id="rId7"/>
-    <p:sldId id="259" r:id="rId8"/>
-    <p:sldId id="260" r:id="rId9"/>
-    <p:sldId id="261" r:id="rId10"/>
-    <p:sldId id="262" r:id="rId11"/>
-    <p:sldId id="263" r:id="rId12"/>
-    <p:sldId id="264" r:id="rId13"/>
-    <p:sldId id="265" r:id="rId14"/>
-    <p:sldId id="266" r:id="rId15"/>
-    <p:sldId id="267" r:id="rId16"/>
-    <p:sldId id="268" r:id="rId17"/>
-    <p:sldId id="269" r:id="rId18"/>
-    <p:sldId id="270" r:id="rId19"/>
-    <p:sldId id="271" r:id="rId20"/>
-    <p:sldId id="272" r:id="rId21"/>
-    <p:sldId id="273" r:id="rId22"/>
+    <p:sldId id="256" r:id="rId2"/>
+    <p:sldId id="257" r:id="rId3"/>
+    <p:sldId id="258" r:id="rId4"/>
+    <p:sldId id="259" r:id="rId5"/>
+    <p:sldId id="260" r:id="rId6"/>
+    <p:sldId id="261" r:id="rId7"/>
+    <p:sldId id="262" r:id="rId8"/>
+    <p:sldId id="263" r:id="rId9"/>
+    <p:sldId id="264" r:id="rId10"/>
+    <p:sldId id="265" r:id="rId11"/>
+    <p:sldId id="266" r:id="rId12"/>
+    <p:sldId id="269" r:id="rId13"/>
+    <p:sldId id="270" r:id="rId14"/>
+    <p:sldId id="271" r:id="rId15"/>
+    <p:sldId id="272" r:id="rId16"/>
+    <p:sldId id="273" r:id="rId17"/>
   </p:sldIdLst>
-  <p:sldSz cy="5143500" cx="9144000"/>
+  <p:sldSz cx="9144000" cy="5143500" type="screen16x9"/>
   <p:notesSz cx="6858000" cy="9144000"/>
   <p:defaultTextStyle>
-    <a:defPPr lvl="0" marR="0" rtl="0" algn="l">
+    <a:defPPr marR="0" lvl="0" algn="l" rtl="0">
       <a:lnSpc>
         <a:spcPct val="100000"/>
       </a:lnSpc>
@@ -41,7 +39,7 @@
         <a:spcPts val="0"/>
       </a:spcAft>
     </a:defPPr>
-    <a:lvl1pPr lvl="0" marR="0" rtl="0" algn="l">
+    <a:lvl1pPr marR="0" lvl="0" algn="l" rtl="0">
       <a:lnSpc>
         <a:spcPct val="100000"/>
       </a:lnSpc>
@@ -52,7 +50,7 @@
         <a:spcPts val="0"/>
       </a:spcAft>
       <a:buNone/>
-      <a:defRPr b="0" i="0" sz="1400" u="none" cap="none" strike="noStrike">
+      <a:defRPr sz="1400" b="0" i="0" u="none" strike="noStrike" cap="none">
         <a:solidFill>
           <a:srgbClr val="000000"/>
         </a:solidFill>
@@ -62,7 +60,7 @@
         <a:sym typeface="Arial"/>
       </a:defRPr>
     </a:lvl1pPr>
-    <a:lvl2pPr lvl="1" marR="0" rtl="0" algn="l">
+    <a:lvl2pPr marR="0" lvl="1" algn="l" rtl="0">
       <a:lnSpc>
         <a:spcPct val="100000"/>
       </a:lnSpc>
@@ -73,7 +71,7 @@
         <a:spcPts val="0"/>
       </a:spcAft>
       <a:buNone/>
-      <a:defRPr b="0" i="0" sz="1400" u="none" cap="none" strike="noStrike">
+      <a:defRPr sz="1400" b="0" i="0" u="none" strike="noStrike" cap="none">
         <a:solidFill>
           <a:srgbClr val="000000"/>
         </a:solidFill>
@@ -83,7 +81,7 @@
         <a:sym typeface="Arial"/>
       </a:defRPr>
     </a:lvl2pPr>
-    <a:lvl3pPr lvl="2" marR="0" rtl="0" algn="l">
+    <a:lvl3pPr marR="0" lvl="2" algn="l" rtl="0">
       <a:lnSpc>
         <a:spcPct val="100000"/>
       </a:lnSpc>
@@ -94,7 +92,7 @@
         <a:spcPts val="0"/>
       </a:spcAft>
       <a:buNone/>
-      <a:defRPr b="0" i="0" sz="1400" u="none" cap="none" strike="noStrike">
+      <a:defRPr sz="1400" b="0" i="0" u="none" strike="noStrike" cap="none">
         <a:solidFill>
           <a:srgbClr val="000000"/>
         </a:solidFill>
@@ -104,7 +102,7 @@
         <a:sym typeface="Arial"/>
       </a:defRPr>
     </a:lvl3pPr>
-    <a:lvl4pPr lvl="3" marR="0" rtl="0" algn="l">
+    <a:lvl4pPr marR="0" lvl="3" algn="l" rtl="0">
       <a:lnSpc>
         <a:spcPct val="100000"/>
       </a:lnSpc>
@@ -115,7 +113,7 @@
         <a:spcPts val="0"/>
       </a:spcAft>
       <a:buNone/>
-      <a:defRPr b="0" i="0" sz="1400" u="none" cap="none" strike="noStrike">
+      <a:defRPr sz="1400" b="0" i="0" u="none" strike="noStrike" cap="none">
         <a:solidFill>
           <a:srgbClr val="000000"/>
         </a:solidFill>
@@ -125,7 +123,7 @@
         <a:sym typeface="Arial"/>
       </a:defRPr>
     </a:lvl4pPr>
-    <a:lvl5pPr lvl="4" marR="0" rtl="0" algn="l">
+    <a:lvl5pPr marR="0" lvl="4" algn="l" rtl="0">
       <a:lnSpc>
         <a:spcPct val="100000"/>
       </a:lnSpc>
@@ -136,7 +134,7 @@
         <a:spcPts val="0"/>
       </a:spcAft>
       <a:buNone/>
-      <a:defRPr b="0" i="0" sz="1400" u="none" cap="none" strike="noStrike">
+      <a:defRPr sz="1400" b="0" i="0" u="none" strike="noStrike" cap="none">
         <a:solidFill>
           <a:srgbClr val="000000"/>
         </a:solidFill>
@@ -146,7 +144,7 @@
         <a:sym typeface="Arial"/>
       </a:defRPr>
     </a:lvl5pPr>
-    <a:lvl6pPr lvl="5" marR="0" rtl="0" algn="l">
+    <a:lvl6pPr marR="0" lvl="5" algn="l" rtl="0">
       <a:lnSpc>
         <a:spcPct val="100000"/>
       </a:lnSpc>
@@ -157,7 +155,7 @@
         <a:spcPts val="0"/>
       </a:spcAft>
       <a:buNone/>
-      <a:defRPr b="0" i="0" sz="1400" u="none" cap="none" strike="noStrike">
+      <a:defRPr sz="1400" b="0" i="0" u="none" strike="noStrike" cap="none">
         <a:solidFill>
           <a:srgbClr val="000000"/>
         </a:solidFill>
@@ -167,7 +165,7 @@
         <a:sym typeface="Arial"/>
       </a:defRPr>
     </a:lvl6pPr>
-    <a:lvl7pPr lvl="6" marR="0" rtl="0" algn="l">
+    <a:lvl7pPr marR="0" lvl="6" algn="l" rtl="0">
       <a:lnSpc>
         <a:spcPct val="100000"/>
       </a:lnSpc>
@@ -178,7 +176,7 @@
         <a:spcPts val="0"/>
       </a:spcAft>
       <a:buNone/>
-      <a:defRPr b="0" i="0" sz="1400" u="none" cap="none" strike="noStrike">
+      <a:defRPr sz="1400" b="0" i="0" u="none" strike="noStrike" cap="none">
         <a:solidFill>
           <a:srgbClr val="000000"/>
         </a:solidFill>
@@ -188,7 +186,7 @@
         <a:sym typeface="Arial"/>
       </a:defRPr>
     </a:lvl7pPr>
-    <a:lvl8pPr lvl="7" marR="0" rtl="0" algn="l">
+    <a:lvl8pPr marR="0" lvl="7" algn="l" rtl="0">
       <a:lnSpc>
         <a:spcPct val="100000"/>
       </a:lnSpc>
@@ -199,7 +197,7 @@
         <a:spcPts val="0"/>
       </a:spcAft>
       <a:buNone/>
-      <a:defRPr b="0" i="0" sz="1400" u="none" cap="none" strike="noStrike">
+      <a:defRPr sz="1400" b="0" i="0" u="none" strike="noStrike" cap="none">
         <a:solidFill>
           <a:srgbClr val="000000"/>
         </a:solidFill>
@@ -209,7 +207,7 @@
         <a:sym typeface="Arial"/>
       </a:defRPr>
     </a:lvl8pPr>
-    <a:lvl9pPr lvl="8" marR="0" rtl="0" algn="l">
+    <a:lvl9pPr marR="0" lvl="8" algn="l" rtl="0">
       <a:lnSpc>
         <a:spcPct val="100000"/>
       </a:lnSpc>
@@ -220,7 +218,7 @@
         <a:spcPts val="0"/>
       </a:spcAft>
       <a:buNone/>
-      <a:defRPr b="0" i="0" sz="1400" u="none" cap="none" strike="noStrike">
+      <a:defRPr sz="1400" b="0" i="0" u="none" strike="noStrike" cap="none">
         <a:solidFill>
           <a:srgbClr val="000000"/>
         </a:solidFill>
@@ -231,15 +229,25 @@
       </a:defRPr>
     </a:lvl9pPr>
   </p:defaultTextStyle>
+  <p:extLst>
+    <p:ext uri="{EFAFB233-063F-42B5-8137-9DF3F51BA10A}">
+      <p15:sldGuideLst xmlns:p15="http://schemas.microsoft.com/office/powerpoint/2012/main"/>
+    </p:ext>
+  </p:extLst>
 </p:presentation>
 </file>
 
 <file path=ppt/notesMasters/notesMaster1.xml><?xml version="1.0" encoding="utf-8"?>
-<p:notesMaster xmlns:a="http://schemas.openxmlformats.org/drawingml/2006/main" xmlns:r="http://schemas.openxmlformats.org/officeDocument/2006/relationships" xmlns:mc="http://schemas.openxmlformats.org/markup-compatibility/2006" xmlns:mv="urn:schemas-microsoft-com:mac:vml" xmlns:p="http://schemas.openxmlformats.org/presentationml/2006/main" xmlns:c="http://schemas.openxmlformats.org/drawingml/2006/chart" xmlns:dgm="http://schemas.openxmlformats.org/drawingml/2006/diagram" xmlns:o="urn:schemas-microsoft-com:office:office" xmlns:v="urn:schemas-microsoft-com:vml" xmlns:pvml="urn:schemas-microsoft-com:office:powerpoint" xmlns:com="http://schemas.openxmlformats.org/drawingml/2006/compatibility" xmlns:p14="http://schemas.microsoft.com/office/powerpoint/2010/main">
+<p:notesMaster xmlns:a="http://schemas.openxmlformats.org/drawingml/2006/main" xmlns:r="http://schemas.openxmlformats.org/officeDocument/2006/relationships" xmlns:p="http://schemas.openxmlformats.org/presentationml/2006/main">
   <p:cSld>
+    <p:bg>
+      <p:bgRef idx="1001">
+        <a:schemeClr val="bg1"/>
+      </p:bgRef>
+    </p:bg>
     <p:spTree>
       <p:nvGrpSpPr>
-        <p:cNvPr id="2" name="Shape 2"/>
+        <p:cNvPr id="1" name="Shape 2"/>
         <p:cNvGrpSpPr/>
         <p:nvPr/>
       </p:nvGrpSpPr>
@@ -254,9 +262,11 @@
       <p:sp>
         <p:nvSpPr>
           <p:cNvPr id="3" name="Shape 3"/>
-          <p:cNvSpPr/>
+          <p:cNvSpPr>
+            <a:spLocks noGrp="1" noRot="1" noChangeAspect="1"/>
+          </p:cNvSpPr>
           <p:nvPr>
-            <p:ph idx="2" type="sldImg"/>
+            <p:ph type="sldImg" idx="2"/>
           </p:nvPr>
         </p:nvSpPr>
         <p:spPr>
@@ -265,8 +275,13 @@
             <a:ext cx="6096075" cy="3429000"/>
           </a:xfrm>
           <a:custGeom>
+            <a:avLst/>
+            <a:gdLst/>
+            <a:ahLst/>
+            <a:cxnLst/>
+            <a:rect l="0" t="0" r="0" b="0"/>
             <a:pathLst>
-              <a:path extrusionOk="0" h="120000" w="120000">
+              <a:path w="120000" h="120000" extrusionOk="0">
                 <a:moveTo>
                   <a:pt x="0" y="0"/>
                 </a:moveTo>
@@ -284,23 +299,25 @@
             </a:pathLst>
           </a:custGeom>
           <a:noFill/>
-          <a:ln cap="flat" cmpd="sng" w="9525">
+          <a:ln w="9525" cap="flat" cmpd="sng">
             <a:solidFill>
               <a:srgbClr val="000000"/>
             </a:solidFill>
             <a:prstDash val="solid"/>
             <a:round/>
-            <a:headEnd len="med" w="med" type="none"/>
-            <a:tailEnd len="med" w="med" type="none"/>
+            <a:headEnd type="none" w="med" len="med"/>
+            <a:tailEnd type="none" w="med" len="med"/>
           </a:ln>
         </p:spPr>
       </p:sp>
       <p:sp>
         <p:nvSpPr>
           <p:cNvPr id="4" name="Shape 4"/>
-          <p:cNvSpPr txBox="1"/>
+          <p:cNvSpPr txBox="1">
+            <a:spLocks noGrp="1"/>
+          </p:cNvSpPr>
           <p:nvPr>
-            <p:ph idx="1" type="body"/>
+            <p:ph type="body" idx="1"/>
           </p:nvPr>
         </p:nvSpPr>
         <p:spPr>
@@ -317,7 +334,7 @@
           </a:ln>
         </p:spPr>
         <p:txBody>
-          <a:bodyPr anchorCtr="0" anchor="t" bIns="91425" lIns="91425" rIns="91425" tIns="91425"/>
+          <a:bodyPr lIns="91425" tIns="91425" rIns="91425" bIns="91425" anchor="t" anchorCtr="0"/>
           <a:lstStyle>
             <a:lvl1pPr lvl="0">
               <a:spcBef>
@@ -374,21 +391,120 @@
               <a:defRPr sz="1100"/>
             </a:lvl9pPr>
           </a:lstStyle>
-          <a:p/>
+          <a:p>
+            <a:endParaRPr/>
+          </a:p>
         </p:txBody>
       </p:sp>
     </p:spTree>
+    <p:extLst>
+      <p:ext uri="{BB962C8B-B14F-4D97-AF65-F5344CB8AC3E}">
+        <p14:creationId xmlns:p14="http://schemas.microsoft.com/office/powerpoint/2010/main" val="4240770709"/>
+      </p:ext>
+    </p:extLst>
   </p:cSld>
-  <p:clrMap accent1="accent1" accent2="accent2" accent3="accent3" accent4="accent4" accent5="accent5" accent6="accent6" bg1="lt1" bg2="dk2" tx1="dk1" tx2="lt2" folHlink="folHlink" hlink="hlink"/>
+  <p:clrMap bg1="lt1" tx1="dk1" bg2="dk2" tx2="lt2" accent1="accent1" accent2="accent2" accent3="accent3" accent4="accent4" accent5="accent5" accent6="accent6" hlink="hlink" folHlink="folHlink"/>
+  <p:notesStyle>
+    <a:lvl1pPr marL="0" algn="l" defTabSz="914400" rtl="0" eaLnBrk="1" latinLnBrk="0" hangingPunct="1">
+      <a:defRPr sz="1200" kern="1200">
+        <a:solidFill>
+          <a:schemeClr val="tx1"/>
+        </a:solidFill>
+        <a:latin typeface="+mn-lt"/>
+        <a:ea typeface="+mn-ea"/>
+        <a:cs typeface="+mn-cs"/>
+      </a:defRPr>
+    </a:lvl1pPr>
+    <a:lvl2pPr marL="457200" algn="l" defTabSz="914400" rtl="0" eaLnBrk="1" latinLnBrk="0" hangingPunct="1">
+      <a:defRPr sz="1200" kern="1200">
+        <a:solidFill>
+          <a:schemeClr val="tx1"/>
+        </a:solidFill>
+        <a:latin typeface="+mn-lt"/>
+        <a:ea typeface="+mn-ea"/>
+        <a:cs typeface="+mn-cs"/>
+      </a:defRPr>
+    </a:lvl2pPr>
+    <a:lvl3pPr marL="914400" algn="l" defTabSz="914400" rtl="0" eaLnBrk="1" latinLnBrk="0" hangingPunct="1">
+      <a:defRPr sz="1200" kern="1200">
+        <a:solidFill>
+          <a:schemeClr val="tx1"/>
+        </a:solidFill>
+        <a:latin typeface="+mn-lt"/>
+        <a:ea typeface="+mn-ea"/>
+        <a:cs typeface="+mn-cs"/>
+      </a:defRPr>
+    </a:lvl3pPr>
+    <a:lvl4pPr marL="1371600" algn="l" defTabSz="914400" rtl="0" eaLnBrk="1" latinLnBrk="0" hangingPunct="1">
+      <a:defRPr sz="1200" kern="1200">
+        <a:solidFill>
+          <a:schemeClr val="tx1"/>
+        </a:solidFill>
+        <a:latin typeface="+mn-lt"/>
+        <a:ea typeface="+mn-ea"/>
+        <a:cs typeface="+mn-cs"/>
+      </a:defRPr>
+    </a:lvl4pPr>
+    <a:lvl5pPr marL="1828800" algn="l" defTabSz="914400" rtl="0" eaLnBrk="1" latinLnBrk="0" hangingPunct="1">
+      <a:defRPr sz="1200" kern="1200">
+        <a:solidFill>
+          <a:schemeClr val="tx1"/>
+        </a:solidFill>
+        <a:latin typeface="+mn-lt"/>
+        <a:ea typeface="+mn-ea"/>
+        <a:cs typeface="+mn-cs"/>
+      </a:defRPr>
+    </a:lvl5pPr>
+    <a:lvl6pPr marL="2286000" algn="l" defTabSz="914400" rtl="0" eaLnBrk="1" latinLnBrk="0" hangingPunct="1">
+      <a:defRPr sz="1200" kern="1200">
+        <a:solidFill>
+          <a:schemeClr val="tx1"/>
+        </a:solidFill>
+        <a:latin typeface="+mn-lt"/>
+        <a:ea typeface="+mn-ea"/>
+        <a:cs typeface="+mn-cs"/>
+      </a:defRPr>
+    </a:lvl6pPr>
+    <a:lvl7pPr marL="2743200" algn="l" defTabSz="914400" rtl="0" eaLnBrk="1" latinLnBrk="0" hangingPunct="1">
+      <a:defRPr sz="1200" kern="1200">
+        <a:solidFill>
+          <a:schemeClr val="tx1"/>
+        </a:solidFill>
+        <a:latin typeface="+mn-lt"/>
+        <a:ea typeface="+mn-ea"/>
+        <a:cs typeface="+mn-cs"/>
+      </a:defRPr>
+    </a:lvl7pPr>
+    <a:lvl8pPr marL="3200400" algn="l" defTabSz="914400" rtl="0" eaLnBrk="1" latinLnBrk="0" hangingPunct="1">
+      <a:defRPr sz="1200" kern="1200">
+        <a:solidFill>
+          <a:schemeClr val="tx1"/>
+        </a:solidFill>
+        <a:latin typeface="+mn-lt"/>
+        <a:ea typeface="+mn-ea"/>
+        <a:cs typeface="+mn-cs"/>
+      </a:defRPr>
+    </a:lvl8pPr>
+    <a:lvl9pPr marL="3657600" algn="l" defTabSz="914400" rtl="0" eaLnBrk="1" latinLnBrk="0" hangingPunct="1">
+      <a:defRPr sz="1200" kern="1200">
+        <a:solidFill>
+          <a:schemeClr val="tx1"/>
+        </a:solidFill>
+        <a:latin typeface="+mn-lt"/>
+        <a:ea typeface="+mn-ea"/>
+        <a:cs typeface="+mn-cs"/>
+      </a:defRPr>
+    </a:lvl9pPr>
+  </p:notesStyle>
 </p:notesMaster>
 </file>
 
 <file path=ppt/notesSlides/notesSlide1.xml><?xml version="1.0" encoding="utf-8"?>
-<p:notes xmlns:a="http://schemas.openxmlformats.org/drawingml/2006/main" xmlns:r="http://schemas.openxmlformats.org/officeDocument/2006/relationships" xmlns:mc="http://schemas.openxmlformats.org/markup-compatibility/2006" xmlns:mv="urn:schemas-microsoft-com:mac:vml" xmlns:p="http://schemas.openxmlformats.org/presentationml/2006/main" xmlns:c="http://schemas.openxmlformats.org/drawingml/2006/chart" xmlns:dgm="http://schemas.openxmlformats.org/drawingml/2006/diagram" xmlns:o="urn:schemas-microsoft-com:office:office" xmlns:v="urn:schemas-microsoft-com:vml" xmlns:pvml="urn:schemas-microsoft-com:office:powerpoint" xmlns:com="http://schemas.openxmlformats.org/drawingml/2006/compatibility" xmlns:p14="http://schemas.microsoft.com/office/powerpoint/2010/main" showMasterPhAnim="0" showMasterSp="0">
+<p:notes xmlns:a="http://schemas.openxmlformats.org/drawingml/2006/main" xmlns:r="http://schemas.openxmlformats.org/officeDocument/2006/relationships" xmlns:p="http://schemas.openxmlformats.org/presentationml/2006/main" showMasterSp="0" showMasterPhAnim="0">
   <p:cSld>
     <p:spTree>
       <p:nvGrpSpPr>
-        <p:cNvPr id="50" name="Shape 50"/>
+        <p:cNvPr id="1" name="Shape 50"/>
         <p:cNvGrpSpPr/>
         <p:nvPr/>
       </p:nvGrpSpPr>
@@ -403,19 +519,26 @@
       <p:sp>
         <p:nvSpPr>
           <p:cNvPr id="51" name="Shape 51"/>
-          <p:cNvSpPr/>
+          <p:cNvSpPr>
+            <a:spLocks noGrp="1" noRot="1" noChangeAspect="1"/>
+          </p:cNvSpPr>
           <p:nvPr>
-            <p:ph idx="2" type="sldImg"/>
+            <p:ph type="sldImg" idx="2"/>
           </p:nvPr>
         </p:nvSpPr>
         <p:spPr>
           <a:xfrm>
-            <a:off x="381300" y="685800"/>
-            <a:ext cx="6096075" cy="3429000"/>
+            <a:off x="381000" y="685800"/>
+            <a:ext cx="6096000" cy="3429000"/>
           </a:xfrm>
           <a:custGeom>
+            <a:avLst/>
+            <a:gdLst/>
+            <a:ahLst/>
+            <a:cxnLst/>
+            <a:rect l="0" t="0" r="0" b="0"/>
             <a:pathLst>
-              <a:path extrusionOk="0" h="120000" w="120000">
+              <a:path w="120000" h="120000" extrusionOk="0">
                 <a:moveTo>
                   <a:pt x="0" y="0"/>
                 </a:moveTo>
@@ -437,9 +560,11 @@
       <p:sp>
         <p:nvSpPr>
           <p:cNvPr id="52" name="Shape 52"/>
-          <p:cNvSpPr txBox="1"/>
+          <p:cNvSpPr txBox="1">
+            <a:spLocks noGrp="1"/>
+          </p:cNvSpPr>
           <p:nvPr>
-            <p:ph idx="1" type="body"/>
+            <p:ph type="body" idx="1"/>
           </p:nvPr>
         </p:nvSpPr>
         <p:spPr>
@@ -452,7 +577,7 @@
           </a:prstGeom>
         </p:spPr>
         <p:txBody>
-          <a:bodyPr anchorCtr="0" anchor="t" bIns="91425" lIns="91425" rIns="91425" tIns="91425">
+          <a:bodyPr lIns="91425" tIns="91425" rIns="91425" bIns="91425" anchor="t" anchorCtr="0">
             <a:noAutofit/>
           </a:bodyPr>
           <a:lstStyle/>
@@ -463,14 +588,16 @@
               </a:spcBef>
               <a:buNone/>
             </a:pPr>
-            <a:r>
-              <a:t/>
-            </a:r>
             <a:endParaRPr/>
           </a:p>
         </p:txBody>
       </p:sp>
     </p:spTree>
+    <p:extLst>
+      <p:ext uri="{BB962C8B-B14F-4D97-AF65-F5344CB8AC3E}">
+        <p14:creationId xmlns:p14="http://schemas.microsoft.com/office/powerpoint/2010/main" val="4270500881"/>
+      </p:ext>
+    </p:extLst>
   </p:cSld>
   <p:clrMapOvr>
     <a:masterClrMapping/>
@@ -479,11 +606,11 @@
 </file>
 
 <file path=ppt/notesSlides/notesSlide10.xml><?xml version="1.0" encoding="utf-8"?>
-<p:notes xmlns:a="http://schemas.openxmlformats.org/drawingml/2006/main" xmlns:r="http://schemas.openxmlformats.org/officeDocument/2006/relationships" xmlns:mc="http://schemas.openxmlformats.org/markup-compatibility/2006" xmlns:mv="urn:schemas-microsoft-com:mac:vml" xmlns:p="http://schemas.openxmlformats.org/presentationml/2006/main" xmlns:c="http://schemas.openxmlformats.org/drawingml/2006/chart" xmlns:dgm="http://schemas.openxmlformats.org/drawingml/2006/diagram" xmlns:o="urn:schemas-microsoft-com:office:office" xmlns:v="urn:schemas-microsoft-com:vml" xmlns:pvml="urn:schemas-microsoft-com:office:powerpoint" xmlns:com="http://schemas.openxmlformats.org/drawingml/2006/compatibility" xmlns:p14="http://schemas.microsoft.com/office/powerpoint/2010/main" showMasterPhAnim="0" showMasterSp="0">
+<p:notes xmlns:a="http://schemas.openxmlformats.org/drawingml/2006/main" xmlns:r="http://schemas.openxmlformats.org/officeDocument/2006/relationships" xmlns:p="http://schemas.openxmlformats.org/presentationml/2006/main" showMasterSp="0" showMasterPhAnim="0">
   <p:cSld>
     <p:spTree>
       <p:nvGrpSpPr>
-        <p:cNvPr id="109" name="Shape 109"/>
+        <p:cNvPr id="1" name="Shape 109"/>
         <p:cNvGrpSpPr/>
         <p:nvPr/>
       </p:nvGrpSpPr>
@@ -498,19 +625,26 @@
       <p:sp>
         <p:nvSpPr>
           <p:cNvPr id="110" name="Shape 110"/>
-          <p:cNvSpPr/>
+          <p:cNvSpPr>
+            <a:spLocks noGrp="1" noRot="1" noChangeAspect="1"/>
+          </p:cNvSpPr>
           <p:nvPr>
-            <p:ph idx="2" type="sldImg"/>
+            <p:ph type="sldImg" idx="2"/>
           </p:nvPr>
         </p:nvSpPr>
         <p:spPr>
           <a:xfrm>
-            <a:off x="381300" y="685800"/>
+            <a:off x="381000" y="685800"/>
             <a:ext cx="6096000" cy="3429000"/>
           </a:xfrm>
           <a:custGeom>
+            <a:avLst/>
+            <a:gdLst/>
+            <a:ahLst/>
+            <a:cxnLst/>
+            <a:rect l="0" t="0" r="0" b="0"/>
             <a:pathLst>
-              <a:path extrusionOk="0" h="120000" w="120000">
+              <a:path w="120000" h="120000" extrusionOk="0">
                 <a:moveTo>
                   <a:pt x="0" y="0"/>
                 </a:moveTo>
@@ -532,9 +666,11 @@
       <p:sp>
         <p:nvSpPr>
           <p:cNvPr id="111" name="Shape 111"/>
-          <p:cNvSpPr txBox="1"/>
+          <p:cNvSpPr txBox="1">
+            <a:spLocks noGrp="1"/>
+          </p:cNvSpPr>
           <p:nvPr>
-            <p:ph idx="1" type="body"/>
+            <p:ph type="body" idx="1"/>
           </p:nvPr>
         </p:nvSpPr>
         <p:spPr>
@@ -547,7 +683,7 @@
           </a:prstGeom>
         </p:spPr>
         <p:txBody>
-          <a:bodyPr anchorCtr="0" anchor="t" bIns="91425" lIns="91425" rIns="91425" tIns="91425">
+          <a:bodyPr lIns="91425" tIns="91425" rIns="91425" bIns="91425" anchor="t" anchorCtr="0">
             <a:noAutofit/>
           </a:bodyPr>
           <a:lstStyle/>
@@ -558,14 +694,16 @@
               </a:spcBef>
               <a:buNone/>
             </a:pPr>
-            <a:r>
-              <a:t/>
-            </a:r>
             <a:endParaRPr/>
           </a:p>
         </p:txBody>
       </p:sp>
     </p:spTree>
+    <p:extLst>
+      <p:ext uri="{BB962C8B-B14F-4D97-AF65-F5344CB8AC3E}">
+        <p14:creationId xmlns:p14="http://schemas.microsoft.com/office/powerpoint/2010/main" val="1686389411"/>
+      </p:ext>
+    </p:extLst>
   </p:cSld>
   <p:clrMapOvr>
     <a:masterClrMapping/>
@@ -574,11 +712,11 @@
 </file>
 
 <file path=ppt/notesSlides/notesSlide11.xml><?xml version="1.0" encoding="utf-8"?>
-<p:notes xmlns:a="http://schemas.openxmlformats.org/drawingml/2006/main" xmlns:r="http://schemas.openxmlformats.org/officeDocument/2006/relationships" xmlns:mc="http://schemas.openxmlformats.org/markup-compatibility/2006" xmlns:mv="urn:schemas-microsoft-com:mac:vml" xmlns:p="http://schemas.openxmlformats.org/presentationml/2006/main" xmlns:c="http://schemas.openxmlformats.org/drawingml/2006/chart" xmlns:dgm="http://schemas.openxmlformats.org/drawingml/2006/diagram" xmlns:o="urn:schemas-microsoft-com:office:office" xmlns:v="urn:schemas-microsoft-com:vml" xmlns:pvml="urn:schemas-microsoft-com:office:powerpoint" xmlns:com="http://schemas.openxmlformats.org/drawingml/2006/compatibility" xmlns:p14="http://schemas.microsoft.com/office/powerpoint/2010/main" showMasterPhAnim="0" showMasterSp="0">
+<p:notes xmlns:a="http://schemas.openxmlformats.org/drawingml/2006/main" xmlns:r="http://schemas.openxmlformats.org/officeDocument/2006/relationships" xmlns:p="http://schemas.openxmlformats.org/presentationml/2006/main" showMasterSp="0" showMasterPhAnim="0">
   <p:cSld>
     <p:spTree>
       <p:nvGrpSpPr>
-        <p:cNvPr id="115" name="Shape 115"/>
+        <p:cNvPr id="1" name="Shape 115"/>
         <p:cNvGrpSpPr/>
         <p:nvPr/>
       </p:nvGrpSpPr>
@@ -593,19 +731,26 @@
       <p:sp>
         <p:nvSpPr>
           <p:cNvPr id="116" name="Shape 116"/>
-          <p:cNvSpPr/>
+          <p:cNvSpPr>
+            <a:spLocks noGrp="1" noRot="1" noChangeAspect="1"/>
+          </p:cNvSpPr>
           <p:nvPr>
-            <p:ph idx="2" type="sldImg"/>
+            <p:ph type="sldImg" idx="2"/>
           </p:nvPr>
         </p:nvSpPr>
         <p:spPr>
           <a:xfrm>
-            <a:off x="381300" y="685800"/>
+            <a:off x="381000" y="685800"/>
             <a:ext cx="6096000" cy="3429000"/>
           </a:xfrm>
           <a:custGeom>
+            <a:avLst/>
+            <a:gdLst/>
+            <a:ahLst/>
+            <a:cxnLst/>
+            <a:rect l="0" t="0" r="0" b="0"/>
             <a:pathLst>
-              <a:path extrusionOk="0" h="120000" w="120000">
+              <a:path w="120000" h="120000" extrusionOk="0">
                 <a:moveTo>
                   <a:pt x="0" y="0"/>
                 </a:moveTo>
@@ -627,9 +772,11 @@
       <p:sp>
         <p:nvSpPr>
           <p:cNvPr id="117" name="Shape 117"/>
-          <p:cNvSpPr txBox="1"/>
+          <p:cNvSpPr txBox="1">
+            <a:spLocks noGrp="1"/>
+          </p:cNvSpPr>
           <p:nvPr>
-            <p:ph idx="1" type="body"/>
+            <p:ph type="body" idx="1"/>
           </p:nvPr>
         </p:nvSpPr>
         <p:spPr>
@@ -642,7 +789,7 @@
           </a:prstGeom>
         </p:spPr>
         <p:txBody>
-          <a:bodyPr anchorCtr="0" anchor="t" bIns="91425" lIns="91425" rIns="91425" tIns="91425">
+          <a:bodyPr lIns="91425" tIns="91425" rIns="91425" bIns="91425" anchor="t" anchorCtr="0">
             <a:noAutofit/>
           </a:bodyPr>
           <a:lstStyle/>
@@ -653,14 +800,16 @@
               </a:spcBef>
               <a:buNone/>
             </a:pPr>
-            <a:r>
-              <a:t/>
-            </a:r>
             <a:endParaRPr/>
           </a:p>
         </p:txBody>
       </p:sp>
     </p:spTree>
+    <p:extLst>
+      <p:ext uri="{BB962C8B-B14F-4D97-AF65-F5344CB8AC3E}">
+        <p14:creationId xmlns:p14="http://schemas.microsoft.com/office/powerpoint/2010/main" val="2075670317"/>
+      </p:ext>
+    </p:extLst>
   </p:cSld>
   <p:clrMapOvr>
     <a:masterClrMapping/>
@@ -669,702 +818,11 @@
 </file>
 
 <file path=ppt/notesSlides/notesSlide12.xml><?xml version="1.0" encoding="utf-8"?>
-<p:notes xmlns:a="http://schemas.openxmlformats.org/drawingml/2006/main" xmlns:r="http://schemas.openxmlformats.org/officeDocument/2006/relationships" xmlns:mc="http://schemas.openxmlformats.org/markup-compatibility/2006" xmlns:mv="urn:schemas-microsoft-com:mac:vml" xmlns:p="http://schemas.openxmlformats.org/presentationml/2006/main" xmlns:c="http://schemas.openxmlformats.org/drawingml/2006/chart" xmlns:dgm="http://schemas.openxmlformats.org/drawingml/2006/diagram" xmlns:o="urn:schemas-microsoft-com:office:office" xmlns:v="urn:schemas-microsoft-com:vml" xmlns:pvml="urn:schemas-microsoft-com:office:powerpoint" xmlns:com="http://schemas.openxmlformats.org/drawingml/2006/compatibility" xmlns:p14="http://schemas.microsoft.com/office/powerpoint/2010/main" showMasterPhAnim="0" showMasterSp="0">
+<p:notes xmlns:a="http://schemas.openxmlformats.org/drawingml/2006/main" xmlns:r="http://schemas.openxmlformats.org/officeDocument/2006/relationships" xmlns:p="http://schemas.openxmlformats.org/presentationml/2006/main" showMasterSp="0" showMasterPhAnim="0">
   <p:cSld>
     <p:spTree>
       <p:nvGrpSpPr>
-        <p:cNvPr id="121" name="Shape 121"/>
-        <p:cNvGrpSpPr/>
-        <p:nvPr/>
-      </p:nvGrpSpPr>
-      <p:grpSpPr>
-        <a:xfrm>
-          <a:off x="0" y="0"/>
-          <a:ext cx="0" cy="0"/>
-          <a:chOff x="0" y="0"/>
-          <a:chExt cx="0" cy="0"/>
-        </a:xfrm>
-      </p:grpSpPr>
-      <p:sp>
-        <p:nvSpPr>
-          <p:cNvPr id="122" name="Shape 122"/>
-          <p:cNvSpPr/>
-          <p:nvPr>
-            <p:ph idx="2" type="sldImg"/>
-          </p:nvPr>
-        </p:nvSpPr>
-        <p:spPr>
-          <a:xfrm>
-            <a:off x="381300" y="685800"/>
-            <a:ext cx="6096000" cy="3429000"/>
-          </a:xfrm>
-          <a:custGeom>
-            <a:pathLst>
-              <a:path extrusionOk="0" h="120000" w="120000">
-                <a:moveTo>
-                  <a:pt x="0" y="0"/>
-                </a:moveTo>
-                <a:lnTo>
-                  <a:pt x="120000" y="0"/>
-                </a:lnTo>
-                <a:lnTo>
-                  <a:pt x="120000" y="120000"/>
-                </a:lnTo>
-                <a:lnTo>
-                  <a:pt x="0" y="120000"/>
-                </a:lnTo>
-                <a:close/>
-              </a:path>
-            </a:pathLst>
-          </a:custGeom>
-        </p:spPr>
-      </p:sp>
-      <p:sp>
-        <p:nvSpPr>
-          <p:cNvPr id="123" name="Shape 123"/>
-          <p:cNvSpPr txBox="1"/>
-          <p:nvPr>
-            <p:ph idx="1" type="body"/>
-          </p:nvPr>
-        </p:nvSpPr>
-        <p:spPr>
-          <a:xfrm>
-            <a:off x="685800" y="4343400"/>
-            <a:ext cx="5486399" cy="4114800"/>
-          </a:xfrm>
-          <a:prstGeom prst="rect">
-            <a:avLst/>
-          </a:prstGeom>
-        </p:spPr>
-        <p:txBody>
-          <a:bodyPr anchorCtr="0" anchor="t" bIns="91425" lIns="91425" rIns="91425" tIns="91425">
-            <a:noAutofit/>
-          </a:bodyPr>
-          <a:lstStyle/>
-          <a:p>
-            <a:pPr lvl="0">
-              <a:spcBef>
-                <a:spcPts val="0"/>
-              </a:spcBef>
-              <a:buNone/>
-            </a:pPr>
-            <a:r>
-              <a:t/>
-            </a:r>
-            <a:endParaRPr/>
-          </a:p>
-        </p:txBody>
-      </p:sp>
-    </p:spTree>
-  </p:cSld>
-  <p:clrMapOvr>
-    <a:masterClrMapping/>
-  </p:clrMapOvr>
-</p:notes>
-</file>
-
-<file path=ppt/notesSlides/notesSlide13.xml><?xml version="1.0" encoding="utf-8"?>
-<p:notes xmlns:a="http://schemas.openxmlformats.org/drawingml/2006/main" xmlns:r="http://schemas.openxmlformats.org/officeDocument/2006/relationships" xmlns:mc="http://schemas.openxmlformats.org/markup-compatibility/2006" xmlns:mv="urn:schemas-microsoft-com:mac:vml" xmlns:p="http://schemas.openxmlformats.org/presentationml/2006/main" xmlns:c="http://schemas.openxmlformats.org/drawingml/2006/chart" xmlns:dgm="http://schemas.openxmlformats.org/drawingml/2006/diagram" xmlns:o="urn:schemas-microsoft-com:office:office" xmlns:v="urn:schemas-microsoft-com:vml" xmlns:pvml="urn:schemas-microsoft-com:office:powerpoint" xmlns:com="http://schemas.openxmlformats.org/drawingml/2006/compatibility" xmlns:p14="http://schemas.microsoft.com/office/powerpoint/2010/main" showMasterPhAnim="0" showMasterSp="0">
-  <p:cSld>
-    <p:spTree>
-      <p:nvGrpSpPr>
-        <p:cNvPr id="128" name="Shape 128"/>
-        <p:cNvGrpSpPr/>
-        <p:nvPr/>
-      </p:nvGrpSpPr>
-      <p:grpSpPr>
-        <a:xfrm>
-          <a:off x="0" y="0"/>
-          <a:ext cx="0" cy="0"/>
-          <a:chOff x="0" y="0"/>
-          <a:chExt cx="0" cy="0"/>
-        </a:xfrm>
-      </p:grpSpPr>
-      <p:sp>
-        <p:nvSpPr>
-          <p:cNvPr id="129" name="Shape 129"/>
-          <p:cNvSpPr/>
-          <p:nvPr>
-            <p:ph idx="2" type="sldImg"/>
-          </p:nvPr>
-        </p:nvSpPr>
-        <p:spPr>
-          <a:xfrm>
-            <a:off x="381300" y="685800"/>
-            <a:ext cx="6096000" cy="3429000"/>
-          </a:xfrm>
-          <a:custGeom>
-            <a:pathLst>
-              <a:path extrusionOk="0" h="120000" w="120000">
-                <a:moveTo>
-                  <a:pt x="0" y="0"/>
-                </a:moveTo>
-                <a:lnTo>
-                  <a:pt x="120000" y="0"/>
-                </a:lnTo>
-                <a:lnTo>
-                  <a:pt x="120000" y="120000"/>
-                </a:lnTo>
-                <a:lnTo>
-                  <a:pt x="0" y="120000"/>
-                </a:lnTo>
-                <a:close/>
-              </a:path>
-            </a:pathLst>
-          </a:custGeom>
-        </p:spPr>
-      </p:sp>
-      <p:sp>
-        <p:nvSpPr>
-          <p:cNvPr id="130" name="Shape 130"/>
-          <p:cNvSpPr txBox="1"/>
-          <p:nvPr>
-            <p:ph idx="1" type="body"/>
-          </p:nvPr>
-        </p:nvSpPr>
-        <p:spPr>
-          <a:xfrm>
-            <a:off x="685800" y="4343400"/>
-            <a:ext cx="5486399" cy="4114800"/>
-          </a:xfrm>
-          <a:prstGeom prst="rect">
-            <a:avLst/>
-          </a:prstGeom>
-        </p:spPr>
-        <p:txBody>
-          <a:bodyPr anchorCtr="0" anchor="t" bIns="91425" lIns="91425" rIns="91425" tIns="91425">
-            <a:noAutofit/>
-          </a:bodyPr>
-          <a:lstStyle/>
-          <a:p>
-            <a:pPr indent="-285750" lvl="0" marL="457200" rtl="0">
-              <a:spcBef>
-                <a:spcPts val="0"/>
-              </a:spcBef>
-              <a:buClr>
-                <a:srgbClr val="FF9900"/>
-              </a:buClr>
-              <a:buSzPct val="100000"/>
-            </a:pPr>
-            <a:r>
-              <a:rPr lang="en" sz="900">
-                <a:solidFill>
-                  <a:srgbClr val="FF9900"/>
-                </a:solidFill>
-              </a:rPr>
-              <a:t>Next time::::::Funkcionális programozás(dijkstra eseten ugye legoptimalisabb koltsegu utat keressuk,ahol lehetseges lepesek kozul kell kikalkulalni a legjobbat..ezt pl lehetne fuggvennyel es arra egy stream.max||min-t.... tenni(legyen a fuggvenyunk erteke maxolhato az egyszeruseg kedveert)&lt;ha faszsagot irtam itt sry&gt;)+java8as paralellizalas….stream lassabb egy kisebb meretu stream eseten mint a sima for...de kicsit olvashatobb altalaban</a:t>
-            </a:r>
-          </a:p>
-          <a:p>
-            <a:pPr lvl="0" rtl="0">
-              <a:spcBef>
-                <a:spcPts val="0"/>
-              </a:spcBef>
-              <a:buNone/>
-            </a:pPr>
-            <a:r>
-              <a:t/>
-            </a:r>
-            <a:endParaRPr sz="900">
-              <a:solidFill>
-                <a:srgbClr val="FF9900"/>
-              </a:solidFill>
-            </a:endParaRPr>
-          </a:p>
-          <a:p>
-            <a:pPr lvl="0" rtl="0">
-              <a:spcBef>
-                <a:spcPts val="0"/>
-              </a:spcBef>
-              <a:buNone/>
-            </a:pPr>
-            <a:r>
-              <a:t/>
-            </a:r>
-            <a:endParaRPr sz="900">
-              <a:solidFill>
-                <a:srgbClr val="FF9900"/>
-              </a:solidFill>
-            </a:endParaRPr>
-          </a:p>
-          <a:p>
-            <a:pPr indent="-292100" lvl="0" marL="457200" rtl="0">
-              <a:spcBef>
-                <a:spcPts val="0"/>
-              </a:spcBef>
-              <a:buClr>
-                <a:srgbClr val="FF9900"/>
-              </a:buClr>
-              <a:buSzPct val="100000"/>
-            </a:pPr>
-            <a:r>
-              <a:rPr lang="en" sz="1000">
-                <a:solidFill>
-                  <a:srgbClr val="FF9900"/>
-                </a:solidFill>
-              </a:rPr>
-              <a:t>Factory pattern?</a:t>
-            </a:r>
-          </a:p>
-          <a:p>
-            <a:pPr indent="-292100" lvl="0" marL="457200" rtl="0">
-              <a:spcBef>
-                <a:spcPts val="0"/>
-              </a:spcBef>
-              <a:buClr>
-                <a:srgbClr val="FF9900"/>
-              </a:buClr>
-              <a:buSzPct val="100000"/>
-            </a:pPr>
-            <a:r>
-              <a:rPr lang="en" sz="1000">
-                <a:solidFill>
-                  <a:srgbClr val="FF9900"/>
-                </a:solidFill>
-              </a:rPr>
-              <a:t>Object. copy vs shallow copy  == ill. equalsok stringpool ,hash </a:t>
-            </a:r>
-          </a:p>
-          <a:p>
-            <a:pPr indent="-292100" lvl="0" marL="457200" rtl="0">
-              <a:spcBef>
-                <a:spcPts val="0"/>
-              </a:spcBef>
-              <a:buClr>
-                <a:srgbClr val="FF9900"/>
-              </a:buClr>
-              <a:buSzPct val="100000"/>
-            </a:pPr>
-            <a:r>
-              <a:rPr lang="en" sz="1000">
-                <a:solidFill>
-                  <a:srgbClr val="FF9900"/>
-                </a:solidFill>
-              </a:rPr>
-              <a:t>nyers típusok vs. generikusság (tömbtől nyers arrayen keresztül a generikus arrayig majd map hashmap)</a:t>
-            </a:r>
-          </a:p>
-          <a:p>
-            <a:pPr indent="-292100" lvl="0" marL="457200" rtl="0">
-              <a:spcBef>
-                <a:spcPts val="0"/>
-              </a:spcBef>
-              <a:buClr>
-                <a:srgbClr val="FF9900"/>
-              </a:buClr>
-              <a:buSzPct val="100000"/>
-            </a:pPr>
-            <a:r>
-              <a:rPr lang="en" sz="1000">
-                <a:solidFill>
-                  <a:srgbClr val="FF9900"/>
-                </a:solidFill>
-              </a:rPr>
-              <a:t>Polimorfizmus</a:t>
-            </a:r>
-          </a:p>
-          <a:p>
-            <a:pPr lvl="0" rtl="0">
-              <a:spcBef>
-                <a:spcPts val="0"/>
-              </a:spcBef>
-              <a:buNone/>
-            </a:pPr>
-            <a:r>
-              <a:t/>
-            </a:r>
-            <a:endParaRPr sz="1000">
-              <a:solidFill>
-                <a:srgbClr val="666666"/>
-              </a:solidFill>
-            </a:endParaRPr>
-          </a:p>
-          <a:p>
-            <a:pPr indent="-292100" lvl="0" marL="457200" rtl="0">
-              <a:spcBef>
-                <a:spcPts val="0"/>
-              </a:spcBef>
-              <a:buClr>
-                <a:srgbClr val="666666"/>
-              </a:buClr>
-              <a:buSzPct val="100000"/>
-            </a:pPr>
-            <a:r>
-              <a:rPr lang="en" sz="1000">
-                <a:solidFill>
-                  <a:srgbClr val="666666"/>
-                </a:solidFill>
-              </a:rPr>
-              <a:t>sima for ciklus helyett foreach vagy stream</a:t>
-            </a:r>
-          </a:p>
-          <a:p>
-            <a:pPr indent="-292100" lvl="0" marL="457200" rtl="0">
-              <a:spcBef>
-                <a:spcPts val="0"/>
-              </a:spcBef>
-              <a:buClr>
-                <a:srgbClr val="666666"/>
-              </a:buClr>
-              <a:buSzPct val="100000"/>
-            </a:pPr>
-            <a:r>
-              <a:rPr lang="en" sz="1000">
-                <a:solidFill>
-                  <a:srgbClr val="666666"/>
-                </a:solidFill>
-              </a:rPr>
-              <a:t>    concurrent modification error es megoldasai java 8elott es utan</a:t>
-            </a:r>
-          </a:p>
-          <a:p>
-            <a:pPr indent="-292100" lvl="0" marL="457200" rtl="0">
-              <a:spcBef>
-                <a:spcPts val="0"/>
-              </a:spcBef>
-              <a:buClr>
-                <a:srgbClr val="666666"/>
-              </a:buClr>
-              <a:buSzPct val="100000"/>
-            </a:pPr>
-            <a:r>
-              <a:rPr lang="en" sz="1000">
-                <a:solidFill>
-                  <a:srgbClr val="666666"/>
-                </a:solidFill>
-              </a:rPr>
-              <a:t>    -elott:</a:t>
-            </a:r>
-          </a:p>
-          <a:p>
-            <a:pPr indent="-292100" lvl="1" marL="914400" rtl="0">
-              <a:spcBef>
-                <a:spcPts val="0"/>
-              </a:spcBef>
-              <a:buClr>
-                <a:srgbClr val="666666"/>
-              </a:buClr>
-              <a:buSzPct val="100000"/>
-            </a:pPr>
-            <a:r>
-              <a:rPr lang="en" sz="1000">
-                <a:solidFill>
-                  <a:srgbClr val="666666"/>
-                </a:solidFill>
-              </a:rPr>
-              <a:t>csunya: marad a for i...</a:t>
-            </a:r>
-          </a:p>
-          <a:p>
-            <a:pPr indent="-292100" lvl="1" marL="914400" rtl="0">
-              <a:spcBef>
-                <a:spcPts val="0"/>
-              </a:spcBef>
-              <a:buClr>
-                <a:srgbClr val="666666"/>
-              </a:buClr>
-              <a:buSzPct val="100000"/>
-            </a:pPr>
-            <a:r>
-              <a:rPr lang="en" sz="1000">
-                <a:solidFill>
-                  <a:srgbClr val="666666"/>
-                </a:solidFill>
-              </a:rPr>
-              <a:t>szep: remove listbe pakolun,majd remove all a forciklus utan.</a:t>
-            </a:r>
-          </a:p>
-          <a:p>
-            <a:pPr indent="-292100" lvl="0" marL="457200" rtl="0">
-              <a:spcBef>
-                <a:spcPts val="0"/>
-              </a:spcBef>
-              <a:buClr>
-                <a:srgbClr val="666666"/>
-              </a:buClr>
-              <a:buSzPct val="100000"/>
-            </a:pPr>
-            <a:r>
-              <a:rPr lang="en" sz="1000">
-                <a:solidFill>
-                  <a:srgbClr val="666666"/>
-                </a:solidFill>
-              </a:rPr>
-              <a:t>     utan: filter+collect=az eredeti ?shallow&lt;bocsi ha fazsagot irtam&gt;?copy levalogatva csak ami kell..milyen franko mar?!^^</a:t>
-            </a:r>
-          </a:p>
-          <a:p>
-            <a:pPr lvl="0" rtl="0">
-              <a:spcBef>
-                <a:spcPts val="0"/>
-              </a:spcBef>
-              <a:buNone/>
-            </a:pPr>
-            <a:r>
-              <a:t/>
-            </a:r>
-            <a:endParaRPr sz="900">
-              <a:solidFill>
-                <a:srgbClr val="FF9900"/>
-              </a:solidFill>
-            </a:endParaRPr>
-          </a:p>
-          <a:p>
-            <a:pPr lvl="0" rtl="0">
-              <a:spcBef>
-                <a:spcPts val="0"/>
-              </a:spcBef>
-              <a:buNone/>
-            </a:pPr>
-            <a:r>
-              <a:t/>
-            </a:r>
-            <a:endParaRPr/>
-          </a:p>
-          <a:p>
-            <a:pPr lvl="0" rtl="0">
-              <a:spcBef>
-                <a:spcPts val="0"/>
-              </a:spcBef>
-              <a:buNone/>
-            </a:pPr>
-            <a:r>
-              <a:rPr lang="en"/>
-              <a:t>//final lehet AZ EGYSZER INICIALIZÁLT MEMBER; graphon kívül mindent lehet inline inicializálni</a:t>
-            </a:r>
-          </a:p>
-          <a:p>
-            <a:pPr lvl="0" rtl="0">
-              <a:spcBef>
-                <a:spcPts val="0"/>
-              </a:spcBef>
-              <a:buNone/>
-            </a:pPr>
-            <a:r>
-              <a:rPr lang="en"/>
-              <a:t>//equals has-code?</a:t>
-            </a:r>
-          </a:p>
-          <a:p>
-            <a:pPr lvl="0" rtl="0">
-              <a:spcBef>
-                <a:spcPts val="0"/>
-              </a:spcBef>
-              <a:buNone/>
-            </a:pPr>
-            <a:r>
-              <a:rPr lang="en"/>
-              <a:t>//Autoboxingról pár keresetlen szó</a:t>
-            </a:r>
-          </a:p>
-          <a:p>
-            <a:pPr lvl="0" rtl="0">
-              <a:spcBef>
-                <a:spcPts val="0"/>
-              </a:spcBef>
-              <a:buNone/>
-            </a:pPr>
-            <a:r>
-              <a:rPr lang="en"/>
-              <a:t>//streamesíteni</a:t>
-            </a:r>
-          </a:p>
-          <a:p>
-            <a:pPr lvl="0" rtl="0">
-              <a:spcBef>
-                <a:spcPts val="0"/>
-              </a:spcBef>
-              <a:buNone/>
-            </a:pPr>
-            <a:r>
-              <a:rPr lang="en"/>
-              <a:t>//minden ami független az instance state-től mehet static-ba</a:t>
-            </a:r>
-          </a:p>
-          <a:p>
-            <a:pPr lvl="0" rtl="0">
-              <a:spcBef>
-                <a:spcPts val="0"/>
-              </a:spcBef>
-              <a:buNone/>
-            </a:pPr>
-            <a:r>
-              <a:rPr lang="en"/>
-              <a:t>//Honnan tudom a legnagyobb lehetséges in value-t (először 100-ra inicializálni)</a:t>
-            </a:r>
-          </a:p>
-          <a:p>
-            <a:pPr lvl="0" rtl="0">
-              <a:spcBef>
-                <a:spcPts val="0"/>
-              </a:spcBef>
-              <a:buNone/>
-            </a:pPr>
-            <a:r>
-              <a:rPr lang="en"/>
-              <a:t>//  Itt ez lehetne Deque</a:t>
-            </a:r>
-          </a:p>
-          <a:p>
-            <a:pPr lvl="0" rtl="0">
-              <a:spcBef>
-                <a:spcPts val="0"/>
-              </a:spcBef>
-              <a:buNone/>
-            </a:pPr>
-            <a:r>
-              <a:rPr lang="en"/>
-              <a:t>//   funcionális programozásban ez rekurzió lehetne csak ;)</a:t>
-            </a:r>
-          </a:p>
-          <a:p>
-            <a:pPr lvl="0" rtl="0">
-              <a:spcBef>
-                <a:spcPts val="0"/>
-              </a:spcBef>
-              <a:buNone/>
-            </a:pPr>
-            <a:r>
-              <a:rPr lang="en"/>
-              <a:t>//   addFirst és akkor nem kell reverse</a:t>
-            </a:r>
-          </a:p>
-          <a:p>
-            <a:pPr lvl="0" rtl="0">
-              <a:spcBef>
-                <a:spcPts val="0"/>
-              </a:spcBef>
-              <a:buNone/>
-            </a:pPr>
-            <a:r>
-              <a:rPr lang="en"/>
-              <a:t>// + operátor veszélyei,helyette append chaining</a:t>
-            </a:r>
-          </a:p>
-          <a:p>
-            <a:pPr lvl="0" rtl="0">
-              <a:spcBef>
-                <a:spcPts val="0"/>
-              </a:spcBef>
-              <a:buNone/>
-            </a:pPr>
-            <a:r>
-              <a:rPr lang="en"/>
-              <a:t>// String pool és intern esetleg</a:t>
-            </a:r>
-          </a:p>
-          <a:p>
-            <a:pPr lvl="0" rtl="0">
-              <a:spcBef>
-                <a:spcPts val="0"/>
-              </a:spcBef>
-              <a:buNone/>
-            </a:pPr>
-            <a:r>
-              <a:rPr lang="en"/>
-              <a:t>//getSettled …</a:t>
-            </a:r>
-          </a:p>
-          <a:p>
-            <a:pPr lvl="0" rtl="0">
-              <a:spcBef>
-                <a:spcPts val="0"/>
-              </a:spcBef>
-              <a:buNone/>
-            </a:pPr>
-            <a:r>
-              <a:rPr lang="en"/>
-              <a:t>//hosszú predikátumokat ki lehet vinni nevesített függvénybe, olvashatóbb a kód</a:t>
-            </a:r>
-          </a:p>
-          <a:p>
-            <a:pPr lvl="0" rtl="0">
-              <a:spcBef>
-                <a:spcPts val="0"/>
-              </a:spcBef>
-              <a:buNone/>
-            </a:pPr>
-            <a:r>
-              <a:rPr lang="en"/>
-              <a:t>// castolás és autobxing &lt;3</a:t>
-            </a:r>
-          </a:p>
-          <a:p>
-            <a:pPr lvl="0" rtl="0">
-              <a:spcBef>
-                <a:spcPts val="0"/>
-              </a:spcBef>
-              <a:buNone/>
-            </a:pPr>
-            <a:r>
-              <a:rPr lang="en"/>
-              <a:t>//return -1 elsőre. De aztán explicit hibakelezlés exception.el. Runtime exception?! Miért illetlenség használni?</a:t>
-            </a:r>
-          </a:p>
-          <a:p>
-            <a:pPr lvl="0" rtl="0">
-              <a:spcBef>
-                <a:spcPts val="0"/>
-              </a:spcBef>
-              <a:buNone/>
-            </a:pPr>
-            <a:r>
-              <a:rPr lang="en"/>
-              <a:t>//find closest naighbor. ÉS akkor kiderül a függvény nevéből mit csinál</a:t>
-            </a:r>
-          </a:p>
-          <a:p>
-            <a:pPr lvl="0" rtl="0">
-              <a:spcBef>
-                <a:spcPts val="0"/>
-              </a:spcBef>
-              <a:buNone/>
-            </a:pPr>
-            <a:r>
-              <a:rPr lang="en"/>
-              <a:t>//gyorsításként a shortest distance és distance számolást változóba kivinni és csak 1X számolni</a:t>
-            </a:r>
-          </a:p>
-          <a:p>
-            <a:pPr lvl="0" rtl="0">
-              <a:spcBef>
-                <a:spcPts val="0"/>
-              </a:spcBef>
-              <a:buNone/>
-            </a:pPr>
-            <a:r>
-              <a:rPr lang="en"/>
-              <a:t>//Miért nem jó a list.get(sokadik elem)? &lt;ez nekem is új&gt;</a:t>
-            </a:r>
-          </a:p>
-          <a:p>
-            <a:pPr lvl="0">
-              <a:spcBef>
-                <a:spcPts val="0"/>
-              </a:spcBef>
-              <a:buNone/>
-            </a:pPr>
-            <a:r>
-              <a:t/>
-            </a:r>
-            <a:endParaRPr/>
-          </a:p>
-        </p:txBody>
-      </p:sp>
-    </p:spTree>
-  </p:cSld>
-  <p:clrMapOvr>
-    <a:masterClrMapping/>
-  </p:clrMapOvr>
-</p:notes>
-</file>
-
-<file path=ppt/notesSlides/notesSlide14.xml><?xml version="1.0" encoding="utf-8"?>
-<p:notes xmlns:a="http://schemas.openxmlformats.org/drawingml/2006/main" xmlns:r="http://schemas.openxmlformats.org/officeDocument/2006/relationships" xmlns:mc="http://schemas.openxmlformats.org/markup-compatibility/2006" xmlns:mv="urn:schemas-microsoft-com:mac:vml" xmlns:p="http://schemas.openxmlformats.org/presentationml/2006/main" xmlns:c="http://schemas.openxmlformats.org/drawingml/2006/chart" xmlns:dgm="http://schemas.openxmlformats.org/drawingml/2006/diagram" xmlns:o="urn:schemas-microsoft-com:office:office" xmlns:v="urn:schemas-microsoft-com:vml" xmlns:pvml="urn:schemas-microsoft-com:office:powerpoint" xmlns:com="http://schemas.openxmlformats.org/drawingml/2006/compatibility" xmlns:p14="http://schemas.microsoft.com/office/powerpoint/2010/main" showMasterPhAnim="0" showMasterSp="0">
-  <p:cSld>
-    <p:spTree>
-      <p:nvGrpSpPr>
-        <p:cNvPr id="134" name="Shape 134"/>
+        <p:cNvPr id="1" name="Shape 134"/>
         <p:cNvGrpSpPr/>
         <p:nvPr/>
       </p:nvGrpSpPr>
@@ -1379,19 +837,26 @@
       <p:sp>
         <p:nvSpPr>
           <p:cNvPr id="135" name="Shape 135"/>
-          <p:cNvSpPr/>
+          <p:cNvSpPr>
+            <a:spLocks noGrp="1" noRot="1" noChangeAspect="1"/>
+          </p:cNvSpPr>
           <p:nvPr>
-            <p:ph idx="2" type="sldImg"/>
+            <p:ph type="sldImg" idx="2"/>
           </p:nvPr>
         </p:nvSpPr>
         <p:spPr>
           <a:xfrm>
-            <a:off x="381300" y="685800"/>
+            <a:off x="381000" y="685800"/>
             <a:ext cx="6096000" cy="3429000"/>
           </a:xfrm>
           <a:custGeom>
+            <a:avLst/>
+            <a:gdLst/>
+            <a:ahLst/>
+            <a:cxnLst/>
+            <a:rect l="0" t="0" r="0" b="0"/>
             <a:pathLst>
-              <a:path extrusionOk="0" h="120000" w="120000">
+              <a:path w="120000" h="120000" extrusionOk="0">
                 <a:moveTo>
                   <a:pt x="0" y="0"/>
                 </a:moveTo>
@@ -1413,9 +878,11 @@
       <p:sp>
         <p:nvSpPr>
           <p:cNvPr id="136" name="Shape 136"/>
-          <p:cNvSpPr txBox="1"/>
+          <p:cNvSpPr txBox="1">
+            <a:spLocks noGrp="1"/>
+          </p:cNvSpPr>
           <p:nvPr>
-            <p:ph idx="1" type="body"/>
+            <p:ph type="body" idx="1"/>
           </p:nvPr>
         </p:nvSpPr>
         <p:spPr>
@@ -1428,138 +895,18 @@
           </a:prstGeom>
         </p:spPr>
         <p:txBody>
-          <a:bodyPr anchorCtr="0" anchor="t" bIns="91425" lIns="91425" rIns="91425" tIns="91425">
+          <a:bodyPr lIns="91425" tIns="91425" rIns="91425" bIns="91425" anchor="t" anchorCtr="0">
             <a:noAutofit/>
           </a:bodyPr>
           <a:lstStyle/>
           <a:p>
-            <a:pPr indent="-292100" lvl="0" marL="457200" rtl="0">
-              <a:spcBef>
-                <a:spcPts val="0"/>
-              </a:spcBef>
-              <a:buClr>
-                <a:schemeClr val="dk1"/>
-              </a:buClr>
-              <a:buSzPct val="100000"/>
-            </a:pPr>
-            <a:r>
-              <a:rPr lang="en" sz="1000">
-                <a:solidFill>
-                  <a:schemeClr val="dk1"/>
-                </a:solidFill>
-              </a:rPr>
-              <a:t>Mi az a tervezési minta?</a:t>
-            </a:r>
-          </a:p>
-          <a:p>
-            <a:pPr indent="-292100" lvl="1" marL="914400" rtl="0">
-              <a:spcBef>
-                <a:spcPts val="0"/>
-              </a:spcBef>
-              <a:buClr>
-                <a:schemeClr val="dk1"/>
-              </a:buClr>
-              <a:buSzPct val="100000"/>
-              <a:buAutoNum type="alphaLcPeriod"/>
-            </a:pPr>
-            <a:r>
-              <a:rPr lang="en" sz="1000">
-                <a:solidFill>
-                  <a:schemeClr val="dk1"/>
-                </a:solidFill>
-              </a:rPr>
-              <a:t>Hintek a jó kód felépítéséhez….</a:t>
-            </a:r>
-          </a:p>
-          <a:p>
-            <a:pPr indent="-292100" lvl="0" marL="457200" rtl="0">
-              <a:spcBef>
-                <a:spcPts val="0"/>
-              </a:spcBef>
-              <a:buClr>
-                <a:schemeClr val="dk1"/>
-              </a:buClr>
-              <a:buSzPct val="100000"/>
-            </a:pPr>
-            <a:r>
-              <a:rPr lang="en" sz="1000">
-                <a:solidFill>
-                  <a:schemeClr val="dk1"/>
-                </a:solidFill>
-              </a:rPr>
-              <a:t>Miért érdemes őket használni?</a:t>
-            </a:r>
-          </a:p>
-          <a:p>
-            <a:pPr indent="-292100" lvl="1" marL="914400" rtl="0">
-              <a:spcBef>
-                <a:spcPts val="0"/>
-              </a:spcBef>
-              <a:buClr>
-                <a:schemeClr val="dk1"/>
-              </a:buClr>
-              <a:buSzPct val="100000"/>
-              <a:buAutoNum type="alphaLcPeriod"/>
-            </a:pPr>
-            <a:r>
-              <a:rPr lang="en" sz="1000">
-                <a:solidFill>
-                  <a:schemeClr val="dk1"/>
-                </a:solidFill>
-              </a:rPr>
-              <a:t>Ezek betartásával nem annyira lesz magas a wtf/min….</a:t>
-            </a:r>
-          </a:p>
-          <a:p>
-            <a:pPr indent="-292100" lvl="0" marL="457200" rtl="0">
-              <a:spcBef>
-                <a:spcPts val="0"/>
-              </a:spcBef>
-              <a:buClr>
-                <a:schemeClr val="dk1"/>
-              </a:buClr>
-              <a:buSzPct val="100000"/>
-            </a:pPr>
-            <a:r>
-              <a:rPr lang="en" sz="1000">
-                <a:solidFill>
-                  <a:schemeClr val="dk1"/>
-                </a:solidFill>
-              </a:rPr>
-              <a:t>Honnan jön ez a fogalom?</a:t>
-            </a:r>
-          </a:p>
-          <a:p>
-            <a:pPr indent="-292100" lvl="1" marL="914400" rtl="0">
-              <a:spcBef>
-                <a:spcPts val="0"/>
-              </a:spcBef>
-              <a:buClr>
-                <a:schemeClr val="dk1"/>
-              </a:buClr>
-              <a:buSzPct val="100000"/>
-              <a:buAutoNum type="alphaLcPeriod"/>
-            </a:pPr>
-            <a:r>
-              <a:rPr lang="en" sz="1000">
-                <a:solidFill>
-                  <a:schemeClr val="dk1"/>
-                </a:solidFill>
-              </a:rPr>
-              <a:t>Építészetből jön (épületek már elég régóta elég masszívak, lehet a programozásban is jó ez az elv.)</a:t>
-            </a:r>
-          </a:p>
-          <a:p>
             <a:pPr lvl="0" rtl="0">
               <a:spcBef>
                 <a:spcPts val="0"/>
               </a:spcBef>
               <a:buNone/>
             </a:pPr>
-            <a:r>
-              <a:t/>
-            </a:r>
-            <a:endParaRPr sz="1000">
+            <a:endParaRPr sz="1000" dirty="0">
               <a:solidFill>
                 <a:schemeClr val="dk1"/>
               </a:solidFill>
@@ -1568,6 +915,11 @@
         </p:txBody>
       </p:sp>
     </p:spTree>
+    <p:extLst>
+      <p:ext uri="{BB962C8B-B14F-4D97-AF65-F5344CB8AC3E}">
+        <p14:creationId xmlns:p14="http://schemas.microsoft.com/office/powerpoint/2010/main" val="307543425"/>
+      </p:ext>
+    </p:extLst>
   </p:cSld>
   <p:clrMapOvr>
     <a:masterClrMapping/>
@@ -1575,12 +927,12 @@
 </p:notes>
 </file>
 
-<file path=ppt/notesSlides/notesSlide15.xml><?xml version="1.0" encoding="utf-8"?>
-<p:notes xmlns:a="http://schemas.openxmlformats.org/drawingml/2006/main" xmlns:r="http://schemas.openxmlformats.org/officeDocument/2006/relationships" xmlns:mc="http://schemas.openxmlformats.org/markup-compatibility/2006" xmlns:mv="urn:schemas-microsoft-com:mac:vml" xmlns:p="http://schemas.openxmlformats.org/presentationml/2006/main" xmlns:c="http://schemas.openxmlformats.org/drawingml/2006/chart" xmlns:dgm="http://schemas.openxmlformats.org/drawingml/2006/diagram" xmlns:o="urn:schemas-microsoft-com:office:office" xmlns:v="urn:schemas-microsoft-com:vml" xmlns:pvml="urn:schemas-microsoft-com:office:powerpoint" xmlns:com="http://schemas.openxmlformats.org/drawingml/2006/compatibility" xmlns:p14="http://schemas.microsoft.com/office/powerpoint/2010/main" showMasterPhAnim="0" showMasterSp="0">
+<file path=ppt/notesSlides/notesSlide13.xml><?xml version="1.0" encoding="utf-8"?>
+<p:notes xmlns:a="http://schemas.openxmlformats.org/drawingml/2006/main" xmlns:r="http://schemas.openxmlformats.org/officeDocument/2006/relationships" xmlns:p="http://schemas.openxmlformats.org/presentationml/2006/main" showMasterSp="0" showMasterPhAnim="0">
   <p:cSld>
     <p:spTree>
       <p:nvGrpSpPr>
-        <p:cNvPr id="139" name="Shape 139"/>
+        <p:cNvPr id="1" name="Shape 139"/>
         <p:cNvGrpSpPr/>
         <p:nvPr/>
       </p:nvGrpSpPr>
@@ -1595,19 +947,26 @@
       <p:sp>
         <p:nvSpPr>
           <p:cNvPr id="140" name="Shape 140"/>
-          <p:cNvSpPr/>
+          <p:cNvSpPr>
+            <a:spLocks noGrp="1" noRot="1" noChangeAspect="1"/>
+          </p:cNvSpPr>
           <p:nvPr>
-            <p:ph idx="2" type="sldImg"/>
+            <p:ph type="sldImg" idx="2"/>
           </p:nvPr>
         </p:nvSpPr>
         <p:spPr>
           <a:xfrm>
-            <a:off x="381300" y="685800"/>
+            <a:off x="381000" y="685800"/>
             <a:ext cx="6096000" cy="3429000"/>
           </a:xfrm>
           <a:custGeom>
+            <a:avLst/>
+            <a:gdLst/>
+            <a:ahLst/>
+            <a:cxnLst/>
+            <a:rect l="0" t="0" r="0" b="0"/>
             <a:pathLst>
-              <a:path extrusionOk="0" h="120000" w="120000">
+              <a:path w="120000" h="120000" extrusionOk="0">
                 <a:moveTo>
                   <a:pt x="0" y="0"/>
                 </a:moveTo>
@@ -1629,9 +988,11 @@
       <p:sp>
         <p:nvSpPr>
           <p:cNvPr id="141" name="Shape 141"/>
-          <p:cNvSpPr txBox="1"/>
+          <p:cNvSpPr txBox="1">
+            <a:spLocks noGrp="1"/>
+          </p:cNvSpPr>
           <p:nvPr>
-            <p:ph idx="1" type="body"/>
+            <p:ph type="body" idx="1"/>
           </p:nvPr>
         </p:nvSpPr>
         <p:spPr>
@@ -1644,7 +1005,7 @@
           </a:prstGeom>
         </p:spPr>
         <p:txBody>
-          <a:bodyPr anchorCtr="0" anchor="t" bIns="91425" lIns="91425" rIns="91425" tIns="91425">
+          <a:bodyPr lIns="91425" tIns="91425" rIns="91425" bIns="91425" anchor="t" anchorCtr="0">
             <a:noAutofit/>
           </a:bodyPr>
           <a:lstStyle/>
@@ -1655,14 +1016,16 @@
               </a:spcBef>
               <a:buNone/>
             </a:pPr>
-            <a:r>
-              <a:t/>
-            </a:r>
             <a:endParaRPr/>
           </a:p>
         </p:txBody>
       </p:sp>
     </p:spTree>
+    <p:extLst>
+      <p:ext uri="{BB962C8B-B14F-4D97-AF65-F5344CB8AC3E}">
+        <p14:creationId xmlns:p14="http://schemas.microsoft.com/office/powerpoint/2010/main" val="2357300524"/>
+      </p:ext>
+    </p:extLst>
   </p:cSld>
   <p:clrMapOvr>
     <a:masterClrMapping/>
@@ -1670,12 +1033,12 @@
 </p:notes>
 </file>
 
-<file path=ppt/notesSlides/notesSlide16.xml><?xml version="1.0" encoding="utf-8"?>
-<p:notes xmlns:a="http://schemas.openxmlformats.org/drawingml/2006/main" xmlns:r="http://schemas.openxmlformats.org/officeDocument/2006/relationships" xmlns:mc="http://schemas.openxmlformats.org/markup-compatibility/2006" xmlns:mv="urn:schemas-microsoft-com:mac:vml" xmlns:p="http://schemas.openxmlformats.org/presentationml/2006/main" xmlns:c="http://schemas.openxmlformats.org/drawingml/2006/chart" xmlns:dgm="http://schemas.openxmlformats.org/drawingml/2006/diagram" xmlns:o="urn:schemas-microsoft-com:office:office" xmlns:v="urn:schemas-microsoft-com:vml" xmlns:pvml="urn:schemas-microsoft-com:office:powerpoint" xmlns:com="http://schemas.openxmlformats.org/drawingml/2006/compatibility" xmlns:p14="http://schemas.microsoft.com/office/powerpoint/2010/main" showMasterPhAnim="0" showMasterSp="0">
+<file path=ppt/notesSlides/notesSlide14.xml><?xml version="1.0" encoding="utf-8"?>
+<p:notes xmlns:a="http://schemas.openxmlformats.org/drawingml/2006/main" xmlns:r="http://schemas.openxmlformats.org/officeDocument/2006/relationships" xmlns:p="http://schemas.openxmlformats.org/presentationml/2006/main" showMasterSp="0" showMasterPhAnim="0">
   <p:cSld>
     <p:spTree>
       <p:nvGrpSpPr>
-        <p:cNvPr id="145" name="Shape 145"/>
+        <p:cNvPr id="1" name="Shape 145"/>
         <p:cNvGrpSpPr/>
         <p:nvPr/>
       </p:nvGrpSpPr>
@@ -1690,19 +1053,26 @@
       <p:sp>
         <p:nvSpPr>
           <p:cNvPr id="146" name="Shape 146"/>
-          <p:cNvSpPr/>
+          <p:cNvSpPr>
+            <a:spLocks noGrp="1" noRot="1" noChangeAspect="1"/>
+          </p:cNvSpPr>
           <p:nvPr>
-            <p:ph idx="2" type="sldImg"/>
+            <p:ph type="sldImg" idx="2"/>
           </p:nvPr>
         </p:nvSpPr>
         <p:spPr>
           <a:xfrm>
-            <a:off x="381300" y="685800"/>
+            <a:off x="381000" y="685800"/>
             <a:ext cx="6096000" cy="3429000"/>
           </a:xfrm>
           <a:custGeom>
+            <a:avLst/>
+            <a:gdLst/>
+            <a:ahLst/>
+            <a:cxnLst/>
+            <a:rect l="0" t="0" r="0" b="0"/>
             <a:pathLst>
-              <a:path extrusionOk="0" h="120000" w="120000">
+              <a:path w="120000" h="120000" extrusionOk="0">
                 <a:moveTo>
                   <a:pt x="0" y="0"/>
                 </a:moveTo>
@@ -1724,9 +1094,11 @@
       <p:sp>
         <p:nvSpPr>
           <p:cNvPr id="147" name="Shape 147"/>
-          <p:cNvSpPr txBox="1"/>
+          <p:cNvSpPr txBox="1">
+            <a:spLocks noGrp="1"/>
+          </p:cNvSpPr>
           <p:nvPr>
-            <p:ph idx="1" type="body"/>
+            <p:ph type="body" idx="1"/>
           </p:nvPr>
         </p:nvSpPr>
         <p:spPr>
@@ -1739,7 +1111,7 @@
           </a:prstGeom>
         </p:spPr>
         <p:txBody>
-          <a:bodyPr anchorCtr="0" anchor="t" bIns="91425" lIns="91425" rIns="91425" tIns="91425">
+          <a:bodyPr lIns="91425" tIns="91425" rIns="91425" bIns="91425" anchor="t" anchorCtr="0">
             <a:noAutofit/>
           </a:bodyPr>
           <a:lstStyle/>
@@ -1750,14 +1122,16 @@
               </a:spcBef>
               <a:buNone/>
             </a:pPr>
-            <a:r>
-              <a:t/>
-            </a:r>
             <a:endParaRPr/>
           </a:p>
         </p:txBody>
       </p:sp>
     </p:spTree>
+    <p:extLst>
+      <p:ext uri="{BB962C8B-B14F-4D97-AF65-F5344CB8AC3E}">
+        <p14:creationId xmlns:p14="http://schemas.microsoft.com/office/powerpoint/2010/main" val="348659197"/>
+      </p:ext>
+    </p:extLst>
   </p:cSld>
   <p:clrMapOvr>
     <a:masterClrMapping/>
@@ -1765,12 +1139,12 @@
 </p:notes>
 </file>
 
-<file path=ppt/notesSlides/notesSlide17.xml><?xml version="1.0" encoding="utf-8"?>
-<p:notes xmlns:a="http://schemas.openxmlformats.org/drawingml/2006/main" xmlns:r="http://schemas.openxmlformats.org/officeDocument/2006/relationships" xmlns:mc="http://schemas.openxmlformats.org/markup-compatibility/2006" xmlns:mv="urn:schemas-microsoft-com:mac:vml" xmlns:p="http://schemas.openxmlformats.org/presentationml/2006/main" xmlns:c="http://schemas.openxmlformats.org/drawingml/2006/chart" xmlns:dgm="http://schemas.openxmlformats.org/drawingml/2006/diagram" xmlns:o="urn:schemas-microsoft-com:office:office" xmlns:v="urn:schemas-microsoft-com:vml" xmlns:pvml="urn:schemas-microsoft-com:office:powerpoint" xmlns:com="http://schemas.openxmlformats.org/drawingml/2006/compatibility" xmlns:p14="http://schemas.microsoft.com/office/powerpoint/2010/main" showMasterPhAnim="0" showMasterSp="0">
+<file path=ppt/notesSlides/notesSlide15.xml><?xml version="1.0" encoding="utf-8"?>
+<p:notes xmlns:a="http://schemas.openxmlformats.org/drawingml/2006/main" xmlns:r="http://schemas.openxmlformats.org/officeDocument/2006/relationships" xmlns:p="http://schemas.openxmlformats.org/presentationml/2006/main" showMasterSp="0" showMasterPhAnim="0">
   <p:cSld>
     <p:spTree>
       <p:nvGrpSpPr>
-        <p:cNvPr id="151" name="Shape 151"/>
+        <p:cNvPr id="1" name="Shape 151"/>
         <p:cNvGrpSpPr/>
         <p:nvPr/>
       </p:nvGrpSpPr>
@@ -1785,19 +1159,26 @@
       <p:sp>
         <p:nvSpPr>
           <p:cNvPr id="152" name="Shape 152"/>
-          <p:cNvSpPr/>
+          <p:cNvSpPr>
+            <a:spLocks noGrp="1" noRot="1" noChangeAspect="1"/>
+          </p:cNvSpPr>
           <p:nvPr>
-            <p:ph idx="2" type="sldImg"/>
+            <p:ph type="sldImg" idx="2"/>
           </p:nvPr>
         </p:nvSpPr>
         <p:spPr>
           <a:xfrm>
-            <a:off x="381300" y="685800"/>
+            <a:off x="381000" y="685800"/>
             <a:ext cx="6096000" cy="3429000"/>
           </a:xfrm>
           <a:custGeom>
+            <a:avLst/>
+            <a:gdLst/>
+            <a:ahLst/>
+            <a:cxnLst/>
+            <a:rect l="0" t="0" r="0" b="0"/>
             <a:pathLst>
-              <a:path extrusionOk="0" h="120000" w="120000">
+              <a:path w="120000" h="120000" extrusionOk="0">
                 <a:moveTo>
                   <a:pt x="0" y="0"/>
                 </a:moveTo>
@@ -1819,9 +1200,11 @@
       <p:sp>
         <p:nvSpPr>
           <p:cNvPr id="153" name="Shape 153"/>
-          <p:cNvSpPr txBox="1"/>
+          <p:cNvSpPr txBox="1">
+            <a:spLocks noGrp="1"/>
+          </p:cNvSpPr>
           <p:nvPr>
-            <p:ph idx="1" type="body"/>
+            <p:ph type="body" idx="1"/>
           </p:nvPr>
         </p:nvSpPr>
         <p:spPr>
@@ -1834,7 +1217,7 @@
           </a:prstGeom>
         </p:spPr>
         <p:txBody>
-          <a:bodyPr anchorCtr="0" anchor="t" bIns="91425" lIns="91425" rIns="91425" tIns="91425">
+          <a:bodyPr lIns="91425" tIns="91425" rIns="91425" bIns="91425" anchor="t" anchorCtr="0">
             <a:noAutofit/>
           </a:bodyPr>
           <a:lstStyle/>
@@ -1850,195 +1233,16 @@
               <a:buFont typeface="Arial"/>
               <a:buNone/>
             </a:pPr>
-            <a:r>
-              <a:rPr lang="en"/>
-              <a:t>Lehetne egy olyan (unit teszt akkor fogadja el ha a fv visszatérési értéke true és más kód nem változott benne), úgy hogy az eredeti kódba nem nyúlhat bele csak a *** os sorba írhat egy sort ami kiegészíti ++javadocban szeretnénk magyarázatot is hozzá szövegesen:</a:t>
-            </a:r>
-          </a:p>
-          <a:p>
-            <a:pPr lvl="0" rtl="0">
-              <a:spcBef>
-                <a:spcPts val="0"/>
-              </a:spcBef>
-              <a:buNone/>
-            </a:pPr>
-            <a:br>
-              <a:rPr lang="en"/>
-            </a:br>
-            <a:r>
-              <a:rPr lang="en"/>
-              <a:t>public class Main</a:t>
-            </a:r>
-            <a:br>
-              <a:rPr lang="en"/>
-            </a:br>
-            <a:r>
-              <a:rPr lang="en"/>
-              <a:t>{</a:t>
-            </a:r>
-            <a:br>
-              <a:rPr lang="en"/>
-            </a:br>
-            <a:r>
-              <a:rPr lang="en"/>
-              <a:t>	public static void main(String[] args)</a:t>
-            </a:r>
-            <a:br>
-              <a:rPr lang="en"/>
-            </a:br>
-            <a:r>
-              <a:rPr lang="en"/>
-              <a:t>	{</a:t>
-            </a:r>
-            <a:br>
-              <a:rPr lang="en"/>
-            </a:br>
-            <a:r>
-              <a:rPr lang="en"/>
-              <a:t>		if (!egeszitsKi())</a:t>
-            </a:r>
-            <a:br>
-              <a:rPr lang="en"/>
-            </a:br>
-            <a:r>
-              <a:rPr lang="en"/>
-              <a:t>			System.exit(1);	</a:t>
-            </a:r>
-            <a:br>
-              <a:rPr lang="en"/>
-            </a:br>
-            <a:r>
-              <a:rPr lang="en"/>
-              <a:t>	}</a:t>
-            </a:r>
-            <a:br>
-              <a:rPr lang="en"/>
-            </a:br>
-            <a:br>
-              <a:rPr lang="en"/>
-            </a:br>
-            <a:r>
-              <a:rPr lang="en"/>
-              <a:t>	static boolean egeszitsKi()</a:t>
-            </a:r>
-            <a:br>
-              <a:rPr lang="en"/>
-            </a:br>
-            <a:r>
-              <a:rPr lang="en"/>
-              <a:t>	{</a:t>
-            </a:r>
-            <a:br>
-              <a:rPr lang="en"/>
-            </a:br>
-            <a:r>
-              <a:rPr lang="en"/>
-              <a:t>		String elsoSzoveg="ELSO szoveg";</a:t>
-            </a:r>
-            <a:br>
-              <a:rPr lang="en"/>
-            </a:br>
-            <a:r>
-              <a:rPr lang="en"/>
-              <a:t>		String elsovelAzonosTartalmuSzoveg=new String("ELSO szoveg");</a:t>
-            </a:r>
-            <a:br>
-              <a:rPr lang="en"/>
-            </a:br>
-            <a:r>
-              <a:rPr lang="en"/>
-              <a:t>		// ide irj</a:t>
-            </a:r>
-            <a:br>
-              <a:rPr lang="en"/>
-            </a:br>
-            <a:r>
-              <a:rPr lang="en"/>
-              <a:t>		return elsoSzoveg == elsovelAzonosTartalmuSzoveg;</a:t>
-            </a:r>
-            <a:br>
-              <a:rPr lang="en"/>
-            </a:br>
-            <a:r>
-              <a:rPr lang="en"/>
-              <a:t>	}</a:t>
-            </a:r>
-            <a:br>
-              <a:rPr lang="en"/>
-            </a:br>
-            <a:r>
-              <a:rPr lang="en"/>
-              <a:t>}</a:t>
-            </a:r>
-          </a:p>
-          <a:p>
-            <a:pPr lvl="0" rtl="0">
-              <a:spcBef>
-                <a:spcPts val="0"/>
-              </a:spcBef>
-              <a:buClr>
-                <a:schemeClr val="dk1"/>
-              </a:buClr>
-              <a:buSzPct val="100000"/>
-              <a:buFont typeface="Arial"/>
-              <a:buNone/>
-            </a:pPr>
-            <a:r>
-              <a:t/>
-            </a:r>
-            <a:endParaRPr/>
-          </a:p>
-          <a:p>
-            <a:pPr lvl="0" rtl="0">
-              <a:spcBef>
-                <a:spcPts val="0"/>
-              </a:spcBef>
-              <a:buNone/>
-            </a:pPr>
-            <a:r>
-              <a:rPr lang="en"/>
-              <a:t>ezzel utánanéznének a StringPoolnak is :)</a:t>
-            </a:r>
-          </a:p>
-          <a:p>
-            <a:pPr lvl="0" rtl="0">
-              <a:spcBef>
-                <a:spcPts val="0"/>
-              </a:spcBef>
-              <a:buNone/>
-            </a:pPr>
-            <a:r>
-              <a:t/>
-            </a:r>
-            <a:endParaRPr/>
-          </a:p>
-          <a:p>
-            <a:pPr lvl="0" rtl="0">
-              <a:spcBef>
-                <a:spcPts val="0"/>
-              </a:spcBef>
-              <a:buNone/>
-            </a:pPr>
-            <a:r>
-              <a:t/>
-            </a:r>
-            <a:endParaRPr/>
-          </a:p>
-          <a:p>
-            <a:pPr lvl="0">
-              <a:spcBef>
-                <a:spcPts val="0"/>
-              </a:spcBef>
-              <a:buNone/>
-            </a:pPr>
-            <a:r>
-              <a:rPr lang="en"/>
-              <a:t>by Márk: 2 object beolvasása és. equals….no mégse</a:t>
-            </a:r>
+            <a:endParaRPr lang="en" dirty="0"/>
           </a:p>
         </p:txBody>
       </p:sp>
     </p:spTree>
+    <p:extLst>
+      <p:ext uri="{BB962C8B-B14F-4D97-AF65-F5344CB8AC3E}">
+        <p14:creationId xmlns:p14="http://schemas.microsoft.com/office/powerpoint/2010/main" val="4135914698"/>
+      </p:ext>
+    </p:extLst>
   </p:cSld>
   <p:clrMapOvr>
     <a:masterClrMapping/>
@@ -2046,12 +1250,12 @@
 </p:notes>
 </file>
 
-<file path=ppt/notesSlides/notesSlide18.xml><?xml version="1.0" encoding="utf-8"?>
-<p:notes xmlns:a="http://schemas.openxmlformats.org/drawingml/2006/main" xmlns:r="http://schemas.openxmlformats.org/officeDocument/2006/relationships" xmlns:mc="http://schemas.openxmlformats.org/markup-compatibility/2006" xmlns:mv="urn:schemas-microsoft-com:mac:vml" xmlns:p="http://schemas.openxmlformats.org/presentationml/2006/main" xmlns:c="http://schemas.openxmlformats.org/drawingml/2006/chart" xmlns:dgm="http://schemas.openxmlformats.org/drawingml/2006/diagram" xmlns:o="urn:schemas-microsoft-com:office:office" xmlns:v="urn:schemas-microsoft-com:vml" xmlns:pvml="urn:schemas-microsoft-com:office:powerpoint" xmlns:com="http://schemas.openxmlformats.org/drawingml/2006/compatibility" xmlns:p14="http://schemas.microsoft.com/office/powerpoint/2010/main" showMasterPhAnim="0" showMasterSp="0">
+<file path=ppt/notesSlides/notesSlide16.xml><?xml version="1.0" encoding="utf-8"?>
+<p:notes xmlns:a="http://schemas.openxmlformats.org/drawingml/2006/main" xmlns:r="http://schemas.openxmlformats.org/officeDocument/2006/relationships" xmlns:p="http://schemas.openxmlformats.org/presentationml/2006/main" showMasterSp="0" showMasterPhAnim="0">
   <p:cSld>
     <p:spTree>
       <p:nvGrpSpPr>
-        <p:cNvPr id="156" name="Shape 156"/>
+        <p:cNvPr id="1" name="Shape 156"/>
         <p:cNvGrpSpPr/>
         <p:nvPr/>
       </p:nvGrpSpPr>
@@ -2066,19 +1270,26 @@
       <p:sp>
         <p:nvSpPr>
           <p:cNvPr id="157" name="Shape 157"/>
-          <p:cNvSpPr/>
+          <p:cNvSpPr>
+            <a:spLocks noGrp="1" noRot="1" noChangeAspect="1"/>
+          </p:cNvSpPr>
           <p:nvPr>
-            <p:ph idx="2" type="sldImg"/>
+            <p:ph type="sldImg" idx="2"/>
           </p:nvPr>
         </p:nvSpPr>
         <p:spPr>
           <a:xfrm>
-            <a:off x="381300" y="685800"/>
+            <a:off x="381000" y="685800"/>
             <a:ext cx="6096000" cy="3429000"/>
           </a:xfrm>
           <a:custGeom>
+            <a:avLst/>
+            <a:gdLst/>
+            <a:ahLst/>
+            <a:cxnLst/>
+            <a:rect l="0" t="0" r="0" b="0"/>
             <a:pathLst>
-              <a:path extrusionOk="0" h="120000" w="120000">
+              <a:path w="120000" h="120000" extrusionOk="0">
                 <a:moveTo>
                   <a:pt x="0" y="0"/>
                 </a:moveTo>
@@ -2100,9 +1311,11 @@
       <p:sp>
         <p:nvSpPr>
           <p:cNvPr id="158" name="Shape 158"/>
-          <p:cNvSpPr txBox="1"/>
+          <p:cNvSpPr txBox="1">
+            <a:spLocks noGrp="1"/>
+          </p:cNvSpPr>
           <p:nvPr>
-            <p:ph idx="1" type="body"/>
+            <p:ph type="body" idx="1"/>
           </p:nvPr>
         </p:nvSpPr>
         <p:spPr>
@@ -2115,7 +1328,7 @@
           </a:prstGeom>
         </p:spPr>
         <p:txBody>
-          <a:bodyPr anchorCtr="0" anchor="t" bIns="91425" lIns="91425" rIns="91425" tIns="91425">
+          <a:bodyPr lIns="91425" tIns="91425" rIns="91425" bIns="91425" anchor="t" anchorCtr="0">
             <a:noAutofit/>
           </a:bodyPr>
           <a:lstStyle/>
@@ -2126,14 +1339,16 @@
               </a:spcBef>
               <a:buNone/>
             </a:pPr>
-            <a:r>
-              <a:rPr lang="en"/>
-              <a:t>Márk :D te válaszolsz nekik, te vagy a rangidős tata :D</a:t>
-            </a:r>
+            <a:endParaRPr lang="en" dirty="0"/>
           </a:p>
         </p:txBody>
       </p:sp>
     </p:spTree>
+    <p:extLst>
+      <p:ext uri="{BB962C8B-B14F-4D97-AF65-F5344CB8AC3E}">
+        <p14:creationId xmlns:p14="http://schemas.microsoft.com/office/powerpoint/2010/main" val="352379655"/>
+      </p:ext>
+    </p:extLst>
   </p:cSld>
   <p:clrMapOvr>
     <a:masterClrMapping/>
@@ -2142,11 +1357,11 @@
 </file>
 
 <file path=ppt/notesSlides/notesSlide2.xml><?xml version="1.0" encoding="utf-8"?>
-<p:notes xmlns:a="http://schemas.openxmlformats.org/drawingml/2006/main" xmlns:r="http://schemas.openxmlformats.org/officeDocument/2006/relationships" xmlns:mc="http://schemas.openxmlformats.org/markup-compatibility/2006" xmlns:mv="urn:schemas-microsoft-com:mac:vml" xmlns:p="http://schemas.openxmlformats.org/presentationml/2006/main" xmlns:c="http://schemas.openxmlformats.org/drawingml/2006/chart" xmlns:dgm="http://schemas.openxmlformats.org/drawingml/2006/diagram" xmlns:o="urn:schemas-microsoft-com:office:office" xmlns:v="urn:schemas-microsoft-com:vml" xmlns:pvml="urn:schemas-microsoft-com:office:powerpoint" xmlns:com="http://schemas.openxmlformats.org/drawingml/2006/compatibility" xmlns:p14="http://schemas.microsoft.com/office/powerpoint/2010/main" showMasterPhAnim="0" showMasterSp="0">
+<p:notes xmlns:a="http://schemas.openxmlformats.org/drawingml/2006/main" xmlns:r="http://schemas.openxmlformats.org/officeDocument/2006/relationships" xmlns:p="http://schemas.openxmlformats.org/presentationml/2006/main" showMasterSp="0" showMasterPhAnim="0">
   <p:cSld>
     <p:spTree>
       <p:nvGrpSpPr>
-        <p:cNvPr id="55" name="Shape 55"/>
+        <p:cNvPr id="1" name="Shape 55"/>
         <p:cNvGrpSpPr/>
         <p:nvPr/>
       </p:nvGrpSpPr>
@@ -2161,19 +1376,26 @@
       <p:sp>
         <p:nvSpPr>
           <p:cNvPr id="56" name="Shape 56"/>
-          <p:cNvSpPr/>
+          <p:cNvSpPr>
+            <a:spLocks noGrp="1" noRot="1" noChangeAspect="1"/>
+          </p:cNvSpPr>
           <p:nvPr>
-            <p:ph idx="2" type="sldImg"/>
+            <p:ph type="sldImg" idx="2"/>
           </p:nvPr>
         </p:nvSpPr>
         <p:spPr>
           <a:xfrm>
-            <a:off x="381300" y="685800"/>
+            <a:off x="381000" y="685800"/>
             <a:ext cx="6096000" cy="3429000"/>
           </a:xfrm>
           <a:custGeom>
+            <a:avLst/>
+            <a:gdLst/>
+            <a:ahLst/>
+            <a:cxnLst/>
+            <a:rect l="0" t="0" r="0" b="0"/>
             <a:pathLst>
-              <a:path extrusionOk="0" h="120000" w="120000">
+              <a:path w="120000" h="120000" extrusionOk="0">
                 <a:moveTo>
                   <a:pt x="0" y="0"/>
                 </a:moveTo>
@@ -2195,9 +1417,11 @@
       <p:sp>
         <p:nvSpPr>
           <p:cNvPr id="57" name="Shape 57"/>
-          <p:cNvSpPr txBox="1"/>
+          <p:cNvSpPr txBox="1">
+            <a:spLocks noGrp="1"/>
+          </p:cNvSpPr>
           <p:nvPr>
-            <p:ph idx="1" type="body"/>
+            <p:ph type="body" idx="1"/>
           </p:nvPr>
         </p:nvSpPr>
         <p:spPr>
@@ -2210,7 +1434,7 @@
           </a:prstGeom>
         </p:spPr>
         <p:txBody>
-          <a:bodyPr anchorCtr="0" anchor="t" bIns="91425" lIns="91425" rIns="91425" tIns="91425">
+          <a:bodyPr lIns="91425" tIns="91425" rIns="91425" bIns="91425" anchor="t" anchorCtr="0">
             <a:noAutofit/>
           </a:bodyPr>
           <a:lstStyle/>
@@ -2221,14 +1445,16 @@
               </a:spcBef>
               <a:buNone/>
             </a:pPr>
-            <a:r>
-              <a:t/>
-            </a:r>
             <a:endParaRPr/>
           </a:p>
         </p:txBody>
       </p:sp>
     </p:spTree>
+    <p:extLst>
+      <p:ext uri="{BB962C8B-B14F-4D97-AF65-F5344CB8AC3E}">
+        <p14:creationId xmlns:p14="http://schemas.microsoft.com/office/powerpoint/2010/main" val="1199249993"/>
+      </p:ext>
+    </p:extLst>
   </p:cSld>
   <p:clrMapOvr>
     <a:masterClrMapping/>
@@ -2237,11 +1463,11 @@
 </file>
 
 <file path=ppt/notesSlides/notesSlide3.xml><?xml version="1.0" encoding="utf-8"?>
-<p:notes xmlns:a="http://schemas.openxmlformats.org/drawingml/2006/main" xmlns:r="http://schemas.openxmlformats.org/officeDocument/2006/relationships" xmlns:mc="http://schemas.openxmlformats.org/markup-compatibility/2006" xmlns:mv="urn:schemas-microsoft-com:mac:vml" xmlns:p="http://schemas.openxmlformats.org/presentationml/2006/main" xmlns:c="http://schemas.openxmlformats.org/drawingml/2006/chart" xmlns:dgm="http://schemas.openxmlformats.org/drawingml/2006/diagram" xmlns:o="urn:schemas-microsoft-com:office:office" xmlns:v="urn:schemas-microsoft-com:vml" xmlns:pvml="urn:schemas-microsoft-com:office:powerpoint" xmlns:com="http://schemas.openxmlformats.org/drawingml/2006/compatibility" xmlns:p14="http://schemas.microsoft.com/office/powerpoint/2010/main" showMasterPhAnim="0" showMasterSp="0">
+<p:notes xmlns:a="http://schemas.openxmlformats.org/drawingml/2006/main" xmlns:r="http://schemas.openxmlformats.org/officeDocument/2006/relationships" xmlns:p="http://schemas.openxmlformats.org/presentationml/2006/main" showMasterSp="0" showMasterPhAnim="0">
   <p:cSld>
     <p:spTree>
       <p:nvGrpSpPr>
-        <p:cNvPr id="62" name="Shape 62"/>
+        <p:cNvPr id="1" name="Shape 62"/>
         <p:cNvGrpSpPr/>
         <p:nvPr/>
       </p:nvGrpSpPr>
@@ -2256,19 +1482,26 @@
       <p:sp>
         <p:nvSpPr>
           <p:cNvPr id="63" name="Shape 63"/>
-          <p:cNvSpPr/>
+          <p:cNvSpPr>
+            <a:spLocks noGrp="1" noRot="1" noChangeAspect="1"/>
+          </p:cNvSpPr>
           <p:nvPr>
-            <p:ph idx="2" type="sldImg"/>
+            <p:ph type="sldImg" idx="2"/>
           </p:nvPr>
         </p:nvSpPr>
         <p:spPr>
           <a:xfrm>
-            <a:off x="381300" y="685800"/>
+            <a:off x="381000" y="685800"/>
             <a:ext cx="6096000" cy="3429000"/>
           </a:xfrm>
           <a:custGeom>
+            <a:avLst/>
+            <a:gdLst/>
+            <a:ahLst/>
+            <a:cxnLst/>
+            <a:rect l="0" t="0" r="0" b="0"/>
             <a:pathLst>
-              <a:path extrusionOk="0" h="120000" w="120000">
+              <a:path w="120000" h="120000" extrusionOk="0">
                 <a:moveTo>
                   <a:pt x="0" y="0"/>
                 </a:moveTo>
@@ -2290,9 +1523,11 @@
       <p:sp>
         <p:nvSpPr>
           <p:cNvPr id="64" name="Shape 64"/>
-          <p:cNvSpPr txBox="1"/>
+          <p:cNvSpPr txBox="1">
+            <a:spLocks noGrp="1"/>
+          </p:cNvSpPr>
           <p:nvPr>
-            <p:ph idx="1" type="body"/>
+            <p:ph type="body" idx="1"/>
           </p:nvPr>
         </p:nvSpPr>
         <p:spPr>
@@ -2305,12 +1540,12 @@
           </a:prstGeom>
         </p:spPr>
         <p:txBody>
-          <a:bodyPr anchorCtr="0" anchor="t" bIns="91425" lIns="91425" rIns="91425" tIns="91425">
+          <a:bodyPr lIns="91425" tIns="91425" rIns="91425" bIns="91425" anchor="t" anchorCtr="0">
             <a:noAutofit/>
           </a:bodyPr>
           <a:lstStyle/>
           <a:p>
-            <a:pPr indent="-298450" lvl="0" marL="457200" rtl="0">
+            <a:pPr marL="457200" lvl="0" indent="-298450" rtl="0">
               <a:lnSpc>
                 <a:spcPct val="115000"/>
               </a:lnSpc>
@@ -2325,119 +1560,16 @@
               </a:buClr>
               <a:buSzPct val="100000"/>
             </a:pPr>
-            <a:r>
-              <a:rPr lang="en"/>
-              <a:t>Legyen node,.......nevezektan..kis fv ek...stbtb</a:t>
-            </a:r>
-          </a:p>
-          <a:p>
-            <a:pPr indent="-298450" lvl="0" marL="457200" rtl="0">
-              <a:lnSpc>
-                <a:spcPct val="115000"/>
-              </a:lnSpc>
-              <a:spcBef>
-                <a:spcPts val="0"/>
-              </a:spcBef>
-              <a:spcAft>
-                <a:spcPts val="1600"/>
-              </a:spcAft>
-              <a:buClr>
-                <a:srgbClr val="000000"/>
-              </a:buClr>
-              <a:buSzPct val="100000"/>
-            </a:pPr>
-            <a:r>
-              <a:rPr lang="en"/>
-              <a:t>Graf:</a:t>
-            </a:r>
-          </a:p>
-          <a:p>
-            <a:pPr indent="-298450" lvl="0" marL="457200" rtl="0">
-              <a:lnSpc>
-                <a:spcPct val="115000"/>
-              </a:lnSpc>
-              <a:spcBef>
-                <a:spcPts val="0"/>
-              </a:spcBef>
-              <a:spcAft>
-                <a:spcPts val="1600"/>
-              </a:spcAft>
-              <a:buClr>
-                <a:srgbClr val="000000"/>
-              </a:buClr>
-              <a:buSzPct val="100000"/>
-            </a:pPr>
-            <a:r>
-              <a:rPr lang="en"/>
-              <a:t>      Node tomb,</a:t>
-            </a:r>
-          </a:p>
-          <a:p>
-            <a:pPr indent="-298450" lvl="0" marL="457200" rtl="0">
-              <a:lnSpc>
-                <a:spcPct val="115000"/>
-              </a:lnSpc>
-              <a:spcBef>
-                <a:spcPts val="0"/>
-              </a:spcBef>
-              <a:spcAft>
-                <a:spcPts val="1600"/>
-              </a:spcAft>
-              <a:buClr>
-                <a:srgbClr val="000000"/>
-              </a:buClr>
-              <a:buSzPct val="100000"/>
-            </a:pPr>
-            <a:r>
-              <a:rPr lang="en"/>
-              <a:t>      node nyers array</a:t>
-            </a:r>
-          </a:p>
-          <a:p>
-            <a:pPr indent="-298450" lvl="0" marL="457200" rtl="0">
-              <a:lnSpc>
-                <a:spcPct val="115000"/>
-              </a:lnSpc>
-              <a:spcBef>
-                <a:spcPts val="0"/>
-              </a:spcBef>
-              <a:spcAft>
-                <a:spcPts val="1600"/>
-              </a:spcAft>
-              <a:buClr>
-                <a:srgbClr val="000000"/>
-              </a:buClr>
-              <a:buSzPct val="100000"/>
-            </a:pPr>
-            <a:r>
-              <a:rPr lang="en"/>
-              <a:t>      node array generikusan</a:t>
-            </a:r>
-          </a:p>
-          <a:p>
-            <a:pPr indent="-298450" lvl="0" marL="457200" rtl="0">
-              <a:lnSpc>
-                <a:spcPct val="115000"/>
-              </a:lnSpc>
-              <a:spcBef>
-                <a:spcPts val="0"/>
-              </a:spcBef>
-              <a:spcAft>
-                <a:spcPts val="1600"/>
-              </a:spcAft>
-              <a:buClr>
-                <a:srgbClr val="000000"/>
-              </a:buClr>
-              <a:buSzPct val="100000"/>
-            </a:pPr>
-            <a:r>
-              <a:rPr lang="en"/>
-              <a:t>Algoritmus:...</a:t>
-            </a:r>
+            <a:endParaRPr lang="en" dirty="0"/>
           </a:p>
         </p:txBody>
       </p:sp>
     </p:spTree>
+    <p:extLst>
+      <p:ext uri="{BB962C8B-B14F-4D97-AF65-F5344CB8AC3E}">
+        <p14:creationId xmlns:p14="http://schemas.microsoft.com/office/powerpoint/2010/main" val="1634581459"/>
+      </p:ext>
+    </p:extLst>
   </p:cSld>
   <p:clrMapOvr>
     <a:masterClrMapping/>
@@ -2446,11 +1578,11 @@
 </file>
 
 <file path=ppt/notesSlides/notesSlide4.xml><?xml version="1.0" encoding="utf-8"?>
-<p:notes xmlns:a="http://schemas.openxmlformats.org/drawingml/2006/main" xmlns:r="http://schemas.openxmlformats.org/officeDocument/2006/relationships" xmlns:mc="http://schemas.openxmlformats.org/markup-compatibility/2006" xmlns:mv="urn:schemas-microsoft-com:mac:vml" xmlns:p="http://schemas.openxmlformats.org/presentationml/2006/main" xmlns:c="http://schemas.openxmlformats.org/drawingml/2006/chart" xmlns:dgm="http://schemas.openxmlformats.org/drawingml/2006/diagram" xmlns:o="urn:schemas-microsoft-com:office:office" xmlns:v="urn:schemas-microsoft-com:vml" xmlns:pvml="urn:schemas-microsoft-com:office:powerpoint" xmlns:com="http://schemas.openxmlformats.org/drawingml/2006/compatibility" xmlns:p14="http://schemas.microsoft.com/office/powerpoint/2010/main" showMasterPhAnim="0" showMasterSp="0">
+<p:notes xmlns:a="http://schemas.openxmlformats.org/drawingml/2006/main" xmlns:r="http://schemas.openxmlformats.org/officeDocument/2006/relationships" xmlns:p="http://schemas.openxmlformats.org/presentationml/2006/main" showMasterSp="0" showMasterPhAnim="0">
   <p:cSld>
     <p:spTree>
       <p:nvGrpSpPr>
-        <p:cNvPr id="68" name="Shape 68"/>
+        <p:cNvPr id="1" name="Shape 68"/>
         <p:cNvGrpSpPr/>
         <p:nvPr/>
       </p:nvGrpSpPr>
@@ -2465,19 +1597,26 @@
       <p:sp>
         <p:nvSpPr>
           <p:cNvPr id="69" name="Shape 69"/>
-          <p:cNvSpPr/>
+          <p:cNvSpPr>
+            <a:spLocks noGrp="1" noRot="1" noChangeAspect="1"/>
+          </p:cNvSpPr>
           <p:nvPr>
-            <p:ph idx="2" type="sldImg"/>
+            <p:ph type="sldImg" idx="2"/>
           </p:nvPr>
         </p:nvSpPr>
         <p:spPr>
           <a:xfrm>
-            <a:off x="381300" y="685800"/>
+            <a:off x="381000" y="685800"/>
             <a:ext cx="6096000" cy="3429000"/>
           </a:xfrm>
           <a:custGeom>
+            <a:avLst/>
+            <a:gdLst/>
+            <a:ahLst/>
+            <a:cxnLst/>
+            <a:rect l="0" t="0" r="0" b="0"/>
             <a:pathLst>
-              <a:path extrusionOk="0" h="120000" w="120000">
+              <a:path w="120000" h="120000" extrusionOk="0">
                 <a:moveTo>
                   <a:pt x="0" y="0"/>
                 </a:moveTo>
@@ -2499,9 +1638,11 @@
       <p:sp>
         <p:nvSpPr>
           <p:cNvPr id="70" name="Shape 70"/>
-          <p:cNvSpPr txBox="1"/>
+          <p:cNvSpPr txBox="1">
+            <a:spLocks noGrp="1"/>
+          </p:cNvSpPr>
           <p:nvPr>
-            <p:ph idx="1" type="body"/>
+            <p:ph type="body" idx="1"/>
           </p:nvPr>
         </p:nvSpPr>
         <p:spPr>
@@ -2514,7 +1655,7 @@
           </a:prstGeom>
         </p:spPr>
         <p:txBody>
-          <a:bodyPr anchorCtr="0" anchor="t" bIns="91425" lIns="91425" rIns="91425" tIns="91425">
+          <a:bodyPr lIns="91425" tIns="91425" rIns="91425" bIns="91425" anchor="t" anchorCtr="0">
             <a:noAutofit/>
           </a:bodyPr>
           <a:lstStyle/>
@@ -2525,14 +1666,16 @@
               </a:spcBef>
               <a:buNone/>
             </a:pPr>
-            <a:r>
-              <a:t/>
-            </a:r>
             <a:endParaRPr/>
           </a:p>
         </p:txBody>
       </p:sp>
     </p:spTree>
+    <p:extLst>
+      <p:ext uri="{BB962C8B-B14F-4D97-AF65-F5344CB8AC3E}">
+        <p14:creationId xmlns:p14="http://schemas.microsoft.com/office/powerpoint/2010/main" val="3568601046"/>
+      </p:ext>
+    </p:extLst>
   </p:cSld>
   <p:clrMapOvr>
     <a:masterClrMapping/>
@@ -2541,11 +1684,11 @@
 </file>
 
 <file path=ppt/notesSlides/notesSlide5.xml><?xml version="1.0" encoding="utf-8"?>
-<p:notes xmlns:a="http://schemas.openxmlformats.org/drawingml/2006/main" xmlns:r="http://schemas.openxmlformats.org/officeDocument/2006/relationships" xmlns:mc="http://schemas.openxmlformats.org/markup-compatibility/2006" xmlns:mv="urn:schemas-microsoft-com:mac:vml" xmlns:p="http://schemas.openxmlformats.org/presentationml/2006/main" xmlns:c="http://schemas.openxmlformats.org/drawingml/2006/chart" xmlns:dgm="http://schemas.openxmlformats.org/drawingml/2006/diagram" xmlns:o="urn:schemas-microsoft-com:office:office" xmlns:v="urn:schemas-microsoft-com:vml" xmlns:pvml="urn:schemas-microsoft-com:office:powerpoint" xmlns:com="http://schemas.openxmlformats.org/drawingml/2006/compatibility" xmlns:p14="http://schemas.microsoft.com/office/powerpoint/2010/main" showMasterPhAnim="0" showMasterSp="0">
+<p:notes xmlns:a="http://schemas.openxmlformats.org/drawingml/2006/main" xmlns:r="http://schemas.openxmlformats.org/officeDocument/2006/relationships" xmlns:p="http://schemas.openxmlformats.org/presentationml/2006/main" showMasterSp="0" showMasterPhAnim="0">
   <p:cSld>
     <p:spTree>
       <p:nvGrpSpPr>
-        <p:cNvPr id="74" name="Shape 74"/>
+        <p:cNvPr id="1" name="Shape 74"/>
         <p:cNvGrpSpPr/>
         <p:nvPr/>
       </p:nvGrpSpPr>
@@ -2560,19 +1703,26 @@
       <p:sp>
         <p:nvSpPr>
           <p:cNvPr id="75" name="Shape 75"/>
-          <p:cNvSpPr/>
+          <p:cNvSpPr>
+            <a:spLocks noGrp="1" noRot="1" noChangeAspect="1"/>
+          </p:cNvSpPr>
           <p:nvPr>
-            <p:ph idx="2" type="sldImg"/>
+            <p:ph type="sldImg" idx="2"/>
           </p:nvPr>
         </p:nvSpPr>
         <p:spPr>
           <a:xfrm>
-            <a:off x="381300" y="685800"/>
+            <a:off x="381000" y="685800"/>
             <a:ext cx="6096000" cy="3429000"/>
           </a:xfrm>
           <a:custGeom>
+            <a:avLst/>
+            <a:gdLst/>
+            <a:ahLst/>
+            <a:cxnLst/>
+            <a:rect l="0" t="0" r="0" b="0"/>
             <a:pathLst>
-              <a:path extrusionOk="0" h="120000" w="120000">
+              <a:path w="120000" h="120000" extrusionOk="0">
                 <a:moveTo>
                   <a:pt x="0" y="0"/>
                 </a:moveTo>
@@ -2594,9 +1744,11 @@
       <p:sp>
         <p:nvSpPr>
           <p:cNvPr id="76" name="Shape 76"/>
-          <p:cNvSpPr txBox="1"/>
+          <p:cNvSpPr txBox="1">
+            <a:spLocks noGrp="1"/>
+          </p:cNvSpPr>
           <p:nvPr>
-            <p:ph idx="1" type="body"/>
+            <p:ph type="body" idx="1"/>
           </p:nvPr>
         </p:nvSpPr>
         <p:spPr>
@@ -2609,7 +1761,7 @@
           </a:prstGeom>
         </p:spPr>
         <p:txBody>
-          <a:bodyPr anchorCtr="0" anchor="t" bIns="91425" lIns="91425" rIns="91425" tIns="91425">
+          <a:bodyPr lIns="91425" tIns="91425" rIns="91425" bIns="91425" anchor="t" anchorCtr="0">
             <a:noAutofit/>
           </a:bodyPr>
           <a:lstStyle/>
@@ -2620,14 +1772,16 @@
               </a:spcBef>
               <a:buNone/>
             </a:pPr>
-            <a:r>
-              <a:t/>
-            </a:r>
             <a:endParaRPr/>
           </a:p>
         </p:txBody>
       </p:sp>
     </p:spTree>
+    <p:extLst>
+      <p:ext uri="{BB962C8B-B14F-4D97-AF65-F5344CB8AC3E}">
+        <p14:creationId xmlns:p14="http://schemas.microsoft.com/office/powerpoint/2010/main" val="784043581"/>
+      </p:ext>
+    </p:extLst>
   </p:cSld>
   <p:clrMapOvr>
     <a:masterClrMapping/>
@@ -2636,11 +1790,11 @@
 </file>
 
 <file path=ppt/notesSlides/notesSlide6.xml><?xml version="1.0" encoding="utf-8"?>
-<p:notes xmlns:a="http://schemas.openxmlformats.org/drawingml/2006/main" xmlns:r="http://schemas.openxmlformats.org/officeDocument/2006/relationships" xmlns:mc="http://schemas.openxmlformats.org/markup-compatibility/2006" xmlns:mv="urn:schemas-microsoft-com:mac:vml" xmlns:p="http://schemas.openxmlformats.org/presentationml/2006/main" xmlns:c="http://schemas.openxmlformats.org/drawingml/2006/chart" xmlns:dgm="http://schemas.openxmlformats.org/drawingml/2006/diagram" xmlns:o="urn:schemas-microsoft-com:office:office" xmlns:v="urn:schemas-microsoft-com:vml" xmlns:pvml="urn:schemas-microsoft-com:office:powerpoint" xmlns:com="http://schemas.openxmlformats.org/drawingml/2006/compatibility" xmlns:p14="http://schemas.microsoft.com/office/powerpoint/2010/main" showMasterPhAnim="0" showMasterSp="0">
+<p:notes xmlns:a="http://schemas.openxmlformats.org/drawingml/2006/main" xmlns:r="http://schemas.openxmlformats.org/officeDocument/2006/relationships" xmlns:p="http://schemas.openxmlformats.org/presentationml/2006/main" showMasterSp="0" showMasterPhAnim="0">
   <p:cSld>
     <p:spTree>
       <p:nvGrpSpPr>
-        <p:cNvPr id="80" name="Shape 80"/>
+        <p:cNvPr id="1" name="Shape 80"/>
         <p:cNvGrpSpPr/>
         <p:nvPr/>
       </p:nvGrpSpPr>
@@ -2655,19 +1809,26 @@
       <p:sp>
         <p:nvSpPr>
           <p:cNvPr id="81" name="Shape 81"/>
-          <p:cNvSpPr/>
+          <p:cNvSpPr>
+            <a:spLocks noGrp="1" noRot="1" noChangeAspect="1"/>
+          </p:cNvSpPr>
           <p:nvPr>
-            <p:ph idx="2" type="sldImg"/>
+            <p:ph type="sldImg" idx="2"/>
           </p:nvPr>
         </p:nvSpPr>
         <p:spPr>
           <a:xfrm>
-            <a:off x="381300" y="685800"/>
+            <a:off x="381000" y="685800"/>
             <a:ext cx="6096000" cy="3429000"/>
           </a:xfrm>
           <a:custGeom>
+            <a:avLst/>
+            <a:gdLst/>
+            <a:ahLst/>
+            <a:cxnLst/>
+            <a:rect l="0" t="0" r="0" b="0"/>
             <a:pathLst>
-              <a:path extrusionOk="0" h="120000" w="120000">
+              <a:path w="120000" h="120000" extrusionOk="0">
                 <a:moveTo>
                   <a:pt x="0" y="0"/>
                 </a:moveTo>
@@ -2689,9 +1850,11 @@
       <p:sp>
         <p:nvSpPr>
           <p:cNvPr id="82" name="Shape 82"/>
-          <p:cNvSpPr txBox="1"/>
+          <p:cNvSpPr txBox="1">
+            <a:spLocks noGrp="1"/>
+          </p:cNvSpPr>
           <p:nvPr>
-            <p:ph idx="1" type="body"/>
+            <p:ph type="body" idx="1"/>
           </p:nvPr>
         </p:nvSpPr>
         <p:spPr>
@@ -2704,7 +1867,7 @@
           </a:prstGeom>
         </p:spPr>
         <p:txBody>
-          <a:bodyPr anchorCtr="0" anchor="t" bIns="91425" lIns="91425" rIns="91425" tIns="91425">
+          <a:bodyPr lIns="91425" tIns="91425" rIns="91425" bIns="91425" anchor="t" anchorCtr="0">
             <a:noAutofit/>
           </a:bodyPr>
           <a:lstStyle/>
@@ -2715,14 +1878,16 @@
               </a:spcBef>
               <a:buNone/>
             </a:pPr>
-            <a:r>
-              <a:t/>
-            </a:r>
             <a:endParaRPr/>
           </a:p>
         </p:txBody>
       </p:sp>
     </p:spTree>
+    <p:extLst>
+      <p:ext uri="{BB962C8B-B14F-4D97-AF65-F5344CB8AC3E}">
+        <p14:creationId xmlns:p14="http://schemas.microsoft.com/office/powerpoint/2010/main" val="1751283784"/>
+      </p:ext>
+    </p:extLst>
   </p:cSld>
   <p:clrMapOvr>
     <a:masterClrMapping/>
@@ -2731,11 +1896,11 @@
 </file>
 
 <file path=ppt/notesSlides/notesSlide7.xml><?xml version="1.0" encoding="utf-8"?>
-<p:notes xmlns:a="http://schemas.openxmlformats.org/drawingml/2006/main" xmlns:r="http://schemas.openxmlformats.org/officeDocument/2006/relationships" xmlns:mc="http://schemas.openxmlformats.org/markup-compatibility/2006" xmlns:mv="urn:schemas-microsoft-com:mac:vml" xmlns:p="http://schemas.openxmlformats.org/presentationml/2006/main" xmlns:c="http://schemas.openxmlformats.org/drawingml/2006/chart" xmlns:dgm="http://schemas.openxmlformats.org/drawingml/2006/diagram" xmlns:o="urn:schemas-microsoft-com:office:office" xmlns:v="urn:schemas-microsoft-com:vml" xmlns:pvml="urn:schemas-microsoft-com:office:powerpoint" xmlns:com="http://schemas.openxmlformats.org/drawingml/2006/compatibility" xmlns:p14="http://schemas.microsoft.com/office/powerpoint/2010/main" showMasterPhAnim="0" showMasterSp="0">
+<p:notes xmlns:a="http://schemas.openxmlformats.org/drawingml/2006/main" xmlns:r="http://schemas.openxmlformats.org/officeDocument/2006/relationships" xmlns:p="http://schemas.openxmlformats.org/presentationml/2006/main" showMasterSp="0" showMasterPhAnim="0">
   <p:cSld>
     <p:spTree>
       <p:nvGrpSpPr>
-        <p:cNvPr id="86" name="Shape 86"/>
+        <p:cNvPr id="1" name="Shape 86"/>
         <p:cNvGrpSpPr/>
         <p:nvPr/>
       </p:nvGrpSpPr>
@@ -2750,19 +1915,26 @@
       <p:sp>
         <p:nvSpPr>
           <p:cNvPr id="87" name="Shape 87"/>
-          <p:cNvSpPr/>
+          <p:cNvSpPr>
+            <a:spLocks noGrp="1" noRot="1" noChangeAspect="1"/>
+          </p:cNvSpPr>
           <p:nvPr>
-            <p:ph idx="2" type="sldImg"/>
+            <p:ph type="sldImg" idx="2"/>
           </p:nvPr>
         </p:nvSpPr>
         <p:spPr>
           <a:xfrm>
-            <a:off x="381300" y="685800"/>
+            <a:off x="381000" y="685800"/>
             <a:ext cx="6096000" cy="3429000"/>
           </a:xfrm>
           <a:custGeom>
+            <a:avLst/>
+            <a:gdLst/>
+            <a:ahLst/>
+            <a:cxnLst/>
+            <a:rect l="0" t="0" r="0" b="0"/>
             <a:pathLst>
-              <a:path extrusionOk="0" h="120000" w="120000">
+              <a:path w="120000" h="120000" extrusionOk="0">
                 <a:moveTo>
                   <a:pt x="0" y="0"/>
                 </a:moveTo>
@@ -2784,9 +1956,11 @@
       <p:sp>
         <p:nvSpPr>
           <p:cNvPr id="88" name="Shape 88"/>
-          <p:cNvSpPr txBox="1"/>
+          <p:cNvSpPr txBox="1">
+            <a:spLocks noGrp="1"/>
+          </p:cNvSpPr>
           <p:nvPr>
-            <p:ph idx="1" type="body"/>
+            <p:ph type="body" idx="1"/>
           </p:nvPr>
         </p:nvSpPr>
         <p:spPr>
@@ -2799,7 +1973,7 @@
           </a:prstGeom>
         </p:spPr>
         <p:txBody>
-          <a:bodyPr anchorCtr="0" anchor="t" bIns="91425" lIns="91425" rIns="91425" tIns="91425">
+          <a:bodyPr lIns="91425" tIns="91425" rIns="91425" bIns="91425" anchor="t" anchorCtr="0">
             <a:noAutofit/>
           </a:bodyPr>
           <a:lstStyle/>
@@ -2810,14 +1984,16 @@
               </a:spcBef>
               <a:buNone/>
             </a:pPr>
-            <a:r>
-              <a:t/>
-            </a:r>
             <a:endParaRPr/>
           </a:p>
         </p:txBody>
       </p:sp>
     </p:spTree>
+    <p:extLst>
+      <p:ext uri="{BB962C8B-B14F-4D97-AF65-F5344CB8AC3E}">
+        <p14:creationId xmlns:p14="http://schemas.microsoft.com/office/powerpoint/2010/main" val="3994330825"/>
+      </p:ext>
+    </p:extLst>
   </p:cSld>
   <p:clrMapOvr>
     <a:masterClrMapping/>
@@ -2826,11 +2002,11 @@
 </file>
 
 <file path=ppt/notesSlides/notesSlide8.xml><?xml version="1.0" encoding="utf-8"?>
-<p:notes xmlns:a="http://schemas.openxmlformats.org/drawingml/2006/main" xmlns:r="http://schemas.openxmlformats.org/officeDocument/2006/relationships" xmlns:mc="http://schemas.openxmlformats.org/markup-compatibility/2006" xmlns:mv="urn:schemas-microsoft-com:mac:vml" xmlns:p="http://schemas.openxmlformats.org/presentationml/2006/main" xmlns:c="http://schemas.openxmlformats.org/drawingml/2006/chart" xmlns:dgm="http://schemas.openxmlformats.org/drawingml/2006/diagram" xmlns:o="urn:schemas-microsoft-com:office:office" xmlns:v="urn:schemas-microsoft-com:vml" xmlns:pvml="urn:schemas-microsoft-com:office:powerpoint" xmlns:com="http://schemas.openxmlformats.org/drawingml/2006/compatibility" xmlns:p14="http://schemas.microsoft.com/office/powerpoint/2010/main" showMasterPhAnim="0" showMasterSp="0">
+<p:notes xmlns:a="http://schemas.openxmlformats.org/drawingml/2006/main" xmlns:r="http://schemas.openxmlformats.org/officeDocument/2006/relationships" xmlns:p="http://schemas.openxmlformats.org/presentationml/2006/main" showMasterSp="0" showMasterPhAnim="0">
   <p:cSld>
     <p:spTree>
       <p:nvGrpSpPr>
-        <p:cNvPr id="92" name="Shape 92"/>
+        <p:cNvPr id="1" name="Shape 92"/>
         <p:cNvGrpSpPr/>
         <p:nvPr/>
       </p:nvGrpSpPr>
@@ -2845,19 +2021,26 @@
       <p:sp>
         <p:nvSpPr>
           <p:cNvPr id="93" name="Shape 93"/>
-          <p:cNvSpPr/>
+          <p:cNvSpPr>
+            <a:spLocks noGrp="1" noRot="1" noChangeAspect="1"/>
+          </p:cNvSpPr>
           <p:nvPr>
-            <p:ph idx="2" type="sldImg"/>
+            <p:ph type="sldImg" idx="2"/>
           </p:nvPr>
         </p:nvSpPr>
         <p:spPr>
           <a:xfrm>
-            <a:off x="381300" y="685800"/>
+            <a:off x="381000" y="685800"/>
             <a:ext cx="6096000" cy="3429000"/>
           </a:xfrm>
           <a:custGeom>
+            <a:avLst/>
+            <a:gdLst/>
+            <a:ahLst/>
+            <a:cxnLst/>
+            <a:rect l="0" t="0" r="0" b="0"/>
             <a:pathLst>
-              <a:path extrusionOk="0" h="120000" w="120000">
+              <a:path w="120000" h="120000" extrusionOk="0">
                 <a:moveTo>
                   <a:pt x="0" y="0"/>
                 </a:moveTo>
@@ -2879,9 +2062,11 @@
       <p:sp>
         <p:nvSpPr>
           <p:cNvPr id="94" name="Shape 94"/>
-          <p:cNvSpPr txBox="1"/>
+          <p:cNvSpPr txBox="1">
+            <a:spLocks noGrp="1"/>
+          </p:cNvSpPr>
           <p:nvPr>
-            <p:ph idx="1" type="body"/>
+            <p:ph type="body" idx="1"/>
           </p:nvPr>
         </p:nvSpPr>
         <p:spPr>
@@ -2894,7 +2079,7 @@
           </a:prstGeom>
         </p:spPr>
         <p:txBody>
-          <a:bodyPr anchorCtr="0" anchor="t" bIns="91425" lIns="91425" rIns="91425" tIns="91425">
+          <a:bodyPr lIns="91425" tIns="91425" rIns="91425" bIns="91425" anchor="t" anchorCtr="0">
             <a:noAutofit/>
           </a:bodyPr>
           <a:lstStyle/>
@@ -2905,14 +2090,16 @@
               </a:spcBef>
               <a:buNone/>
             </a:pPr>
-            <a:r>
-              <a:t/>
-            </a:r>
             <a:endParaRPr/>
           </a:p>
         </p:txBody>
       </p:sp>
     </p:spTree>
+    <p:extLst>
+      <p:ext uri="{BB962C8B-B14F-4D97-AF65-F5344CB8AC3E}">
+        <p14:creationId xmlns:p14="http://schemas.microsoft.com/office/powerpoint/2010/main" val="2008840253"/>
+      </p:ext>
+    </p:extLst>
   </p:cSld>
   <p:clrMapOvr>
     <a:masterClrMapping/>
@@ -2921,11 +2108,11 @@
 </file>
 
 <file path=ppt/notesSlides/notesSlide9.xml><?xml version="1.0" encoding="utf-8"?>
-<p:notes xmlns:a="http://schemas.openxmlformats.org/drawingml/2006/main" xmlns:r="http://schemas.openxmlformats.org/officeDocument/2006/relationships" xmlns:mc="http://schemas.openxmlformats.org/markup-compatibility/2006" xmlns:mv="urn:schemas-microsoft-com:mac:vml" xmlns:p="http://schemas.openxmlformats.org/presentationml/2006/main" xmlns:c="http://schemas.openxmlformats.org/drawingml/2006/chart" xmlns:dgm="http://schemas.openxmlformats.org/drawingml/2006/diagram" xmlns:o="urn:schemas-microsoft-com:office:office" xmlns:v="urn:schemas-microsoft-com:vml" xmlns:pvml="urn:schemas-microsoft-com:office:powerpoint" xmlns:com="http://schemas.openxmlformats.org/drawingml/2006/compatibility" xmlns:p14="http://schemas.microsoft.com/office/powerpoint/2010/main" showMasterPhAnim="0" showMasterSp="0">
+<p:notes xmlns:a="http://schemas.openxmlformats.org/drawingml/2006/main" xmlns:r="http://schemas.openxmlformats.org/officeDocument/2006/relationships" xmlns:p="http://schemas.openxmlformats.org/presentationml/2006/main" showMasterSp="0" showMasterPhAnim="0">
   <p:cSld>
     <p:spTree>
       <p:nvGrpSpPr>
-        <p:cNvPr id="100" name="Shape 100"/>
+        <p:cNvPr id="1" name="Shape 100"/>
         <p:cNvGrpSpPr/>
         <p:nvPr/>
       </p:nvGrpSpPr>
@@ -2940,19 +2127,26 @@
       <p:sp>
         <p:nvSpPr>
           <p:cNvPr id="101" name="Shape 101"/>
-          <p:cNvSpPr/>
+          <p:cNvSpPr>
+            <a:spLocks noGrp="1" noRot="1" noChangeAspect="1"/>
+          </p:cNvSpPr>
           <p:nvPr>
-            <p:ph idx="2" type="sldImg"/>
+            <p:ph type="sldImg" idx="2"/>
           </p:nvPr>
         </p:nvSpPr>
         <p:spPr>
           <a:xfrm>
-            <a:off x="381300" y="685800"/>
+            <a:off x="381000" y="685800"/>
             <a:ext cx="6096000" cy="3429000"/>
           </a:xfrm>
           <a:custGeom>
+            <a:avLst/>
+            <a:gdLst/>
+            <a:ahLst/>
+            <a:cxnLst/>
+            <a:rect l="0" t="0" r="0" b="0"/>
             <a:pathLst>
-              <a:path extrusionOk="0" h="120000" w="120000">
+              <a:path w="120000" h="120000" extrusionOk="0">
                 <a:moveTo>
                   <a:pt x="0" y="0"/>
                 </a:moveTo>
@@ -2974,9 +2168,11 @@
       <p:sp>
         <p:nvSpPr>
           <p:cNvPr id="102" name="Shape 102"/>
-          <p:cNvSpPr txBox="1"/>
+          <p:cNvSpPr txBox="1">
+            <a:spLocks noGrp="1"/>
+          </p:cNvSpPr>
           <p:nvPr>
-            <p:ph idx="1" type="body"/>
+            <p:ph type="body" idx="1"/>
           </p:nvPr>
         </p:nvSpPr>
         <p:spPr>
@@ -2989,7 +2185,7 @@
           </a:prstGeom>
         </p:spPr>
         <p:txBody>
-          <a:bodyPr anchorCtr="0" anchor="t" bIns="91425" lIns="91425" rIns="91425" tIns="91425">
+          <a:bodyPr lIns="91425" tIns="91425" rIns="91425" bIns="91425" anchor="t" anchorCtr="0">
             <a:noAutofit/>
           </a:bodyPr>
           <a:lstStyle/>
@@ -3000,14 +2196,16 @@
               </a:spcBef>
               <a:buNone/>
             </a:pPr>
-            <a:r>
-              <a:t/>
-            </a:r>
             <a:endParaRPr/>
           </a:p>
         </p:txBody>
       </p:sp>
     </p:spTree>
+    <p:extLst>
+      <p:ext uri="{BB962C8B-B14F-4D97-AF65-F5344CB8AC3E}">
+        <p14:creationId xmlns:p14="http://schemas.microsoft.com/office/powerpoint/2010/main" val="2359467975"/>
+      </p:ext>
+    </p:extLst>
   </p:cSld>
   <p:clrMapOvr>
     <a:masterClrMapping/>
@@ -3016,11 +2214,11 @@
 </file>
 
 <file path=ppt/slideLayouts/slideLayout1.xml><?xml version="1.0" encoding="utf-8"?>
-<p:sldLayout xmlns:a="http://schemas.openxmlformats.org/drawingml/2006/main" xmlns:r="http://schemas.openxmlformats.org/officeDocument/2006/relationships" xmlns:mc="http://schemas.openxmlformats.org/markup-compatibility/2006" xmlns:mv="urn:schemas-microsoft-com:mac:vml" xmlns:p="http://schemas.openxmlformats.org/presentationml/2006/main" xmlns:c="http://schemas.openxmlformats.org/drawingml/2006/chart" xmlns:dgm="http://schemas.openxmlformats.org/drawingml/2006/diagram" xmlns:o="urn:schemas-microsoft-com:office:office" xmlns:v="urn:schemas-microsoft-com:vml" xmlns:pvml="urn:schemas-microsoft-com:office:powerpoint" xmlns:com="http://schemas.openxmlformats.org/drawingml/2006/compatibility" xmlns:p14="http://schemas.microsoft.com/office/powerpoint/2010/main" type="title">
+<p:sldLayout xmlns:a="http://schemas.openxmlformats.org/drawingml/2006/main" xmlns:r="http://schemas.openxmlformats.org/officeDocument/2006/relationships" xmlns:p="http://schemas.openxmlformats.org/presentationml/2006/main" type="title">
   <p:cSld name="Title slide">
     <p:spTree>
       <p:nvGrpSpPr>
-        <p:cNvPr id="9" name="Shape 9"/>
+        <p:cNvPr id="1" name="Shape 9"/>
         <p:cNvGrpSpPr/>
         <p:nvPr/>
       </p:nvGrpSpPr>
@@ -3035,7 +2233,9 @@
       <p:sp>
         <p:nvSpPr>
           <p:cNvPr id="10" name="Shape 10"/>
-          <p:cNvSpPr txBox="1"/>
+          <p:cNvSpPr txBox="1">
+            <a:spLocks noGrp="1"/>
+          </p:cNvSpPr>
           <p:nvPr>
             <p:ph type="ctrTitle"/>
           </p:nvPr>
@@ -3050,7 +2250,7 @@
           </a:prstGeom>
         </p:spPr>
         <p:txBody>
-          <a:bodyPr anchorCtr="0" anchor="b" bIns="91425" lIns="91425" rIns="91425" tIns="91425"/>
+          <a:bodyPr lIns="91425" tIns="91425" rIns="91425" bIns="91425" anchor="b" anchorCtr="0"/>
           <a:lstStyle>
             <a:lvl1pPr lvl="0" algn="ctr">
               <a:spcBef>
@@ -3116,15 +2316,19 @@
               <a:defRPr sz="5200"/>
             </a:lvl9pPr>
           </a:lstStyle>
-          <a:p/>
+          <a:p>
+            <a:endParaRPr/>
+          </a:p>
         </p:txBody>
       </p:sp>
       <p:sp>
         <p:nvSpPr>
           <p:cNvPr id="11" name="Shape 11"/>
-          <p:cNvSpPr txBox="1"/>
+          <p:cNvSpPr txBox="1">
+            <a:spLocks noGrp="1"/>
+          </p:cNvSpPr>
           <p:nvPr>
-            <p:ph idx="1" type="subTitle"/>
+            <p:ph type="subTitle" idx="1"/>
           </p:nvPr>
         </p:nvSpPr>
         <p:spPr>
@@ -3137,7 +2341,7 @@
           </a:prstGeom>
         </p:spPr>
         <p:txBody>
-          <a:bodyPr anchorCtr="0" anchor="t" bIns="91425" lIns="91425" rIns="91425" tIns="91425"/>
+          <a:bodyPr lIns="91425" tIns="91425" rIns="91425" bIns="91425" anchor="t" anchorCtr="0"/>
           <a:lstStyle>
             <a:lvl1pPr lvl="0" algn="ctr">
               <a:lnSpc>
@@ -3266,15 +2470,19 @@
               <a:defRPr sz="2800"/>
             </a:lvl9pPr>
           </a:lstStyle>
-          <a:p/>
+          <a:p>
+            <a:endParaRPr/>
+          </a:p>
         </p:txBody>
       </p:sp>
       <p:sp>
         <p:nvSpPr>
           <p:cNvPr id="12" name="Shape 12"/>
-          <p:cNvSpPr txBox="1"/>
+          <p:cNvSpPr txBox="1">
+            <a:spLocks noGrp="1"/>
+          </p:cNvSpPr>
           <p:nvPr>
-            <p:ph idx="12" type="sldNum"/>
+            <p:ph type="sldNum" idx="12"/>
           </p:nvPr>
         </p:nvSpPr>
         <p:spPr>
@@ -3287,7 +2495,7 @@
           </a:prstGeom>
         </p:spPr>
         <p:txBody>
-          <a:bodyPr anchorCtr="0" anchor="ctr" bIns="91425" lIns="91425" rIns="91425" tIns="91425">
+          <a:bodyPr lIns="91425" tIns="91425" rIns="91425" bIns="91425" anchor="ctr" anchorCtr="0">
             <a:noAutofit/>
           </a:bodyPr>
           <a:lstStyle/>
@@ -3302,6 +2510,7 @@
               <a:rPr lang="en"/>
               <a:t>‹#›</a:t>
             </a:fld>
+            <a:endParaRPr lang="en"/>
           </a:p>
         </p:txBody>
       </p:sp>
@@ -3314,11 +2523,11 @@
 </file>
 
 <file path=ppt/slideLayouts/slideLayout10.xml><?xml version="1.0" encoding="utf-8"?>
-<p:sldLayout xmlns:a="http://schemas.openxmlformats.org/drawingml/2006/main" xmlns:r="http://schemas.openxmlformats.org/officeDocument/2006/relationships" xmlns:mc="http://schemas.openxmlformats.org/markup-compatibility/2006" xmlns:mv="urn:schemas-microsoft-com:mac:vml" xmlns:p="http://schemas.openxmlformats.org/presentationml/2006/main" xmlns:c="http://schemas.openxmlformats.org/drawingml/2006/chart" xmlns:dgm="http://schemas.openxmlformats.org/drawingml/2006/diagram" xmlns:o="urn:schemas-microsoft-com:office:office" xmlns:v="urn:schemas-microsoft-com:vml" xmlns:pvml="urn:schemas-microsoft-com:office:powerpoint" xmlns:com="http://schemas.openxmlformats.org/drawingml/2006/compatibility" xmlns:p14="http://schemas.microsoft.com/office/powerpoint/2010/main">
+<p:sldLayout xmlns:a="http://schemas.openxmlformats.org/drawingml/2006/main" xmlns:r="http://schemas.openxmlformats.org/officeDocument/2006/relationships" xmlns:p="http://schemas.openxmlformats.org/presentationml/2006/main">
   <p:cSld name="Big number">
     <p:spTree>
       <p:nvGrpSpPr>
-        <p:cNvPr id="44" name="Shape 44"/>
+        <p:cNvPr id="1" name="Shape 44"/>
         <p:cNvGrpSpPr/>
         <p:nvPr/>
       </p:nvGrpSpPr>
@@ -3333,7 +2542,9 @@
       <p:sp>
         <p:nvSpPr>
           <p:cNvPr id="45" name="Shape 45"/>
-          <p:cNvSpPr txBox="1"/>
+          <p:cNvSpPr txBox="1">
+            <a:spLocks noGrp="1"/>
+          </p:cNvSpPr>
           <p:nvPr>
             <p:ph type="title"/>
           </p:nvPr>
@@ -3348,7 +2559,7 @@
           </a:prstGeom>
         </p:spPr>
         <p:txBody>
-          <a:bodyPr anchorCtr="0" anchor="b" bIns="91425" lIns="91425" rIns="91425" tIns="91425"/>
+          <a:bodyPr lIns="91425" tIns="91425" rIns="91425" bIns="91425" anchor="b" anchorCtr="0"/>
           <a:lstStyle>
             <a:lvl1pPr lvl="0" algn="ctr">
               <a:spcBef>
@@ -3414,15 +2625,19 @@
               <a:defRPr sz="12000"/>
             </a:lvl9pPr>
           </a:lstStyle>
-          <a:p/>
+          <a:p>
+            <a:endParaRPr/>
+          </a:p>
         </p:txBody>
       </p:sp>
       <p:sp>
         <p:nvSpPr>
           <p:cNvPr id="46" name="Shape 46"/>
-          <p:cNvSpPr txBox="1"/>
+          <p:cNvSpPr txBox="1">
+            <a:spLocks noGrp="1"/>
+          </p:cNvSpPr>
           <p:nvPr>
-            <p:ph idx="1" type="body"/>
+            <p:ph type="body" idx="1"/>
           </p:nvPr>
         </p:nvSpPr>
         <p:spPr>
@@ -3435,7 +2650,7 @@
           </a:prstGeom>
         </p:spPr>
         <p:txBody>
-          <a:bodyPr anchorCtr="0" anchor="t" bIns="91425" lIns="91425" rIns="91425" tIns="91425"/>
+          <a:bodyPr lIns="91425" tIns="91425" rIns="91425" bIns="91425" anchor="t" anchorCtr="0"/>
           <a:lstStyle>
             <a:lvl1pPr lvl="0" algn="ctr">
               <a:spcBef>
@@ -3492,15 +2707,19 @@
               <a:defRPr/>
             </a:lvl9pPr>
           </a:lstStyle>
-          <a:p/>
+          <a:p>
+            <a:endParaRPr/>
+          </a:p>
         </p:txBody>
       </p:sp>
       <p:sp>
         <p:nvSpPr>
           <p:cNvPr id="47" name="Shape 47"/>
-          <p:cNvSpPr txBox="1"/>
+          <p:cNvSpPr txBox="1">
+            <a:spLocks noGrp="1"/>
+          </p:cNvSpPr>
           <p:nvPr>
-            <p:ph idx="12" type="sldNum"/>
+            <p:ph type="sldNum" idx="12"/>
           </p:nvPr>
         </p:nvSpPr>
         <p:spPr>
@@ -3513,7 +2732,7 @@
           </a:prstGeom>
         </p:spPr>
         <p:txBody>
-          <a:bodyPr anchorCtr="0" anchor="ctr" bIns="91425" lIns="91425" rIns="91425" tIns="91425">
+          <a:bodyPr lIns="91425" tIns="91425" rIns="91425" bIns="91425" anchor="ctr" anchorCtr="0">
             <a:noAutofit/>
           </a:bodyPr>
           <a:lstStyle/>
@@ -3528,6 +2747,7 @@
               <a:rPr lang="en"/>
               <a:t>‹#›</a:t>
             </a:fld>
+            <a:endParaRPr lang="en"/>
           </a:p>
         </p:txBody>
       </p:sp>
@@ -3540,11 +2760,11 @@
 </file>
 
 <file path=ppt/slideLayouts/slideLayout11.xml><?xml version="1.0" encoding="utf-8"?>
-<p:sldLayout xmlns:a="http://schemas.openxmlformats.org/drawingml/2006/main" xmlns:r="http://schemas.openxmlformats.org/officeDocument/2006/relationships" xmlns:mc="http://schemas.openxmlformats.org/markup-compatibility/2006" xmlns:mv="urn:schemas-microsoft-com:mac:vml" xmlns:p="http://schemas.openxmlformats.org/presentationml/2006/main" xmlns:c="http://schemas.openxmlformats.org/drawingml/2006/chart" xmlns:dgm="http://schemas.openxmlformats.org/drawingml/2006/diagram" xmlns:o="urn:schemas-microsoft-com:office:office" xmlns:v="urn:schemas-microsoft-com:vml" xmlns:pvml="urn:schemas-microsoft-com:office:powerpoint" xmlns:com="http://schemas.openxmlformats.org/drawingml/2006/compatibility" xmlns:p14="http://schemas.microsoft.com/office/powerpoint/2010/main" type="blank">
+<p:sldLayout xmlns:a="http://schemas.openxmlformats.org/drawingml/2006/main" xmlns:r="http://schemas.openxmlformats.org/officeDocument/2006/relationships" xmlns:p="http://schemas.openxmlformats.org/presentationml/2006/main" type="blank">
   <p:cSld name="Blank">
     <p:spTree>
       <p:nvGrpSpPr>
-        <p:cNvPr id="48" name="Shape 48"/>
+        <p:cNvPr id="1" name="Shape 48"/>
         <p:cNvGrpSpPr/>
         <p:nvPr/>
       </p:nvGrpSpPr>
@@ -3559,9 +2779,11 @@
       <p:sp>
         <p:nvSpPr>
           <p:cNvPr id="49" name="Shape 49"/>
-          <p:cNvSpPr txBox="1"/>
+          <p:cNvSpPr txBox="1">
+            <a:spLocks noGrp="1"/>
+          </p:cNvSpPr>
           <p:nvPr>
-            <p:ph idx="12" type="sldNum"/>
+            <p:ph type="sldNum" idx="12"/>
           </p:nvPr>
         </p:nvSpPr>
         <p:spPr>
@@ -3574,7 +2796,7 @@
           </a:prstGeom>
         </p:spPr>
         <p:txBody>
-          <a:bodyPr anchorCtr="0" anchor="ctr" bIns="91425" lIns="91425" rIns="91425" tIns="91425">
+          <a:bodyPr lIns="91425" tIns="91425" rIns="91425" bIns="91425" anchor="ctr" anchorCtr="0">
             <a:noAutofit/>
           </a:bodyPr>
           <a:lstStyle/>
@@ -3589,6 +2811,7 @@
               <a:rPr lang="en"/>
               <a:t>‹#›</a:t>
             </a:fld>
+            <a:endParaRPr lang="en"/>
           </a:p>
         </p:txBody>
       </p:sp>
@@ -3601,11 +2824,11 @@
 </file>
 
 <file path=ppt/slideLayouts/slideLayout2.xml><?xml version="1.0" encoding="utf-8"?>
-<p:sldLayout xmlns:a="http://schemas.openxmlformats.org/drawingml/2006/main" xmlns:r="http://schemas.openxmlformats.org/officeDocument/2006/relationships" xmlns:mc="http://schemas.openxmlformats.org/markup-compatibility/2006" xmlns:mv="urn:schemas-microsoft-com:mac:vml" xmlns:p="http://schemas.openxmlformats.org/presentationml/2006/main" xmlns:c="http://schemas.openxmlformats.org/drawingml/2006/chart" xmlns:dgm="http://schemas.openxmlformats.org/drawingml/2006/diagram" xmlns:o="urn:schemas-microsoft-com:office:office" xmlns:v="urn:schemas-microsoft-com:vml" xmlns:pvml="urn:schemas-microsoft-com:office:powerpoint" xmlns:com="http://schemas.openxmlformats.org/drawingml/2006/compatibility" xmlns:p14="http://schemas.microsoft.com/office/powerpoint/2010/main" type="secHead">
+<p:sldLayout xmlns:a="http://schemas.openxmlformats.org/drawingml/2006/main" xmlns:r="http://schemas.openxmlformats.org/officeDocument/2006/relationships" xmlns:p="http://schemas.openxmlformats.org/presentationml/2006/main" type="secHead">
   <p:cSld name="Section header">
     <p:spTree>
       <p:nvGrpSpPr>
-        <p:cNvPr id="13" name="Shape 13"/>
+        <p:cNvPr id="1" name="Shape 13"/>
         <p:cNvGrpSpPr/>
         <p:nvPr/>
       </p:nvGrpSpPr>
@@ -3620,7 +2843,9 @@
       <p:sp>
         <p:nvSpPr>
           <p:cNvPr id="14" name="Shape 14"/>
-          <p:cNvSpPr txBox="1"/>
+          <p:cNvSpPr txBox="1">
+            <a:spLocks noGrp="1"/>
+          </p:cNvSpPr>
           <p:nvPr>
             <p:ph type="title"/>
           </p:nvPr>
@@ -3635,7 +2860,7 @@
           </a:prstGeom>
         </p:spPr>
         <p:txBody>
-          <a:bodyPr anchorCtr="0" anchor="ctr" bIns="91425" lIns="91425" rIns="91425" tIns="91425"/>
+          <a:bodyPr lIns="91425" tIns="91425" rIns="91425" bIns="91425" anchor="ctr" anchorCtr="0"/>
           <a:lstStyle>
             <a:lvl1pPr lvl="0" algn="ctr">
               <a:spcBef>
@@ -3701,15 +2926,19 @@
               <a:defRPr sz="3600"/>
             </a:lvl9pPr>
           </a:lstStyle>
-          <a:p/>
+          <a:p>
+            <a:endParaRPr/>
+          </a:p>
         </p:txBody>
       </p:sp>
       <p:sp>
         <p:nvSpPr>
           <p:cNvPr id="15" name="Shape 15"/>
-          <p:cNvSpPr txBox="1"/>
+          <p:cNvSpPr txBox="1">
+            <a:spLocks noGrp="1"/>
+          </p:cNvSpPr>
           <p:nvPr>
-            <p:ph idx="12" type="sldNum"/>
+            <p:ph type="sldNum" idx="12"/>
           </p:nvPr>
         </p:nvSpPr>
         <p:spPr>
@@ -3722,7 +2951,7 @@
           </a:prstGeom>
         </p:spPr>
         <p:txBody>
-          <a:bodyPr anchorCtr="0" anchor="ctr" bIns="91425" lIns="91425" rIns="91425" tIns="91425">
+          <a:bodyPr lIns="91425" tIns="91425" rIns="91425" bIns="91425" anchor="ctr" anchorCtr="0">
             <a:noAutofit/>
           </a:bodyPr>
           <a:lstStyle/>
@@ -3737,6 +2966,7 @@
               <a:rPr lang="en"/>
               <a:t>‹#›</a:t>
             </a:fld>
+            <a:endParaRPr lang="en"/>
           </a:p>
         </p:txBody>
       </p:sp>
@@ -3749,11 +2979,11 @@
 </file>
 
 <file path=ppt/slideLayouts/slideLayout3.xml><?xml version="1.0" encoding="utf-8"?>
-<p:sldLayout xmlns:a="http://schemas.openxmlformats.org/drawingml/2006/main" xmlns:r="http://schemas.openxmlformats.org/officeDocument/2006/relationships" xmlns:mc="http://schemas.openxmlformats.org/markup-compatibility/2006" xmlns:mv="urn:schemas-microsoft-com:mac:vml" xmlns:p="http://schemas.openxmlformats.org/presentationml/2006/main" xmlns:c="http://schemas.openxmlformats.org/drawingml/2006/chart" xmlns:dgm="http://schemas.openxmlformats.org/drawingml/2006/diagram" xmlns:o="urn:schemas-microsoft-com:office:office" xmlns:v="urn:schemas-microsoft-com:vml" xmlns:pvml="urn:schemas-microsoft-com:office:powerpoint" xmlns:com="http://schemas.openxmlformats.org/drawingml/2006/compatibility" xmlns:p14="http://schemas.microsoft.com/office/powerpoint/2010/main" type="tx">
+<p:sldLayout xmlns:a="http://schemas.openxmlformats.org/drawingml/2006/main" xmlns:r="http://schemas.openxmlformats.org/officeDocument/2006/relationships" xmlns:p="http://schemas.openxmlformats.org/presentationml/2006/main" type="tx">
   <p:cSld name="Title and body">
     <p:spTree>
       <p:nvGrpSpPr>
-        <p:cNvPr id="16" name="Shape 16"/>
+        <p:cNvPr id="1" name="Shape 16"/>
         <p:cNvGrpSpPr/>
         <p:nvPr/>
       </p:nvGrpSpPr>
@@ -3768,7 +2998,9 @@
       <p:sp>
         <p:nvSpPr>
           <p:cNvPr id="17" name="Shape 17"/>
-          <p:cNvSpPr txBox="1"/>
+          <p:cNvSpPr txBox="1">
+            <a:spLocks noGrp="1"/>
+          </p:cNvSpPr>
           <p:nvPr>
             <p:ph type="title"/>
           </p:nvPr>
@@ -3783,7 +3015,7 @@
           </a:prstGeom>
         </p:spPr>
         <p:txBody>
-          <a:bodyPr anchorCtr="0" anchor="t" bIns="91425" lIns="91425" rIns="91425" tIns="91425"/>
+          <a:bodyPr lIns="91425" tIns="91425" rIns="91425" bIns="91425" anchor="t" anchorCtr="0"/>
           <a:lstStyle>
             <a:lvl1pPr lvl="0">
               <a:spcBef>
@@ -3840,15 +3072,19 @@
               <a:defRPr/>
             </a:lvl9pPr>
           </a:lstStyle>
-          <a:p/>
+          <a:p>
+            <a:endParaRPr/>
+          </a:p>
         </p:txBody>
       </p:sp>
       <p:sp>
         <p:nvSpPr>
           <p:cNvPr id="18" name="Shape 18"/>
-          <p:cNvSpPr txBox="1"/>
+          <p:cNvSpPr txBox="1">
+            <a:spLocks noGrp="1"/>
+          </p:cNvSpPr>
           <p:nvPr>
-            <p:ph idx="1" type="body"/>
+            <p:ph type="body" idx="1"/>
           </p:nvPr>
         </p:nvSpPr>
         <p:spPr>
@@ -3861,7 +3097,7 @@
           </a:prstGeom>
         </p:spPr>
         <p:txBody>
-          <a:bodyPr anchorCtr="0" anchor="t" bIns="91425" lIns="91425" rIns="91425" tIns="91425"/>
+          <a:bodyPr lIns="91425" tIns="91425" rIns="91425" bIns="91425" anchor="t" anchorCtr="0"/>
           <a:lstStyle>
             <a:lvl1pPr lvl="0">
               <a:spcBef>
@@ -3918,15 +3154,19 @@
               <a:defRPr/>
             </a:lvl9pPr>
           </a:lstStyle>
-          <a:p/>
+          <a:p>
+            <a:endParaRPr/>
+          </a:p>
         </p:txBody>
       </p:sp>
       <p:sp>
         <p:nvSpPr>
           <p:cNvPr id="19" name="Shape 19"/>
-          <p:cNvSpPr txBox="1"/>
+          <p:cNvSpPr txBox="1">
+            <a:spLocks noGrp="1"/>
+          </p:cNvSpPr>
           <p:nvPr>
-            <p:ph idx="12" type="sldNum"/>
+            <p:ph type="sldNum" idx="12"/>
           </p:nvPr>
         </p:nvSpPr>
         <p:spPr>
@@ -3939,7 +3179,7 @@
           </a:prstGeom>
         </p:spPr>
         <p:txBody>
-          <a:bodyPr anchorCtr="0" anchor="ctr" bIns="91425" lIns="91425" rIns="91425" tIns="91425">
+          <a:bodyPr lIns="91425" tIns="91425" rIns="91425" bIns="91425" anchor="ctr" anchorCtr="0">
             <a:noAutofit/>
           </a:bodyPr>
           <a:lstStyle/>
@@ -3954,6 +3194,7 @@
               <a:rPr lang="en"/>
               <a:t>‹#›</a:t>
             </a:fld>
+            <a:endParaRPr lang="en"/>
           </a:p>
         </p:txBody>
       </p:sp>
@@ -3966,11 +3207,11 @@
 </file>
 
 <file path=ppt/slideLayouts/slideLayout4.xml><?xml version="1.0" encoding="utf-8"?>
-<p:sldLayout xmlns:a="http://schemas.openxmlformats.org/drawingml/2006/main" xmlns:r="http://schemas.openxmlformats.org/officeDocument/2006/relationships" xmlns:mc="http://schemas.openxmlformats.org/markup-compatibility/2006" xmlns:mv="urn:schemas-microsoft-com:mac:vml" xmlns:p="http://schemas.openxmlformats.org/presentationml/2006/main" xmlns:c="http://schemas.openxmlformats.org/drawingml/2006/chart" xmlns:dgm="http://schemas.openxmlformats.org/drawingml/2006/diagram" xmlns:o="urn:schemas-microsoft-com:office:office" xmlns:v="urn:schemas-microsoft-com:vml" xmlns:pvml="urn:schemas-microsoft-com:office:powerpoint" xmlns:com="http://schemas.openxmlformats.org/drawingml/2006/compatibility" xmlns:p14="http://schemas.microsoft.com/office/powerpoint/2010/main" type="twoColTx">
+<p:sldLayout xmlns:a="http://schemas.openxmlformats.org/drawingml/2006/main" xmlns:r="http://schemas.openxmlformats.org/officeDocument/2006/relationships" xmlns:p="http://schemas.openxmlformats.org/presentationml/2006/main" type="twoColTx">
   <p:cSld name="Title and two columns">
     <p:spTree>
       <p:nvGrpSpPr>
-        <p:cNvPr id="20" name="Shape 20"/>
+        <p:cNvPr id="1" name="Shape 20"/>
         <p:cNvGrpSpPr/>
         <p:nvPr/>
       </p:nvGrpSpPr>
@@ -3985,7 +3226,9 @@
       <p:sp>
         <p:nvSpPr>
           <p:cNvPr id="21" name="Shape 21"/>
-          <p:cNvSpPr txBox="1"/>
+          <p:cNvSpPr txBox="1">
+            <a:spLocks noGrp="1"/>
+          </p:cNvSpPr>
           <p:nvPr>
             <p:ph type="title"/>
           </p:nvPr>
@@ -4000,7 +3243,7 @@
           </a:prstGeom>
         </p:spPr>
         <p:txBody>
-          <a:bodyPr anchorCtr="0" anchor="t" bIns="91425" lIns="91425" rIns="91425" tIns="91425"/>
+          <a:bodyPr lIns="91425" tIns="91425" rIns="91425" bIns="91425" anchor="t" anchorCtr="0"/>
           <a:lstStyle>
             <a:lvl1pPr lvl="0">
               <a:spcBef>
@@ -4057,15 +3300,19 @@
               <a:defRPr/>
             </a:lvl9pPr>
           </a:lstStyle>
-          <a:p/>
+          <a:p>
+            <a:endParaRPr/>
+          </a:p>
         </p:txBody>
       </p:sp>
       <p:sp>
         <p:nvSpPr>
           <p:cNvPr id="22" name="Shape 22"/>
-          <p:cNvSpPr txBox="1"/>
+          <p:cNvSpPr txBox="1">
+            <a:spLocks noGrp="1"/>
+          </p:cNvSpPr>
           <p:nvPr>
-            <p:ph idx="1" type="body"/>
+            <p:ph type="body" idx="1"/>
           </p:nvPr>
         </p:nvSpPr>
         <p:spPr>
@@ -4078,7 +3325,7 @@
           </a:prstGeom>
         </p:spPr>
         <p:txBody>
-          <a:bodyPr anchorCtr="0" anchor="t" bIns="91425" lIns="91425" rIns="91425" tIns="91425"/>
+          <a:bodyPr lIns="91425" tIns="91425" rIns="91425" bIns="91425" anchor="t" anchorCtr="0"/>
           <a:lstStyle>
             <a:lvl1pPr lvl="0">
               <a:spcBef>
@@ -4144,15 +3391,19 @@
               <a:defRPr sz="1200"/>
             </a:lvl9pPr>
           </a:lstStyle>
-          <a:p/>
+          <a:p>
+            <a:endParaRPr/>
+          </a:p>
         </p:txBody>
       </p:sp>
       <p:sp>
         <p:nvSpPr>
           <p:cNvPr id="23" name="Shape 23"/>
-          <p:cNvSpPr txBox="1"/>
+          <p:cNvSpPr txBox="1">
+            <a:spLocks noGrp="1"/>
+          </p:cNvSpPr>
           <p:nvPr>
-            <p:ph idx="2" type="body"/>
+            <p:ph type="body" idx="2"/>
           </p:nvPr>
         </p:nvSpPr>
         <p:spPr>
@@ -4165,7 +3416,7 @@
           </a:prstGeom>
         </p:spPr>
         <p:txBody>
-          <a:bodyPr anchorCtr="0" anchor="t" bIns="91425" lIns="91425" rIns="91425" tIns="91425"/>
+          <a:bodyPr lIns="91425" tIns="91425" rIns="91425" bIns="91425" anchor="t" anchorCtr="0"/>
           <a:lstStyle>
             <a:lvl1pPr lvl="0">
               <a:spcBef>
@@ -4231,15 +3482,19 @@
               <a:defRPr sz="1200"/>
             </a:lvl9pPr>
           </a:lstStyle>
-          <a:p/>
+          <a:p>
+            <a:endParaRPr/>
+          </a:p>
         </p:txBody>
       </p:sp>
       <p:sp>
         <p:nvSpPr>
           <p:cNvPr id="24" name="Shape 24"/>
-          <p:cNvSpPr txBox="1"/>
+          <p:cNvSpPr txBox="1">
+            <a:spLocks noGrp="1"/>
+          </p:cNvSpPr>
           <p:nvPr>
-            <p:ph idx="12" type="sldNum"/>
+            <p:ph type="sldNum" idx="12"/>
           </p:nvPr>
         </p:nvSpPr>
         <p:spPr>
@@ -4252,7 +3507,7 @@
           </a:prstGeom>
         </p:spPr>
         <p:txBody>
-          <a:bodyPr anchorCtr="0" anchor="ctr" bIns="91425" lIns="91425" rIns="91425" tIns="91425">
+          <a:bodyPr lIns="91425" tIns="91425" rIns="91425" bIns="91425" anchor="ctr" anchorCtr="0">
             <a:noAutofit/>
           </a:bodyPr>
           <a:lstStyle/>
@@ -4267,6 +3522,7 @@
               <a:rPr lang="en"/>
               <a:t>‹#›</a:t>
             </a:fld>
+            <a:endParaRPr lang="en"/>
           </a:p>
         </p:txBody>
       </p:sp>
@@ -4279,11 +3535,11 @@
 </file>
 
 <file path=ppt/slideLayouts/slideLayout5.xml><?xml version="1.0" encoding="utf-8"?>
-<p:sldLayout xmlns:a="http://schemas.openxmlformats.org/drawingml/2006/main" xmlns:r="http://schemas.openxmlformats.org/officeDocument/2006/relationships" xmlns:mc="http://schemas.openxmlformats.org/markup-compatibility/2006" xmlns:mv="urn:schemas-microsoft-com:mac:vml" xmlns:p="http://schemas.openxmlformats.org/presentationml/2006/main" xmlns:c="http://schemas.openxmlformats.org/drawingml/2006/chart" xmlns:dgm="http://schemas.openxmlformats.org/drawingml/2006/diagram" xmlns:o="urn:schemas-microsoft-com:office:office" xmlns:v="urn:schemas-microsoft-com:vml" xmlns:pvml="urn:schemas-microsoft-com:office:powerpoint" xmlns:com="http://schemas.openxmlformats.org/drawingml/2006/compatibility" xmlns:p14="http://schemas.microsoft.com/office/powerpoint/2010/main" type="titleOnly">
+<p:sldLayout xmlns:a="http://schemas.openxmlformats.org/drawingml/2006/main" xmlns:r="http://schemas.openxmlformats.org/officeDocument/2006/relationships" xmlns:p="http://schemas.openxmlformats.org/presentationml/2006/main" type="titleOnly">
   <p:cSld name="Title only">
     <p:spTree>
       <p:nvGrpSpPr>
-        <p:cNvPr id="25" name="Shape 25"/>
+        <p:cNvPr id="1" name="Shape 25"/>
         <p:cNvGrpSpPr/>
         <p:nvPr/>
       </p:nvGrpSpPr>
@@ -4298,7 +3554,9 @@
       <p:sp>
         <p:nvSpPr>
           <p:cNvPr id="26" name="Shape 26"/>
-          <p:cNvSpPr txBox="1"/>
+          <p:cNvSpPr txBox="1">
+            <a:spLocks noGrp="1"/>
+          </p:cNvSpPr>
           <p:nvPr>
             <p:ph type="title"/>
           </p:nvPr>
@@ -4313,7 +3571,7 @@
           </a:prstGeom>
         </p:spPr>
         <p:txBody>
-          <a:bodyPr anchorCtr="0" anchor="t" bIns="91425" lIns="91425" rIns="91425" tIns="91425"/>
+          <a:bodyPr lIns="91425" tIns="91425" rIns="91425" bIns="91425" anchor="t" anchorCtr="0"/>
           <a:lstStyle>
             <a:lvl1pPr lvl="0">
               <a:spcBef>
@@ -4370,15 +3628,19 @@
               <a:defRPr/>
             </a:lvl9pPr>
           </a:lstStyle>
-          <a:p/>
+          <a:p>
+            <a:endParaRPr/>
+          </a:p>
         </p:txBody>
       </p:sp>
       <p:sp>
         <p:nvSpPr>
           <p:cNvPr id="27" name="Shape 27"/>
-          <p:cNvSpPr txBox="1"/>
+          <p:cNvSpPr txBox="1">
+            <a:spLocks noGrp="1"/>
+          </p:cNvSpPr>
           <p:nvPr>
-            <p:ph idx="12" type="sldNum"/>
+            <p:ph type="sldNum" idx="12"/>
           </p:nvPr>
         </p:nvSpPr>
         <p:spPr>
@@ -4391,7 +3653,7 @@
           </a:prstGeom>
         </p:spPr>
         <p:txBody>
-          <a:bodyPr anchorCtr="0" anchor="ctr" bIns="91425" lIns="91425" rIns="91425" tIns="91425">
+          <a:bodyPr lIns="91425" tIns="91425" rIns="91425" bIns="91425" anchor="ctr" anchorCtr="0">
             <a:noAutofit/>
           </a:bodyPr>
           <a:lstStyle/>
@@ -4406,6 +3668,7 @@
               <a:rPr lang="en"/>
               <a:t>‹#›</a:t>
             </a:fld>
+            <a:endParaRPr lang="en"/>
           </a:p>
         </p:txBody>
       </p:sp>
@@ -4418,11 +3681,11 @@
 </file>
 
 <file path=ppt/slideLayouts/slideLayout6.xml><?xml version="1.0" encoding="utf-8"?>
-<p:sldLayout xmlns:a="http://schemas.openxmlformats.org/drawingml/2006/main" xmlns:r="http://schemas.openxmlformats.org/officeDocument/2006/relationships" xmlns:mc="http://schemas.openxmlformats.org/markup-compatibility/2006" xmlns:mv="urn:schemas-microsoft-com:mac:vml" xmlns:p="http://schemas.openxmlformats.org/presentationml/2006/main" xmlns:c="http://schemas.openxmlformats.org/drawingml/2006/chart" xmlns:dgm="http://schemas.openxmlformats.org/drawingml/2006/diagram" xmlns:o="urn:schemas-microsoft-com:office:office" xmlns:v="urn:schemas-microsoft-com:vml" xmlns:pvml="urn:schemas-microsoft-com:office:powerpoint" xmlns:com="http://schemas.openxmlformats.org/drawingml/2006/compatibility" xmlns:p14="http://schemas.microsoft.com/office/powerpoint/2010/main">
+<p:sldLayout xmlns:a="http://schemas.openxmlformats.org/drawingml/2006/main" xmlns:r="http://schemas.openxmlformats.org/officeDocument/2006/relationships" xmlns:p="http://schemas.openxmlformats.org/presentationml/2006/main">
   <p:cSld name="One column text">
     <p:spTree>
       <p:nvGrpSpPr>
-        <p:cNvPr id="28" name="Shape 28"/>
+        <p:cNvPr id="1" name="Shape 28"/>
         <p:cNvGrpSpPr/>
         <p:nvPr/>
       </p:nvGrpSpPr>
@@ -4437,7 +3700,9 @@
       <p:sp>
         <p:nvSpPr>
           <p:cNvPr id="29" name="Shape 29"/>
-          <p:cNvSpPr txBox="1"/>
+          <p:cNvSpPr txBox="1">
+            <a:spLocks noGrp="1"/>
+          </p:cNvSpPr>
           <p:nvPr>
             <p:ph type="title"/>
           </p:nvPr>
@@ -4452,7 +3717,7 @@
           </a:prstGeom>
         </p:spPr>
         <p:txBody>
-          <a:bodyPr anchorCtr="0" anchor="b" bIns="91425" lIns="91425" rIns="91425" tIns="91425"/>
+          <a:bodyPr lIns="91425" tIns="91425" rIns="91425" bIns="91425" anchor="b" anchorCtr="0"/>
           <a:lstStyle>
             <a:lvl1pPr lvl="0">
               <a:spcBef>
@@ -4518,15 +3783,19 @@
               <a:defRPr sz="2400"/>
             </a:lvl9pPr>
           </a:lstStyle>
-          <a:p/>
+          <a:p>
+            <a:endParaRPr/>
+          </a:p>
         </p:txBody>
       </p:sp>
       <p:sp>
         <p:nvSpPr>
           <p:cNvPr id="30" name="Shape 30"/>
-          <p:cNvSpPr txBox="1"/>
+          <p:cNvSpPr txBox="1">
+            <a:spLocks noGrp="1"/>
+          </p:cNvSpPr>
           <p:nvPr>
-            <p:ph idx="1" type="body"/>
+            <p:ph type="body" idx="1"/>
           </p:nvPr>
         </p:nvSpPr>
         <p:spPr>
@@ -4539,7 +3808,7 @@
           </a:prstGeom>
         </p:spPr>
         <p:txBody>
-          <a:bodyPr anchorCtr="0" anchor="t" bIns="91425" lIns="91425" rIns="91425" tIns="91425"/>
+          <a:bodyPr lIns="91425" tIns="91425" rIns="91425" bIns="91425" anchor="t" anchorCtr="0"/>
           <a:lstStyle>
             <a:lvl1pPr lvl="0">
               <a:spcBef>
@@ -4605,15 +3874,19 @@
               <a:defRPr sz="1200"/>
             </a:lvl9pPr>
           </a:lstStyle>
-          <a:p/>
+          <a:p>
+            <a:endParaRPr/>
+          </a:p>
         </p:txBody>
       </p:sp>
       <p:sp>
         <p:nvSpPr>
           <p:cNvPr id="31" name="Shape 31"/>
-          <p:cNvSpPr txBox="1"/>
+          <p:cNvSpPr txBox="1">
+            <a:spLocks noGrp="1"/>
+          </p:cNvSpPr>
           <p:nvPr>
-            <p:ph idx="12" type="sldNum"/>
+            <p:ph type="sldNum" idx="12"/>
           </p:nvPr>
         </p:nvSpPr>
         <p:spPr>
@@ -4626,7 +3899,7 @@
           </a:prstGeom>
         </p:spPr>
         <p:txBody>
-          <a:bodyPr anchorCtr="0" anchor="ctr" bIns="91425" lIns="91425" rIns="91425" tIns="91425">
+          <a:bodyPr lIns="91425" tIns="91425" rIns="91425" bIns="91425" anchor="ctr" anchorCtr="0">
             <a:noAutofit/>
           </a:bodyPr>
           <a:lstStyle/>
@@ -4641,6 +3914,7 @@
               <a:rPr lang="en"/>
               <a:t>‹#›</a:t>
             </a:fld>
+            <a:endParaRPr lang="en"/>
           </a:p>
         </p:txBody>
       </p:sp>
@@ -4653,11 +3927,11 @@
 </file>
 
 <file path=ppt/slideLayouts/slideLayout7.xml><?xml version="1.0" encoding="utf-8"?>
-<p:sldLayout xmlns:a="http://schemas.openxmlformats.org/drawingml/2006/main" xmlns:r="http://schemas.openxmlformats.org/officeDocument/2006/relationships" xmlns:mc="http://schemas.openxmlformats.org/markup-compatibility/2006" xmlns:mv="urn:schemas-microsoft-com:mac:vml" xmlns:p="http://schemas.openxmlformats.org/presentationml/2006/main" xmlns:c="http://schemas.openxmlformats.org/drawingml/2006/chart" xmlns:dgm="http://schemas.openxmlformats.org/drawingml/2006/diagram" xmlns:o="urn:schemas-microsoft-com:office:office" xmlns:v="urn:schemas-microsoft-com:vml" xmlns:pvml="urn:schemas-microsoft-com:office:powerpoint" xmlns:com="http://schemas.openxmlformats.org/drawingml/2006/compatibility" xmlns:p14="http://schemas.microsoft.com/office/powerpoint/2010/main">
+<p:sldLayout xmlns:a="http://schemas.openxmlformats.org/drawingml/2006/main" xmlns:r="http://schemas.openxmlformats.org/officeDocument/2006/relationships" xmlns:p="http://schemas.openxmlformats.org/presentationml/2006/main">
   <p:cSld name="Main point">
     <p:spTree>
       <p:nvGrpSpPr>
-        <p:cNvPr id="32" name="Shape 32"/>
+        <p:cNvPr id="1" name="Shape 32"/>
         <p:cNvGrpSpPr/>
         <p:nvPr/>
       </p:nvGrpSpPr>
@@ -4672,7 +3946,9 @@
       <p:sp>
         <p:nvSpPr>
           <p:cNvPr id="33" name="Shape 33"/>
-          <p:cNvSpPr txBox="1"/>
+          <p:cNvSpPr txBox="1">
+            <a:spLocks noGrp="1"/>
+          </p:cNvSpPr>
           <p:nvPr>
             <p:ph type="title"/>
           </p:nvPr>
@@ -4687,7 +3963,7 @@
           </a:prstGeom>
         </p:spPr>
         <p:txBody>
-          <a:bodyPr anchorCtr="0" anchor="ctr" bIns="91425" lIns="91425" rIns="91425" tIns="91425"/>
+          <a:bodyPr lIns="91425" tIns="91425" rIns="91425" bIns="91425" anchor="ctr" anchorCtr="0"/>
           <a:lstStyle>
             <a:lvl1pPr lvl="0">
               <a:spcBef>
@@ -4753,15 +4029,19 @@
               <a:defRPr sz="4800"/>
             </a:lvl9pPr>
           </a:lstStyle>
-          <a:p/>
+          <a:p>
+            <a:endParaRPr/>
+          </a:p>
         </p:txBody>
       </p:sp>
       <p:sp>
         <p:nvSpPr>
           <p:cNvPr id="34" name="Shape 34"/>
-          <p:cNvSpPr txBox="1"/>
+          <p:cNvSpPr txBox="1">
+            <a:spLocks noGrp="1"/>
+          </p:cNvSpPr>
           <p:nvPr>
-            <p:ph idx="12" type="sldNum"/>
+            <p:ph type="sldNum" idx="12"/>
           </p:nvPr>
         </p:nvSpPr>
         <p:spPr>
@@ -4774,7 +4054,7 @@
           </a:prstGeom>
         </p:spPr>
         <p:txBody>
-          <a:bodyPr anchorCtr="0" anchor="ctr" bIns="91425" lIns="91425" rIns="91425" tIns="91425">
+          <a:bodyPr lIns="91425" tIns="91425" rIns="91425" bIns="91425" anchor="ctr" anchorCtr="0">
             <a:noAutofit/>
           </a:bodyPr>
           <a:lstStyle/>
@@ -4789,6 +4069,7 @@
               <a:rPr lang="en"/>
               <a:t>‹#›</a:t>
             </a:fld>
+            <a:endParaRPr lang="en"/>
           </a:p>
         </p:txBody>
       </p:sp>
@@ -4801,11 +4082,11 @@
 </file>
 
 <file path=ppt/slideLayouts/slideLayout8.xml><?xml version="1.0" encoding="utf-8"?>
-<p:sldLayout xmlns:a="http://schemas.openxmlformats.org/drawingml/2006/main" xmlns:r="http://schemas.openxmlformats.org/officeDocument/2006/relationships" xmlns:mc="http://schemas.openxmlformats.org/markup-compatibility/2006" xmlns:mv="urn:schemas-microsoft-com:mac:vml" xmlns:p="http://schemas.openxmlformats.org/presentationml/2006/main" xmlns:c="http://schemas.openxmlformats.org/drawingml/2006/chart" xmlns:dgm="http://schemas.openxmlformats.org/drawingml/2006/diagram" xmlns:o="urn:schemas-microsoft-com:office:office" xmlns:v="urn:schemas-microsoft-com:vml" xmlns:pvml="urn:schemas-microsoft-com:office:powerpoint" xmlns:com="http://schemas.openxmlformats.org/drawingml/2006/compatibility" xmlns:p14="http://schemas.microsoft.com/office/powerpoint/2010/main">
+<p:sldLayout xmlns:a="http://schemas.openxmlformats.org/drawingml/2006/main" xmlns:r="http://schemas.openxmlformats.org/officeDocument/2006/relationships" xmlns:p="http://schemas.openxmlformats.org/presentationml/2006/main">
   <p:cSld name="Section title and description">
     <p:spTree>
       <p:nvGrpSpPr>
-        <p:cNvPr id="35" name="Shape 35"/>
+        <p:cNvPr id="1" name="Shape 35"/>
         <p:cNvGrpSpPr/>
         <p:nvPr/>
       </p:nvGrpSpPr>
@@ -4839,7 +4120,7 @@
           </a:ln>
         </p:spPr>
         <p:txBody>
-          <a:bodyPr anchorCtr="0" anchor="ctr" bIns="91425" lIns="91425" rIns="91425" tIns="91425">
+          <a:bodyPr lIns="91425" tIns="91425" rIns="91425" bIns="91425" anchor="ctr" anchorCtr="0">
             <a:noAutofit/>
           </a:bodyPr>
           <a:lstStyle/>
@@ -4850,9 +4131,6 @@
               </a:spcBef>
               <a:buNone/>
             </a:pPr>
-            <a:r>
-              <a:t/>
-            </a:r>
             <a:endParaRPr/>
           </a:p>
         </p:txBody>
@@ -4860,7 +4138,9 @@
       <p:sp>
         <p:nvSpPr>
           <p:cNvPr id="37" name="Shape 37"/>
-          <p:cNvSpPr txBox="1"/>
+          <p:cNvSpPr txBox="1">
+            <a:spLocks noGrp="1"/>
+          </p:cNvSpPr>
           <p:nvPr>
             <p:ph type="title"/>
           </p:nvPr>
@@ -4875,7 +4155,7 @@
           </a:prstGeom>
         </p:spPr>
         <p:txBody>
-          <a:bodyPr anchorCtr="0" anchor="b" bIns="91425" lIns="91425" rIns="91425" tIns="91425"/>
+          <a:bodyPr lIns="91425" tIns="91425" rIns="91425" bIns="91425" anchor="b" anchorCtr="0"/>
           <a:lstStyle>
             <a:lvl1pPr lvl="0" algn="ctr">
               <a:spcBef>
@@ -4941,15 +4221,19 @@
               <a:defRPr sz="4200"/>
             </a:lvl9pPr>
           </a:lstStyle>
-          <a:p/>
+          <a:p>
+            <a:endParaRPr/>
+          </a:p>
         </p:txBody>
       </p:sp>
       <p:sp>
         <p:nvSpPr>
           <p:cNvPr id="38" name="Shape 38"/>
-          <p:cNvSpPr txBox="1"/>
+          <p:cNvSpPr txBox="1">
+            <a:spLocks noGrp="1"/>
+          </p:cNvSpPr>
           <p:nvPr>
-            <p:ph idx="1" type="subTitle"/>
+            <p:ph type="subTitle" idx="1"/>
           </p:nvPr>
         </p:nvSpPr>
         <p:spPr>
@@ -4962,7 +4246,7 @@
           </a:prstGeom>
         </p:spPr>
         <p:txBody>
-          <a:bodyPr anchorCtr="0" anchor="t" bIns="91425" lIns="91425" rIns="91425" tIns="91425"/>
+          <a:bodyPr lIns="91425" tIns="91425" rIns="91425" bIns="91425" anchor="t" anchorCtr="0"/>
           <a:lstStyle>
             <a:lvl1pPr lvl="0" algn="ctr">
               <a:lnSpc>
@@ -5091,15 +4375,19 @@
               <a:defRPr sz="2100"/>
             </a:lvl9pPr>
           </a:lstStyle>
-          <a:p/>
+          <a:p>
+            <a:endParaRPr/>
+          </a:p>
         </p:txBody>
       </p:sp>
       <p:sp>
         <p:nvSpPr>
           <p:cNvPr id="39" name="Shape 39"/>
-          <p:cNvSpPr txBox="1"/>
+          <p:cNvSpPr txBox="1">
+            <a:spLocks noGrp="1"/>
+          </p:cNvSpPr>
           <p:nvPr>
-            <p:ph idx="2" type="body"/>
+            <p:ph type="body" idx="2"/>
           </p:nvPr>
         </p:nvSpPr>
         <p:spPr>
@@ -5112,7 +4400,7 @@
           </a:prstGeom>
         </p:spPr>
         <p:txBody>
-          <a:bodyPr anchorCtr="0" anchor="ctr" bIns="91425" lIns="91425" rIns="91425" tIns="91425"/>
+          <a:bodyPr lIns="91425" tIns="91425" rIns="91425" bIns="91425" anchor="ctr" anchorCtr="0"/>
           <a:lstStyle>
             <a:lvl1pPr lvl="0">
               <a:spcBef>
@@ -5169,15 +4457,19 @@
               <a:defRPr/>
             </a:lvl9pPr>
           </a:lstStyle>
-          <a:p/>
+          <a:p>
+            <a:endParaRPr/>
+          </a:p>
         </p:txBody>
       </p:sp>
       <p:sp>
         <p:nvSpPr>
           <p:cNvPr id="40" name="Shape 40"/>
-          <p:cNvSpPr txBox="1"/>
+          <p:cNvSpPr txBox="1">
+            <a:spLocks noGrp="1"/>
+          </p:cNvSpPr>
           <p:nvPr>
-            <p:ph idx="12" type="sldNum"/>
+            <p:ph type="sldNum" idx="12"/>
           </p:nvPr>
         </p:nvSpPr>
         <p:spPr>
@@ -5190,7 +4482,7 @@
           </a:prstGeom>
         </p:spPr>
         <p:txBody>
-          <a:bodyPr anchorCtr="0" anchor="ctr" bIns="91425" lIns="91425" rIns="91425" tIns="91425">
+          <a:bodyPr lIns="91425" tIns="91425" rIns="91425" bIns="91425" anchor="ctr" anchorCtr="0">
             <a:noAutofit/>
           </a:bodyPr>
           <a:lstStyle/>
@@ -5205,6 +4497,7 @@
               <a:rPr lang="en"/>
               <a:t>‹#›</a:t>
             </a:fld>
+            <a:endParaRPr lang="en"/>
           </a:p>
         </p:txBody>
       </p:sp>
@@ -5217,11 +4510,11 @@
 </file>
 
 <file path=ppt/slideLayouts/slideLayout9.xml><?xml version="1.0" encoding="utf-8"?>
-<p:sldLayout xmlns:a="http://schemas.openxmlformats.org/drawingml/2006/main" xmlns:r="http://schemas.openxmlformats.org/officeDocument/2006/relationships" xmlns:mc="http://schemas.openxmlformats.org/markup-compatibility/2006" xmlns:mv="urn:schemas-microsoft-com:mac:vml" xmlns:p="http://schemas.openxmlformats.org/presentationml/2006/main" xmlns:c="http://schemas.openxmlformats.org/drawingml/2006/chart" xmlns:dgm="http://schemas.openxmlformats.org/drawingml/2006/diagram" xmlns:o="urn:schemas-microsoft-com:office:office" xmlns:v="urn:schemas-microsoft-com:vml" xmlns:pvml="urn:schemas-microsoft-com:office:powerpoint" xmlns:com="http://schemas.openxmlformats.org/drawingml/2006/compatibility" xmlns:p14="http://schemas.microsoft.com/office/powerpoint/2010/main">
+<p:sldLayout xmlns:a="http://schemas.openxmlformats.org/drawingml/2006/main" xmlns:r="http://schemas.openxmlformats.org/officeDocument/2006/relationships" xmlns:p="http://schemas.openxmlformats.org/presentationml/2006/main">
   <p:cSld name="Caption">
     <p:spTree>
       <p:nvGrpSpPr>
-        <p:cNvPr id="41" name="Shape 41"/>
+        <p:cNvPr id="1" name="Shape 41"/>
         <p:cNvGrpSpPr/>
         <p:nvPr/>
       </p:nvGrpSpPr>
@@ -5236,9 +4529,11 @@
       <p:sp>
         <p:nvSpPr>
           <p:cNvPr id="42" name="Shape 42"/>
-          <p:cNvSpPr txBox="1"/>
+          <p:cNvSpPr txBox="1">
+            <a:spLocks noGrp="1"/>
+          </p:cNvSpPr>
           <p:nvPr>
-            <p:ph idx="1" type="body"/>
+            <p:ph type="body" idx="1"/>
           </p:nvPr>
         </p:nvSpPr>
         <p:spPr>
@@ -5251,7 +4546,7 @@
           </a:prstGeom>
         </p:spPr>
         <p:txBody>
-          <a:bodyPr anchorCtr="0" anchor="ctr" bIns="91425" lIns="91425" rIns="91425" tIns="91425"/>
+          <a:bodyPr lIns="91425" tIns="91425" rIns="91425" bIns="91425" anchor="ctr" anchorCtr="0"/>
           <a:lstStyle>
             <a:lvl1pPr lvl="0">
               <a:lnSpc>
@@ -5267,15 +4562,19 @@
               <a:defRPr/>
             </a:lvl1pPr>
           </a:lstStyle>
-          <a:p/>
+          <a:p>
+            <a:endParaRPr/>
+          </a:p>
         </p:txBody>
       </p:sp>
       <p:sp>
         <p:nvSpPr>
           <p:cNvPr id="43" name="Shape 43"/>
-          <p:cNvSpPr txBox="1"/>
+          <p:cNvSpPr txBox="1">
+            <a:spLocks noGrp="1"/>
+          </p:cNvSpPr>
           <p:nvPr>
-            <p:ph idx="12" type="sldNum"/>
+            <p:ph type="sldNum" idx="12"/>
           </p:nvPr>
         </p:nvSpPr>
         <p:spPr>
@@ -5288,7 +4587,7 @@
           </a:prstGeom>
         </p:spPr>
         <p:txBody>
-          <a:bodyPr anchorCtr="0" anchor="ctr" bIns="91425" lIns="91425" rIns="91425" tIns="91425">
+          <a:bodyPr lIns="91425" tIns="91425" rIns="91425" bIns="91425" anchor="ctr" anchorCtr="0">
             <a:noAutofit/>
           </a:bodyPr>
           <a:lstStyle/>
@@ -5303,6 +4602,7 @@
               <a:rPr lang="en"/>
               <a:t>‹#›</a:t>
             </a:fld>
+            <a:endParaRPr lang="en"/>
           </a:p>
         </p:txBody>
       </p:sp>
@@ -5315,18 +4615,19 @@
 </file>
 
 <file path=ppt/slideMasters/slideMaster1.xml><?xml version="1.0" encoding="utf-8"?>
-<p:sldMaster xmlns:a="http://schemas.openxmlformats.org/drawingml/2006/main" xmlns:r="http://schemas.openxmlformats.org/officeDocument/2006/relationships" xmlns:mc="http://schemas.openxmlformats.org/markup-compatibility/2006" xmlns:mv="urn:schemas-microsoft-com:mac:vml" xmlns:p="http://schemas.openxmlformats.org/presentationml/2006/main" xmlns:c="http://schemas.openxmlformats.org/drawingml/2006/chart" xmlns:dgm="http://schemas.openxmlformats.org/drawingml/2006/diagram" xmlns:o="urn:schemas-microsoft-com:office:office" xmlns:v="urn:schemas-microsoft-com:vml" xmlns:pvml="urn:schemas-microsoft-com:office:powerpoint" xmlns:com="http://schemas.openxmlformats.org/drawingml/2006/compatibility" xmlns:p14="http://schemas.microsoft.com/office/powerpoint/2010/main">
+<p:sldMaster xmlns:a="http://schemas.openxmlformats.org/drawingml/2006/main" xmlns:r="http://schemas.openxmlformats.org/officeDocument/2006/relationships" xmlns:p="http://schemas.openxmlformats.org/presentationml/2006/main">
   <p:cSld>
     <p:bg>
       <p:bgPr>
         <a:solidFill>
-          <a:schemeClr val="lt1"/>
+          <a:schemeClr val="bg1"/>
         </a:solidFill>
+        <a:effectLst/>
       </p:bgPr>
     </p:bg>
     <p:spTree>
       <p:nvGrpSpPr>
-        <p:cNvPr id="5" name="Shape 5"/>
+        <p:cNvPr id="1" name="Shape 5"/>
         <p:cNvGrpSpPr/>
         <p:nvPr/>
       </p:nvGrpSpPr>
@@ -5341,7 +4642,9 @@
       <p:sp>
         <p:nvSpPr>
           <p:cNvPr id="6" name="Shape 6"/>
-          <p:cNvSpPr txBox="1"/>
+          <p:cNvSpPr txBox="1">
+            <a:spLocks noGrp="1"/>
+          </p:cNvSpPr>
           <p:nvPr>
             <p:ph type="title"/>
           </p:nvPr>
@@ -5360,7 +4663,7 @@
           </a:ln>
         </p:spPr>
         <p:txBody>
-          <a:bodyPr anchorCtr="0" anchor="t" bIns="91425" lIns="91425" rIns="91425" tIns="91425"/>
+          <a:bodyPr lIns="91425" tIns="91425" rIns="91425" bIns="91425" anchor="t" anchorCtr="0"/>
           <a:lstStyle>
             <a:lvl1pPr lvl="0">
               <a:spcBef>
@@ -5498,15 +4801,19 @@
               </a:defRPr>
             </a:lvl9pPr>
           </a:lstStyle>
-          <a:p/>
+          <a:p>
+            <a:endParaRPr/>
+          </a:p>
         </p:txBody>
       </p:sp>
       <p:sp>
         <p:nvSpPr>
           <p:cNvPr id="7" name="Shape 7"/>
-          <p:cNvSpPr txBox="1"/>
+          <p:cNvSpPr txBox="1">
+            <a:spLocks noGrp="1"/>
+          </p:cNvSpPr>
           <p:nvPr>
-            <p:ph idx="1" type="body"/>
+            <p:ph type="body" idx="1"/>
           </p:nvPr>
         </p:nvSpPr>
         <p:spPr>
@@ -5523,7 +4830,7 @@
           </a:ln>
         </p:spPr>
         <p:txBody>
-          <a:bodyPr anchorCtr="0" anchor="t" bIns="91425" lIns="91425" rIns="91425" tIns="91425"/>
+          <a:bodyPr lIns="91425" tIns="91425" rIns="91425" bIns="91425" anchor="t" anchorCtr="0"/>
           <a:lstStyle>
             <a:lvl1pPr lvl="0">
               <a:lnSpc>
@@ -5698,15 +5005,19 @@
               </a:defRPr>
             </a:lvl9pPr>
           </a:lstStyle>
-          <a:p/>
+          <a:p>
+            <a:endParaRPr/>
+          </a:p>
         </p:txBody>
       </p:sp>
       <p:sp>
         <p:nvSpPr>
           <p:cNvPr id="8" name="Shape 8"/>
-          <p:cNvSpPr txBox="1"/>
+          <p:cNvSpPr txBox="1">
+            <a:spLocks noGrp="1"/>
+          </p:cNvSpPr>
           <p:nvPr>
-            <p:ph idx="12" type="sldNum"/>
+            <p:ph type="sldNum" idx="12"/>
           </p:nvPr>
         </p:nvSpPr>
         <p:spPr>
@@ -5723,7 +5034,7 @@
           </a:ln>
         </p:spPr>
         <p:txBody>
-          <a:bodyPr anchorCtr="0" anchor="ctr" bIns="91425" lIns="91425" rIns="91425" tIns="91425">
+          <a:bodyPr lIns="91425" tIns="91425" rIns="91425" bIns="91425" anchor="ctr" anchorCtr="0">
             <a:noAutofit/>
           </a:bodyPr>
           <a:lstStyle/>
@@ -5742,12 +5053,17 @@
               </a:rPr>
               <a:t>‹#›</a:t>
             </a:fld>
+            <a:endParaRPr lang="en" sz="1000">
+              <a:solidFill>
+                <a:schemeClr val="dk2"/>
+              </a:solidFill>
+            </a:endParaRPr>
           </a:p>
         </p:txBody>
       </p:sp>
     </p:spTree>
   </p:cSld>
-  <p:clrMap accent1="accent1" accent2="accent2" accent3="accent3" accent4="accent4" accent5="accent5" accent6="accent6" bg1="lt1" bg2="dk2" tx1="dk1" tx2="lt2" folHlink="folHlink" hlink="hlink"/>
+  <p:clrMap bg1="lt1" tx1="dk1" bg2="dk2" tx2="lt2" accent1="accent1" accent2="accent2" accent3="accent3" accent4="accent4" accent5="accent5" accent6="accent6" hlink="hlink" folHlink="folHlink"/>
   <p:sldLayoutIdLst>
     <p:sldLayoutId id="2147483648" r:id="rId1"/>
     <p:sldLayoutId id="2147483649" r:id="rId2"/>
@@ -5761,10 +5077,10 @@
     <p:sldLayoutId id="2147483657" r:id="rId10"/>
     <p:sldLayoutId id="2147483658" r:id="rId11"/>
   </p:sldLayoutIdLst>
-  <p:hf dt="0" ftr="0" hdr="0" sldNum="0"/>
+  <p:hf sldNum="0" hdr="0" ftr="0" dt="0"/>
   <p:txStyles>
     <p:titleStyle>
-      <a:defPPr lvl="0" marR="0" rtl="0" algn="l">
+      <a:defPPr marR="0" lvl="0" algn="l" rtl="0">
         <a:lnSpc>
           <a:spcPct val="100000"/>
         </a:lnSpc>
@@ -5775,7 +5091,7 @@
           <a:spcPts val="0"/>
         </a:spcAft>
       </a:defPPr>
-      <a:lvl1pPr lvl="0" marR="0" rtl="0" algn="l">
+      <a:lvl1pPr marR="0" lvl="0" algn="l" rtl="0">
         <a:lnSpc>
           <a:spcPct val="100000"/>
         </a:lnSpc>
@@ -5786,7 +5102,7 @@
           <a:spcPts val="0"/>
         </a:spcAft>
         <a:buNone/>
-        <a:defRPr b="0" i="0" sz="1400" u="none" cap="none" strike="noStrike">
+        <a:defRPr sz="1400" b="0" i="0" u="none" strike="noStrike" cap="none">
           <a:solidFill>
             <a:srgbClr val="000000"/>
           </a:solidFill>
@@ -5798,7 +5114,7 @@
       </a:lvl1pPr>
     </p:titleStyle>
     <p:bodyStyle>
-      <a:defPPr lvl="0" marR="0" rtl="0" algn="l">
+      <a:defPPr marR="0" lvl="0" algn="l" rtl="0">
         <a:lnSpc>
           <a:spcPct val="100000"/>
         </a:lnSpc>
@@ -5809,7 +5125,7 @@
           <a:spcPts val="0"/>
         </a:spcAft>
       </a:defPPr>
-      <a:lvl1pPr lvl="0" marR="0" rtl="0" algn="l">
+      <a:lvl1pPr marR="0" lvl="0" algn="l" rtl="0">
         <a:lnSpc>
           <a:spcPct val="100000"/>
         </a:lnSpc>
@@ -5820,7 +5136,7 @@
           <a:spcPts val="0"/>
         </a:spcAft>
         <a:buNone/>
-        <a:defRPr b="0" i="0" sz="1400" u="none" cap="none" strike="noStrike">
+        <a:defRPr sz="1400" b="0" i="0" u="none" strike="noStrike" cap="none">
           <a:solidFill>
             <a:srgbClr val="000000"/>
           </a:solidFill>
@@ -5830,7 +5146,7 @@
           <a:sym typeface="Arial"/>
         </a:defRPr>
       </a:lvl1pPr>
-      <a:lvl2pPr lvl="1" marR="0" rtl="0" algn="l">
+      <a:lvl2pPr marR="0" lvl="1" algn="l" rtl="0">
         <a:lnSpc>
           <a:spcPct val="100000"/>
         </a:lnSpc>
@@ -5841,7 +5157,7 @@
           <a:spcPts val="0"/>
         </a:spcAft>
         <a:buNone/>
-        <a:defRPr b="0" i="0" sz="1400" u="none" cap="none" strike="noStrike">
+        <a:defRPr sz="1400" b="0" i="0" u="none" strike="noStrike" cap="none">
           <a:solidFill>
             <a:srgbClr val="000000"/>
           </a:solidFill>
@@ -5851,7 +5167,7 @@
           <a:sym typeface="Arial"/>
         </a:defRPr>
       </a:lvl2pPr>
-      <a:lvl3pPr lvl="2" marR="0" rtl="0" algn="l">
+      <a:lvl3pPr marR="0" lvl="2" algn="l" rtl="0">
         <a:lnSpc>
           <a:spcPct val="100000"/>
         </a:lnSpc>
@@ -5862,7 +5178,7 @@
           <a:spcPts val="0"/>
         </a:spcAft>
         <a:buNone/>
-        <a:defRPr b="0" i="0" sz="1400" u="none" cap="none" strike="noStrike">
+        <a:defRPr sz="1400" b="0" i="0" u="none" strike="noStrike" cap="none">
           <a:solidFill>
             <a:srgbClr val="000000"/>
           </a:solidFill>
@@ -5872,7 +5188,7 @@
           <a:sym typeface="Arial"/>
         </a:defRPr>
       </a:lvl3pPr>
-      <a:lvl4pPr lvl="3" marR="0" rtl="0" algn="l">
+      <a:lvl4pPr marR="0" lvl="3" algn="l" rtl="0">
         <a:lnSpc>
           <a:spcPct val="100000"/>
         </a:lnSpc>
@@ -5883,7 +5199,7 @@
           <a:spcPts val="0"/>
         </a:spcAft>
         <a:buNone/>
-        <a:defRPr b="0" i="0" sz="1400" u="none" cap="none" strike="noStrike">
+        <a:defRPr sz="1400" b="0" i="0" u="none" strike="noStrike" cap="none">
           <a:solidFill>
             <a:srgbClr val="000000"/>
           </a:solidFill>
@@ -5893,7 +5209,7 @@
           <a:sym typeface="Arial"/>
         </a:defRPr>
       </a:lvl4pPr>
-      <a:lvl5pPr lvl="4" marR="0" rtl="0" algn="l">
+      <a:lvl5pPr marR="0" lvl="4" algn="l" rtl="0">
         <a:lnSpc>
           <a:spcPct val="100000"/>
         </a:lnSpc>
@@ -5904,7 +5220,7 @@
           <a:spcPts val="0"/>
         </a:spcAft>
         <a:buNone/>
-        <a:defRPr b="0" i="0" sz="1400" u="none" cap="none" strike="noStrike">
+        <a:defRPr sz="1400" b="0" i="0" u="none" strike="noStrike" cap="none">
           <a:solidFill>
             <a:srgbClr val="000000"/>
           </a:solidFill>
@@ -5914,7 +5230,7 @@
           <a:sym typeface="Arial"/>
         </a:defRPr>
       </a:lvl5pPr>
-      <a:lvl6pPr lvl="5" marR="0" rtl="0" algn="l">
+      <a:lvl6pPr marR="0" lvl="5" algn="l" rtl="0">
         <a:lnSpc>
           <a:spcPct val="100000"/>
         </a:lnSpc>
@@ -5925,7 +5241,7 @@
           <a:spcPts val="0"/>
         </a:spcAft>
         <a:buNone/>
-        <a:defRPr b="0" i="0" sz="1400" u="none" cap="none" strike="noStrike">
+        <a:defRPr sz="1400" b="0" i="0" u="none" strike="noStrike" cap="none">
           <a:solidFill>
             <a:srgbClr val="000000"/>
           </a:solidFill>
@@ -5935,7 +5251,7 @@
           <a:sym typeface="Arial"/>
         </a:defRPr>
       </a:lvl6pPr>
-      <a:lvl7pPr lvl="6" marR="0" rtl="0" algn="l">
+      <a:lvl7pPr marR="0" lvl="6" algn="l" rtl="0">
         <a:lnSpc>
           <a:spcPct val="100000"/>
         </a:lnSpc>
@@ -5946,7 +5262,7 @@
           <a:spcPts val="0"/>
         </a:spcAft>
         <a:buNone/>
-        <a:defRPr b="0" i="0" sz="1400" u="none" cap="none" strike="noStrike">
+        <a:defRPr sz="1400" b="0" i="0" u="none" strike="noStrike" cap="none">
           <a:solidFill>
             <a:srgbClr val="000000"/>
           </a:solidFill>
@@ -5956,7 +5272,7 @@
           <a:sym typeface="Arial"/>
         </a:defRPr>
       </a:lvl7pPr>
-      <a:lvl8pPr lvl="7" marR="0" rtl="0" algn="l">
+      <a:lvl8pPr marR="0" lvl="7" algn="l" rtl="0">
         <a:lnSpc>
           <a:spcPct val="100000"/>
         </a:lnSpc>
@@ -5967,7 +5283,7 @@
           <a:spcPts val="0"/>
         </a:spcAft>
         <a:buNone/>
-        <a:defRPr b="0" i="0" sz="1400" u="none" cap="none" strike="noStrike">
+        <a:defRPr sz="1400" b="0" i="0" u="none" strike="noStrike" cap="none">
           <a:solidFill>
             <a:srgbClr val="000000"/>
           </a:solidFill>
@@ -5977,7 +5293,7 @@
           <a:sym typeface="Arial"/>
         </a:defRPr>
       </a:lvl8pPr>
-      <a:lvl9pPr lvl="8" marR="0" rtl="0" algn="l">
+      <a:lvl9pPr marR="0" lvl="8" algn="l" rtl="0">
         <a:lnSpc>
           <a:spcPct val="100000"/>
         </a:lnSpc>
@@ -5988,7 +5304,7 @@
           <a:spcPts val="0"/>
         </a:spcAft>
         <a:buNone/>
-        <a:defRPr b="0" i="0" sz="1400" u="none" cap="none" strike="noStrike">
+        <a:defRPr sz="1400" b="0" i="0" u="none" strike="noStrike" cap="none">
           <a:solidFill>
             <a:srgbClr val="000000"/>
           </a:solidFill>
@@ -6000,7 +5316,7 @@
       </a:lvl9pPr>
     </p:bodyStyle>
     <p:otherStyle>
-      <a:defPPr lvl="0" marR="0" rtl="0" algn="l">
+      <a:defPPr marR="0" lvl="0" algn="l" rtl="0">
         <a:lnSpc>
           <a:spcPct val="100000"/>
         </a:lnSpc>
@@ -6011,7 +5327,7 @@
           <a:spcPts val="0"/>
         </a:spcAft>
       </a:defPPr>
-      <a:lvl1pPr lvl="0" marR="0" rtl="0" algn="l">
+      <a:lvl1pPr marR="0" lvl="0" algn="l" rtl="0">
         <a:lnSpc>
           <a:spcPct val="100000"/>
         </a:lnSpc>
@@ -6022,7 +5338,7 @@
           <a:spcPts val="0"/>
         </a:spcAft>
         <a:buNone/>
-        <a:defRPr b="0" i="0" sz="1400" u="none" cap="none" strike="noStrike">
+        <a:defRPr sz="1400" b="0" i="0" u="none" strike="noStrike" cap="none">
           <a:solidFill>
             <a:srgbClr val="000000"/>
           </a:solidFill>
@@ -6032,7 +5348,7 @@
           <a:sym typeface="Arial"/>
         </a:defRPr>
       </a:lvl1pPr>
-      <a:lvl2pPr lvl="1" marR="0" rtl="0" algn="l">
+      <a:lvl2pPr marR="0" lvl="1" algn="l" rtl="0">
         <a:lnSpc>
           <a:spcPct val="100000"/>
         </a:lnSpc>
@@ -6043,7 +5359,7 @@
           <a:spcPts val="0"/>
         </a:spcAft>
         <a:buNone/>
-        <a:defRPr b="0" i="0" sz="1400" u="none" cap="none" strike="noStrike">
+        <a:defRPr sz="1400" b="0" i="0" u="none" strike="noStrike" cap="none">
           <a:solidFill>
             <a:srgbClr val="000000"/>
           </a:solidFill>
@@ -6053,7 +5369,7 @@
           <a:sym typeface="Arial"/>
         </a:defRPr>
       </a:lvl2pPr>
-      <a:lvl3pPr lvl="2" marR="0" rtl="0" algn="l">
+      <a:lvl3pPr marR="0" lvl="2" algn="l" rtl="0">
         <a:lnSpc>
           <a:spcPct val="100000"/>
         </a:lnSpc>
@@ -6064,7 +5380,7 @@
           <a:spcPts val="0"/>
         </a:spcAft>
         <a:buNone/>
-        <a:defRPr b="0" i="0" sz="1400" u="none" cap="none" strike="noStrike">
+        <a:defRPr sz="1400" b="0" i="0" u="none" strike="noStrike" cap="none">
           <a:solidFill>
             <a:srgbClr val="000000"/>
           </a:solidFill>
@@ -6074,7 +5390,7 @@
           <a:sym typeface="Arial"/>
         </a:defRPr>
       </a:lvl3pPr>
-      <a:lvl4pPr lvl="3" marR="0" rtl="0" algn="l">
+      <a:lvl4pPr marR="0" lvl="3" algn="l" rtl="0">
         <a:lnSpc>
           <a:spcPct val="100000"/>
         </a:lnSpc>
@@ -6085,7 +5401,7 @@
           <a:spcPts val="0"/>
         </a:spcAft>
         <a:buNone/>
-        <a:defRPr b="0" i="0" sz="1400" u="none" cap="none" strike="noStrike">
+        <a:defRPr sz="1400" b="0" i="0" u="none" strike="noStrike" cap="none">
           <a:solidFill>
             <a:srgbClr val="000000"/>
           </a:solidFill>
@@ -6095,7 +5411,7 @@
           <a:sym typeface="Arial"/>
         </a:defRPr>
       </a:lvl4pPr>
-      <a:lvl5pPr lvl="4" marR="0" rtl="0" algn="l">
+      <a:lvl5pPr marR="0" lvl="4" algn="l" rtl="0">
         <a:lnSpc>
           <a:spcPct val="100000"/>
         </a:lnSpc>
@@ -6106,7 +5422,7 @@
           <a:spcPts val="0"/>
         </a:spcAft>
         <a:buNone/>
-        <a:defRPr b="0" i="0" sz="1400" u="none" cap="none" strike="noStrike">
+        <a:defRPr sz="1400" b="0" i="0" u="none" strike="noStrike" cap="none">
           <a:solidFill>
             <a:srgbClr val="000000"/>
           </a:solidFill>
@@ -6116,7 +5432,7 @@
           <a:sym typeface="Arial"/>
         </a:defRPr>
       </a:lvl5pPr>
-      <a:lvl6pPr lvl="5" marR="0" rtl="0" algn="l">
+      <a:lvl6pPr marR="0" lvl="5" algn="l" rtl="0">
         <a:lnSpc>
           <a:spcPct val="100000"/>
         </a:lnSpc>
@@ -6127,7 +5443,7 @@
           <a:spcPts val="0"/>
         </a:spcAft>
         <a:buNone/>
-        <a:defRPr b="0" i="0" sz="1400" u="none" cap="none" strike="noStrike">
+        <a:defRPr sz="1400" b="0" i="0" u="none" strike="noStrike" cap="none">
           <a:solidFill>
             <a:srgbClr val="000000"/>
           </a:solidFill>
@@ -6137,7 +5453,7 @@
           <a:sym typeface="Arial"/>
         </a:defRPr>
       </a:lvl6pPr>
-      <a:lvl7pPr lvl="6" marR="0" rtl="0" algn="l">
+      <a:lvl7pPr marR="0" lvl="6" algn="l" rtl="0">
         <a:lnSpc>
           <a:spcPct val="100000"/>
         </a:lnSpc>
@@ -6148,7 +5464,7 @@
           <a:spcPts val="0"/>
         </a:spcAft>
         <a:buNone/>
-        <a:defRPr b="0" i="0" sz="1400" u="none" cap="none" strike="noStrike">
+        <a:defRPr sz="1400" b="0" i="0" u="none" strike="noStrike" cap="none">
           <a:solidFill>
             <a:srgbClr val="000000"/>
           </a:solidFill>
@@ -6158,7 +5474,7 @@
           <a:sym typeface="Arial"/>
         </a:defRPr>
       </a:lvl7pPr>
-      <a:lvl8pPr lvl="7" marR="0" rtl="0" algn="l">
+      <a:lvl8pPr marR="0" lvl="7" algn="l" rtl="0">
         <a:lnSpc>
           <a:spcPct val="100000"/>
         </a:lnSpc>
@@ -6169,7 +5485,7 @@
           <a:spcPts val="0"/>
         </a:spcAft>
         <a:buNone/>
-        <a:defRPr b="0" i="0" sz="1400" u="none" cap="none" strike="noStrike">
+        <a:defRPr sz="1400" b="0" i="0" u="none" strike="noStrike" cap="none">
           <a:solidFill>
             <a:srgbClr val="000000"/>
           </a:solidFill>
@@ -6179,7 +5495,7 @@
           <a:sym typeface="Arial"/>
         </a:defRPr>
       </a:lvl8pPr>
-      <a:lvl9pPr lvl="8" marR="0" rtl="0" algn="l">
+      <a:lvl9pPr marR="0" lvl="8" algn="l" rtl="0">
         <a:lnSpc>
           <a:spcPct val="100000"/>
         </a:lnSpc>
@@ -6190,7 +5506,7 @@
           <a:spcPts val="0"/>
         </a:spcAft>
         <a:buNone/>
-        <a:defRPr b="0" i="0" sz="1400" u="none" cap="none" strike="noStrike">
+        <a:defRPr sz="1400" b="0" i="0" u="none" strike="noStrike" cap="none">
           <a:solidFill>
             <a:srgbClr val="000000"/>
           </a:solidFill>
@@ -6206,16 +5522,11 @@
 </file>
 
 <file path=ppt/slides/slide1.xml><?xml version="1.0" encoding="utf-8"?>
-<p:sld xmlns:a="http://schemas.openxmlformats.org/drawingml/2006/main" xmlns:r="http://schemas.openxmlformats.org/officeDocument/2006/relationships" xmlns:mc="http://schemas.openxmlformats.org/markup-compatibility/2006" xmlns:mv="urn:schemas-microsoft-com:mac:vml" xmlns:p="http://schemas.openxmlformats.org/presentationml/2006/main" xmlns:c="http://schemas.openxmlformats.org/drawingml/2006/chart" xmlns:dgm="http://schemas.openxmlformats.org/drawingml/2006/diagram" xmlns:o="urn:schemas-microsoft-com:office:office" xmlns:v="urn:schemas-microsoft-com:vml" xmlns:pvml="urn:schemas-microsoft-com:office:powerpoint" xmlns:com="http://schemas.openxmlformats.org/drawingml/2006/compatibility" xmlns:p14="http://schemas.microsoft.com/office/powerpoint/2010/main">
+<p:sld xmlns:a="http://schemas.openxmlformats.org/drawingml/2006/main" xmlns:r="http://schemas.openxmlformats.org/officeDocument/2006/relationships" xmlns:p="http://schemas.openxmlformats.org/presentationml/2006/main">
   <p:cSld>
-    <p:bg>
-      <p:bgPr>
-        <a:noFill/>
-      </p:bgPr>
-    </p:bg>
     <p:spTree>
       <p:nvGrpSpPr>
-        <p:cNvPr id="53" name="Shape 53"/>
+        <p:cNvPr id="1" name="Shape 53"/>
         <p:cNvGrpSpPr/>
         <p:nvPr/>
       </p:nvGrpSpPr>
@@ -6230,7 +5541,9 @@
       <p:sp>
         <p:nvSpPr>
           <p:cNvPr id="54" name="Shape 54"/>
-          <p:cNvSpPr txBox="1"/>
+          <p:cNvSpPr txBox="1">
+            <a:spLocks noGrp="1"/>
+          </p:cNvSpPr>
           <p:nvPr>
             <p:ph type="ctrTitle"/>
           </p:nvPr>
@@ -6246,7 +5559,7 @@
           <a:noFill/>
         </p:spPr>
         <p:txBody>
-          <a:bodyPr anchorCtr="0" anchor="ctr" bIns="91425" lIns="91425" rIns="91425" tIns="91425">
+          <a:bodyPr lIns="91425" tIns="91425" rIns="91425" bIns="91425" anchor="ctr" anchorCtr="0">
             <a:noAutofit/>
           </a:bodyPr>
           <a:lstStyle/>
@@ -6306,7 +5619,7 @@
               <a:buNone/>
             </a:pPr>
             <a:r>
-              <a:rPr b="1" lang="en"/>
+              <a:rPr lang="en" b="1"/>
               <a:t>gyakorlat</a:t>
             </a:r>
           </a:p>
@@ -6324,11 +5637,11 @@
 </file>
 
 <file path=ppt/slides/slide10.xml><?xml version="1.0" encoding="utf-8"?>
-<p:sld xmlns:a="http://schemas.openxmlformats.org/drawingml/2006/main" xmlns:r="http://schemas.openxmlformats.org/officeDocument/2006/relationships" xmlns:mc="http://schemas.openxmlformats.org/markup-compatibility/2006" xmlns:mv="urn:schemas-microsoft-com:mac:vml" xmlns:p="http://schemas.openxmlformats.org/presentationml/2006/main" xmlns:c="http://schemas.openxmlformats.org/drawingml/2006/chart" xmlns:dgm="http://schemas.openxmlformats.org/drawingml/2006/diagram" xmlns:o="urn:schemas-microsoft-com:office:office" xmlns:v="urn:schemas-microsoft-com:vml" xmlns:pvml="urn:schemas-microsoft-com:office:powerpoint" xmlns:com="http://schemas.openxmlformats.org/drawingml/2006/compatibility" xmlns:p14="http://schemas.microsoft.com/office/powerpoint/2010/main">
+<p:sld xmlns:a="http://schemas.openxmlformats.org/drawingml/2006/main" xmlns:r="http://schemas.openxmlformats.org/officeDocument/2006/relationships" xmlns:p="http://schemas.openxmlformats.org/presentationml/2006/main">
   <p:cSld>
     <p:spTree>
       <p:nvGrpSpPr>
-        <p:cNvPr id="112" name="Shape 112"/>
+        <p:cNvPr id="1" name="Shape 112"/>
         <p:cNvGrpSpPr/>
         <p:nvPr/>
       </p:nvGrpSpPr>
@@ -6343,7 +5656,9 @@
       <p:sp>
         <p:nvSpPr>
           <p:cNvPr id="113" name="Shape 113"/>
-          <p:cNvSpPr txBox="1"/>
+          <p:cNvSpPr txBox="1">
+            <a:spLocks noGrp="1"/>
+          </p:cNvSpPr>
           <p:nvPr>
             <p:ph type="title"/>
           </p:nvPr>
@@ -6358,12 +5673,12 @@
           </a:prstGeom>
         </p:spPr>
         <p:txBody>
-          <a:bodyPr anchorCtr="0" anchor="t" bIns="91425" lIns="91425" rIns="91425" tIns="91425">
+          <a:bodyPr lIns="91425" tIns="91425" rIns="91425" bIns="91425" anchor="t" anchorCtr="0">
             <a:noAutofit/>
           </a:bodyPr>
           <a:lstStyle/>
           <a:p>
-            <a:pPr lvl="0" rtl="0" algn="ctr">
+            <a:pPr lvl="0" algn="ctr" rtl="0">
               <a:spcBef>
                 <a:spcPts val="0"/>
               </a:spcBef>
@@ -6379,9 +5694,11 @@
       <p:sp>
         <p:nvSpPr>
           <p:cNvPr id="114" name="Shape 114"/>
-          <p:cNvSpPr txBox="1"/>
+          <p:cNvSpPr txBox="1">
+            <a:spLocks noGrp="1"/>
+          </p:cNvSpPr>
           <p:nvPr>
-            <p:ph idx="1" type="body"/>
+            <p:ph type="body" idx="1"/>
           </p:nvPr>
         </p:nvSpPr>
         <p:spPr>
@@ -6394,12 +5711,12 @@
           </a:prstGeom>
         </p:spPr>
         <p:txBody>
-          <a:bodyPr anchorCtr="0" anchor="t" bIns="91425" lIns="91425" rIns="91425" tIns="91425">
+          <a:bodyPr lIns="91425" tIns="91425" rIns="91425" bIns="91425" anchor="t" anchorCtr="0">
             <a:noAutofit/>
           </a:bodyPr>
           <a:lstStyle/>
           <a:p>
-            <a:pPr indent="-381000" lvl="0" marL="457200" rtl="0">
+            <a:pPr marL="457200" lvl="0" indent="-381000" rtl="0">
               <a:lnSpc>
                 <a:spcPct val="100000"/>
               </a:lnSpc>
@@ -6413,9 +5730,11 @@
                 <a:srgbClr val="000000"/>
               </a:buClr>
               <a:buSzPct val="100000"/>
-            </a:pPr>
-            <a:r>
-              <a:rPr lang="en" sz="2400">
+              <a:buFont typeface="Arial" panose="020B0604020202020204" pitchFamily="34" charset="0"/>
+              <a:buChar char="•"/>
+            </a:pPr>
+            <a:r>
+              <a:rPr lang="en" sz="2400" dirty="0">
                 <a:solidFill>
                   <a:srgbClr val="000000"/>
                 </a:solidFill>
@@ -6424,7 +5743,7 @@
             </a:r>
           </a:p>
           <a:p>
-            <a:pPr indent="-381000" lvl="0" marL="457200" rtl="0">
+            <a:pPr marL="457200" lvl="0" indent="-381000" rtl="0">
               <a:lnSpc>
                 <a:spcPct val="100000"/>
               </a:lnSpc>
@@ -6438,9 +5757,11 @@
                 <a:srgbClr val="000000"/>
               </a:buClr>
               <a:buSzPct val="100000"/>
-            </a:pPr>
-            <a:r>
-              <a:rPr lang="en" sz="2400">
+              <a:buFont typeface="Arial" panose="020B0604020202020204" pitchFamily="34" charset="0"/>
+              <a:buChar char="•"/>
+            </a:pPr>
+            <a:r>
+              <a:rPr lang="en" sz="2400" dirty="0">
                 <a:solidFill>
                   <a:srgbClr val="000000"/>
                 </a:solidFill>
@@ -6449,7 +5770,7 @@
             </a:r>
           </a:p>
           <a:p>
-            <a:pPr indent="-381000" lvl="0" marL="457200" rtl="0">
+            <a:pPr marL="457200" lvl="0" indent="-381000" rtl="0">
               <a:lnSpc>
                 <a:spcPct val="100000"/>
               </a:lnSpc>
@@ -6463,9 +5784,11 @@
                 <a:srgbClr val="000000"/>
               </a:buClr>
               <a:buSzPct val="100000"/>
-            </a:pPr>
-            <a:r>
-              <a:rPr lang="en" sz="2400">
+              <a:buFont typeface="Arial" panose="020B0604020202020204" pitchFamily="34" charset="0"/>
+              <a:buChar char="•"/>
+            </a:pPr>
+            <a:r>
+              <a:rPr lang="en" sz="2400" dirty="0">
                 <a:solidFill>
                   <a:srgbClr val="000000"/>
                 </a:solidFill>
@@ -6474,7 +5797,7 @@
             </a:r>
           </a:p>
           <a:p>
-            <a:pPr indent="-381000" lvl="0" marL="457200" rtl="0">
+            <a:pPr marL="457200" lvl="0" indent="-381000" rtl="0">
               <a:lnSpc>
                 <a:spcPct val="100000"/>
               </a:lnSpc>
@@ -6488,9 +5811,11 @@
                 <a:srgbClr val="000000"/>
               </a:buClr>
               <a:buSzPct val="100000"/>
-            </a:pPr>
-            <a:r>
-              <a:rPr lang="en" sz="2400">
+              <a:buFont typeface="Arial" panose="020B0604020202020204" pitchFamily="34" charset="0"/>
+              <a:buChar char="•"/>
+            </a:pPr>
+            <a:r>
+              <a:rPr lang="en" sz="2400" dirty="0">
                 <a:solidFill>
                   <a:srgbClr val="000000"/>
                 </a:solidFill>
@@ -6499,7 +5824,7 @@
             </a:r>
           </a:p>
           <a:p>
-            <a:pPr indent="-381000" lvl="0" marL="457200" rtl="0">
+            <a:pPr marL="457200" lvl="0" indent="-381000" rtl="0">
               <a:lnSpc>
                 <a:spcPct val="100000"/>
               </a:lnSpc>
@@ -6513,9 +5838,11 @@
                 <a:srgbClr val="000000"/>
               </a:buClr>
               <a:buSzPct val="100000"/>
-            </a:pPr>
-            <a:r>
-              <a:rPr lang="en" sz="2400">
+              <a:buFont typeface="Arial" panose="020B0604020202020204" pitchFamily="34" charset="0"/>
+              <a:buChar char="•"/>
+            </a:pPr>
+            <a:r>
+              <a:rPr lang="en" sz="2400" dirty="0">
                 <a:solidFill>
                   <a:srgbClr val="000000"/>
                 </a:solidFill>
@@ -6524,7 +5851,7 @@
             </a:r>
           </a:p>
           <a:p>
-            <a:pPr indent="-381000" lvl="0" marL="457200" rtl="0">
+            <a:pPr marL="457200" lvl="0" indent="-381000" rtl="0">
               <a:lnSpc>
                 <a:spcPct val="100000"/>
               </a:lnSpc>
@@ -6538,9 +5865,11 @@
                 <a:srgbClr val="000000"/>
               </a:buClr>
               <a:buSzPct val="100000"/>
-            </a:pPr>
-            <a:r>
-              <a:rPr lang="en" sz="2400">
+              <a:buFont typeface="Arial" panose="020B0604020202020204" pitchFamily="34" charset="0"/>
+              <a:buChar char="•"/>
+            </a:pPr>
+            <a:r>
+              <a:rPr lang="en" sz="2400" dirty="0">
                 <a:solidFill>
                   <a:srgbClr val="000000"/>
                 </a:solidFill>
@@ -6562,11 +5891,11 @@
 </file>
 
 <file path=ppt/slides/slide11.xml><?xml version="1.0" encoding="utf-8"?>
-<p:sld xmlns:a="http://schemas.openxmlformats.org/drawingml/2006/main" xmlns:r="http://schemas.openxmlformats.org/officeDocument/2006/relationships" xmlns:mc="http://schemas.openxmlformats.org/markup-compatibility/2006" xmlns:mv="urn:schemas-microsoft-com:mac:vml" xmlns:p="http://schemas.openxmlformats.org/presentationml/2006/main" xmlns:c="http://schemas.openxmlformats.org/drawingml/2006/chart" xmlns:dgm="http://schemas.openxmlformats.org/drawingml/2006/diagram" xmlns:o="urn:schemas-microsoft-com:office:office" xmlns:v="urn:schemas-microsoft-com:vml" xmlns:pvml="urn:schemas-microsoft-com:office:powerpoint" xmlns:com="http://schemas.openxmlformats.org/drawingml/2006/compatibility" xmlns:p14="http://schemas.microsoft.com/office/powerpoint/2010/main">
+<p:sld xmlns:a="http://schemas.openxmlformats.org/drawingml/2006/main" xmlns:r="http://schemas.openxmlformats.org/officeDocument/2006/relationships" xmlns:p="http://schemas.openxmlformats.org/presentationml/2006/main">
   <p:cSld>
     <p:spTree>
       <p:nvGrpSpPr>
-        <p:cNvPr id="118" name="Shape 118"/>
+        <p:cNvPr id="1" name="Shape 118"/>
         <p:cNvGrpSpPr/>
         <p:nvPr/>
       </p:nvGrpSpPr>
@@ -6581,7 +5910,9 @@
       <p:sp>
         <p:nvSpPr>
           <p:cNvPr id="119" name="Shape 119"/>
-          <p:cNvSpPr txBox="1"/>
+          <p:cNvSpPr txBox="1">
+            <a:spLocks noGrp="1"/>
+          </p:cNvSpPr>
           <p:nvPr>
             <p:ph type="title"/>
           </p:nvPr>
@@ -6596,7 +5927,7 @@
           </a:prstGeom>
         </p:spPr>
         <p:txBody>
-          <a:bodyPr anchorCtr="0" anchor="t" bIns="91425" lIns="91425" rIns="91425" tIns="91425">
+          <a:bodyPr lIns="91425" tIns="91425" rIns="91425" bIns="91425" anchor="t" anchorCtr="0">
             <a:noAutofit/>
           </a:bodyPr>
           <a:lstStyle/>
@@ -6617,9 +5948,11 @@
       <p:sp>
         <p:nvSpPr>
           <p:cNvPr id="120" name="Shape 120"/>
-          <p:cNvSpPr txBox="1"/>
+          <p:cNvSpPr txBox="1">
+            <a:spLocks noGrp="1"/>
+          </p:cNvSpPr>
           <p:nvPr>
-            <p:ph idx="1" type="body"/>
+            <p:ph type="body" idx="1"/>
           </p:nvPr>
         </p:nvSpPr>
         <p:spPr>
@@ -6632,22 +5965,27 @@
           </a:prstGeom>
         </p:spPr>
         <p:txBody>
-          <a:bodyPr anchorCtr="0" anchor="ctr" bIns="91425" lIns="91425" rIns="91425" tIns="91425">
+          <a:bodyPr lIns="91425" tIns="91425" rIns="91425" bIns="91425" anchor="ctr" anchorCtr="0">
             <a:noAutofit/>
           </a:bodyPr>
           <a:lstStyle/>
           <a:p>
-            <a:pPr indent="-381000" lvl="0" marL="457200" rtl="0">
-              <a:spcBef>
-                <a:spcPts val="0"/>
-              </a:spcBef>
+            <a:pPr marL="457200" lvl="0" indent="-381000" rtl="0">
+              <a:spcBef>
+                <a:spcPts val="0"/>
+              </a:spcBef>
+              <a:spcAft>
+                <a:spcPts val="0"/>
+              </a:spcAft>
               <a:buClr>
                 <a:srgbClr val="000000"/>
               </a:buClr>
               <a:buSzPct val="100000"/>
-            </a:pPr>
-            <a:r>
-              <a:rPr lang="en" sz="2400">
+              <a:buFont typeface="Arial" panose="020B0604020202020204" pitchFamily="34" charset="0"/>
+              <a:buChar char="•"/>
+            </a:pPr>
+            <a:r>
+              <a:rPr lang="en" sz="2000" dirty="0">
                 <a:solidFill>
                   <a:srgbClr val="000000"/>
                 </a:solidFill>
@@ -6656,17 +5994,22 @@
             </a:r>
           </a:p>
           <a:p>
-            <a:pPr indent="-381000" lvl="0" marL="457200" rtl="0">
-              <a:spcBef>
-                <a:spcPts val="0"/>
-              </a:spcBef>
+            <a:pPr marL="457200" lvl="0" indent="-381000" rtl="0">
+              <a:spcBef>
+                <a:spcPts val="0"/>
+              </a:spcBef>
+              <a:spcAft>
+                <a:spcPts val="0"/>
+              </a:spcAft>
               <a:buClr>
                 <a:schemeClr val="dk1"/>
               </a:buClr>
               <a:buSzPct val="100000"/>
-            </a:pPr>
-            <a:r>
-              <a:rPr lang="en" sz="2400">
+              <a:buFont typeface="Arial" panose="020B0604020202020204" pitchFamily="34" charset="0"/>
+              <a:buChar char="•"/>
+            </a:pPr>
+            <a:r>
+              <a:rPr lang="en" sz="2000" dirty="0">
                 <a:solidFill>
                   <a:schemeClr val="dk1"/>
                 </a:solidFill>
@@ -6675,17 +6018,22 @@
             </a:r>
           </a:p>
           <a:p>
-            <a:pPr indent="-381000" lvl="0" marL="457200" rtl="0">
-              <a:spcBef>
-                <a:spcPts val="0"/>
-              </a:spcBef>
+            <a:pPr marL="457200" lvl="0" indent="-381000" rtl="0">
+              <a:spcBef>
+                <a:spcPts val="0"/>
+              </a:spcBef>
+              <a:spcAft>
+                <a:spcPts val="0"/>
+              </a:spcAft>
               <a:buClr>
                 <a:schemeClr val="dk1"/>
               </a:buClr>
               <a:buSzPct val="100000"/>
-            </a:pPr>
-            <a:r>
-              <a:rPr lang="en" sz="2400">
+              <a:buFont typeface="Arial" panose="020B0604020202020204" pitchFamily="34" charset="0"/>
+              <a:buChar char="•"/>
+            </a:pPr>
+            <a:r>
+              <a:rPr lang="en" sz="2000" dirty="0">
                 <a:solidFill>
                   <a:schemeClr val="dk1"/>
                 </a:solidFill>
@@ -6694,17 +6042,22 @@
             </a:r>
           </a:p>
           <a:p>
-            <a:pPr indent="-381000" lvl="0" marL="457200" rtl="0">
-              <a:spcBef>
-                <a:spcPts val="0"/>
-              </a:spcBef>
+            <a:pPr marL="457200" lvl="0" indent="-381000" rtl="0">
+              <a:spcBef>
+                <a:spcPts val="0"/>
+              </a:spcBef>
+              <a:spcAft>
+                <a:spcPts val="0"/>
+              </a:spcAft>
               <a:buClr>
                 <a:schemeClr val="dk1"/>
               </a:buClr>
               <a:buSzPct val="100000"/>
-            </a:pPr>
-            <a:r>
-              <a:rPr lang="en" sz="2400">
+              <a:buFont typeface="Arial" panose="020B0604020202020204" pitchFamily="34" charset="0"/>
+              <a:buChar char="•"/>
+            </a:pPr>
+            <a:r>
+              <a:rPr lang="en" sz="2000" dirty="0">
                 <a:solidFill>
                   <a:schemeClr val="dk1"/>
                 </a:solidFill>
@@ -6713,17 +6066,22 @@
             </a:r>
           </a:p>
           <a:p>
-            <a:pPr indent="-381000" lvl="0" marL="457200" rtl="0">
-              <a:spcBef>
-                <a:spcPts val="0"/>
-              </a:spcBef>
+            <a:pPr marL="457200" lvl="0" indent="-381000" rtl="0">
+              <a:spcBef>
+                <a:spcPts val="0"/>
+              </a:spcBef>
+              <a:spcAft>
+                <a:spcPts val="0"/>
+              </a:spcAft>
               <a:buClr>
                 <a:schemeClr val="dk1"/>
               </a:buClr>
               <a:buSzPct val="100000"/>
-            </a:pPr>
-            <a:r>
-              <a:rPr lang="en" sz="2400">
+              <a:buFont typeface="Arial" panose="020B0604020202020204" pitchFamily="34" charset="0"/>
+              <a:buChar char="•"/>
+            </a:pPr>
+            <a:r>
+              <a:rPr lang="en" sz="2000" dirty="0">
                 <a:solidFill>
                   <a:srgbClr val="000000"/>
                 </a:solidFill>
@@ -6731,7 +6089,7 @@
               <a:t>egy függvény max 5 sor és egy feladat végrehajtása </a:t>
             </a:r>
             <a:r>
-              <a:rPr lang="en" sz="2400">
+              <a:rPr lang="en" sz="2000" dirty="0">
                 <a:solidFill>
                   <a:schemeClr val="dk1"/>
                 </a:solidFill>
@@ -6740,17 +6098,22 @@
             </a:r>
           </a:p>
           <a:p>
-            <a:pPr indent="-381000" lvl="0" marL="457200" rtl="0">
-              <a:spcBef>
-                <a:spcPts val="0"/>
-              </a:spcBef>
+            <a:pPr marL="457200" lvl="0" indent="-381000" rtl="0">
+              <a:spcBef>
+                <a:spcPts val="0"/>
+              </a:spcBef>
+              <a:spcAft>
+                <a:spcPts val="0"/>
+              </a:spcAft>
               <a:buClr>
                 <a:schemeClr val="dk1"/>
               </a:buClr>
               <a:buSzPct val="100000"/>
-            </a:pPr>
-            <a:r>
-              <a:rPr lang="en" sz="2400">
+              <a:buFont typeface="Arial" panose="020B0604020202020204" pitchFamily="34" charset="0"/>
+              <a:buChar char="•"/>
+            </a:pPr>
+            <a:r>
+              <a:rPr lang="en" sz="2000" dirty="0">
                 <a:solidFill>
                   <a:schemeClr val="dk1"/>
                 </a:solidFill>
@@ -6759,17 +6122,22 @@
             </a:r>
           </a:p>
           <a:p>
-            <a:pPr indent="-381000" lvl="0" marL="457200" rtl="0">
-              <a:spcBef>
-                <a:spcPts val="0"/>
-              </a:spcBef>
+            <a:pPr marL="457200" lvl="0" indent="-381000" rtl="0">
+              <a:spcBef>
+                <a:spcPts val="0"/>
+              </a:spcBef>
+              <a:spcAft>
+                <a:spcPts val="0"/>
+              </a:spcAft>
               <a:buClr>
                 <a:srgbClr val="000000"/>
               </a:buClr>
               <a:buSzPct val="100000"/>
-            </a:pPr>
-            <a:r>
-              <a:rPr lang="en" sz="2400">
+              <a:buFont typeface="Arial" panose="020B0604020202020204" pitchFamily="34" charset="0"/>
+              <a:buChar char="•"/>
+            </a:pPr>
+            <a:r>
+              <a:rPr lang="en" sz="2000" dirty="0">
                 <a:solidFill>
                   <a:srgbClr val="000000"/>
                 </a:solidFill>
@@ -6778,17 +6146,22 @@
             </a:r>
           </a:p>
           <a:p>
-            <a:pPr indent="-381000" lvl="0" marL="457200" rtl="0">
-              <a:spcBef>
-                <a:spcPts val="0"/>
-              </a:spcBef>
+            <a:pPr marL="457200" lvl="0" indent="-381000" rtl="0">
+              <a:spcBef>
+                <a:spcPts val="0"/>
+              </a:spcBef>
+              <a:spcAft>
+                <a:spcPts val="0"/>
+              </a:spcAft>
               <a:buClr>
                 <a:srgbClr val="000000"/>
               </a:buClr>
               <a:buSzPct val="100000"/>
-            </a:pPr>
-            <a:r>
-              <a:rPr lang="en" sz="2400">
+              <a:buFont typeface="Arial" panose="020B0604020202020204" pitchFamily="34" charset="0"/>
+              <a:buChar char="•"/>
+            </a:pPr>
+            <a:r>
+              <a:rPr lang="en" sz="2000" dirty="0">
                 <a:solidFill>
                   <a:srgbClr val="000000"/>
                 </a:solidFill>
@@ -6810,11 +6183,11 @@
 </file>
 
 <file path=ppt/slides/slide12.xml><?xml version="1.0" encoding="utf-8"?>
-<p:sld xmlns:a="http://schemas.openxmlformats.org/drawingml/2006/main" xmlns:r="http://schemas.openxmlformats.org/officeDocument/2006/relationships" xmlns:mc="http://schemas.openxmlformats.org/markup-compatibility/2006" xmlns:mv="urn:schemas-microsoft-com:mac:vml" xmlns:p="http://schemas.openxmlformats.org/presentationml/2006/main" xmlns:c="http://schemas.openxmlformats.org/drawingml/2006/chart" xmlns:dgm="http://schemas.openxmlformats.org/drawingml/2006/diagram" xmlns:o="urn:schemas-microsoft-com:office:office" xmlns:v="urn:schemas-microsoft-com:vml" xmlns:pvml="urn:schemas-microsoft-com:office:powerpoint" xmlns:com="http://schemas.openxmlformats.org/drawingml/2006/compatibility" xmlns:p14="http://schemas.microsoft.com/office/powerpoint/2010/main">
+<p:sld xmlns:a="http://schemas.openxmlformats.org/drawingml/2006/main" xmlns:r="http://schemas.openxmlformats.org/officeDocument/2006/relationships" xmlns:p="http://schemas.openxmlformats.org/presentationml/2006/main">
   <p:cSld>
     <p:spTree>
       <p:nvGrpSpPr>
-        <p:cNvPr id="124" name="Shape 124"/>
+        <p:cNvPr id="1" name="Shape 137"/>
         <p:cNvGrpSpPr/>
         <p:nvPr/>
       </p:nvGrpSpPr>
@@ -6828,398 +6201,51 @@
       </p:grpSpPr>
       <p:sp>
         <p:nvSpPr>
-          <p:cNvPr id="125" name="Shape 125"/>
-          <p:cNvSpPr txBox="1"/>
+          <p:cNvPr id="138" name="Shape 138"/>
+          <p:cNvSpPr txBox="1">
+            <a:spLocks noGrp="1"/>
+          </p:cNvSpPr>
           <p:nvPr>
             <p:ph type="title"/>
           </p:nvPr>
         </p:nvSpPr>
         <p:spPr>
           <a:xfrm>
-            <a:off x="311700" y="0"/>
-            <a:ext cx="8520600" cy="572700"/>
+            <a:off x="311700" y="2150850"/>
+            <a:ext cx="8520599" cy="841800"/>
           </a:xfrm>
           <a:prstGeom prst="rect">
             <a:avLst/>
           </a:prstGeom>
         </p:spPr>
         <p:txBody>
-          <a:bodyPr anchorCtr="0" anchor="t" bIns="91425" lIns="91425" rIns="91425" tIns="91425">
+          <a:bodyPr lIns="91425" tIns="91425" rIns="91425" bIns="91425" anchor="ctr" anchorCtr="0">
             <a:noAutofit/>
           </a:bodyPr>
           <a:lstStyle/>
           <a:p>
-            <a:pPr lvl="0" algn="ctr">
-              <a:spcBef>
-                <a:spcPts val="0"/>
-              </a:spcBef>
-              <a:buNone/>
-            </a:pPr>
-            <a:r>
-              <a:rPr lang="en"/>
-              <a:t>Osztályokra vonatkozó tanácsok</a:t>
-            </a:r>
+            <a:pPr lvl="0" rtl="0">
+              <a:spcBef>
+                <a:spcPts val="0"/>
+              </a:spcBef>
+              <a:buNone/>
+            </a:pPr>
+            <a:r>
+              <a:rPr lang="en" dirty="0"/>
+              <a:t>Coding </a:t>
+            </a:r>
+            <a:r>
+              <a:rPr lang="en" dirty="0" smtClean="0"/>
+              <a:t>Principles</a:t>
+            </a:r>
+            <a:r>
+              <a:rPr lang="hu-HU" dirty="0" smtClean="0"/>
+              <a:t> mozaikszavak</a:t>
+            </a:r>
+            <a:endParaRPr lang="en" dirty="0"/>
           </a:p>
         </p:txBody>
       </p:sp>
-      <p:sp>
-        <p:nvSpPr>
-          <p:cNvPr id="126" name="Shape 126"/>
-          <p:cNvSpPr txBox="1"/>
-          <p:nvPr>
-            <p:ph idx="1" type="body"/>
-          </p:nvPr>
-        </p:nvSpPr>
-        <p:spPr>
-          <a:xfrm>
-            <a:off x="311700" y="572700"/>
-            <a:ext cx="8520600" cy="4570800"/>
-          </a:xfrm>
-          <a:prstGeom prst="rect">
-            <a:avLst/>
-          </a:prstGeom>
-        </p:spPr>
-        <p:txBody>
-          <a:bodyPr anchorCtr="0" anchor="t" bIns="91425" lIns="91425" rIns="91425" tIns="91425">
-            <a:noAutofit/>
-          </a:bodyPr>
-          <a:lstStyle/>
-          <a:p>
-            <a:pPr indent="-355600" lvl="0" marL="457200" rtl="0">
-              <a:lnSpc>
-                <a:spcPct val="100000"/>
-              </a:lnSpc>
-              <a:spcBef>
-                <a:spcPts val="0"/>
-              </a:spcBef>
-              <a:spcAft>
-                <a:spcPts val="0"/>
-              </a:spcAft>
-              <a:buClr>
-                <a:srgbClr val="000000"/>
-              </a:buClr>
-              <a:buSzPct val="100000"/>
-            </a:pPr>
-            <a:r>
-              <a:rPr lang="en" sz="2000">
-                <a:solidFill>
-                  <a:srgbClr val="000000"/>
-                </a:solidFill>
-              </a:rPr>
-              <a:t>egyetlen,jól szeparálható feladatkörre, funkcióra összpontosító, kis osztályok: modularitás, újrafelhasználhatóság</a:t>
-            </a:r>
-          </a:p>
-          <a:p>
-            <a:pPr indent="-355600" lvl="0" marL="457200" rtl="0">
-              <a:lnSpc>
-                <a:spcPct val="100000"/>
-              </a:lnSpc>
-              <a:spcBef>
-                <a:spcPts val="0"/>
-              </a:spcBef>
-              <a:spcAft>
-                <a:spcPts val="0"/>
-              </a:spcAft>
-              <a:buClr>
-                <a:schemeClr val="dk1"/>
-              </a:buClr>
-              <a:buSzPct val="100000"/>
-            </a:pPr>
-            <a:r>
-              <a:rPr lang="en" sz="2000">
-                <a:solidFill>
-                  <a:schemeClr val="dk1"/>
-                </a:solidFill>
-              </a:rPr>
-              <a:t>osztályváltozó, vagy paraméter?: ha több helyen van függvényben használva, érdemes az osztályváltozó</a:t>
-            </a:r>
-          </a:p>
-          <a:p>
-            <a:pPr indent="-355600" lvl="0" marL="457200" rtl="0">
-              <a:lnSpc>
-                <a:spcPct val="100000"/>
-              </a:lnSpc>
-              <a:spcBef>
-                <a:spcPts val="0"/>
-              </a:spcBef>
-              <a:spcAft>
-                <a:spcPts val="0"/>
-              </a:spcAft>
-              <a:buClr>
-                <a:schemeClr val="dk1"/>
-              </a:buClr>
-              <a:buSzPct val="100000"/>
-            </a:pPr>
-            <a:r>
-              <a:rPr lang="en" sz="2000">
-                <a:solidFill>
-                  <a:schemeClr val="dk1"/>
-                </a:solidFill>
-              </a:rPr>
-              <a:t> konstruktor </a:t>
-            </a:r>
-          </a:p>
-          <a:p>
-            <a:pPr indent="-355600" lvl="0" marL="457200" rtl="0">
-              <a:lnSpc>
-                <a:spcPct val="100000"/>
-              </a:lnSpc>
-              <a:spcBef>
-                <a:spcPts val="0"/>
-              </a:spcBef>
-              <a:spcAft>
-                <a:spcPts val="0"/>
-              </a:spcAft>
-              <a:buClr>
-                <a:schemeClr val="dk1"/>
-              </a:buClr>
-              <a:buSzPct val="100000"/>
-            </a:pPr>
-            <a:r>
-              <a:rPr lang="en" sz="2000">
-                <a:solidFill>
-                  <a:schemeClr val="dk1"/>
-                </a:solidFill>
-              </a:rPr>
-              <a:t>    ha nincs leírva, akkor is generálodik a default</a:t>
-            </a:r>
-          </a:p>
-          <a:p>
-            <a:pPr indent="-355600" lvl="0" marL="457200" rtl="0">
-              <a:lnSpc>
-                <a:spcPct val="100000"/>
-              </a:lnSpc>
-              <a:spcBef>
-                <a:spcPts val="0"/>
-              </a:spcBef>
-              <a:spcAft>
-                <a:spcPts val="0"/>
-              </a:spcAft>
-              <a:buClr>
-                <a:schemeClr val="dk1"/>
-              </a:buClr>
-              <a:buSzPct val="100000"/>
-            </a:pPr>
-            <a:r>
-              <a:rPr lang="en" sz="2000">
-                <a:solidFill>
-                  <a:schemeClr val="dk1"/>
-                </a:solidFill>
-              </a:rPr>
-              <a:t>    a többféleképpen definiált szükséges -e?</a:t>
-            </a:r>
-          </a:p>
-          <a:p>
-            <a:pPr indent="-355600" lvl="0" marL="457200" rtl="0">
-              <a:lnSpc>
-                <a:spcPct val="100000"/>
-              </a:lnSpc>
-              <a:spcBef>
-                <a:spcPts val="0"/>
-              </a:spcBef>
-              <a:spcAft>
-                <a:spcPts val="0"/>
-              </a:spcAft>
-              <a:buClr>
-                <a:schemeClr val="dk1"/>
-              </a:buClr>
-              <a:buSzPct val="100000"/>
-            </a:pPr>
-            <a:r>
-              <a:rPr lang="en" sz="2000">
-                <a:solidFill>
-                  <a:schemeClr val="dk1"/>
-                </a:solidFill>
-              </a:rPr>
-              <a:t>    super hívás szabályai</a:t>
-            </a:r>
-          </a:p>
-          <a:p>
-            <a:pPr indent="-355600" lvl="0" marL="457200" rtl="0">
-              <a:lnSpc>
-                <a:spcPct val="100000"/>
-              </a:lnSpc>
-              <a:spcBef>
-                <a:spcPts val="0"/>
-              </a:spcBef>
-              <a:spcAft>
-                <a:spcPts val="0"/>
-              </a:spcAft>
-              <a:buClr>
-                <a:schemeClr val="dk1"/>
-              </a:buClr>
-              <a:buSzPct val="100000"/>
-            </a:pPr>
-            <a:r>
-              <a:rPr lang="en" sz="2000">
-                <a:solidFill>
-                  <a:schemeClr val="dk1"/>
-                </a:solidFill>
-              </a:rPr>
-              <a:t>    </a:t>
-            </a:r>
-            <a:r>
-              <a:rPr lang="en" sz="2000">
-                <a:solidFill>
-                  <a:schemeClr val="accent1"/>
-                </a:solidFill>
-              </a:rPr>
-              <a:t>konstruktorokban (mandatory fields) - itt már feleslegesek a setterek ha csak egyszer van állítva a field</a:t>
-            </a:r>
-          </a:p>
-          <a:p>
-            <a:pPr indent="-355600" lvl="0" marL="457200" rtl="0">
-              <a:lnSpc>
-                <a:spcPct val="100000"/>
-              </a:lnSpc>
-              <a:spcBef>
-                <a:spcPts val="0"/>
-              </a:spcBef>
-              <a:spcAft>
-                <a:spcPts val="400"/>
-              </a:spcAft>
-              <a:buClr>
-                <a:srgbClr val="000000"/>
-              </a:buClr>
-              <a:buSzPct val="100000"/>
-            </a:pPr>
-            <a:r>
-              <a:rPr lang="en" sz="2000">
-                <a:solidFill>
-                  <a:srgbClr val="000000"/>
-                </a:solidFill>
-              </a:rPr>
-              <a:t>öröklődés, enkapszuláció</a:t>
-            </a:r>
-          </a:p>
-          <a:p>
-            <a:pPr indent="-355600" lvl="0" marL="457200" rtl="0">
-              <a:lnSpc>
-                <a:spcPct val="100000"/>
-              </a:lnSpc>
-              <a:spcBef>
-                <a:spcPts val="0"/>
-              </a:spcBef>
-              <a:spcAft>
-                <a:spcPts val="400"/>
-              </a:spcAft>
-              <a:buClr>
-                <a:srgbClr val="000000"/>
-              </a:buClr>
-              <a:buSzPct val="100000"/>
-            </a:pPr>
-            <a:r>
-              <a:rPr lang="en" sz="2000">
-                <a:solidFill>
-                  <a:srgbClr val="000000"/>
-                </a:solidFill>
-              </a:rPr>
-              <a:t>   ősosztály: közös tulajdonságok és viselkedés egy helyre mozgatása</a:t>
-            </a:r>
-          </a:p>
-          <a:p>
-            <a:pPr indent="-355600" lvl="0" marL="457200" rtl="0">
-              <a:lnSpc>
-                <a:spcPct val="100000"/>
-              </a:lnSpc>
-              <a:spcBef>
-                <a:spcPts val="0"/>
-              </a:spcBef>
-              <a:spcAft>
-                <a:spcPts val="400"/>
-              </a:spcAft>
-              <a:buClr>
-                <a:srgbClr val="000000"/>
-              </a:buClr>
-              <a:buSzPct val="100000"/>
-            </a:pPr>
-            <a:r>
-              <a:rPr lang="en" sz="2000">
-                <a:solidFill>
-                  <a:srgbClr val="000000"/>
-                </a:solidFill>
-              </a:rPr>
-              <a:t>    diamond öröklődés</a:t>
-            </a:r>
-          </a:p>
-          <a:p>
-            <a:pPr indent="-355600" lvl="0" marL="457200" rtl="0">
-              <a:lnSpc>
-                <a:spcPct val="100000"/>
-              </a:lnSpc>
-              <a:spcBef>
-                <a:spcPts val="0"/>
-              </a:spcBef>
-              <a:spcAft>
-                <a:spcPts val="400"/>
-              </a:spcAft>
-              <a:buClr>
-                <a:srgbClr val="000000"/>
-              </a:buClr>
-              <a:buSzPct val="100000"/>
-            </a:pPr>
-            <a:r>
-              <a:rPr lang="en" sz="2000">
-                <a:solidFill>
-                  <a:srgbClr val="000000"/>
-                </a:solidFill>
-              </a:rPr>
-              <a:t>    absztrakció</a:t>
-            </a:r>
-          </a:p>
-          <a:p>
-            <a:pPr indent="-355600" lvl="0" marL="457200" rtl="0">
-              <a:lnSpc>
-                <a:spcPct val="100000"/>
-              </a:lnSpc>
-              <a:spcBef>
-                <a:spcPts val="0"/>
-              </a:spcBef>
-              <a:spcAft>
-                <a:spcPts val="400"/>
-              </a:spcAft>
-              <a:buClr>
-                <a:srgbClr val="000000"/>
-              </a:buClr>
-              <a:buSzPct val="100000"/>
-            </a:pPr>
-            <a:r>
-              <a:rPr lang="en" sz="2000">
-                <a:solidFill>
-                  <a:srgbClr val="000000"/>
-                </a:solidFill>
-              </a:rPr>
-              <a:t>    interfész</a:t>
-            </a:r>
-          </a:p>
-        </p:txBody>
-      </p:sp>
-      <p:cxnSp>
-        <p:nvCxnSpPr>
-          <p:cNvPr id="127" name="Shape 127"/>
-          <p:cNvCxnSpPr/>
-          <p:nvPr/>
-        </p:nvCxnSpPr>
-        <p:spPr>
-          <a:xfrm>
-            <a:off x="311700" y="123050"/>
-            <a:ext cx="8520600" cy="0"/>
-          </a:xfrm>
-          <a:prstGeom prst="straightConnector1">
-            <a:avLst/>
-          </a:prstGeom>
-          <a:noFill/>
-          <a:ln cap="flat" cmpd="sng" w="9525">
-            <a:solidFill>
-              <a:srgbClr val="FF0000"/>
-            </a:solidFill>
-            <a:prstDash val="solid"/>
-            <a:round/>
-            <a:headEnd len="lg" w="lg" type="none"/>
-            <a:tailEnd len="lg" w="lg" type="none"/>
-          </a:ln>
-        </p:spPr>
-      </p:cxnSp>
     </p:spTree>
   </p:cSld>
   <p:clrMapOvr>
@@ -7232,11 +6258,11 @@
 </file>
 
 <file path=ppt/slides/slide13.xml><?xml version="1.0" encoding="utf-8"?>
-<p:sld xmlns:a="http://schemas.openxmlformats.org/drawingml/2006/main" xmlns:r="http://schemas.openxmlformats.org/officeDocument/2006/relationships" xmlns:mc="http://schemas.openxmlformats.org/markup-compatibility/2006" xmlns:mv="urn:schemas-microsoft-com:mac:vml" xmlns:p="http://schemas.openxmlformats.org/presentationml/2006/main" xmlns:c="http://schemas.openxmlformats.org/drawingml/2006/chart" xmlns:dgm="http://schemas.openxmlformats.org/drawingml/2006/diagram" xmlns:o="urn:schemas-microsoft-com:office:office" xmlns:v="urn:schemas-microsoft-com:vml" xmlns:pvml="urn:schemas-microsoft-com:office:powerpoint" xmlns:com="http://schemas.openxmlformats.org/drawingml/2006/compatibility" xmlns:p14="http://schemas.microsoft.com/office/powerpoint/2010/main">
+<p:sld xmlns:a="http://schemas.openxmlformats.org/drawingml/2006/main" xmlns:r="http://schemas.openxmlformats.org/officeDocument/2006/relationships" xmlns:p="http://schemas.openxmlformats.org/presentationml/2006/main">
   <p:cSld>
     <p:spTree>
       <p:nvGrpSpPr>
-        <p:cNvPr id="131" name="Shape 131"/>
+        <p:cNvPr id="1" name="Shape 142"/>
         <p:cNvGrpSpPr/>
         <p:nvPr/>
       </p:nvGrpSpPr>
@@ -7250,15 +6276,17 @@
       </p:grpSpPr>
       <p:sp>
         <p:nvSpPr>
-          <p:cNvPr id="132" name="Shape 132"/>
-          <p:cNvSpPr txBox="1"/>
+          <p:cNvPr id="143" name="Shape 143"/>
+          <p:cNvSpPr txBox="1">
+            <a:spLocks noGrp="1"/>
+          </p:cNvSpPr>
           <p:nvPr>
             <p:ph type="title"/>
           </p:nvPr>
         </p:nvSpPr>
         <p:spPr>
           <a:xfrm>
-            <a:off x="311700" y="0"/>
+            <a:off x="311700" y="445025"/>
             <a:ext cx="8520599" cy="572699"/>
           </a:xfrm>
           <a:prstGeom prst="rect">
@@ -7266,7 +6294,7 @@
           </a:prstGeom>
         </p:spPr>
         <p:txBody>
-          <a:bodyPr anchorCtr="0" anchor="t" bIns="91425" lIns="91425" rIns="91425" tIns="91425">
+          <a:bodyPr lIns="91425" tIns="91425" rIns="91425" bIns="91425" anchor="ctr" anchorCtr="0">
             <a:noAutofit/>
           </a:bodyPr>
           <a:lstStyle/>
@@ -7279,37 +6307,39 @@
             </a:pPr>
             <a:r>
               <a:rPr lang="en"/>
-              <a:t>Globális vonatkozású tanácsok</a:t>
+              <a:t>S.O.L.I.D.</a:t>
             </a:r>
           </a:p>
         </p:txBody>
       </p:sp>
       <p:sp>
         <p:nvSpPr>
-          <p:cNvPr id="133" name="Shape 133"/>
-          <p:cNvSpPr txBox="1"/>
+          <p:cNvPr id="144" name="Shape 144"/>
+          <p:cNvSpPr txBox="1">
+            <a:spLocks noGrp="1"/>
+          </p:cNvSpPr>
           <p:nvPr>
-            <p:ph idx="1" type="body"/>
+            <p:ph type="body" idx="1"/>
           </p:nvPr>
         </p:nvSpPr>
         <p:spPr>
           <a:xfrm>
-            <a:off x="0" y="473075"/>
-            <a:ext cx="9144000" cy="4670400"/>
+            <a:off x="311700" y="1152475"/>
+            <a:ext cx="8520599" cy="3416400"/>
           </a:xfrm>
           <a:prstGeom prst="rect">
             <a:avLst/>
           </a:prstGeom>
         </p:spPr>
         <p:txBody>
-          <a:bodyPr anchorCtr="0" anchor="t" bIns="91425" lIns="91425" rIns="91425" tIns="91425">
+          <a:bodyPr lIns="91425" tIns="91425" rIns="91425" bIns="91425" anchor="ctr" anchorCtr="0">
             <a:noAutofit/>
           </a:bodyPr>
           <a:lstStyle/>
           <a:p>
-            <a:pPr indent="-381000" lvl="0" marL="457200" rtl="0">
+            <a:pPr marL="457200" lvl="0" indent="-317500" rtl="0">
               <a:lnSpc>
-                <a:spcPct val="100000"/>
+                <a:spcPct val="138000"/>
               </a:lnSpc>
               <a:spcBef>
                 <a:spcPts val="0"/>
@@ -7318,23 +6348,39 @@
                 <a:spcPts val="0"/>
               </a:spcAft>
               <a:buClr>
-                <a:schemeClr val="dk1"/>
+                <a:srgbClr val="000000"/>
               </a:buClr>
               <a:buSzPct val="100000"/>
             </a:pPr>
             <a:r>
-              <a:rPr lang="en" sz="2400">
-                <a:solidFill>
-                  <a:schemeClr val="dk1"/>
-                </a:solidFill>
-              </a:rPr>
-              <a:t>egy probléma amibe belefutunk, valószínű más is belefutott már: leggyorsabb,legbiztosabb megoldás a neten utánakeresés</a:t>
-            </a:r>
-          </a:p>
-          <a:p>
-            <a:pPr indent="-381000" lvl="0" marL="457200" rtl="0">
+              <a:rPr lang="en" sz="1400" b="1" u="sng">
+                <a:solidFill>
+                  <a:srgbClr val="000000"/>
+                </a:solidFill>
+              </a:rPr>
+              <a:t>S</a:t>
+            </a:r>
+            <a:r>
+              <a:rPr lang="en" sz="1400" u="sng">
+                <a:solidFill>
+                  <a:srgbClr val="000000"/>
+                </a:solidFill>
+              </a:rPr>
+              <a:t>ingle responsibility principle</a:t>
+            </a:r>
+            <a:r>
+              <a:rPr lang="en" sz="1400">
+                <a:solidFill>
+                  <a:srgbClr val="000000"/>
+                </a:solidFill>
+              </a:rPr>
+              <a:t>: egy osztály egy dolgot csinál</a:t>
+            </a:r>
+          </a:p>
+          <a:p>
+            <a:pPr marL="457200" lvl="0" indent="-317500" rtl="0">
               <a:lnSpc>
-                <a:spcPct val="100000"/>
+                <a:spcPct val="138000"/>
               </a:lnSpc>
               <a:spcBef>
                 <a:spcPts val="0"/>
@@ -7343,23 +6389,39 @@
                 <a:spcPts val="0"/>
               </a:spcAft>
               <a:buClr>
-                <a:schemeClr val="dk1"/>
+                <a:srgbClr val="000000"/>
               </a:buClr>
               <a:buSzPct val="100000"/>
             </a:pPr>
             <a:r>
-              <a:rPr lang="en" sz="2400">
-                <a:solidFill>
-                  <a:schemeClr val="dk1"/>
-                </a:solidFill>
-              </a:rPr>
-              <a:t>For ciklus helyett foreach vagy stream</a:t>
-            </a:r>
-          </a:p>
-          <a:p>
-            <a:pPr indent="-381000" lvl="0" marL="457200" rtl="0">
+              <a:rPr lang="en" sz="1400" b="1" u="sng">
+                <a:solidFill>
+                  <a:srgbClr val="000000"/>
+                </a:solidFill>
+              </a:rPr>
+              <a:t>O</a:t>
+            </a:r>
+            <a:r>
+              <a:rPr lang="en" sz="1400" u="sng">
+                <a:solidFill>
+                  <a:srgbClr val="000000"/>
+                </a:solidFill>
+              </a:rPr>
+              <a:t>pen close principle</a:t>
+            </a:r>
+            <a:r>
+              <a:rPr lang="en" sz="1400">
+                <a:solidFill>
+                  <a:srgbClr val="000000"/>
+                </a:solidFill>
+              </a:rPr>
+              <a:t>: bővitésre nyitott, módositásra zárt</a:t>
+            </a:r>
+          </a:p>
+          <a:p>
+            <a:pPr marL="457200" lvl="0" indent="-317500" rtl="0">
               <a:lnSpc>
-                <a:spcPct val="100000"/>
+                <a:spcPct val="138000"/>
               </a:lnSpc>
               <a:spcBef>
                 <a:spcPts val="0"/>
@@ -7368,23 +6430,39 @@
                 <a:spcPts val="0"/>
               </a:spcAft>
               <a:buClr>
-                <a:schemeClr val="dk1"/>
+                <a:srgbClr val="000000"/>
               </a:buClr>
               <a:buSzPct val="100000"/>
             </a:pPr>
             <a:r>
-              <a:rPr lang="en" sz="2400">
-                <a:solidFill>
-                  <a:schemeClr val="dk1"/>
-                </a:solidFill>
-              </a:rPr>
-              <a:t>Autoboxing</a:t>
-            </a:r>
-          </a:p>
-          <a:p>
-            <a:pPr indent="-381000" lvl="0" marL="457200" rtl="0">
+              <a:rPr lang="en" sz="1400" b="1" u="sng">
+                <a:solidFill>
+                  <a:srgbClr val="000000"/>
+                </a:solidFill>
+              </a:rPr>
+              <a:t>L</a:t>
+            </a:r>
+            <a:r>
+              <a:rPr lang="en" sz="1400" u="sng">
+                <a:solidFill>
+                  <a:srgbClr val="000000"/>
+                </a:solidFill>
+              </a:rPr>
+              <a:t>iskow substitution principle</a:t>
+            </a:r>
+            <a:r>
+              <a:rPr lang="en" sz="1400">
+                <a:solidFill>
+                  <a:srgbClr val="000000"/>
+                </a:solidFill>
+              </a:rPr>
+              <a:t>: egy fajta objektum a leszármazott példányával helyettesíthető kell legyen</a:t>
+            </a:r>
+          </a:p>
+          <a:p>
+            <a:pPr marL="457200" lvl="0" indent="-317500" rtl="0">
               <a:lnSpc>
-                <a:spcPct val="100000"/>
+                <a:spcPct val="138000"/>
               </a:lnSpc>
               <a:spcBef>
                 <a:spcPts val="0"/>
@@ -7393,23 +6471,39 @@
                 <a:spcPts val="0"/>
               </a:spcAft>
               <a:buClr>
-                <a:schemeClr val="dk1"/>
+                <a:srgbClr val="000000"/>
               </a:buClr>
               <a:buSzPct val="100000"/>
             </a:pPr>
             <a:r>
-              <a:rPr lang="en" sz="2400">
-                <a:solidFill>
-                  <a:schemeClr val="dk1"/>
-                </a:solidFill>
-              </a:rPr>
-              <a:t>Egyenlosegek,equals,Stringpool</a:t>
-            </a:r>
-          </a:p>
-          <a:p>
-            <a:pPr indent="-381000" lvl="0" marL="457200" rtl="0">
+              <a:rPr lang="en" sz="1400" b="1" u="sng">
+                <a:solidFill>
+                  <a:srgbClr val="000000"/>
+                </a:solidFill>
+              </a:rPr>
+              <a:t>I</a:t>
+            </a:r>
+            <a:r>
+              <a:rPr lang="en" sz="1400" u="sng">
+                <a:solidFill>
+                  <a:srgbClr val="000000"/>
+                </a:solidFill>
+              </a:rPr>
+              <a:t>nterface segregation principle</a:t>
+            </a:r>
+            <a:r>
+              <a:rPr lang="en" sz="1400">
+                <a:solidFill>
+                  <a:srgbClr val="000000"/>
+                </a:solidFill>
+              </a:rPr>
+              <a:t>: sok kliens-specifikus interfész jobb, mint egy nagy általános </a:t>
+            </a:r>
+          </a:p>
+          <a:p>
+            <a:pPr marL="457200" lvl="0" indent="-317500" rtl="0">
               <a:lnSpc>
-                <a:spcPct val="100000"/>
+                <a:spcPct val="138000"/>
               </a:lnSpc>
               <a:spcBef>
                 <a:spcPts val="0"/>
@@ -7418,42 +6512,33 @@
                 <a:spcPts val="0"/>
               </a:spcAft>
               <a:buClr>
-                <a:schemeClr val="dk1"/>
+                <a:srgbClr val="000000"/>
               </a:buClr>
               <a:buSzPct val="100000"/>
             </a:pPr>
             <a:r>
-              <a:rPr lang="en" sz="2400">
-                <a:solidFill>
-                  <a:schemeClr val="dk1"/>
-                </a:solidFill>
-              </a:rPr>
-              <a:t>array-&gt;raw list-&gt;generic list-&gt;set-&gt;hash set (hash,polimorfizmus)</a:t>
-            </a:r>
-          </a:p>
-          <a:p>
-            <a:pPr indent="-381000" lvl="0" marL="457200" rtl="0">
-              <a:lnSpc>
-                <a:spcPct val="100000"/>
-              </a:lnSpc>
-              <a:spcBef>
-                <a:spcPts val="0"/>
-              </a:spcBef>
-              <a:spcAft>
-                <a:spcPts val="0"/>
-              </a:spcAft>
-              <a:buClr>
-                <a:schemeClr val="dk1"/>
-              </a:buClr>
-              <a:buSzPct val="100000"/>
-            </a:pPr>
-            <a:r>
-              <a:rPr lang="en" sz="2400">
-                <a:solidFill>
-                  <a:schemeClr val="dk1"/>
-                </a:solidFill>
-              </a:rPr>
-              <a:t>Throwable, exception osztályok (runtime exc.)</a:t>
+              <a:rPr lang="en" sz="1400" b="1" u="sng">
+                <a:solidFill>
+                  <a:srgbClr val="000000"/>
+                </a:solidFill>
+              </a:rPr>
+              <a:t>D</a:t>
+            </a:r>
+            <a:r>
+              <a:rPr lang="en" sz="1400" u="sng">
+                <a:solidFill>
+                  <a:srgbClr val="000000"/>
+                </a:solidFill>
+              </a:rPr>
+              <a:t>ependency inversion principle</a:t>
+            </a:r>
+            <a:r>
+              <a:rPr lang="en" sz="1400">
+                <a:solidFill>
+                  <a:srgbClr val="000000"/>
+                </a:solidFill>
+              </a:rPr>
+              <a:t>: ős osztályok határozzák meg a fő funkcionalitást és nem pedig fordítva (gyerek osztály csak specializációra valók)</a:t>
             </a:r>
           </a:p>
         </p:txBody>
@@ -7470,11 +6555,11 @@
 </file>
 
 <file path=ppt/slides/slide14.xml><?xml version="1.0" encoding="utf-8"?>
-<p:sld xmlns:a="http://schemas.openxmlformats.org/drawingml/2006/main" xmlns:r="http://schemas.openxmlformats.org/officeDocument/2006/relationships" xmlns:mc="http://schemas.openxmlformats.org/markup-compatibility/2006" xmlns:mv="urn:schemas-microsoft-com:mac:vml" xmlns:p="http://schemas.openxmlformats.org/presentationml/2006/main" xmlns:c="http://schemas.openxmlformats.org/drawingml/2006/chart" xmlns:dgm="http://schemas.openxmlformats.org/drawingml/2006/diagram" xmlns:o="urn:schemas-microsoft-com:office:office" xmlns:v="urn:schemas-microsoft-com:vml" xmlns:pvml="urn:schemas-microsoft-com:office:powerpoint" xmlns:com="http://schemas.openxmlformats.org/drawingml/2006/compatibility" xmlns:p14="http://schemas.microsoft.com/office/powerpoint/2010/main">
+<p:sld xmlns:a="http://schemas.openxmlformats.org/drawingml/2006/main" xmlns:r="http://schemas.openxmlformats.org/officeDocument/2006/relationships" xmlns:p="http://schemas.openxmlformats.org/presentationml/2006/main">
   <p:cSld>
     <p:spTree>
       <p:nvGrpSpPr>
-        <p:cNvPr id="137" name="Shape 137"/>
+        <p:cNvPr id="1" name="Shape 148"/>
         <p:cNvGrpSpPr/>
         <p:nvPr/>
       </p:nvGrpSpPr>
@@ -7488,8 +6573,554 @@
       </p:grpSpPr>
       <p:sp>
         <p:nvSpPr>
-          <p:cNvPr id="138" name="Shape 138"/>
-          <p:cNvSpPr txBox="1"/>
+          <p:cNvPr id="149" name="Shape 149"/>
+          <p:cNvSpPr txBox="1">
+            <a:spLocks noGrp="1"/>
+          </p:cNvSpPr>
+          <p:nvPr>
+            <p:ph type="title"/>
+          </p:nvPr>
+        </p:nvSpPr>
+        <p:spPr>
+          <a:xfrm>
+            <a:off x="311700" y="0"/>
+            <a:ext cx="8520599" cy="603899"/>
+          </a:xfrm>
+          <a:prstGeom prst="rect">
+            <a:avLst/>
+          </a:prstGeom>
+        </p:spPr>
+        <p:txBody>
+          <a:bodyPr lIns="91425" tIns="91425" rIns="91425" bIns="91425" anchor="ctr" anchorCtr="0">
+            <a:noAutofit/>
+          </a:bodyPr>
+          <a:lstStyle/>
+          <a:p>
+            <a:pPr lvl="0" algn="ctr">
+              <a:spcBef>
+                <a:spcPts val="0"/>
+              </a:spcBef>
+              <a:buNone/>
+            </a:pPr>
+            <a:r>
+              <a:rPr lang="en"/>
+              <a:t>További elterjedt mozaikszavak:</a:t>
+            </a:r>
+          </a:p>
+        </p:txBody>
+      </p:sp>
+      <p:sp>
+        <p:nvSpPr>
+          <p:cNvPr id="150" name="Shape 150"/>
+          <p:cNvSpPr txBox="1">
+            <a:spLocks noGrp="1"/>
+          </p:cNvSpPr>
+          <p:nvPr>
+            <p:ph type="body" idx="1"/>
+          </p:nvPr>
+        </p:nvSpPr>
+        <p:spPr>
+          <a:xfrm>
+            <a:off x="0" y="493200"/>
+            <a:ext cx="9144000" cy="4650299"/>
+          </a:xfrm>
+          <a:prstGeom prst="rect">
+            <a:avLst/>
+          </a:prstGeom>
+        </p:spPr>
+        <p:txBody>
+          <a:bodyPr lIns="91425" tIns="91425" rIns="91425" bIns="91425" anchor="ctr" anchorCtr="0">
+            <a:noAutofit/>
+          </a:bodyPr>
+          <a:lstStyle/>
+          <a:p>
+            <a:pPr marL="457200" lvl="0" indent="-317500" rtl="0">
+              <a:lnSpc>
+                <a:spcPct val="138000"/>
+              </a:lnSpc>
+              <a:spcBef>
+                <a:spcPts val="0"/>
+              </a:spcBef>
+              <a:spcAft>
+                <a:spcPts val="0"/>
+              </a:spcAft>
+              <a:buClr>
+                <a:srgbClr val="000000"/>
+              </a:buClr>
+              <a:buSzPct val="100000"/>
+            </a:pPr>
+            <a:r>
+              <a:rPr lang="en" sz="1400" u="sng">
+                <a:solidFill>
+                  <a:srgbClr val="000000"/>
+                </a:solidFill>
+              </a:rPr>
+              <a:t>P.O.L.S.</a:t>
+            </a:r>
+            <a:r>
+              <a:rPr lang="en" sz="1400">
+                <a:solidFill>
+                  <a:srgbClr val="000000"/>
+                </a:solidFill>
+              </a:rPr>
+              <a:t>: </a:t>
+            </a:r>
+            <a:r>
+              <a:rPr lang="en" sz="1400" b="1">
+                <a:solidFill>
+                  <a:srgbClr val="000000"/>
+                </a:solidFill>
+              </a:rPr>
+              <a:t>P</a:t>
+            </a:r>
+            <a:r>
+              <a:rPr lang="en" sz="1400">
+                <a:solidFill>
+                  <a:srgbClr val="000000"/>
+                </a:solidFill>
+              </a:rPr>
+              <a:t>rinciple </a:t>
+            </a:r>
+            <a:r>
+              <a:rPr lang="en" sz="1400" b="1">
+                <a:solidFill>
+                  <a:srgbClr val="000000"/>
+                </a:solidFill>
+              </a:rPr>
+              <a:t>O</a:t>
+            </a:r>
+            <a:r>
+              <a:rPr lang="en" sz="1400">
+                <a:solidFill>
+                  <a:srgbClr val="000000"/>
+                </a:solidFill>
+              </a:rPr>
+              <a:t>f </a:t>
+            </a:r>
+            <a:r>
+              <a:rPr lang="en" sz="1400" b="1">
+                <a:solidFill>
+                  <a:srgbClr val="000000"/>
+                </a:solidFill>
+              </a:rPr>
+              <a:t>L</a:t>
+            </a:r>
+            <a:r>
+              <a:rPr lang="en" sz="1400">
+                <a:solidFill>
+                  <a:srgbClr val="000000"/>
+                </a:solidFill>
+              </a:rPr>
+              <a:t>east </a:t>
+            </a:r>
+            <a:r>
+              <a:rPr lang="en" sz="1400" b="1">
+                <a:solidFill>
+                  <a:srgbClr val="000000"/>
+                </a:solidFill>
+              </a:rPr>
+              <a:t>S</a:t>
+            </a:r>
+            <a:r>
+              <a:rPr lang="en" sz="1400">
+                <a:solidFill>
+                  <a:srgbClr val="000000"/>
+                </a:solidFill>
+              </a:rPr>
+              <a:t>urprise: kiszámítható kód (főleg az elnevezések esetén fontos)</a:t>
+            </a:r>
+          </a:p>
+          <a:p>
+            <a:pPr marL="457200" lvl="0" indent="-317500" rtl="0">
+              <a:lnSpc>
+                <a:spcPct val="138000"/>
+              </a:lnSpc>
+              <a:spcBef>
+                <a:spcPts val="0"/>
+              </a:spcBef>
+              <a:spcAft>
+                <a:spcPts val="0"/>
+              </a:spcAft>
+              <a:buClr>
+                <a:srgbClr val="000000"/>
+              </a:buClr>
+              <a:buSzPct val="100000"/>
+            </a:pPr>
+            <a:r>
+              <a:rPr lang="en" sz="1400" u="sng">
+                <a:solidFill>
+                  <a:srgbClr val="000000"/>
+                </a:solidFill>
+              </a:rPr>
+              <a:t>K.I.S.S.:</a:t>
+            </a:r>
+            <a:r>
+              <a:rPr lang="en" sz="1400">
+                <a:solidFill>
+                  <a:srgbClr val="000000"/>
+                </a:solidFill>
+              </a:rPr>
+              <a:t> </a:t>
+            </a:r>
+            <a:r>
+              <a:rPr lang="en" sz="1400" b="1">
+                <a:solidFill>
+                  <a:srgbClr val="000000"/>
+                </a:solidFill>
+              </a:rPr>
+              <a:t>K</a:t>
+            </a:r>
+            <a:r>
+              <a:rPr lang="en" sz="1400">
+                <a:solidFill>
+                  <a:srgbClr val="000000"/>
+                </a:solidFill>
+              </a:rPr>
+              <a:t>eep </a:t>
+            </a:r>
+            <a:r>
+              <a:rPr lang="en" sz="1400" b="1">
+                <a:solidFill>
+                  <a:srgbClr val="000000"/>
+                </a:solidFill>
+              </a:rPr>
+              <a:t>I</a:t>
+            </a:r>
+            <a:r>
+              <a:rPr lang="en" sz="1400">
+                <a:solidFill>
+                  <a:srgbClr val="000000"/>
+                </a:solidFill>
+              </a:rPr>
+              <a:t>t </a:t>
+            </a:r>
+            <a:r>
+              <a:rPr lang="en" sz="1400" b="1">
+                <a:solidFill>
+                  <a:srgbClr val="000000"/>
+                </a:solidFill>
+              </a:rPr>
+              <a:t>S</a:t>
+            </a:r>
+            <a:r>
+              <a:rPr lang="en" sz="1400">
+                <a:solidFill>
+                  <a:srgbClr val="000000"/>
+                </a:solidFill>
+              </a:rPr>
+              <a:t>hort, </a:t>
+            </a:r>
+            <a:r>
+              <a:rPr lang="en" sz="1400" b="1">
+                <a:solidFill>
+                  <a:srgbClr val="000000"/>
+                </a:solidFill>
+              </a:rPr>
+              <a:t>S</a:t>
+            </a:r>
+            <a:r>
+              <a:rPr lang="en" sz="1400">
+                <a:solidFill>
+                  <a:srgbClr val="000000"/>
+                </a:solidFill>
+              </a:rPr>
+              <a:t>imple:</a:t>
+            </a:r>
+            <a:r>
+              <a:rPr lang="en" sz="1400">
+                <a:solidFill>
+                  <a:schemeClr val="dk1"/>
+                </a:solidFill>
+              </a:rPr>
+              <a:t>Próbáld mindig a legegyszerűbb megvalósítást választani, ne készíts direkt rejtvényeket, vagy dicsekedj a kódod felesleges bonyolultságával (, hogy te képes vagy ilyen bonyolultan is megírni a megoldást). </a:t>
+            </a:r>
+            <a:r>
+              <a:rPr lang="en" sz="1400">
+                <a:solidFill>
+                  <a:srgbClr val="000000"/>
+                </a:solidFill>
+              </a:rPr>
+              <a:t>Ha túlbonyolítjuk, akkor ugyanaz a funkcionalitás nehezebben lefedhető tesztekkel, nem karbantartható, nehezebben bővíthető és kevésbé olvasható</a:t>
+            </a:r>
+          </a:p>
+          <a:p>
+            <a:pPr marL="457200" lvl="0" indent="-317500" rtl="0">
+              <a:lnSpc>
+                <a:spcPct val="138000"/>
+              </a:lnSpc>
+              <a:spcBef>
+                <a:spcPts val="0"/>
+              </a:spcBef>
+              <a:spcAft>
+                <a:spcPts val="0"/>
+              </a:spcAft>
+              <a:buClr>
+                <a:srgbClr val="000000"/>
+              </a:buClr>
+              <a:buSzPct val="100000"/>
+            </a:pPr>
+            <a:r>
+              <a:rPr lang="en" sz="1400" u="sng">
+                <a:solidFill>
+                  <a:srgbClr val="000000"/>
+                </a:solidFill>
+              </a:rPr>
+              <a:t>D.R.Y.</a:t>
+            </a:r>
+            <a:r>
+              <a:rPr lang="en" sz="1400">
+                <a:solidFill>
+                  <a:srgbClr val="000000"/>
+                </a:solidFill>
+              </a:rPr>
+              <a:t>: </a:t>
+            </a:r>
+            <a:r>
+              <a:rPr lang="en" sz="1400" b="1">
+                <a:solidFill>
+                  <a:srgbClr val="000000"/>
+                </a:solidFill>
+              </a:rPr>
+              <a:t>D</a:t>
+            </a:r>
+            <a:r>
+              <a:rPr lang="en" sz="1400">
+                <a:solidFill>
+                  <a:srgbClr val="000000"/>
+                </a:solidFill>
+              </a:rPr>
+              <a:t>on’t </a:t>
+            </a:r>
+            <a:r>
+              <a:rPr lang="en" sz="1400" b="1">
+                <a:solidFill>
+                  <a:srgbClr val="000000"/>
+                </a:solidFill>
+              </a:rPr>
+              <a:t>R</a:t>
+            </a:r>
+            <a:r>
+              <a:rPr lang="en" sz="1400">
+                <a:solidFill>
+                  <a:srgbClr val="000000"/>
+                </a:solidFill>
+              </a:rPr>
+              <a:t>epeat </a:t>
+            </a:r>
+            <a:r>
+              <a:rPr lang="en" sz="1400" b="1">
+                <a:solidFill>
+                  <a:srgbClr val="000000"/>
+                </a:solidFill>
+              </a:rPr>
+              <a:t>Y</a:t>
+            </a:r>
+            <a:r>
+              <a:rPr lang="en" sz="1400">
+                <a:solidFill>
+                  <a:srgbClr val="000000"/>
+                </a:solidFill>
+              </a:rPr>
+              <a:t>ourself : moduláris, újrafelhasználható kódok készítése a cél: pl:private metódusokba kiszervezés, ha ugyanaz a kódrészlet többször is előfordul. DE! mikor éri meg? (lehet hogy egyetlen sor miatt már nem)</a:t>
+            </a:r>
+          </a:p>
+          <a:p>
+            <a:pPr marL="457200" lvl="0" indent="-317500">
+              <a:lnSpc>
+                <a:spcPct val="138000"/>
+              </a:lnSpc>
+              <a:spcBef>
+                <a:spcPts val="0"/>
+              </a:spcBef>
+              <a:spcAft>
+                <a:spcPts val="0"/>
+              </a:spcAft>
+              <a:buClr>
+                <a:srgbClr val="000000"/>
+              </a:buClr>
+              <a:buSzPct val="100000"/>
+            </a:pPr>
+            <a:r>
+              <a:rPr lang="en" sz="1400" u="sng">
+                <a:solidFill>
+                  <a:srgbClr val="000000"/>
+                </a:solidFill>
+              </a:rPr>
+              <a:t>T.M.T.O.W.T.D.I.</a:t>
+            </a:r>
+            <a:r>
+              <a:rPr lang="en" sz="1400">
+                <a:solidFill>
+                  <a:srgbClr val="000000"/>
+                </a:solidFill>
+              </a:rPr>
+              <a:t>: </a:t>
+            </a:r>
+            <a:r>
+              <a:rPr lang="en" sz="1400" b="1">
+                <a:solidFill>
+                  <a:srgbClr val="000000"/>
+                </a:solidFill>
+              </a:rPr>
+              <a:t>T</a:t>
+            </a:r>
+            <a:r>
+              <a:rPr lang="en" sz="1400">
+                <a:solidFill>
+                  <a:srgbClr val="000000"/>
+                </a:solidFill>
+              </a:rPr>
+              <a:t>here‘s </a:t>
+            </a:r>
+            <a:r>
+              <a:rPr lang="en" sz="1400" b="1">
+                <a:solidFill>
+                  <a:srgbClr val="000000"/>
+                </a:solidFill>
+              </a:rPr>
+              <a:t>M</a:t>
+            </a:r>
+            <a:r>
+              <a:rPr lang="en" sz="1400">
+                <a:solidFill>
+                  <a:srgbClr val="000000"/>
+                </a:solidFill>
+              </a:rPr>
+              <a:t>ore </a:t>
+            </a:r>
+            <a:r>
+              <a:rPr lang="en" sz="1400" b="1">
+                <a:solidFill>
+                  <a:srgbClr val="000000"/>
+                </a:solidFill>
+              </a:rPr>
+              <a:t>T</a:t>
+            </a:r>
+            <a:r>
+              <a:rPr lang="en" sz="1400">
+                <a:solidFill>
+                  <a:srgbClr val="000000"/>
+                </a:solidFill>
+              </a:rPr>
+              <a:t>han </a:t>
+            </a:r>
+            <a:r>
+              <a:rPr lang="en" sz="1400" b="1">
+                <a:solidFill>
+                  <a:srgbClr val="000000"/>
+                </a:solidFill>
+              </a:rPr>
+              <a:t>O</a:t>
+            </a:r>
+            <a:r>
+              <a:rPr lang="en" sz="1400">
+                <a:solidFill>
+                  <a:srgbClr val="000000"/>
+                </a:solidFill>
+              </a:rPr>
+              <a:t>ne </a:t>
+            </a:r>
+            <a:r>
+              <a:rPr lang="en" sz="1400" b="1">
+                <a:solidFill>
+                  <a:srgbClr val="000000"/>
+                </a:solidFill>
+              </a:rPr>
+              <a:t>W</a:t>
+            </a:r>
+            <a:r>
+              <a:rPr lang="en" sz="1400">
+                <a:solidFill>
+                  <a:srgbClr val="000000"/>
+                </a:solidFill>
+              </a:rPr>
+              <a:t>ay </a:t>
+            </a:r>
+            <a:r>
+              <a:rPr lang="en" sz="1400" b="1">
+                <a:solidFill>
+                  <a:srgbClr val="000000"/>
+                </a:solidFill>
+              </a:rPr>
+              <a:t>T</a:t>
+            </a:r>
+            <a:r>
+              <a:rPr lang="en" sz="1400">
+                <a:solidFill>
+                  <a:srgbClr val="000000"/>
+                </a:solidFill>
+              </a:rPr>
+              <a:t>o </a:t>
+            </a:r>
+            <a:r>
+              <a:rPr lang="en" sz="1400" b="1">
+                <a:solidFill>
+                  <a:srgbClr val="000000"/>
+                </a:solidFill>
+              </a:rPr>
+              <a:t>D</a:t>
+            </a:r>
+            <a:r>
+              <a:rPr lang="en" sz="1400">
+                <a:solidFill>
+                  <a:srgbClr val="000000"/>
+                </a:solidFill>
+              </a:rPr>
+              <a:t>o </a:t>
+            </a:r>
+            <a:r>
+              <a:rPr lang="en" sz="1400" b="1">
+                <a:solidFill>
+                  <a:srgbClr val="000000"/>
+                </a:solidFill>
+              </a:rPr>
+              <a:t>I</a:t>
+            </a:r>
+            <a:r>
+              <a:rPr lang="en" sz="1400">
+                <a:solidFill>
+                  <a:srgbClr val="000000"/>
+                </a:solidFill>
+              </a:rPr>
+              <a:t>t: egy problémát több oldalról meg lehet közelíteni és ugyanolyan jó megoldást lehet rá taláni. Egymás kódjának átvizsgálásával sokat lehet fejleszteni szemléletmódunkon.</a:t>
+            </a:r>
+          </a:p>
+        </p:txBody>
+      </p:sp>
+    </p:spTree>
+  </p:cSld>
+  <p:clrMapOvr>
+    <a:masterClrMapping/>
+  </p:clrMapOvr>
+  <p:transition spd="slow">
+    <p:cut/>
+  </p:transition>
+</p:sld>
+</file>
+
+<file path=ppt/slides/slide15.xml><?xml version="1.0" encoding="utf-8"?>
+<p:sld xmlns:a="http://schemas.openxmlformats.org/drawingml/2006/main" xmlns:r="http://schemas.openxmlformats.org/officeDocument/2006/relationships" xmlns:p="http://schemas.openxmlformats.org/presentationml/2006/main">
+  <p:cSld>
+    <p:spTree>
+      <p:nvGrpSpPr>
+        <p:cNvPr id="1" name="Shape 154"/>
+        <p:cNvGrpSpPr/>
+        <p:nvPr/>
+      </p:nvGrpSpPr>
+      <p:grpSpPr>
+        <a:xfrm>
+          <a:off x="0" y="0"/>
+          <a:ext cx="0" cy="0"/>
+          <a:chOff x="0" y="0"/>
+          <a:chExt cx="0" cy="0"/>
+        </a:xfrm>
+      </p:grpSpPr>
+      <p:sp>
+        <p:nvSpPr>
+          <p:cNvPr id="155" name="Shape 155"/>
+          <p:cNvSpPr txBox="1">
+            <a:spLocks noGrp="1"/>
+          </p:cNvSpPr>
           <p:nvPr>
             <p:ph type="title"/>
           </p:nvPr>
@@ -7504,12 +7135,12 @@
           </a:prstGeom>
         </p:spPr>
         <p:txBody>
-          <a:bodyPr anchorCtr="0" anchor="ctr" bIns="91425" lIns="91425" rIns="91425" tIns="91425">
+          <a:bodyPr lIns="91425" tIns="91425" rIns="91425" bIns="91425" anchor="ctr" anchorCtr="0">
             <a:noAutofit/>
           </a:bodyPr>
           <a:lstStyle/>
           <a:p>
-            <a:pPr lvl="0" rtl="0">
+            <a:pPr lvl="0">
               <a:spcBef>
                 <a:spcPts val="0"/>
               </a:spcBef>
@@ -7517,300 +7148,7 @@
             </a:pPr>
             <a:r>
               <a:rPr lang="en"/>
-              <a:t>Coding Principles</a:t>
-            </a:r>
-          </a:p>
-        </p:txBody>
-      </p:sp>
-    </p:spTree>
-  </p:cSld>
-  <p:clrMapOvr>
-    <a:masterClrMapping/>
-  </p:clrMapOvr>
-  <p:transition spd="slow">
-    <p:cut/>
-  </p:transition>
-</p:sld>
-</file>
-
-<file path=ppt/slides/slide15.xml><?xml version="1.0" encoding="utf-8"?>
-<p:sld xmlns:a="http://schemas.openxmlformats.org/drawingml/2006/main" xmlns:r="http://schemas.openxmlformats.org/officeDocument/2006/relationships" xmlns:mc="http://schemas.openxmlformats.org/markup-compatibility/2006" xmlns:mv="urn:schemas-microsoft-com:mac:vml" xmlns:p="http://schemas.openxmlformats.org/presentationml/2006/main" xmlns:c="http://schemas.openxmlformats.org/drawingml/2006/chart" xmlns:dgm="http://schemas.openxmlformats.org/drawingml/2006/diagram" xmlns:o="urn:schemas-microsoft-com:office:office" xmlns:v="urn:schemas-microsoft-com:vml" xmlns:pvml="urn:schemas-microsoft-com:office:powerpoint" xmlns:com="http://schemas.openxmlformats.org/drawingml/2006/compatibility" xmlns:p14="http://schemas.microsoft.com/office/powerpoint/2010/main">
-  <p:cSld>
-    <p:spTree>
-      <p:nvGrpSpPr>
-        <p:cNvPr id="142" name="Shape 142"/>
-        <p:cNvGrpSpPr/>
-        <p:nvPr/>
-      </p:nvGrpSpPr>
-      <p:grpSpPr>
-        <a:xfrm>
-          <a:off x="0" y="0"/>
-          <a:ext cx="0" cy="0"/>
-          <a:chOff x="0" y="0"/>
-          <a:chExt cx="0" cy="0"/>
-        </a:xfrm>
-      </p:grpSpPr>
-      <p:sp>
-        <p:nvSpPr>
-          <p:cNvPr id="143" name="Shape 143"/>
-          <p:cNvSpPr txBox="1"/>
-          <p:nvPr>
-            <p:ph type="title"/>
-          </p:nvPr>
-        </p:nvSpPr>
-        <p:spPr>
-          <a:xfrm>
-            <a:off x="311700" y="445025"/>
-            <a:ext cx="8520599" cy="572699"/>
-          </a:xfrm>
-          <a:prstGeom prst="rect">
-            <a:avLst/>
-          </a:prstGeom>
-        </p:spPr>
-        <p:txBody>
-          <a:bodyPr anchorCtr="0" anchor="ctr" bIns="91425" lIns="91425" rIns="91425" tIns="91425">
-            <a:noAutofit/>
-          </a:bodyPr>
-          <a:lstStyle/>
-          <a:p>
-            <a:pPr lvl="0" algn="ctr">
-              <a:spcBef>
-                <a:spcPts val="0"/>
-              </a:spcBef>
-              <a:buNone/>
-            </a:pPr>
-            <a:r>
-              <a:rPr lang="en"/>
-              <a:t>S.O.L.I.D.</a:t>
-            </a:r>
-          </a:p>
-        </p:txBody>
-      </p:sp>
-      <p:sp>
-        <p:nvSpPr>
-          <p:cNvPr id="144" name="Shape 144"/>
-          <p:cNvSpPr txBox="1"/>
-          <p:nvPr>
-            <p:ph idx="1" type="body"/>
-          </p:nvPr>
-        </p:nvSpPr>
-        <p:spPr>
-          <a:xfrm>
-            <a:off x="311700" y="1152475"/>
-            <a:ext cx="8520599" cy="3416400"/>
-          </a:xfrm>
-          <a:prstGeom prst="rect">
-            <a:avLst/>
-          </a:prstGeom>
-        </p:spPr>
-        <p:txBody>
-          <a:bodyPr anchorCtr="0" anchor="ctr" bIns="91425" lIns="91425" rIns="91425" tIns="91425">
-            <a:noAutofit/>
-          </a:bodyPr>
-          <a:lstStyle/>
-          <a:p>
-            <a:pPr indent="-317500" lvl="0" marL="457200" rtl="0">
-              <a:lnSpc>
-                <a:spcPct val="138000"/>
-              </a:lnSpc>
-              <a:spcBef>
-                <a:spcPts val="0"/>
-              </a:spcBef>
-              <a:spcAft>
-                <a:spcPts val="0"/>
-              </a:spcAft>
-              <a:buClr>
-                <a:srgbClr val="000000"/>
-              </a:buClr>
-              <a:buSzPct val="100000"/>
-            </a:pPr>
-            <a:r>
-              <a:rPr b="1" lang="en" sz="1400" u="sng">
-                <a:solidFill>
-                  <a:srgbClr val="000000"/>
-                </a:solidFill>
-              </a:rPr>
-              <a:t>S</a:t>
-            </a:r>
-            <a:r>
-              <a:rPr lang="en" sz="1400" u="sng">
-                <a:solidFill>
-                  <a:srgbClr val="000000"/>
-                </a:solidFill>
-              </a:rPr>
-              <a:t>ingle responsibility principle</a:t>
-            </a:r>
-            <a:r>
-              <a:rPr lang="en" sz="1400">
-                <a:solidFill>
-                  <a:srgbClr val="000000"/>
-                </a:solidFill>
-              </a:rPr>
-              <a:t>: egy osztály egy dolgot csinál</a:t>
-            </a:r>
-          </a:p>
-          <a:p>
-            <a:pPr indent="-317500" lvl="0" marL="457200" rtl="0">
-              <a:lnSpc>
-                <a:spcPct val="138000"/>
-              </a:lnSpc>
-              <a:spcBef>
-                <a:spcPts val="0"/>
-              </a:spcBef>
-              <a:spcAft>
-                <a:spcPts val="0"/>
-              </a:spcAft>
-              <a:buClr>
-                <a:srgbClr val="000000"/>
-              </a:buClr>
-              <a:buSzPct val="100000"/>
-            </a:pPr>
-            <a:r>
-              <a:rPr b="1" lang="en" sz="1400" u="sng">
-                <a:solidFill>
-                  <a:srgbClr val="000000"/>
-                </a:solidFill>
-              </a:rPr>
-              <a:t>O</a:t>
-            </a:r>
-            <a:r>
-              <a:rPr lang="en" sz="1400" u="sng">
-                <a:solidFill>
-                  <a:srgbClr val="000000"/>
-                </a:solidFill>
-              </a:rPr>
-              <a:t>pen close principle</a:t>
-            </a:r>
-            <a:r>
-              <a:rPr lang="en" sz="1400">
-                <a:solidFill>
-                  <a:srgbClr val="000000"/>
-                </a:solidFill>
-              </a:rPr>
-              <a:t>: bővitésre nyitott, módositásra zárt</a:t>
-            </a:r>
-          </a:p>
-          <a:p>
-            <a:pPr indent="-317500" lvl="0" marL="457200" rtl="0">
-              <a:lnSpc>
-                <a:spcPct val="138000"/>
-              </a:lnSpc>
-              <a:spcBef>
-                <a:spcPts val="0"/>
-              </a:spcBef>
-              <a:spcAft>
-                <a:spcPts val="0"/>
-              </a:spcAft>
-              <a:buClr>
-                <a:srgbClr val="000000"/>
-              </a:buClr>
-              <a:buSzPct val="100000"/>
-            </a:pPr>
-            <a:r>
-              <a:rPr b="1" lang="en" sz="1400" u="sng">
-                <a:solidFill>
-                  <a:srgbClr val="000000"/>
-                </a:solidFill>
-              </a:rPr>
-              <a:t>L</a:t>
-            </a:r>
-            <a:r>
-              <a:rPr lang="en" sz="1400" u="sng">
-                <a:solidFill>
-                  <a:srgbClr val="000000"/>
-                </a:solidFill>
-              </a:rPr>
-              <a:t>iskow substitution principle</a:t>
-            </a:r>
-            <a:r>
-              <a:rPr lang="en" sz="1400">
-                <a:solidFill>
-                  <a:srgbClr val="000000"/>
-                </a:solidFill>
-              </a:rPr>
-              <a:t>: egy fajta objektum a leszármazott példányával helyettesíthető kell legyen</a:t>
-            </a:r>
-          </a:p>
-          <a:p>
-            <a:pPr indent="-317500" lvl="0" marL="457200" rtl="0">
-              <a:lnSpc>
-                <a:spcPct val="138000"/>
-              </a:lnSpc>
-              <a:spcBef>
-                <a:spcPts val="0"/>
-              </a:spcBef>
-              <a:spcAft>
-                <a:spcPts val="0"/>
-              </a:spcAft>
-              <a:buClr>
-                <a:srgbClr val="000000"/>
-              </a:buClr>
-              <a:buSzPct val="100000"/>
-            </a:pPr>
-            <a:r>
-              <a:rPr b="1" lang="en" sz="1400" u="sng">
-                <a:solidFill>
-                  <a:srgbClr val="000000"/>
-                </a:solidFill>
-              </a:rPr>
-              <a:t>I</a:t>
-            </a:r>
-            <a:r>
-              <a:rPr lang="en" sz="1400" u="sng">
-                <a:solidFill>
-                  <a:srgbClr val="000000"/>
-                </a:solidFill>
-              </a:rPr>
-              <a:t>nterface segregation principle</a:t>
-            </a:r>
-            <a:r>
-              <a:rPr lang="en" sz="1400">
-                <a:solidFill>
-                  <a:srgbClr val="000000"/>
-                </a:solidFill>
-              </a:rPr>
-              <a:t>: sok kliens-specifikus interfész jobb, mint egy nagy általános </a:t>
-            </a:r>
-          </a:p>
-          <a:p>
-            <a:pPr indent="-317500" lvl="0" marL="457200" rtl="0">
-              <a:lnSpc>
-                <a:spcPct val="138000"/>
-              </a:lnSpc>
-              <a:spcBef>
-                <a:spcPts val="0"/>
-              </a:spcBef>
-              <a:spcAft>
-                <a:spcPts val="0"/>
-              </a:spcAft>
-              <a:buClr>
-                <a:srgbClr val="000000"/>
-              </a:buClr>
-              <a:buSzPct val="100000"/>
-            </a:pPr>
-            <a:r>
-              <a:rPr b="1" lang="en" sz="1400" u="sng">
-                <a:solidFill>
-                  <a:srgbClr val="000000"/>
-                </a:solidFill>
-              </a:rPr>
-              <a:t>D</a:t>
-            </a:r>
-            <a:r>
-              <a:rPr lang="en" sz="1400" u="sng">
-                <a:solidFill>
-                  <a:srgbClr val="000000"/>
-                </a:solidFill>
-              </a:rPr>
-              <a:t>ependency inversion principle</a:t>
-            </a:r>
-            <a:r>
-              <a:rPr lang="en" sz="1400">
-                <a:solidFill>
-                  <a:srgbClr val="000000"/>
-                </a:solidFill>
-              </a:rPr>
-              <a:t>: ős osztályok határozzák meg a fő funkcionalitást és nem pedig fordítva (gyerek osztály csak specializációra valók)</a:t>
+              <a:t>Szorgalmi plusz pontért a repóban!</a:t>
             </a:r>
           </a:p>
         </p:txBody>
@@ -7827,620 +7165,11 @@
 </file>
 
 <file path=ppt/slides/slide16.xml><?xml version="1.0" encoding="utf-8"?>
-<p:sld xmlns:a="http://schemas.openxmlformats.org/drawingml/2006/main" xmlns:r="http://schemas.openxmlformats.org/officeDocument/2006/relationships" xmlns:mc="http://schemas.openxmlformats.org/markup-compatibility/2006" xmlns:mv="urn:schemas-microsoft-com:mac:vml" xmlns:p="http://schemas.openxmlformats.org/presentationml/2006/main" xmlns:c="http://schemas.openxmlformats.org/drawingml/2006/chart" xmlns:dgm="http://schemas.openxmlformats.org/drawingml/2006/diagram" xmlns:o="urn:schemas-microsoft-com:office:office" xmlns:v="urn:schemas-microsoft-com:vml" xmlns:pvml="urn:schemas-microsoft-com:office:powerpoint" xmlns:com="http://schemas.openxmlformats.org/drawingml/2006/compatibility" xmlns:p14="http://schemas.microsoft.com/office/powerpoint/2010/main">
+<p:sld xmlns:a="http://schemas.openxmlformats.org/drawingml/2006/main" xmlns:r="http://schemas.openxmlformats.org/officeDocument/2006/relationships" xmlns:p="http://schemas.openxmlformats.org/presentationml/2006/main">
   <p:cSld>
     <p:spTree>
       <p:nvGrpSpPr>
-        <p:cNvPr id="148" name="Shape 148"/>
-        <p:cNvGrpSpPr/>
-        <p:nvPr/>
-      </p:nvGrpSpPr>
-      <p:grpSpPr>
-        <a:xfrm>
-          <a:off x="0" y="0"/>
-          <a:ext cx="0" cy="0"/>
-          <a:chOff x="0" y="0"/>
-          <a:chExt cx="0" cy="0"/>
-        </a:xfrm>
-      </p:grpSpPr>
-      <p:sp>
-        <p:nvSpPr>
-          <p:cNvPr id="149" name="Shape 149"/>
-          <p:cNvSpPr txBox="1"/>
-          <p:nvPr>
-            <p:ph type="title"/>
-          </p:nvPr>
-        </p:nvSpPr>
-        <p:spPr>
-          <a:xfrm>
-            <a:off x="311700" y="0"/>
-            <a:ext cx="8520599" cy="603899"/>
-          </a:xfrm>
-          <a:prstGeom prst="rect">
-            <a:avLst/>
-          </a:prstGeom>
-        </p:spPr>
-        <p:txBody>
-          <a:bodyPr anchorCtr="0" anchor="ctr" bIns="91425" lIns="91425" rIns="91425" tIns="91425">
-            <a:noAutofit/>
-          </a:bodyPr>
-          <a:lstStyle/>
-          <a:p>
-            <a:pPr lvl="0" algn="ctr">
-              <a:spcBef>
-                <a:spcPts val="0"/>
-              </a:spcBef>
-              <a:buNone/>
-            </a:pPr>
-            <a:r>
-              <a:rPr lang="en"/>
-              <a:t>További elterjedt mozaikszavak:</a:t>
-            </a:r>
-          </a:p>
-        </p:txBody>
-      </p:sp>
-      <p:sp>
-        <p:nvSpPr>
-          <p:cNvPr id="150" name="Shape 150"/>
-          <p:cNvSpPr txBox="1"/>
-          <p:nvPr>
-            <p:ph idx="1" type="body"/>
-          </p:nvPr>
-        </p:nvSpPr>
-        <p:spPr>
-          <a:xfrm>
-            <a:off x="0" y="493200"/>
-            <a:ext cx="9144000" cy="4650299"/>
-          </a:xfrm>
-          <a:prstGeom prst="rect">
-            <a:avLst/>
-          </a:prstGeom>
-        </p:spPr>
-        <p:txBody>
-          <a:bodyPr anchorCtr="0" anchor="ctr" bIns="91425" lIns="91425" rIns="91425" tIns="91425">
-            <a:noAutofit/>
-          </a:bodyPr>
-          <a:lstStyle/>
-          <a:p>
-            <a:pPr indent="-317500" lvl="0" marL="457200" rtl="0">
-              <a:lnSpc>
-                <a:spcPct val="138000"/>
-              </a:lnSpc>
-              <a:spcBef>
-                <a:spcPts val="0"/>
-              </a:spcBef>
-              <a:spcAft>
-                <a:spcPts val="0"/>
-              </a:spcAft>
-              <a:buClr>
-                <a:srgbClr val="000000"/>
-              </a:buClr>
-              <a:buSzPct val="100000"/>
-            </a:pPr>
-            <a:r>
-              <a:rPr lang="en" sz="1400" u="sng">
-                <a:solidFill>
-                  <a:srgbClr val="000000"/>
-                </a:solidFill>
-              </a:rPr>
-              <a:t>P.O.L.S.</a:t>
-            </a:r>
-            <a:r>
-              <a:rPr lang="en" sz="1400">
-                <a:solidFill>
-                  <a:srgbClr val="000000"/>
-                </a:solidFill>
-              </a:rPr>
-              <a:t>: </a:t>
-            </a:r>
-            <a:r>
-              <a:rPr b="1" lang="en" sz="1400">
-                <a:solidFill>
-                  <a:srgbClr val="000000"/>
-                </a:solidFill>
-              </a:rPr>
-              <a:t>P</a:t>
-            </a:r>
-            <a:r>
-              <a:rPr lang="en" sz="1400">
-                <a:solidFill>
-                  <a:srgbClr val="000000"/>
-                </a:solidFill>
-              </a:rPr>
-              <a:t>rinciple </a:t>
-            </a:r>
-            <a:r>
-              <a:rPr b="1" lang="en" sz="1400">
-                <a:solidFill>
-                  <a:srgbClr val="000000"/>
-                </a:solidFill>
-              </a:rPr>
-              <a:t>O</a:t>
-            </a:r>
-            <a:r>
-              <a:rPr lang="en" sz="1400">
-                <a:solidFill>
-                  <a:srgbClr val="000000"/>
-                </a:solidFill>
-              </a:rPr>
-              <a:t>f </a:t>
-            </a:r>
-            <a:r>
-              <a:rPr b="1" lang="en" sz="1400">
-                <a:solidFill>
-                  <a:srgbClr val="000000"/>
-                </a:solidFill>
-              </a:rPr>
-              <a:t>L</a:t>
-            </a:r>
-            <a:r>
-              <a:rPr lang="en" sz="1400">
-                <a:solidFill>
-                  <a:srgbClr val="000000"/>
-                </a:solidFill>
-              </a:rPr>
-              <a:t>east </a:t>
-            </a:r>
-            <a:r>
-              <a:rPr b="1" lang="en" sz="1400">
-                <a:solidFill>
-                  <a:srgbClr val="000000"/>
-                </a:solidFill>
-              </a:rPr>
-              <a:t>S</a:t>
-            </a:r>
-            <a:r>
-              <a:rPr lang="en" sz="1400">
-                <a:solidFill>
-                  <a:srgbClr val="000000"/>
-                </a:solidFill>
-              </a:rPr>
-              <a:t>urprise: kiszámítható kód (főleg az elnevezések esetén fontos)</a:t>
-            </a:r>
-          </a:p>
-          <a:p>
-            <a:pPr indent="-317500" lvl="0" marL="457200" rtl="0">
-              <a:lnSpc>
-                <a:spcPct val="138000"/>
-              </a:lnSpc>
-              <a:spcBef>
-                <a:spcPts val="0"/>
-              </a:spcBef>
-              <a:spcAft>
-                <a:spcPts val="0"/>
-              </a:spcAft>
-              <a:buClr>
-                <a:srgbClr val="000000"/>
-              </a:buClr>
-              <a:buSzPct val="100000"/>
-            </a:pPr>
-            <a:r>
-              <a:rPr lang="en" sz="1400" u="sng">
-                <a:solidFill>
-                  <a:srgbClr val="000000"/>
-                </a:solidFill>
-              </a:rPr>
-              <a:t>K.I.S.S.:</a:t>
-            </a:r>
-            <a:r>
-              <a:rPr lang="en" sz="1400">
-                <a:solidFill>
-                  <a:srgbClr val="000000"/>
-                </a:solidFill>
-              </a:rPr>
-              <a:t> </a:t>
-            </a:r>
-            <a:r>
-              <a:rPr b="1" lang="en" sz="1400">
-                <a:solidFill>
-                  <a:srgbClr val="000000"/>
-                </a:solidFill>
-              </a:rPr>
-              <a:t>K</a:t>
-            </a:r>
-            <a:r>
-              <a:rPr lang="en" sz="1400">
-                <a:solidFill>
-                  <a:srgbClr val="000000"/>
-                </a:solidFill>
-              </a:rPr>
-              <a:t>eep </a:t>
-            </a:r>
-            <a:r>
-              <a:rPr b="1" lang="en" sz="1400">
-                <a:solidFill>
-                  <a:srgbClr val="000000"/>
-                </a:solidFill>
-              </a:rPr>
-              <a:t>I</a:t>
-            </a:r>
-            <a:r>
-              <a:rPr lang="en" sz="1400">
-                <a:solidFill>
-                  <a:srgbClr val="000000"/>
-                </a:solidFill>
-              </a:rPr>
-              <a:t>t </a:t>
-            </a:r>
-            <a:r>
-              <a:rPr b="1" lang="en" sz="1400">
-                <a:solidFill>
-                  <a:srgbClr val="000000"/>
-                </a:solidFill>
-              </a:rPr>
-              <a:t>S</a:t>
-            </a:r>
-            <a:r>
-              <a:rPr lang="en" sz="1400">
-                <a:solidFill>
-                  <a:srgbClr val="000000"/>
-                </a:solidFill>
-              </a:rPr>
-              <a:t>hort, </a:t>
-            </a:r>
-            <a:r>
-              <a:rPr b="1" lang="en" sz="1400">
-                <a:solidFill>
-                  <a:srgbClr val="000000"/>
-                </a:solidFill>
-              </a:rPr>
-              <a:t>S</a:t>
-            </a:r>
-            <a:r>
-              <a:rPr lang="en" sz="1400">
-                <a:solidFill>
-                  <a:srgbClr val="000000"/>
-                </a:solidFill>
-              </a:rPr>
-              <a:t>imple:</a:t>
-            </a:r>
-            <a:r>
-              <a:rPr lang="en" sz="1400">
-                <a:solidFill>
-                  <a:schemeClr val="dk1"/>
-                </a:solidFill>
-              </a:rPr>
-              <a:t>Próbáld mindig a legegyszerűbb megvalósítást választani, ne készíts direkt rejtvényeket, vagy dicsekedj a kódod felesleges bonyolultságával (, hogy te képes vagy ilyen bonyolultan is megírni a megoldást). </a:t>
-            </a:r>
-            <a:r>
-              <a:rPr lang="en" sz="1400">
-                <a:solidFill>
-                  <a:srgbClr val="000000"/>
-                </a:solidFill>
-              </a:rPr>
-              <a:t>Ha túlbonyolítjuk, akkor ugyanaz a funkcionalitás nehezebben lefedhető tesztekkel, nem karbantartható, nehezebben bővíthető és kevésbé olvasható</a:t>
-            </a:r>
-          </a:p>
-          <a:p>
-            <a:pPr indent="-317500" lvl="0" marL="457200" rtl="0">
-              <a:lnSpc>
-                <a:spcPct val="138000"/>
-              </a:lnSpc>
-              <a:spcBef>
-                <a:spcPts val="0"/>
-              </a:spcBef>
-              <a:spcAft>
-                <a:spcPts val="0"/>
-              </a:spcAft>
-              <a:buClr>
-                <a:srgbClr val="000000"/>
-              </a:buClr>
-              <a:buSzPct val="100000"/>
-            </a:pPr>
-            <a:r>
-              <a:rPr lang="en" sz="1400" u="sng">
-                <a:solidFill>
-                  <a:srgbClr val="000000"/>
-                </a:solidFill>
-              </a:rPr>
-              <a:t>D.R.Y.</a:t>
-            </a:r>
-            <a:r>
-              <a:rPr lang="en" sz="1400">
-                <a:solidFill>
-                  <a:srgbClr val="000000"/>
-                </a:solidFill>
-              </a:rPr>
-              <a:t>: </a:t>
-            </a:r>
-            <a:r>
-              <a:rPr b="1" lang="en" sz="1400">
-                <a:solidFill>
-                  <a:srgbClr val="000000"/>
-                </a:solidFill>
-              </a:rPr>
-              <a:t>D</a:t>
-            </a:r>
-            <a:r>
-              <a:rPr lang="en" sz="1400">
-                <a:solidFill>
-                  <a:srgbClr val="000000"/>
-                </a:solidFill>
-              </a:rPr>
-              <a:t>on’t </a:t>
-            </a:r>
-            <a:r>
-              <a:rPr b="1" lang="en" sz="1400">
-                <a:solidFill>
-                  <a:srgbClr val="000000"/>
-                </a:solidFill>
-              </a:rPr>
-              <a:t>R</a:t>
-            </a:r>
-            <a:r>
-              <a:rPr lang="en" sz="1400">
-                <a:solidFill>
-                  <a:srgbClr val="000000"/>
-                </a:solidFill>
-              </a:rPr>
-              <a:t>epeat </a:t>
-            </a:r>
-            <a:r>
-              <a:rPr b="1" lang="en" sz="1400">
-                <a:solidFill>
-                  <a:srgbClr val="000000"/>
-                </a:solidFill>
-              </a:rPr>
-              <a:t>Y</a:t>
-            </a:r>
-            <a:r>
-              <a:rPr lang="en" sz="1400">
-                <a:solidFill>
-                  <a:srgbClr val="000000"/>
-                </a:solidFill>
-              </a:rPr>
-              <a:t>ourself : moduláris, újrafelhasználható kódok készítése a cél: pl:private metódusokba kiszervezés, ha ugyanaz a kódrészlet többször is előfordul. DE! mikor éri meg? (lehet hogy egyetlen sor miatt már nem)</a:t>
-            </a:r>
-          </a:p>
-          <a:p>
-            <a:pPr indent="-317500" lvl="0" marL="457200">
-              <a:lnSpc>
-                <a:spcPct val="138000"/>
-              </a:lnSpc>
-              <a:spcBef>
-                <a:spcPts val="0"/>
-              </a:spcBef>
-              <a:spcAft>
-                <a:spcPts val="0"/>
-              </a:spcAft>
-              <a:buClr>
-                <a:srgbClr val="000000"/>
-              </a:buClr>
-              <a:buSzPct val="100000"/>
-            </a:pPr>
-            <a:r>
-              <a:rPr lang="en" sz="1400" u="sng">
-                <a:solidFill>
-                  <a:srgbClr val="000000"/>
-                </a:solidFill>
-              </a:rPr>
-              <a:t>T.M.T.O.W.T.D.I.</a:t>
-            </a:r>
-            <a:r>
-              <a:rPr lang="en" sz="1400">
-                <a:solidFill>
-                  <a:srgbClr val="000000"/>
-                </a:solidFill>
-              </a:rPr>
-              <a:t>: </a:t>
-            </a:r>
-            <a:r>
-              <a:rPr b="1" lang="en" sz="1400">
-                <a:solidFill>
-                  <a:srgbClr val="000000"/>
-                </a:solidFill>
-              </a:rPr>
-              <a:t>T</a:t>
-            </a:r>
-            <a:r>
-              <a:rPr lang="en" sz="1400">
-                <a:solidFill>
-                  <a:srgbClr val="000000"/>
-                </a:solidFill>
-              </a:rPr>
-              <a:t>here‘s </a:t>
-            </a:r>
-            <a:r>
-              <a:rPr b="1" lang="en" sz="1400">
-                <a:solidFill>
-                  <a:srgbClr val="000000"/>
-                </a:solidFill>
-              </a:rPr>
-              <a:t>M</a:t>
-            </a:r>
-            <a:r>
-              <a:rPr lang="en" sz="1400">
-                <a:solidFill>
-                  <a:srgbClr val="000000"/>
-                </a:solidFill>
-              </a:rPr>
-              <a:t>ore </a:t>
-            </a:r>
-            <a:r>
-              <a:rPr b="1" lang="en" sz="1400">
-                <a:solidFill>
-                  <a:srgbClr val="000000"/>
-                </a:solidFill>
-              </a:rPr>
-              <a:t>T</a:t>
-            </a:r>
-            <a:r>
-              <a:rPr lang="en" sz="1400">
-                <a:solidFill>
-                  <a:srgbClr val="000000"/>
-                </a:solidFill>
-              </a:rPr>
-              <a:t>han </a:t>
-            </a:r>
-            <a:r>
-              <a:rPr b="1" lang="en" sz="1400">
-                <a:solidFill>
-                  <a:srgbClr val="000000"/>
-                </a:solidFill>
-              </a:rPr>
-              <a:t>O</a:t>
-            </a:r>
-            <a:r>
-              <a:rPr lang="en" sz="1400">
-                <a:solidFill>
-                  <a:srgbClr val="000000"/>
-                </a:solidFill>
-              </a:rPr>
-              <a:t>ne </a:t>
-            </a:r>
-            <a:r>
-              <a:rPr b="1" lang="en" sz="1400">
-                <a:solidFill>
-                  <a:srgbClr val="000000"/>
-                </a:solidFill>
-              </a:rPr>
-              <a:t>W</a:t>
-            </a:r>
-            <a:r>
-              <a:rPr lang="en" sz="1400">
-                <a:solidFill>
-                  <a:srgbClr val="000000"/>
-                </a:solidFill>
-              </a:rPr>
-              <a:t>ay </a:t>
-            </a:r>
-            <a:r>
-              <a:rPr b="1" lang="en" sz="1400">
-                <a:solidFill>
-                  <a:srgbClr val="000000"/>
-                </a:solidFill>
-              </a:rPr>
-              <a:t>T</a:t>
-            </a:r>
-            <a:r>
-              <a:rPr lang="en" sz="1400">
-                <a:solidFill>
-                  <a:srgbClr val="000000"/>
-                </a:solidFill>
-              </a:rPr>
-              <a:t>o </a:t>
-            </a:r>
-            <a:r>
-              <a:rPr b="1" lang="en" sz="1400">
-                <a:solidFill>
-                  <a:srgbClr val="000000"/>
-                </a:solidFill>
-              </a:rPr>
-              <a:t>D</a:t>
-            </a:r>
-            <a:r>
-              <a:rPr lang="en" sz="1400">
-                <a:solidFill>
-                  <a:srgbClr val="000000"/>
-                </a:solidFill>
-              </a:rPr>
-              <a:t>o </a:t>
-            </a:r>
-            <a:r>
-              <a:rPr b="1" lang="en" sz="1400">
-                <a:solidFill>
-                  <a:srgbClr val="000000"/>
-                </a:solidFill>
-              </a:rPr>
-              <a:t>I</a:t>
-            </a:r>
-            <a:r>
-              <a:rPr lang="en" sz="1400">
-                <a:solidFill>
-                  <a:srgbClr val="000000"/>
-                </a:solidFill>
-              </a:rPr>
-              <a:t>t: egy problémát több oldalról meg lehet közelíteni és ugyanolyan jó megoldást lehet rá taláni. Egymás kódjának átvizsgálásával sokat lehet fejleszteni szemléletmódunkon.</a:t>
-            </a:r>
-          </a:p>
-        </p:txBody>
-      </p:sp>
-    </p:spTree>
-  </p:cSld>
-  <p:clrMapOvr>
-    <a:masterClrMapping/>
-  </p:clrMapOvr>
-  <p:transition spd="slow">
-    <p:cut/>
-  </p:transition>
-</p:sld>
-</file>
-
-<file path=ppt/slides/slide17.xml><?xml version="1.0" encoding="utf-8"?>
-<p:sld xmlns:a="http://schemas.openxmlformats.org/drawingml/2006/main" xmlns:r="http://schemas.openxmlformats.org/officeDocument/2006/relationships" xmlns:mc="http://schemas.openxmlformats.org/markup-compatibility/2006" xmlns:mv="urn:schemas-microsoft-com:mac:vml" xmlns:p="http://schemas.openxmlformats.org/presentationml/2006/main" xmlns:c="http://schemas.openxmlformats.org/drawingml/2006/chart" xmlns:dgm="http://schemas.openxmlformats.org/drawingml/2006/diagram" xmlns:o="urn:schemas-microsoft-com:office:office" xmlns:v="urn:schemas-microsoft-com:vml" xmlns:pvml="urn:schemas-microsoft-com:office:powerpoint" xmlns:com="http://schemas.openxmlformats.org/drawingml/2006/compatibility" xmlns:p14="http://schemas.microsoft.com/office/powerpoint/2010/main">
-  <p:cSld>
-    <p:spTree>
-      <p:nvGrpSpPr>
-        <p:cNvPr id="154" name="Shape 154"/>
-        <p:cNvGrpSpPr/>
-        <p:nvPr/>
-      </p:nvGrpSpPr>
-      <p:grpSpPr>
-        <a:xfrm>
-          <a:off x="0" y="0"/>
-          <a:ext cx="0" cy="0"/>
-          <a:chOff x="0" y="0"/>
-          <a:chExt cx="0" cy="0"/>
-        </a:xfrm>
-      </p:grpSpPr>
-      <p:sp>
-        <p:nvSpPr>
-          <p:cNvPr id="155" name="Shape 155"/>
-          <p:cNvSpPr txBox="1"/>
-          <p:nvPr>
-            <p:ph type="title"/>
-          </p:nvPr>
-        </p:nvSpPr>
-        <p:spPr>
-          <a:xfrm>
-            <a:off x="311700" y="2150850"/>
-            <a:ext cx="8520599" cy="841800"/>
-          </a:xfrm>
-          <a:prstGeom prst="rect">
-            <a:avLst/>
-          </a:prstGeom>
-        </p:spPr>
-        <p:txBody>
-          <a:bodyPr anchorCtr="0" anchor="ctr" bIns="91425" lIns="91425" rIns="91425" tIns="91425">
-            <a:noAutofit/>
-          </a:bodyPr>
-          <a:lstStyle/>
-          <a:p>
-            <a:pPr lvl="0">
-              <a:spcBef>
-                <a:spcPts val="0"/>
-              </a:spcBef>
-              <a:buNone/>
-            </a:pPr>
-            <a:r>
-              <a:rPr lang="en"/>
-              <a:t>Szorgalmi plusz pontért a repóban!</a:t>
-            </a:r>
-          </a:p>
-        </p:txBody>
-      </p:sp>
-    </p:spTree>
-  </p:cSld>
-  <p:clrMapOvr>
-    <a:masterClrMapping/>
-  </p:clrMapOvr>
-  <p:transition spd="slow">
-    <p:cut/>
-  </p:transition>
-</p:sld>
-</file>
-
-<file path=ppt/slides/slide18.xml><?xml version="1.0" encoding="utf-8"?>
-<p:sld xmlns:a="http://schemas.openxmlformats.org/drawingml/2006/main" xmlns:r="http://schemas.openxmlformats.org/officeDocument/2006/relationships" xmlns:mc="http://schemas.openxmlformats.org/markup-compatibility/2006" xmlns:mv="urn:schemas-microsoft-com:mac:vml" xmlns:p="http://schemas.openxmlformats.org/presentationml/2006/main" xmlns:c="http://schemas.openxmlformats.org/drawingml/2006/chart" xmlns:dgm="http://schemas.openxmlformats.org/drawingml/2006/diagram" xmlns:o="urn:schemas-microsoft-com:office:office" xmlns:v="urn:schemas-microsoft-com:vml" xmlns:pvml="urn:schemas-microsoft-com:office:powerpoint" xmlns:com="http://schemas.openxmlformats.org/drawingml/2006/compatibility" xmlns:p14="http://schemas.microsoft.com/office/powerpoint/2010/main">
-  <p:cSld>
-    <p:bg>
-      <p:bgPr>
-        <a:noFill/>
-      </p:bgPr>
-    </p:bg>
-    <p:spTree>
-      <p:nvGrpSpPr>
-        <p:cNvPr id="159" name="Shape 159"/>
+        <p:cNvPr id="1" name="Shape 159"/>
         <p:cNvGrpSpPr/>
         <p:nvPr/>
       </p:nvGrpSpPr>
@@ -8455,7 +7184,9 @@
       <p:sp>
         <p:nvSpPr>
           <p:cNvPr id="160" name="Shape 160"/>
-          <p:cNvSpPr txBox="1"/>
+          <p:cNvSpPr txBox="1">
+            <a:spLocks noGrp="1"/>
+          </p:cNvSpPr>
           <p:nvPr>
             <p:ph type="title"/>
           </p:nvPr>
@@ -8470,7 +7201,7 @@
           </a:prstGeom>
         </p:spPr>
         <p:txBody>
-          <a:bodyPr anchorCtr="0" anchor="ctr" bIns="91425" lIns="91425" rIns="91425" tIns="91425">
+          <a:bodyPr lIns="91425" tIns="91425" rIns="91425" bIns="91425" anchor="ctr" anchorCtr="0">
             <a:noAutofit/>
           </a:bodyPr>
           <a:lstStyle/>
@@ -8493,9 +7224,6 @@
               </a:spcBef>
               <a:buNone/>
             </a:pPr>
-            <a:r>
-              <a:t/>
-            </a:r>
             <a:endParaRPr/>
           </a:p>
           <a:p>
@@ -8524,11 +7252,11 @@
 </file>
 
 <file path=ppt/slides/slide2.xml><?xml version="1.0" encoding="utf-8"?>
-<p:sld xmlns:a="http://schemas.openxmlformats.org/drawingml/2006/main" xmlns:r="http://schemas.openxmlformats.org/officeDocument/2006/relationships" xmlns:mc="http://schemas.openxmlformats.org/markup-compatibility/2006" xmlns:mv="urn:schemas-microsoft-com:mac:vml" xmlns:p="http://schemas.openxmlformats.org/presentationml/2006/main" xmlns:c="http://schemas.openxmlformats.org/drawingml/2006/chart" xmlns:dgm="http://schemas.openxmlformats.org/drawingml/2006/diagram" xmlns:o="urn:schemas-microsoft-com:office:office" xmlns:v="urn:schemas-microsoft-com:vml" xmlns:pvml="urn:schemas-microsoft-com:office:powerpoint" xmlns:com="http://schemas.openxmlformats.org/drawingml/2006/compatibility" xmlns:p14="http://schemas.microsoft.com/office/powerpoint/2010/main">
+<p:sld xmlns:a="http://schemas.openxmlformats.org/drawingml/2006/main" xmlns:r="http://schemas.openxmlformats.org/officeDocument/2006/relationships" xmlns:p="http://schemas.openxmlformats.org/presentationml/2006/main">
   <p:cSld>
     <p:spTree>
       <p:nvGrpSpPr>
-        <p:cNvPr id="58" name="Shape 58"/>
+        <p:cNvPr id="1" name="Shape 58"/>
         <p:cNvGrpSpPr/>
         <p:nvPr/>
       </p:nvGrpSpPr>
@@ -8543,7 +7271,9 @@
       <p:sp>
         <p:nvSpPr>
           <p:cNvPr id="59" name="Shape 59"/>
-          <p:cNvSpPr txBox="1"/>
+          <p:cNvSpPr txBox="1">
+            <a:spLocks noGrp="1"/>
+          </p:cNvSpPr>
           <p:nvPr>
             <p:ph type="title"/>
           </p:nvPr>
@@ -8558,7 +7288,7 @@
           </a:prstGeom>
         </p:spPr>
         <p:txBody>
-          <a:bodyPr anchorCtr="0" anchor="t" bIns="91425" lIns="91425" rIns="91425" tIns="91425">
+          <a:bodyPr lIns="91425" tIns="91425" rIns="91425" bIns="91425" anchor="t" anchorCtr="0">
             <a:noAutofit/>
           </a:bodyPr>
           <a:lstStyle/>
@@ -8579,9 +7309,11 @@
       <p:sp>
         <p:nvSpPr>
           <p:cNvPr id="60" name="Shape 60"/>
-          <p:cNvSpPr txBox="1"/>
+          <p:cNvSpPr txBox="1">
+            <a:spLocks noGrp="1"/>
+          </p:cNvSpPr>
           <p:nvPr>
-            <p:ph idx="1" type="body"/>
+            <p:ph type="body" idx="1"/>
           </p:nvPr>
         </p:nvSpPr>
         <p:spPr>
@@ -8594,12 +7326,12 @@
           </a:prstGeom>
         </p:spPr>
         <p:txBody>
-          <a:bodyPr anchorCtr="0" anchor="ctr" bIns="91425" lIns="91425" rIns="91425" tIns="91425">
+          <a:bodyPr lIns="91425" tIns="91425" rIns="91425" bIns="91425" anchor="ctr" anchorCtr="0">
             <a:noAutofit/>
           </a:bodyPr>
           <a:lstStyle/>
           <a:p>
-            <a:pPr indent="-381000" lvl="0" marL="457200" rtl="0">
+            <a:pPr marL="457200" lvl="0" indent="-381000" rtl="0">
               <a:spcBef>
                 <a:spcPts val="0"/>
               </a:spcBef>
@@ -8617,13 +7349,10 @@
               </a:spcBef>
               <a:buNone/>
             </a:pPr>
-            <a:r>
-              <a:t/>
-            </a:r>
             <a:endParaRPr sz="2400"/>
           </a:p>
           <a:p>
-            <a:pPr indent="-381000" lvl="0" marL="457200" rtl="0">
+            <a:pPr marL="457200" lvl="0" indent="-381000" rtl="0">
               <a:spcBef>
                 <a:spcPts val="0"/>
               </a:spcBef>
@@ -8649,32 +7378,32 @@
           </a:xfrm>
           <a:prstGeom prst="leftArrowCallout">
             <a:avLst>
-              <a:gd fmla="val 25000" name="adj1"/>
-              <a:gd fmla="val 25000" name="adj2"/>
-              <a:gd fmla="val 25000" name="adj3"/>
-              <a:gd fmla="val 64977" name="adj4"/>
+              <a:gd name="adj1" fmla="val 25000"/>
+              <a:gd name="adj2" fmla="val 25000"/>
+              <a:gd name="adj3" fmla="val 25000"/>
+              <a:gd name="adj4" fmla="val 64977"/>
             </a:avLst>
           </a:prstGeom>
           <a:solidFill>
             <a:schemeClr val="lt1"/>
           </a:solidFill>
-          <a:ln cap="flat" cmpd="sng" w="9525">
+          <a:ln w="9525" cap="flat" cmpd="sng">
             <a:solidFill>
               <a:schemeClr val="dk2"/>
             </a:solidFill>
             <a:prstDash val="solid"/>
             <a:round/>
-            <a:headEnd len="med" w="med" type="none"/>
-            <a:tailEnd len="med" w="med" type="none"/>
+            <a:headEnd type="none" w="med" len="med"/>
+            <a:tailEnd type="none" w="med" len="med"/>
           </a:ln>
         </p:spPr>
         <p:txBody>
-          <a:bodyPr anchorCtr="0" anchor="ctr" bIns="91425" lIns="91425" rIns="91425" tIns="91425">
+          <a:bodyPr lIns="91425" tIns="91425" rIns="91425" bIns="91425" anchor="ctr" anchorCtr="0">
             <a:noAutofit/>
           </a:bodyPr>
           <a:lstStyle/>
           <a:p>
-            <a:pPr lvl="0" rtl="0" algn="ctr">
+            <a:pPr lvl="0" algn="ctr" rtl="0">
               <a:spcBef>
                 <a:spcPts val="0"/>
               </a:spcBef>
@@ -8686,7 +7415,7 @@
               <a:buNone/>
             </a:pPr>
             <a:r>
-              <a:rPr b="1" lang="en" sz="2400">
+              <a:rPr lang="en" sz="2400" b="1">
                 <a:solidFill>
                   <a:schemeClr val="dk1"/>
                 </a:solidFill>
@@ -8695,7 +7424,7 @@
             </a:r>
           </a:p>
           <a:p>
-            <a:pPr lvl="0" rtl="0" algn="ctr">
+            <a:pPr lvl="0" algn="ctr" rtl="0">
               <a:spcBef>
                 <a:spcPts val="0"/>
               </a:spcBef>
@@ -8707,7 +7436,7 @@
               <a:buNone/>
             </a:pPr>
             <a:r>
-              <a:rPr b="1" lang="en" sz="2400">
+              <a:rPr lang="en" sz="2400" b="1">
                 <a:solidFill>
                   <a:schemeClr val="dk1"/>
                 </a:solidFill>
@@ -8716,14 +7445,14 @@
             </a:r>
           </a:p>
           <a:p>
-            <a:pPr lvl="0" rtl="0" algn="ctr">
-              <a:spcBef>
-                <a:spcPts val="0"/>
-              </a:spcBef>
-              <a:buNone/>
-            </a:pPr>
-            <a:r>
-              <a:rPr b="1" lang="en" sz="2400">
+            <a:pPr lvl="0" algn="ctr" rtl="0">
+              <a:spcBef>
+                <a:spcPts val="0"/>
+              </a:spcBef>
+              <a:buNone/>
+            </a:pPr>
+            <a:r>
+              <a:rPr lang="en" sz="2400" b="1">
                 <a:solidFill>
                   <a:schemeClr val="dk1"/>
                 </a:solidFill>
@@ -8732,23 +7461,20 @@
             </a:r>
           </a:p>
           <a:p>
-            <a:pPr lvl="0" rtl="0" algn="ctr">
-              <a:spcBef>
-                <a:spcPts val="0"/>
-              </a:spcBef>
-              <a:buNone/>
-            </a:pPr>
-            <a:r>
-              <a:t/>
-            </a:r>
-            <a:endParaRPr b="1" sz="2400">
+            <a:pPr lvl="0" algn="ctr" rtl="0">
+              <a:spcBef>
+                <a:spcPts val="0"/>
+              </a:spcBef>
+              <a:buNone/>
+            </a:pPr>
+            <a:endParaRPr sz="2400" b="1">
               <a:solidFill>
                 <a:schemeClr val="dk1"/>
               </a:solidFill>
             </a:endParaRPr>
           </a:p>
           <a:p>
-            <a:pPr lvl="0" rtl="0" algn="ctr">
+            <a:pPr lvl="0" algn="ctr" rtl="0">
               <a:spcBef>
                 <a:spcPts val="0"/>
               </a:spcBef>
@@ -8760,7 +7486,7 @@
               <a:buNone/>
             </a:pPr>
             <a:r>
-              <a:rPr b="1" lang="en" sz="2400">
+              <a:rPr lang="en" sz="2400" b="1">
                 <a:solidFill>
                   <a:schemeClr val="dk1"/>
                 </a:solidFill>
@@ -8782,16 +7508,11 @@
 </file>
 
 <file path=ppt/slides/slide3.xml><?xml version="1.0" encoding="utf-8"?>
-<p:sld xmlns:a="http://schemas.openxmlformats.org/drawingml/2006/main" xmlns:r="http://schemas.openxmlformats.org/officeDocument/2006/relationships" xmlns:mc="http://schemas.openxmlformats.org/markup-compatibility/2006" xmlns:mv="urn:schemas-microsoft-com:mac:vml" xmlns:p="http://schemas.openxmlformats.org/presentationml/2006/main" xmlns:c="http://schemas.openxmlformats.org/drawingml/2006/chart" xmlns:dgm="http://schemas.openxmlformats.org/drawingml/2006/diagram" xmlns:o="urn:schemas-microsoft-com:office:office" xmlns:v="urn:schemas-microsoft-com:vml" xmlns:pvml="urn:schemas-microsoft-com:office:powerpoint" xmlns:com="http://schemas.openxmlformats.org/drawingml/2006/compatibility" xmlns:p14="http://schemas.microsoft.com/office/powerpoint/2010/main">
+<p:sld xmlns:a="http://schemas.openxmlformats.org/drawingml/2006/main" xmlns:r="http://schemas.openxmlformats.org/officeDocument/2006/relationships" xmlns:p="http://schemas.openxmlformats.org/presentationml/2006/main">
   <p:cSld>
-    <p:bg>
-      <p:bgPr>
-        <a:noFill/>
-      </p:bgPr>
-    </p:bg>
     <p:spTree>
       <p:nvGrpSpPr>
-        <p:cNvPr id="65" name="Shape 65"/>
+        <p:cNvPr id="1" name="Shape 65"/>
         <p:cNvGrpSpPr/>
         <p:nvPr/>
       </p:nvGrpSpPr>
@@ -8806,7 +7527,9 @@
       <p:sp>
         <p:nvSpPr>
           <p:cNvPr id="66" name="Shape 66"/>
-          <p:cNvSpPr txBox="1"/>
+          <p:cNvSpPr txBox="1">
+            <a:spLocks noGrp="1"/>
+          </p:cNvSpPr>
           <p:nvPr>
             <p:ph type="title"/>
           </p:nvPr>
@@ -8822,7 +7545,7 @@
           <a:noFill/>
         </p:spPr>
         <p:txBody>
-          <a:bodyPr anchorCtr="0" anchor="ctr" bIns="91425" lIns="91425" rIns="91425" tIns="91425">
+          <a:bodyPr lIns="91425" tIns="91425" rIns="91425" bIns="91425" anchor="ctr" anchorCtr="0">
             <a:noAutofit/>
           </a:bodyPr>
           <a:lstStyle/>
@@ -8843,9 +7566,11 @@
       <p:sp>
         <p:nvSpPr>
           <p:cNvPr id="67" name="Shape 67"/>
-          <p:cNvSpPr txBox="1"/>
+          <p:cNvSpPr txBox="1">
+            <a:spLocks noGrp="1"/>
+          </p:cNvSpPr>
           <p:nvPr>
-            <p:ph idx="1" type="body"/>
+            <p:ph type="body" idx="1"/>
           </p:nvPr>
         </p:nvSpPr>
         <p:spPr>
@@ -8859,12 +7584,12 @@
           <a:noFill/>
         </p:spPr>
         <p:txBody>
-          <a:bodyPr anchorCtr="0" anchor="ctr" bIns="91425" lIns="91425" rIns="91425" tIns="91425">
+          <a:bodyPr lIns="91425" tIns="91425" rIns="91425" bIns="91425" anchor="ctr" anchorCtr="0">
             <a:noAutofit/>
           </a:bodyPr>
           <a:lstStyle/>
           <a:p>
-            <a:pPr indent="-381000" lvl="0" marL="457200" rtl="0">
+            <a:pPr marL="457200" lvl="0" indent="-381000" rtl="0">
               <a:lnSpc>
                 <a:spcPct val="100000"/>
               </a:lnSpc>
@@ -8878,9 +7603,11 @@
                 <a:srgbClr val="000000"/>
               </a:buClr>
               <a:buSzPct val="100000"/>
-            </a:pPr>
-            <a:r>
-              <a:rPr lang="en" sz="2400">
+              <a:buFont typeface="Arial" panose="020B0604020202020204" pitchFamily="34" charset="0"/>
+              <a:buChar char="•"/>
+            </a:pPr>
+            <a:r>
+              <a:rPr lang="en" sz="2400" dirty="0">
                 <a:solidFill>
                   <a:srgbClr val="000000"/>
                 </a:solidFill>
@@ -8889,7 +7616,7 @@
             </a:r>
           </a:p>
           <a:p>
-            <a:pPr indent="-381000" lvl="0" marL="457200" rtl="0">
+            <a:pPr marL="457200" lvl="0" indent="-381000" rtl="0">
               <a:lnSpc>
                 <a:spcPct val="100000"/>
               </a:lnSpc>
@@ -8903,9 +7630,11 @@
                 <a:srgbClr val="000000"/>
               </a:buClr>
               <a:buSzPct val="100000"/>
-            </a:pPr>
-            <a:r>
-              <a:rPr lang="en" sz="2400">
+              <a:buFont typeface="Arial" panose="020B0604020202020204" pitchFamily="34" charset="0"/>
+              <a:buChar char="•"/>
+            </a:pPr>
+            <a:r>
+              <a:rPr lang="en" sz="2400" dirty="0">
                 <a:solidFill>
                   <a:srgbClr val="000000"/>
                 </a:solidFill>
@@ -8914,7 +7643,7 @@
             </a:r>
           </a:p>
           <a:p>
-            <a:pPr indent="-381000" lvl="0" marL="457200" rtl="0">
+            <a:pPr marL="457200" lvl="0" indent="-381000" rtl="0">
               <a:lnSpc>
                 <a:spcPct val="100000"/>
               </a:lnSpc>
@@ -8928,9 +7657,11 @@
                 <a:srgbClr val="000000"/>
               </a:buClr>
               <a:buSzPct val="100000"/>
-            </a:pPr>
-            <a:r>
-              <a:rPr lang="en" sz="2400">
+              <a:buFont typeface="Arial" panose="020B0604020202020204" pitchFamily="34" charset="0"/>
+              <a:buChar char="•"/>
+            </a:pPr>
+            <a:r>
+              <a:rPr lang="en" sz="2400" dirty="0">
                 <a:solidFill>
                   <a:srgbClr val="000000"/>
                 </a:solidFill>
@@ -8939,7 +7670,7 @@
             </a:r>
           </a:p>
           <a:p>
-            <a:pPr lvl="0" rtl="0">
+            <a:pPr marL="342900" lvl="0" indent="-342900" rtl="0">
               <a:lnSpc>
                 <a:spcPct val="100000"/>
               </a:lnSpc>
@@ -8949,34 +7680,26 @@
               <a:spcAft>
                 <a:spcPts val="1000"/>
               </a:spcAft>
-              <a:buNone/>
-            </a:pPr>
-            <a:r>
-              <a:rPr lang="en" sz="2400">
+              <a:buFont typeface="Arial" panose="020B0604020202020204" pitchFamily="34" charset="0"/>
+              <a:buChar char="•"/>
+            </a:pPr>
+            <a:r>
+              <a:rPr lang="en" sz="2400" dirty="0">
                 <a:solidFill>
                   <a:srgbClr val="000000"/>
                 </a:solidFill>
               </a:rPr>
-              <a:t>   A kód akkor jó, ha olyan mint egy mese, amit csak olvasni kell.</a:t>
-            </a:r>
-          </a:p>
-          <a:p>
-            <a:pPr lvl="0" rtl="0">
-              <a:lnSpc>
-                <a:spcPct val="100000"/>
-              </a:lnSpc>
-              <a:spcBef>
-                <a:spcPts val="0"/>
-              </a:spcBef>
-              <a:spcAft>
-                <a:spcPts val="1000"/>
-              </a:spcAft>
-              <a:buNone/>
-            </a:pPr>
-            <a:r>
-              <a:t/>
-            </a:r>
-            <a:endParaRPr sz="2400">
+              <a:t>   A kód akkor jó, ha olyan mint egy mese, amit csak olvasni kell</a:t>
+            </a:r>
+            <a:r>
+              <a:rPr lang="en" sz="2400" dirty="0" smtClean="0">
+                <a:solidFill>
+                  <a:srgbClr val="000000"/>
+                </a:solidFill>
+              </a:rPr>
+              <a:t>.</a:t>
+            </a:r>
+            <a:endParaRPr lang="en" sz="2400" dirty="0">
               <a:solidFill>
                 <a:srgbClr val="000000"/>
               </a:solidFill>
@@ -8995,32 +7718,32 @@
   <p:timing>
     <p:tnLst>
       <p:par>
-        <p:cTn dur="indefinite" nodeType="tmRoot" restart="never">
+        <p:cTn id="1" dur="indefinite" restart="never" nodeType="tmRoot">
           <p:childTnLst>
             <p:seq concurrent="1" nextAc="seek">
-              <p:cTn dur="indefinite" id="2" nodeType="mainSeq">
+              <p:cTn id="2" dur="indefinite" nodeType="mainSeq">
                 <p:childTnLst>
                   <p:par>
-                    <p:cTn fill="hold">
+                    <p:cTn id="3" fill="hold">
                       <p:stCondLst>
                         <p:cond delay="indefinite"/>
                       </p:stCondLst>
                       <p:childTnLst>
                         <p:par>
-                          <p:cTn fill="hold">
+                          <p:cTn id="4" fill="hold">
                             <p:stCondLst>
                               <p:cond delay="0"/>
                             </p:stCondLst>
                             <p:childTnLst>
                               <p:par>
-                                <p:cTn fill="hold" nodeType="clickEffect" presetClass="entr" presetID="10" presetSubtype="0">
+                                <p:cTn id="5" presetID="10" presetClass="entr" presetSubtype="0" fill="hold" nodeType="clickEffect">
                                   <p:stCondLst>
                                     <p:cond delay="0"/>
                                   </p:stCondLst>
                                   <p:childTnLst>
                                     <p:set>
                                       <p:cBhvr>
-                                        <p:cTn dur="1" fill="hold">
+                                        <p:cTn id="6" dur="1" fill="hold">
                                           <p:stCondLst>
                                             <p:cond delay="0"/>
                                           </p:stCondLst>
@@ -9028,7 +7751,7 @@
                                         <p:tgtEl>
                                           <p:spTgt spid="67">
                                             <p:txEl>
-                                              <p:pRg end="0" st="0"/>
+                                              <p:pRg st="0" end="0"/>
                                             </p:txEl>
                                           </p:spTgt>
                                         </p:tgtEl>
@@ -9040,13 +7763,13 @@
                                         <p:strVal val="visible"/>
                                       </p:to>
                                     </p:set>
-                                    <p:animEffect filter="fade" transition="in">
+                                    <p:animEffect transition="in" filter="fade">
                                       <p:cBhvr>
-                                        <p:cTn dur="1000"/>
+                                        <p:cTn id="7" dur="1000"/>
                                         <p:tgtEl>
                                           <p:spTgt spid="67">
                                             <p:txEl>
-                                              <p:pRg end="0" st="0"/>
+                                              <p:pRg st="0" end="0"/>
                                             </p:txEl>
                                           </p:spTgt>
                                         </p:tgtEl>
@@ -9062,26 +7785,26 @@
                     </p:cTn>
                   </p:par>
                   <p:par>
-                    <p:cTn fill="hold">
+                    <p:cTn id="8" fill="hold">
                       <p:stCondLst>
                         <p:cond delay="indefinite"/>
                       </p:stCondLst>
                       <p:childTnLst>
                         <p:par>
-                          <p:cTn fill="hold">
+                          <p:cTn id="9" fill="hold">
                             <p:stCondLst>
                               <p:cond delay="0"/>
                             </p:stCondLst>
                             <p:childTnLst>
                               <p:par>
-                                <p:cTn fill="hold" nodeType="clickEffect" presetClass="entr" presetID="10" presetSubtype="0">
+                                <p:cTn id="10" presetID="10" presetClass="entr" presetSubtype="0" fill="hold" nodeType="clickEffect">
                                   <p:stCondLst>
                                     <p:cond delay="0"/>
                                   </p:stCondLst>
                                   <p:childTnLst>
                                     <p:set>
                                       <p:cBhvr>
-                                        <p:cTn dur="1" fill="hold">
+                                        <p:cTn id="11" dur="1" fill="hold">
                                           <p:stCondLst>
                                             <p:cond delay="0"/>
                                           </p:stCondLst>
@@ -9089,7 +7812,7 @@
                                         <p:tgtEl>
                                           <p:spTgt spid="67">
                                             <p:txEl>
-                                              <p:pRg end="1" st="1"/>
+                                              <p:pRg st="1" end="1"/>
                                             </p:txEl>
                                           </p:spTgt>
                                         </p:tgtEl>
@@ -9101,13 +7824,13 @@
                                         <p:strVal val="visible"/>
                                       </p:to>
                                     </p:set>
-                                    <p:animEffect filter="fade" transition="in">
+                                    <p:animEffect transition="in" filter="fade">
                                       <p:cBhvr>
-                                        <p:cTn dur="1000"/>
+                                        <p:cTn id="12" dur="1000"/>
                                         <p:tgtEl>
                                           <p:spTgt spid="67">
                                             <p:txEl>
-                                              <p:pRg end="1" st="1"/>
+                                              <p:pRg st="1" end="1"/>
                                             </p:txEl>
                                           </p:spTgt>
                                         </p:tgtEl>
@@ -9123,26 +7846,26 @@
                     </p:cTn>
                   </p:par>
                   <p:par>
-                    <p:cTn fill="hold">
+                    <p:cTn id="13" fill="hold">
                       <p:stCondLst>
                         <p:cond delay="indefinite"/>
                       </p:stCondLst>
                       <p:childTnLst>
                         <p:par>
-                          <p:cTn fill="hold">
+                          <p:cTn id="14" fill="hold">
                             <p:stCondLst>
                               <p:cond delay="0"/>
                             </p:stCondLst>
                             <p:childTnLst>
                               <p:par>
-                                <p:cTn fill="hold" nodeType="clickEffect" presetClass="entr" presetID="10" presetSubtype="0">
+                                <p:cTn id="15" presetID="10" presetClass="entr" presetSubtype="0" fill="hold" nodeType="clickEffect">
                                   <p:stCondLst>
                                     <p:cond delay="0"/>
                                   </p:stCondLst>
                                   <p:childTnLst>
                                     <p:set>
                                       <p:cBhvr>
-                                        <p:cTn dur="1" fill="hold">
+                                        <p:cTn id="16" dur="1" fill="hold">
                                           <p:stCondLst>
                                             <p:cond delay="0"/>
                                           </p:stCondLst>
@@ -9150,7 +7873,7 @@
                                         <p:tgtEl>
                                           <p:spTgt spid="67">
                                             <p:txEl>
-                                              <p:pRg end="2" st="2"/>
+                                              <p:pRg st="2" end="2"/>
                                             </p:txEl>
                                           </p:spTgt>
                                         </p:tgtEl>
@@ -9162,13 +7885,13 @@
                                         <p:strVal val="visible"/>
                                       </p:to>
                                     </p:set>
-                                    <p:animEffect filter="fade" transition="in">
+                                    <p:animEffect transition="in" filter="fade">
                                       <p:cBhvr>
-                                        <p:cTn dur="1000"/>
+                                        <p:cTn id="17" dur="1000"/>
                                         <p:tgtEl>
                                           <p:spTgt spid="67">
                                             <p:txEl>
-                                              <p:pRg end="2" st="2"/>
+                                              <p:pRg st="2" end="2"/>
                                             </p:txEl>
                                           </p:spTgt>
                                         </p:tgtEl>
@@ -9184,26 +7907,26 @@
                     </p:cTn>
                   </p:par>
                   <p:par>
-                    <p:cTn fill="hold">
+                    <p:cTn id="18" fill="hold">
                       <p:stCondLst>
                         <p:cond delay="indefinite"/>
                       </p:stCondLst>
                       <p:childTnLst>
                         <p:par>
-                          <p:cTn fill="hold">
+                          <p:cTn id="19" fill="hold">
                             <p:stCondLst>
                               <p:cond delay="0"/>
                             </p:stCondLst>
                             <p:childTnLst>
                               <p:par>
-                                <p:cTn fill="hold" nodeType="clickEffect" presetClass="entr" presetID="10" presetSubtype="0">
+                                <p:cTn id="20" presetID="10" presetClass="entr" presetSubtype="0" fill="hold" nodeType="clickEffect">
                                   <p:stCondLst>
                                     <p:cond delay="0"/>
                                   </p:stCondLst>
                                   <p:childTnLst>
                                     <p:set>
                                       <p:cBhvr>
-                                        <p:cTn dur="1" fill="hold">
+                                        <p:cTn id="21" dur="1" fill="hold">
                                           <p:stCondLst>
                                             <p:cond delay="0"/>
                                           </p:stCondLst>
@@ -9211,7 +7934,7 @@
                                         <p:tgtEl>
                                           <p:spTgt spid="67">
                                             <p:txEl>
-                                              <p:pRg end="3" st="3"/>
+                                              <p:pRg st="3" end="3"/>
                                             </p:txEl>
                                           </p:spTgt>
                                         </p:tgtEl>
@@ -9223,74 +7946,13 @@
                                         <p:strVal val="visible"/>
                                       </p:to>
                                     </p:set>
-                                    <p:animEffect filter="fade" transition="in">
+                                    <p:animEffect transition="in" filter="fade">
                                       <p:cBhvr>
-                                        <p:cTn dur="1000"/>
+                                        <p:cTn id="22" dur="1000"/>
                                         <p:tgtEl>
                                           <p:spTgt spid="67">
                                             <p:txEl>
-                                              <p:pRg end="3" st="3"/>
-                                            </p:txEl>
-                                          </p:spTgt>
-                                        </p:tgtEl>
-                                      </p:cBhvr>
-                                    </p:animEffect>
-                                  </p:childTnLst>
-                                </p:cTn>
-                              </p:par>
-                            </p:childTnLst>
-                          </p:cTn>
-                        </p:par>
-                      </p:childTnLst>
-                    </p:cTn>
-                  </p:par>
-                  <p:par>
-                    <p:cTn fill="hold">
-                      <p:stCondLst>
-                        <p:cond delay="indefinite"/>
-                      </p:stCondLst>
-                      <p:childTnLst>
-                        <p:par>
-                          <p:cTn fill="hold">
-                            <p:stCondLst>
-                              <p:cond delay="0"/>
-                            </p:stCondLst>
-                            <p:childTnLst>
-                              <p:par>
-                                <p:cTn fill="hold" nodeType="clickEffect" presetClass="entr" presetID="10" presetSubtype="0">
-                                  <p:stCondLst>
-                                    <p:cond delay="0"/>
-                                  </p:stCondLst>
-                                  <p:childTnLst>
-                                    <p:set>
-                                      <p:cBhvr>
-                                        <p:cTn dur="1" fill="hold">
-                                          <p:stCondLst>
-                                            <p:cond delay="0"/>
-                                          </p:stCondLst>
-                                        </p:cTn>
-                                        <p:tgtEl>
-                                          <p:spTgt spid="67">
-                                            <p:txEl>
-                                              <p:pRg end="4" st="4"/>
-                                            </p:txEl>
-                                          </p:spTgt>
-                                        </p:tgtEl>
-                                        <p:attrNameLst>
-                                          <p:attrName>style.visibility</p:attrName>
-                                        </p:attrNameLst>
-                                      </p:cBhvr>
-                                      <p:to>
-                                        <p:strVal val="visible"/>
-                                      </p:to>
-                                    </p:set>
-                                    <p:animEffect filter="fade" transition="in">
-                                      <p:cBhvr>
-                                        <p:cTn dur="1000"/>
-                                        <p:tgtEl>
-                                          <p:spTgt spid="67">
-                                            <p:txEl>
-                                              <p:pRg end="4" st="4"/>
+                                              <p:pRg st="3" end="3"/>
                                             </p:txEl>
                                           </p:spTgt>
                                         </p:tgtEl>
@@ -9308,14 +7970,14 @@
                 </p:childTnLst>
               </p:cTn>
               <p:prevCondLst>
-                <p:cond evt="onPrev">
+                <p:cond evt="onPrev" delay="0">
                   <p:tgtEl>
                     <p:sldTgt/>
                   </p:tgtEl>
                 </p:cond>
               </p:prevCondLst>
               <p:nextCondLst>
-                <p:cond evt="onNext">
+                <p:cond evt="onNext" delay="0">
                   <p:tgtEl>
                     <p:sldTgt/>
                   </p:tgtEl>
@@ -9331,11 +7993,11 @@
 </file>
 
 <file path=ppt/slides/slide4.xml><?xml version="1.0" encoding="utf-8"?>
-<p:sld xmlns:a="http://schemas.openxmlformats.org/drawingml/2006/main" xmlns:r="http://schemas.openxmlformats.org/officeDocument/2006/relationships" xmlns:mc="http://schemas.openxmlformats.org/markup-compatibility/2006" xmlns:mv="urn:schemas-microsoft-com:mac:vml" xmlns:p="http://schemas.openxmlformats.org/presentationml/2006/main" xmlns:c="http://schemas.openxmlformats.org/drawingml/2006/chart" xmlns:dgm="http://schemas.openxmlformats.org/drawingml/2006/diagram" xmlns:o="urn:schemas-microsoft-com:office:office" xmlns:v="urn:schemas-microsoft-com:vml" xmlns:pvml="urn:schemas-microsoft-com:office:powerpoint" xmlns:com="http://schemas.openxmlformats.org/drawingml/2006/compatibility" xmlns:p14="http://schemas.microsoft.com/office/powerpoint/2010/main">
+<p:sld xmlns:a="http://schemas.openxmlformats.org/drawingml/2006/main" xmlns:r="http://schemas.openxmlformats.org/officeDocument/2006/relationships" xmlns:p="http://schemas.openxmlformats.org/presentationml/2006/main">
   <p:cSld>
     <p:spTree>
       <p:nvGrpSpPr>
-        <p:cNvPr id="71" name="Shape 71"/>
+        <p:cNvPr id="1" name="Shape 71"/>
         <p:cNvGrpSpPr/>
         <p:nvPr/>
       </p:nvGrpSpPr>
@@ -9350,7 +8012,9 @@
       <p:sp>
         <p:nvSpPr>
           <p:cNvPr id="72" name="Shape 72"/>
-          <p:cNvSpPr txBox="1"/>
+          <p:cNvSpPr txBox="1">
+            <a:spLocks noGrp="1"/>
+          </p:cNvSpPr>
           <p:nvPr>
             <p:ph type="title"/>
           </p:nvPr>
@@ -9365,12 +8029,12 @@
           </a:prstGeom>
         </p:spPr>
         <p:txBody>
-          <a:bodyPr anchorCtr="0" anchor="ctr" bIns="91425" lIns="91425" rIns="91425" tIns="91425">
+          <a:bodyPr lIns="91425" tIns="91425" rIns="91425" bIns="91425" anchor="ctr" anchorCtr="0">
             <a:noAutofit/>
           </a:bodyPr>
           <a:lstStyle/>
           <a:p>
-            <a:pPr lvl="0" rtl="0" algn="ctr">
+            <a:pPr lvl="0" algn="ctr" rtl="0">
               <a:spcBef>
                 <a:spcPts val="0"/>
               </a:spcBef>
@@ -9423,11 +8087,11 @@
 </file>
 
 <file path=ppt/slides/slide5.xml><?xml version="1.0" encoding="utf-8"?>
-<p:sld xmlns:a="http://schemas.openxmlformats.org/drawingml/2006/main" xmlns:r="http://schemas.openxmlformats.org/officeDocument/2006/relationships" xmlns:mc="http://schemas.openxmlformats.org/markup-compatibility/2006" xmlns:mv="urn:schemas-microsoft-com:mac:vml" xmlns:p="http://schemas.openxmlformats.org/presentationml/2006/main" xmlns:c="http://schemas.openxmlformats.org/drawingml/2006/chart" xmlns:dgm="http://schemas.openxmlformats.org/drawingml/2006/diagram" xmlns:o="urn:schemas-microsoft-com:office:office" xmlns:v="urn:schemas-microsoft-com:vml" xmlns:pvml="urn:schemas-microsoft-com:office:powerpoint" xmlns:com="http://schemas.openxmlformats.org/drawingml/2006/compatibility" xmlns:p14="http://schemas.microsoft.com/office/powerpoint/2010/main">
+<p:sld xmlns:a="http://schemas.openxmlformats.org/drawingml/2006/main" xmlns:r="http://schemas.openxmlformats.org/officeDocument/2006/relationships" xmlns:p="http://schemas.openxmlformats.org/presentationml/2006/main">
   <p:cSld>
     <p:spTree>
       <p:nvGrpSpPr>
-        <p:cNvPr id="77" name="Shape 77"/>
+        <p:cNvPr id="1" name="Shape 77"/>
         <p:cNvGrpSpPr/>
         <p:nvPr/>
       </p:nvGrpSpPr>
@@ -9442,7 +8106,9 @@
       <p:sp>
         <p:nvSpPr>
           <p:cNvPr id="78" name="Shape 78"/>
-          <p:cNvSpPr txBox="1"/>
+          <p:cNvSpPr txBox="1">
+            <a:spLocks noGrp="1"/>
+          </p:cNvSpPr>
           <p:nvPr>
             <p:ph type="title"/>
           </p:nvPr>
@@ -9457,7 +8123,7 @@
           </a:prstGeom>
         </p:spPr>
         <p:txBody>
-          <a:bodyPr anchorCtr="0" anchor="t" bIns="91425" lIns="91425" rIns="91425" tIns="91425">
+          <a:bodyPr lIns="91425" tIns="91425" rIns="91425" bIns="91425" anchor="t" anchorCtr="0">
             <a:noAutofit/>
           </a:bodyPr>
           <a:lstStyle/>
@@ -9469,7 +8135,7 @@
               <a:buNone/>
             </a:pPr>
             <a:r>
-              <a:rPr lang="en"/>
+              <a:rPr lang="en" dirty="0"/>
               <a:t>Miért hasznos jó kódot írni?</a:t>
             </a:r>
           </a:p>
@@ -9478,9 +8144,11 @@
       <p:sp>
         <p:nvSpPr>
           <p:cNvPr id="79" name="Shape 79"/>
-          <p:cNvSpPr txBox="1"/>
+          <p:cNvSpPr txBox="1">
+            <a:spLocks noGrp="1"/>
+          </p:cNvSpPr>
           <p:nvPr>
-            <p:ph idx="1" type="body"/>
+            <p:ph type="body" idx="1"/>
           </p:nvPr>
         </p:nvSpPr>
         <p:spPr>
@@ -9493,12 +8161,12 @@
           </a:prstGeom>
         </p:spPr>
         <p:txBody>
-          <a:bodyPr anchorCtr="0" anchor="ctr" bIns="91425" lIns="91425" rIns="91425" tIns="91425">
+          <a:bodyPr lIns="91425" tIns="91425" rIns="91425" bIns="91425" anchor="ctr" anchorCtr="0">
             <a:noAutofit/>
           </a:bodyPr>
           <a:lstStyle/>
           <a:p>
-            <a:pPr indent="-381000" lvl="0" marL="457200" rtl="0">
+            <a:pPr marL="457200" lvl="0" indent="-381000" rtl="0">
               <a:spcBef>
                 <a:spcPts val="0"/>
               </a:spcBef>
@@ -9506,9 +8174,11 @@
                 <a:srgbClr val="000000"/>
               </a:buClr>
               <a:buSzPct val="100000"/>
-            </a:pPr>
-            <a:r>
-              <a:rPr lang="en" sz="2400">
+              <a:buFont typeface="Arial" panose="020B0604020202020204" pitchFamily="34" charset="0"/>
+              <a:buChar char="•"/>
+            </a:pPr>
+            <a:r>
+              <a:rPr lang="en" sz="2400" dirty="0">
                 <a:solidFill>
                   <a:srgbClr val="000000"/>
                 </a:solidFill>
@@ -9517,7 +8187,7 @@
             </a:r>
           </a:p>
           <a:p>
-            <a:pPr indent="-381000" lvl="0" marL="457200" rtl="0">
+            <a:pPr marL="457200" lvl="0" indent="-381000" rtl="0">
               <a:spcBef>
                 <a:spcPts val="0"/>
               </a:spcBef>
@@ -9528,9 +8198,11 @@
                 <a:srgbClr val="000000"/>
               </a:buClr>
               <a:buSzPct val="100000"/>
-            </a:pPr>
-            <a:r>
-              <a:rPr lang="en" sz="2400">
+              <a:buFont typeface="Arial" panose="020B0604020202020204" pitchFamily="34" charset="0"/>
+              <a:buChar char="•"/>
+            </a:pPr>
+            <a:r>
+              <a:rPr lang="en" sz="2400" dirty="0">
                 <a:solidFill>
                   <a:schemeClr val="dk1"/>
                 </a:solidFill>
@@ -9539,7 +8211,7 @@
             </a:r>
           </a:p>
           <a:p>
-            <a:pPr indent="-381000" lvl="0" marL="457200" rtl="0">
+            <a:pPr marL="457200" lvl="0" indent="-381000" rtl="0">
               <a:spcBef>
                 <a:spcPts val="0"/>
               </a:spcBef>
@@ -9547,9 +8219,11 @@
                 <a:srgbClr val="000000"/>
               </a:buClr>
               <a:buSzPct val="100000"/>
-            </a:pPr>
-            <a:r>
-              <a:rPr lang="en" sz="2400">
+              <a:buFont typeface="Arial" panose="020B0604020202020204" pitchFamily="34" charset="0"/>
+              <a:buChar char="•"/>
+            </a:pPr>
+            <a:r>
+              <a:rPr lang="en" sz="2400" dirty="0">
                 <a:solidFill>
                   <a:srgbClr val="000000"/>
                 </a:solidFill>
@@ -9558,7 +8232,7 @@
             </a:r>
           </a:p>
           <a:p>
-            <a:pPr indent="-381000" lvl="0" marL="457200" rtl="0">
+            <a:pPr marL="457200" lvl="0" indent="-381000" rtl="0">
               <a:spcBef>
                 <a:spcPts val="0"/>
               </a:spcBef>
@@ -9569,9 +8243,11 @@
                 <a:srgbClr val="000000"/>
               </a:buClr>
               <a:buSzPct val="100000"/>
-            </a:pPr>
-            <a:r>
-              <a:rPr lang="en" sz="2400">
+              <a:buFont typeface="Arial" panose="020B0604020202020204" pitchFamily="34" charset="0"/>
+              <a:buChar char="•"/>
+            </a:pPr>
+            <a:r>
+              <a:rPr lang="en" sz="2400" dirty="0">
                 <a:solidFill>
                   <a:schemeClr val="dk1"/>
                 </a:solidFill>
@@ -9580,7 +8256,7 @@
             </a:r>
           </a:p>
           <a:p>
-            <a:pPr indent="-381000" lvl="0" marL="457200" rtl="0">
+            <a:pPr marL="457200" lvl="0" indent="-381000" rtl="0">
               <a:spcBef>
                 <a:spcPts val="0"/>
               </a:spcBef>
@@ -9588,9 +8264,11 @@
                 <a:srgbClr val="000000"/>
               </a:buClr>
               <a:buSzPct val="100000"/>
-            </a:pPr>
-            <a:r>
-              <a:rPr lang="en" sz="2400">
+              <a:buFont typeface="Arial" panose="020B0604020202020204" pitchFamily="34" charset="0"/>
+              <a:buChar char="•"/>
+            </a:pPr>
+            <a:r>
+              <a:rPr lang="en" sz="2400" dirty="0">
                 <a:solidFill>
                   <a:srgbClr val="000000"/>
                 </a:solidFill>
@@ -9599,7 +8277,7 @@
             </a:r>
           </a:p>
           <a:p>
-            <a:pPr indent="-381000" lvl="0" marL="457200" rtl="0">
+            <a:pPr marL="457200" lvl="0" indent="-381000" rtl="0">
               <a:spcBef>
                 <a:spcPts val="0"/>
               </a:spcBef>
@@ -9607,9 +8285,11 @@
                 <a:srgbClr val="000000"/>
               </a:buClr>
               <a:buSzPct val="100000"/>
-            </a:pPr>
-            <a:r>
-              <a:rPr lang="en" sz="2400">
+              <a:buFont typeface="Arial" panose="020B0604020202020204" pitchFamily="34" charset="0"/>
+              <a:buChar char="•"/>
+            </a:pPr>
+            <a:r>
+              <a:rPr lang="en" sz="2400" dirty="0">
                 <a:solidFill>
                   <a:srgbClr val="000000"/>
                 </a:solidFill>
@@ -9631,11 +8311,11 @@
 </file>
 
 <file path=ppt/slides/slide6.xml><?xml version="1.0" encoding="utf-8"?>
-<p:sld xmlns:a="http://schemas.openxmlformats.org/drawingml/2006/main" xmlns:r="http://schemas.openxmlformats.org/officeDocument/2006/relationships" xmlns:mc="http://schemas.openxmlformats.org/markup-compatibility/2006" xmlns:mv="urn:schemas-microsoft-com:mac:vml" xmlns:p="http://schemas.openxmlformats.org/presentationml/2006/main" xmlns:c="http://schemas.openxmlformats.org/drawingml/2006/chart" xmlns:dgm="http://schemas.openxmlformats.org/drawingml/2006/diagram" xmlns:o="urn:schemas-microsoft-com:office:office" xmlns:v="urn:schemas-microsoft-com:vml" xmlns:pvml="urn:schemas-microsoft-com:office:powerpoint" xmlns:com="http://schemas.openxmlformats.org/drawingml/2006/compatibility" xmlns:p14="http://schemas.microsoft.com/office/powerpoint/2010/main">
+<p:sld xmlns:a="http://schemas.openxmlformats.org/drawingml/2006/main" xmlns:r="http://schemas.openxmlformats.org/officeDocument/2006/relationships" xmlns:p="http://schemas.openxmlformats.org/presentationml/2006/main">
   <p:cSld>
     <p:spTree>
       <p:nvGrpSpPr>
-        <p:cNvPr id="83" name="Shape 83"/>
+        <p:cNvPr id="1" name="Shape 83"/>
         <p:cNvGrpSpPr/>
         <p:nvPr/>
       </p:nvGrpSpPr>
@@ -9650,7 +8330,9 @@
       <p:sp>
         <p:nvSpPr>
           <p:cNvPr id="84" name="Shape 84"/>
-          <p:cNvSpPr txBox="1"/>
+          <p:cNvSpPr txBox="1">
+            <a:spLocks noGrp="1"/>
+          </p:cNvSpPr>
           <p:nvPr>
             <p:ph type="title"/>
           </p:nvPr>
@@ -9665,7 +8347,7 @@
           </a:prstGeom>
         </p:spPr>
         <p:txBody>
-          <a:bodyPr anchorCtr="0" anchor="t" bIns="91425" lIns="91425" rIns="91425" tIns="91425">
+          <a:bodyPr lIns="91425" tIns="91425" rIns="91425" bIns="91425" anchor="t" anchorCtr="0">
             <a:noAutofit/>
           </a:bodyPr>
           <a:lstStyle/>
@@ -9686,9 +8368,11 @@
       <p:sp>
         <p:nvSpPr>
           <p:cNvPr id="85" name="Shape 85"/>
-          <p:cNvSpPr txBox="1"/>
+          <p:cNvSpPr txBox="1">
+            <a:spLocks noGrp="1"/>
+          </p:cNvSpPr>
           <p:nvPr>
-            <p:ph idx="1" type="body"/>
+            <p:ph type="body" idx="1"/>
           </p:nvPr>
         </p:nvSpPr>
         <p:spPr>
@@ -9701,22 +8385,27 @@
           </a:prstGeom>
         </p:spPr>
         <p:txBody>
-          <a:bodyPr anchorCtr="0" anchor="ctr" bIns="91425" lIns="91425" rIns="91425" tIns="91425">
+          <a:bodyPr lIns="91425" tIns="91425" rIns="91425" bIns="91425" anchor="ctr" anchorCtr="0">
             <a:noAutofit/>
           </a:bodyPr>
           <a:lstStyle/>
           <a:p>
-            <a:pPr indent="-381000" lvl="0" marL="457200" rtl="0">
-              <a:spcBef>
-                <a:spcPts val="0"/>
-              </a:spcBef>
+            <a:pPr marL="457200" lvl="0" indent="-381000" rtl="0">
+              <a:spcBef>
+                <a:spcPts val="0"/>
+              </a:spcBef>
+              <a:spcAft>
+                <a:spcPts val="0"/>
+              </a:spcAft>
               <a:buClr>
                 <a:srgbClr val="000000"/>
               </a:buClr>
               <a:buSzPct val="100000"/>
-            </a:pPr>
-            <a:r>
-              <a:rPr lang="en" sz="2400">
+              <a:buFont typeface="Arial" panose="020B0604020202020204" pitchFamily="34" charset="0"/>
+              <a:buChar char="•"/>
+            </a:pPr>
+            <a:r>
+              <a:rPr lang="en" sz="2400" dirty="0">
                 <a:solidFill>
                   <a:srgbClr val="000000"/>
                 </a:solidFill>
@@ -9725,17 +8414,22 @@
             </a:r>
           </a:p>
           <a:p>
-            <a:pPr indent="-381000" lvl="0" marL="457200" rtl="0">
-              <a:spcBef>
-                <a:spcPts val="0"/>
-              </a:spcBef>
+            <a:pPr marL="457200" lvl="0" indent="-381000" rtl="0">
+              <a:spcBef>
+                <a:spcPts val="0"/>
+              </a:spcBef>
+              <a:spcAft>
+                <a:spcPts val="0"/>
+              </a:spcAft>
               <a:buClr>
                 <a:srgbClr val="000000"/>
               </a:buClr>
               <a:buSzPct val="100000"/>
-            </a:pPr>
-            <a:r>
-              <a:rPr lang="en" sz="2400">
+              <a:buFont typeface="Arial" panose="020B0604020202020204" pitchFamily="34" charset="0"/>
+              <a:buChar char="•"/>
+            </a:pPr>
+            <a:r>
+              <a:rPr lang="en" sz="2400" dirty="0">
                 <a:solidFill>
                   <a:srgbClr val="000000"/>
                 </a:solidFill>
@@ -9744,17 +8438,22 @@
             </a:r>
           </a:p>
           <a:p>
-            <a:pPr indent="-381000" lvl="1" marL="914400" rtl="0">
-              <a:spcBef>
-                <a:spcPts val="0"/>
-              </a:spcBef>
+            <a:pPr marL="914400" lvl="1" indent="-381000" rtl="0">
+              <a:spcBef>
+                <a:spcPts val="0"/>
+              </a:spcBef>
+              <a:spcAft>
+                <a:spcPts val="0"/>
+              </a:spcAft>
               <a:buClr>
                 <a:srgbClr val="000000"/>
               </a:buClr>
               <a:buSzPct val="100000"/>
-            </a:pPr>
-            <a:r>
-              <a:rPr lang="en" sz="2400">
+              <a:buFont typeface="Arial" panose="020B0604020202020204" pitchFamily="34" charset="0"/>
+              <a:buChar char="•"/>
+            </a:pPr>
+            <a:r>
+              <a:rPr lang="en" sz="2400" dirty="0">
                 <a:solidFill>
                   <a:srgbClr val="000000"/>
                 </a:solidFill>
@@ -9762,7 +8461,7 @@
               <a:t>Coding Principles </a:t>
             </a:r>
             <a:r>
-              <a:rPr lang="en">
+              <a:rPr lang="en" dirty="0">
                 <a:solidFill>
                   <a:srgbClr val="000000"/>
                 </a:solidFill>
@@ -9771,82 +8470,138 @@
             </a:r>
           </a:p>
           <a:p>
-            <a:pPr indent="-381000" lvl="1" marL="914400" rtl="0">
-              <a:spcBef>
-                <a:spcPts val="0"/>
-              </a:spcBef>
+            <a:pPr marL="914400" lvl="1" indent="-381000" rtl="0">
+              <a:spcBef>
+                <a:spcPts val="0"/>
+              </a:spcBef>
+              <a:spcAft>
+                <a:spcPts val="0"/>
+              </a:spcAft>
               <a:buClr>
                 <a:srgbClr val="000000"/>
               </a:buClr>
               <a:buSzPct val="100000"/>
-            </a:pPr>
-            <a:r>
-              <a:rPr lang="en" sz="2400">
+              <a:buFont typeface="Arial" panose="020B0604020202020204" pitchFamily="34" charset="0"/>
+              <a:buChar char="•"/>
+            </a:pPr>
+            <a:r>
+              <a:rPr lang="en" sz="2400" dirty="0">
                 <a:solidFill>
                   <a:srgbClr val="000000"/>
                 </a:solidFill>
               </a:rPr>
               <a:t>Design Patterns </a:t>
             </a:r>
-            <a:r>
-              <a:rPr lang="en">
-                <a:solidFill>
-                  <a:srgbClr val="000000"/>
-                </a:solidFill>
-              </a:rPr>
-              <a:t>(ld. később)</a:t>
-            </a:r>
-          </a:p>
-          <a:p>
-            <a:pPr indent="-381000" lvl="0" marL="457200" rtl="0">
-              <a:spcBef>
-                <a:spcPts val="0"/>
-              </a:spcBef>
+            <a:endParaRPr lang="hu-HU" sz="2400" dirty="0" smtClean="0">
+              <a:solidFill>
+                <a:srgbClr val="000000"/>
+              </a:solidFill>
+            </a:endParaRPr>
+          </a:p>
+          <a:p>
+            <a:pPr marL="914400" lvl="1" indent="-381000" rtl="0">
+              <a:spcBef>
+                <a:spcPts val="0"/>
+              </a:spcBef>
+              <a:spcAft>
+                <a:spcPts val="0"/>
+              </a:spcAft>
               <a:buClr>
                 <a:srgbClr val="000000"/>
               </a:buClr>
               <a:buSzPct val="100000"/>
-            </a:pPr>
-            <a:r>
-              <a:rPr lang="en" sz="2400">
+              <a:buFont typeface="Arial" panose="020B0604020202020204" pitchFamily="34" charset="0"/>
+              <a:buChar char="•"/>
+            </a:pPr>
+            <a:r>
+              <a:rPr lang="en" sz="2400" dirty="0" smtClean="0">
                 <a:solidFill>
                   <a:srgbClr val="000000"/>
                 </a:solidFill>
               </a:rPr>
-              <a:t>szinte kötelező olvasmányok: </a:t>
-            </a:r>
-          </a:p>
-          <a:p>
-            <a:pPr indent="-381000" lvl="1" marL="914400" rtl="0">
-              <a:spcBef>
-                <a:spcPts val="0"/>
-              </a:spcBef>
+              <a:t>szinte </a:t>
+            </a:r>
+            <a:r>
+              <a:rPr lang="en" sz="2400" dirty="0">
+                <a:solidFill>
+                  <a:srgbClr val="000000"/>
+                </a:solidFill>
+              </a:rPr>
+              <a:t>kötelező olvasmányok: </a:t>
+            </a:r>
+          </a:p>
+          <a:p>
+            <a:pPr marL="914400" lvl="3" indent="-381000">
+              <a:spcAft>
+                <a:spcPts val="0"/>
+              </a:spcAft>
               <a:buClr>
                 <a:srgbClr val="000000"/>
               </a:buClr>
               <a:buSzPct val="100000"/>
-            </a:pPr>
-            <a:r>
-              <a:rPr b="1" lang="en" sz="2400">
+              <a:buFont typeface="Arial" panose="020B0604020202020204" pitchFamily="34" charset="0"/>
+              <a:buChar char="•"/>
+            </a:pPr>
+            <a:r>
+              <a:rPr lang="en" sz="2400" b="1" dirty="0">
                 <a:solidFill>
                   <a:srgbClr val="000000"/>
                 </a:solidFill>
               </a:rPr>
-              <a:t>Robert C. Martin: Clean code</a:t>
-            </a:r>
-          </a:p>
-          <a:p>
-            <a:pPr indent="-381000" lvl="1" marL="914400">
-              <a:spcBef>
-                <a:spcPts val="0"/>
-              </a:spcBef>
+              <a:t>Robert C. Martin: Clean </a:t>
+            </a:r>
+            <a:r>
+              <a:rPr lang="en" sz="2400" b="1" dirty="0" smtClean="0">
+                <a:solidFill>
+                  <a:srgbClr val="000000"/>
+                </a:solidFill>
+              </a:rPr>
+              <a:t>code</a:t>
+            </a:r>
+            <a:r>
+              <a:rPr lang="hu-HU" sz="2400" b="1" dirty="0" smtClean="0">
+                <a:solidFill>
+                  <a:srgbClr val="000000"/>
+                </a:solidFill>
+              </a:rPr>
+              <a:t> </a:t>
+            </a:r>
+            <a:r>
+              <a:rPr lang="hu-HU" sz="1200" b="1" dirty="0" smtClean="0">
+                <a:solidFill>
+                  <a:srgbClr val="000000"/>
+                </a:solidFill>
+              </a:rPr>
+              <a:t>(https</a:t>
+            </a:r>
+            <a:r>
+              <a:rPr lang="hu-HU" sz="1200" b="1" dirty="0">
+                <a:solidFill>
+                  <a:srgbClr val="000000"/>
+                </a:solidFill>
+              </a:rPr>
+              <a:t>://cleancoders.com/landing)</a:t>
+            </a:r>
+            <a:endParaRPr lang="en" sz="1200" b="1" dirty="0">
+              <a:solidFill>
+                <a:srgbClr val="000000"/>
+              </a:solidFill>
+            </a:endParaRPr>
+          </a:p>
+          <a:p>
+            <a:pPr marL="914400" lvl="3" indent="-381000">
+              <a:spcAft>
+                <a:spcPts val="0"/>
+              </a:spcAft>
               <a:buClr>
                 <a:srgbClr val="000000"/>
               </a:buClr>
               <a:buSzPct val="100000"/>
-            </a:pPr>
-            <a:r>
-              <a:rPr b="1" lang="en" sz="2400">
+              <a:buFont typeface="Arial" panose="020B0604020202020204" pitchFamily="34" charset="0"/>
+              <a:buChar char="•"/>
+            </a:pPr>
+            <a:r>
+              <a:rPr lang="en" sz="2400" b="1" dirty="0">
                 <a:solidFill>
                   <a:srgbClr val="000000"/>
                 </a:solidFill>
@@ -9868,11 +8623,11 @@
 </file>
 
 <file path=ppt/slides/slide7.xml><?xml version="1.0" encoding="utf-8"?>
-<p:sld xmlns:a="http://schemas.openxmlformats.org/drawingml/2006/main" xmlns:r="http://schemas.openxmlformats.org/officeDocument/2006/relationships" xmlns:mc="http://schemas.openxmlformats.org/markup-compatibility/2006" xmlns:mv="urn:schemas-microsoft-com:mac:vml" xmlns:p="http://schemas.openxmlformats.org/presentationml/2006/main" xmlns:c="http://schemas.openxmlformats.org/drawingml/2006/chart" xmlns:dgm="http://schemas.openxmlformats.org/drawingml/2006/diagram" xmlns:o="urn:schemas-microsoft-com:office:office" xmlns:v="urn:schemas-microsoft-com:vml" xmlns:pvml="urn:schemas-microsoft-com:office:powerpoint" xmlns:com="http://schemas.openxmlformats.org/drawingml/2006/compatibility" xmlns:p14="http://schemas.microsoft.com/office/powerpoint/2010/main">
+<p:sld xmlns:a="http://schemas.openxmlformats.org/drawingml/2006/main" xmlns:r="http://schemas.openxmlformats.org/officeDocument/2006/relationships" xmlns:p="http://schemas.openxmlformats.org/presentationml/2006/main">
   <p:cSld>
     <p:spTree>
       <p:nvGrpSpPr>
-        <p:cNvPr id="89" name="Shape 89"/>
+        <p:cNvPr id="1" name="Shape 89"/>
         <p:cNvGrpSpPr/>
         <p:nvPr/>
       </p:nvGrpSpPr>
@@ -9915,7 +8670,9 @@
       <p:sp>
         <p:nvSpPr>
           <p:cNvPr id="91" name="Shape 91"/>
-          <p:cNvSpPr txBox="1"/>
+          <p:cNvSpPr txBox="1">
+            <a:spLocks noGrp="1"/>
+          </p:cNvSpPr>
           <p:nvPr>
             <p:ph type="title"/>
           </p:nvPr>
@@ -9930,7 +8687,7 @@
           </a:prstGeom>
         </p:spPr>
         <p:txBody>
-          <a:bodyPr anchorCtr="0" anchor="ctr" bIns="91425" lIns="91425" rIns="91425" tIns="91425">
+          <a:bodyPr lIns="91425" tIns="91425" rIns="91425" bIns="91425" anchor="ctr" anchorCtr="0">
             <a:noAutofit/>
           </a:bodyPr>
           <a:lstStyle/>
@@ -9984,11 +8741,11 @@
 </file>
 
 <file path=ppt/slides/slide8.xml><?xml version="1.0" encoding="utf-8"?>
-<p:sld xmlns:a="http://schemas.openxmlformats.org/drawingml/2006/main" xmlns:r="http://schemas.openxmlformats.org/officeDocument/2006/relationships" xmlns:mc="http://schemas.openxmlformats.org/markup-compatibility/2006" xmlns:mv="urn:schemas-microsoft-com:mac:vml" xmlns:p="http://schemas.openxmlformats.org/presentationml/2006/main" xmlns:c="http://schemas.openxmlformats.org/drawingml/2006/chart" xmlns:dgm="http://schemas.openxmlformats.org/drawingml/2006/diagram" xmlns:o="urn:schemas-microsoft-com:office:office" xmlns:v="urn:schemas-microsoft-com:vml" xmlns:pvml="urn:schemas-microsoft-com:office:powerpoint" xmlns:com="http://schemas.openxmlformats.org/drawingml/2006/compatibility" xmlns:p14="http://schemas.microsoft.com/office/powerpoint/2010/main">
+<p:sld xmlns:a="http://schemas.openxmlformats.org/drawingml/2006/main" xmlns:r="http://schemas.openxmlformats.org/officeDocument/2006/relationships" xmlns:p="http://schemas.openxmlformats.org/presentationml/2006/main">
   <p:cSld>
     <p:spTree>
       <p:nvGrpSpPr>
-        <p:cNvPr id="95" name="Shape 95"/>
+        <p:cNvPr id="1" name="Shape 95"/>
         <p:cNvGrpSpPr/>
         <p:nvPr/>
       </p:nvGrpSpPr>
@@ -10022,7 +8779,7 @@
           </a:ln>
         </p:spPr>
         <p:txBody>
-          <a:bodyPr anchorCtr="0" anchor="b" bIns="91425" lIns="91425" rIns="91425" tIns="91425">
+          <a:bodyPr lIns="91425" tIns="91425" rIns="91425" bIns="91425" anchor="b" anchorCtr="0">
             <a:noAutofit/>
           </a:bodyPr>
           <a:lstStyle/>
@@ -10066,7 +8823,7 @@
           </a:ln>
         </p:spPr>
         <p:txBody>
-          <a:bodyPr anchorCtr="0" anchor="b" bIns="91425" lIns="91425" rIns="91425" tIns="91425">
+          <a:bodyPr lIns="91425" tIns="91425" rIns="91425" bIns="91425" anchor="b" anchorCtr="0">
             <a:noAutofit/>
           </a:bodyPr>
           <a:lstStyle/>
@@ -10110,7 +8867,7 @@
           </a:ln>
         </p:spPr>
         <p:txBody>
-          <a:bodyPr anchorCtr="0" anchor="b" bIns="91425" lIns="91425" rIns="91425" tIns="91425">
+          <a:bodyPr lIns="91425" tIns="91425" rIns="91425" bIns="91425" anchor="b" anchorCtr="0">
             <a:noAutofit/>
           </a:bodyPr>
           <a:lstStyle/>
@@ -10154,12 +8911,12 @@
           </a:ln>
         </p:spPr>
         <p:txBody>
-          <a:bodyPr anchorCtr="0" anchor="b" bIns="91425" lIns="91425" rIns="91425" tIns="91425">
+          <a:bodyPr lIns="91425" tIns="91425" rIns="91425" bIns="91425" anchor="b" anchorCtr="0">
             <a:noAutofit/>
           </a:bodyPr>
           <a:lstStyle/>
           <a:p>
-            <a:pPr lvl="0" rtl="0" algn="ctr">
+            <a:pPr lvl="0" algn="ctr" rtl="0">
               <a:spcBef>
                 <a:spcPts val="0"/>
               </a:spcBef>
@@ -10185,9 +8942,6 @@
               </a:spcBef>
               <a:buNone/>
             </a:pPr>
-            <a:r>
-              <a:t/>
-            </a:r>
             <a:endParaRPr>
               <a:solidFill>
                 <a:srgbClr val="CFE2F3"/>
@@ -10208,11 +8962,11 @@
 </file>
 
 <file path=ppt/slides/slide9.xml><?xml version="1.0" encoding="utf-8"?>
-<p:sld xmlns:a="http://schemas.openxmlformats.org/drawingml/2006/main" xmlns:r="http://schemas.openxmlformats.org/officeDocument/2006/relationships" xmlns:mc="http://schemas.openxmlformats.org/markup-compatibility/2006" xmlns:mv="urn:schemas-microsoft-com:mac:vml" xmlns:p="http://schemas.openxmlformats.org/presentationml/2006/main" xmlns:c="http://schemas.openxmlformats.org/drawingml/2006/chart" xmlns:dgm="http://schemas.openxmlformats.org/drawingml/2006/diagram" xmlns:o="urn:schemas-microsoft-com:office:office" xmlns:v="urn:schemas-microsoft-com:vml" xmlns:pvml="urn:schemas-microsoft-com:office:powerpoint" xmlns:com="http://schemas.openxmlformats.org/drawingml/2006/compatibility" xmlns:p14="http://schemas.microsoft.com/office/powerpoint/2010/main">
+<p:sld xmlns:a="http://schemas.openxmlformats.org/drawingml/2006/main" xmlns:r="http://schemas.openxmlformats.org/officeDocument/2006/relationships" xmlns:p="http://schemas.openxmlformats.org/presentationml/2006/main">
   <p:cSld>
     <p:spTree>
       <p:nvGrpSpPr>
-        <p:cNvPr id="103" name="Shape 103"/>
+        <p:cNvPr id="1" name="Shape 103"/>
         <p:cNvGrpSpPr/>
         <p:nvPr/>
       </p:nvGrpSpPr>
@@ -10227,9 +8981,11 @@
       <p:sp>
         <p:nvSpPr>
           <p:cNvPr id="104" name="Shape 104"/>
-          <p:cNvSpPr txBox="1"/>
+          <p:cNvSpPr txBox="1">
+            <a:spLocks noGrp="1"/>
+          </p:cNvSpPr>
           <p:nvPr>
-            <p:ph idx="1" type="body"/>
+            <p:ph type="body" idx="1"/>
           </p:nvPr>
         </p:nvSpPr>
         <p:spPr>
@@ -10242,7 +8998,7 @@
           </a:prstGeom>
         </p:spPr>
         <p:txBody>
-          <a:bodyPr anchorCtr="0" anchor="b" bIns="91425" lIns="91425" rIns="91425" tIns="91425">
+          <a:bodyPr lIns="91425" tIns="91425" rIns="91425" bIns="91425" anchor="b" anchorCtr="0">
             <a:noAutofit/>
           </a:bodyPr>
           <a:lstStyle/>
@@ -10262,7 +9018,7 @@
               <a:buNone/>
             </a:pPr>
             <a:r>
-              <a:rPr b="1" lang="en">
+              <a:rPr lang="en" b="1">
                 <a:latin typeface="Courier New"/>
                 <a:ea typeface="Courier New"/>
                 <a:cs typeface="Courier New"/>
@@ -10284,7 +9040,7 @@
               <a:buNone/>
             </a:pPr>
             <a:r>
-              <a:rPr b="1" lang="en">
+              <a:rPr lang="en" b="1">
                 <a:latin typeface="Courier New"/>
                 <a:ea typeface="Courier New"/>
                 <a:cs typeface="Courier New"/>
@@ -10306,7 +9062,7 @@
               <a:buNone/>
             </a:pPr>
             <a:r>
-              <a:rPr b="1" lang="en">
+              <a:rPr lang="en" b="1">
                 <a:latin typeface="Courier New"/>
                 <a:ea typeface="Courier New"/>
                 <a:cs typeface="Courier New"/>
@@ -10316,7 +9072,7 @@
             </a:r>
           </a:p>
           <a:p>
-            <a:pPr indent="-69850" lvl="0" marL="457200" rtl="0">
+            <a:pPr marL="457200" lvl="0" indent="-69850" rtl="0">
               <a:spcBef>
                 <a:spcPts val="0"/>
               </a:spcBef>
@@ -10328,7 +9084,7 @@
               <a:buNone/>
             </a:pPr>
             <a:r>
-              <a:rPr b="1" lang="en">
+              <a:rPr lang="en" b="1">
                 <a:latin typeface="Courier New"/>
                 <a:ea typeface="Courier New"/>
                 <a:cs typeface="Courier New"/>
@@ -10338,7 +9094,7 @@
             </a:r>
           </a:p>
           <a:p>
-            <a:pPr indent="-69850" lvl="0" marL="457200" rtl="0">
+            <a:pPr marL="457200" lvl="0" indent="-69850" rtl="0">
               <a:spcBef>
                 <a:spcPts val="0"/>
               </a:spcBef>
@@ -10350,7 +9106,7 @@
               <a:buNone/>
             </a:pPr>
             <a:r>
-              <a:rPr b="1" lang="en">
+              <a:rPr lang="en" b="1">
                 <a:latin typeface="Courier New"/>
                 <a:ea typeface="Courier New"/>
                 <a:cs typeface="Courier New"/>
@@ -10372,7 +9128,7 @@
               <a:buNone/>
             </a:pPr>
             <a:r>
-              <a:rPr b="1" lang="en">
+              <a:rPr lang="en" b="1">
                 <a:latin typeface="Courier New"/>
                 <a:ea typeface="Courier New"/>
                 <a:cs typeface="Courier New"/>
@@ -10389,7 +9145,7 @@
               <a:buNone/>
             </a:pPr>
             <a:r>
-              <a:rPr b="1" lang="en">
+              <a:rPr lang="en" b="1">
                 <a:latin typeface="Courier New"/>
                 <a:ea typeface="Courier New"/>
                 <a:cs typeface="Courier New"/>
@@ -10420,7 +9176,7 @@
           </a:ln>
         </p:spPr>
         <p:txBody>
-          <a:bodyPr anchorCtr="0" anchor="b" bIns="91425" lIns="91425" rIns="91425" tIns="91425">
+          <a:bodyPr lIns="91425" tIns="91425" rIns="91425" bIns="91425" anchor="b" anchorCtr="0">
             <a:noAutofit/>
           </a:bodyPr>
           <a:lstStyle/>
@@ -10432,7 +9188,7 @@
               <a:buNone/>
             </a:pPr>
             <a:r>
-              <a:rPr b="1" lang="en" sz="1800">
+              <a:rPr lang="en" sz="1800" b="1">
                 <a:latin typeface="Courier New"/>
                 <a:ea typeface="Courier New"/>
                 <a:cs typeface="Courier New"/>
@@ -10442,14 +9198,14 @@
             </a:r>
           </a:p>
           <a:p>
-            <a:pPr indent="457200" lvl="0" rtl="0">
-              <a:spcBef>
-                <a:spcPts val="0"/>
-              </a:spcBef>
-              <a:buNone/>
-            </a:pPr>
-            <a:r>
-              <a:rPr b="1" lang="en" sz="1800">
+            <a:pPr lvl="0" indent="457200" rtl="0">
+              <a:spcBef>
+                <a:spcPts val="0"/>
+              </a:spcBef>
+              <a:buNone/>
+            </a:pPr>
+            <a:r>
+              <a:rPr lang="en" sz="1800" b="1">
                 <a:latin typeface="Courier New"/>
                 <a:ea typeface="Courier New"/>
                 <a:cs typeface="Courier New"/>
@@ -10469,10 +9225,7 @@
               <a:buFont typeface="Arial"/>
               <a:buNone/>
             </a:pPr>
-            <a:r>
-              <a:t/>
-            </a:r>
-            <a:endParaRPr b="1" sz="1800">
+            <a:endParaRPr sz="1800" b="1">
               <a:latin typeface="Courier New"/>
               <a:ea typeface="Courier New"/>
               <a:cs typeface="Courier New"/>
@@ -10487,7 +9240,7 @@
               <a:buNone/>
             </a:pPr>
             <a:r>
-              <a:rPr b="1" lang="en" sz="1800">
+              <a:rPr lang="en" sz="1800" b="1">
                 <a:latin typeface="Courier New"/>
                 <a:ea typeface="Courier New"/>
                 <a:cs typeface="Courier New"/>
@@ -10507,10 +9260,7 @@
               <a:buFont typeface="Arial"/>
               <a:buNone/>
             </a:pPr>
-            <a:r>
-              <a:t/>
-            </a:r>
-            <a:endParaRPr b="1" sz="1800">
+            <a:endParaRPr sz="1800" b="1">
               <a:latin typeface="Courier New"/>
               <a:ea typeface="Courier New"/>
               <a:cs typeface="Courier New"/>
@@ -10525,7 +9275,7 @@
               <a:buNone/>
             </a:pPr>
             <a:r>
-              <a:rPr b="1" lang="en" sz="1800">
+              <a:rPr lang="en" sz="1800" b="1">
                 <a:latin typeface="Courier New"/>
                 <a:ea typeface="Courier New"/>
                 <a:cs typeface="Courier New"/>
@@ -10545,10 +9295,7 @@
               <a:buFont typeface="Arial"/>
               <a:buNone/>
             </a:pPr>
-            <a:r>
-              <a:t/>
-            </a:r>
-            <a:endParaRPr b="1" sz="1800">
+            <a:endParaRPr sz="1800" b="1">
               <a:latin typeface="Courier New"/>
               <a:ea typeface="Courier New"/>
               <a:cs typeface="Courier New"/>
@@ -10556,14 +9303,14 @@
             </a:endParaRPr>
           </a:p>
           <a:p>
-            <a:pPr indent="0" lvl="0" marL="457200" rtl="0">
-              <a:spcBef>
-                <a:spcPts val="0"/>
-              </a:spcBef>
-              <a:buNone/>
-            </a:pPr>
-            <a:r>
-              <a:rPr b="1" lang="en" sz="1800">
+            <a:pPr marL="457200" lvl="0" indent="0" rtl="0">
+              <a:spcBef>
+                <a:spcPts val="0"/>
+              </a:spcBef>
+              <a:buNone/>
+            </a:pPr>
+            <a:r>
+              <a:rPr lang="en" sz="1800" b="1">
                 <a:latin typeface="Courier New"/>
                 <a:ea typeface="Courier New"/>
                 <a:cs typeface="Courier New"/>
@@ -10573,14 +9320,14 @@
             </a:r>
           </a:p>
           <a:p>
-            <a:pPr indent="0" lvl="0" marL="914400" rtl="0">
-              <a:spcBef>
-                <a:spcPts val="0"/>
-              </a:spcBef>
-              <a:buNone/>
-            </a:pPr>
-            <a:r>
-              <a:rPr b="1" lang="en" sz="1800">
+            <a:pPr marL="914400" lvl="0" indent="0" rtl="0">
+              <a:spcBef>
+                <a:spcPts val="0"/>
+              </a:spcBef>
+              <a:buNone/>
+            </a:pPr>
+            <a:r>
+              <a:rPr lang="en" sz="1800" b="1">
                 <a:latin typeface="Courier New"/>
                 <a:ea typeface="Courier New"/>
                 <a:cs typeface="Courier New"/>
@@ -10590,7 +9337,7 @@
             </a:r>
           </a:p>
           <a:p>
-            <a:pPr indent="-69850" lvl="0" marL="457200" rtl="0">
+            <a:pPr marL="457200" lvl="0" indent="-69850" rtl="0">
               <a:spcBef>
                 <a:spcPts val="0"/>
               </a:spcBef>
@@ -10600,10 +9347,7 @@
               <a:buFont typeface="Arial"/>
               <a:buNone/>
             </a:pPr>
-            <a:r>
-              <a:t/>
-            </a:r>
-            <a:endParaRPr b="1" sz="1800">
+            <a:endParaRPr sz="1800" b="1">
               <a:latin typeface="Courier New"/>
               <a:ea typeface="Courier New"/>
               <a:cs typeface="Courier New"/>
@@ -10611,14 +9355,14 @@
             </a:endParaRPr>
           </a:p>
           <a:p>
-            <a:pPr indent="457200" lvl="0" marL="457200" rtl="0">
-              <a:spcBef>
-                <a:spcPts val="0"/>
-              </a:spcBef>
-              <a:buNone/>
-            </a:pPr>
-            <a:r>
-              <a:rPr b="1" lang="en" sz="1800">
+            <a:pPr marL="457200" lvl="0" indent="457200" rtl="0">
+              <a:spcBef>
+                <a:spcPts val="0"/>
+              </a:spcBef>
+              <a:buNone/>
+            </a:pPr>
+            <a:r>
+              <a:rPr lang="en" sz="1800" b="1">
                 <a:latin typeface="Courier New"/>
                 <a:ea typeface="Courier New"/>
                 <a:cs typeface="Courier New"/>
@@ -10638,10 +9382,7 @@
               <a:buFont typeface="Arial"/>
               <a:buNone/>
             </a:pPr>
-            <a:r>
-              <a:t/>
-            </a:r>
-            <a:endParaRPr b="1" sz="1800">
+            <a:endParaRPr sz="1800" b="1">
               <a:latin typeface="Courier New"/>
               <a:ea typeface="Courier New"/>
               <a:cs typeface="Courier New"/>
@@ -10661,7 +9402,7 @@
               <a:buNone/>
             </a:pPr>
             <a:r>
-              <a:rPr b="1" lang="en" sz="1800">
+              <a:rPr lang="en" sz="1800" b="1">
                 <a:latin typeface="Courier New"/>
                 <a:ea typeface="Courier New"/>
                 <a:cs typeface="Courier New"/>
@@ -10678,7 +9419,7 @@
               <a:buNone/>
             </a:pPr>
             <a:r>
-              <a:rPr b="1" lang="en" sz="1800">
+              <a:rPr lang="en" sz="1800" b="1">
                 <a:latin typeface="Courier New"/>
                 <a:ea typeface="Courier New"/>
                 <a:cs typeface="Courier New"/>
@@ -10704,21 +9445,23 @@
             <a:avLst/>
           </a:prstGeom>
           <a:noFill/>
-          <a:ln cap="flat" cmpd="sng" w="38100">
+          <a:ln w="38100" cap="flat" cmpd="sng">
             <a:solidFill>
               <a:srgbClr val="000000"/>
             </a:solidFill>
             <a:prstDash val="solid"/>
             <a:round/>
-            <a:headEnd len="lg" w="lg" type="none"/>
-            <a:tailEnd len="lg" w="lg" type="none"/>
+            <a:headEnd type="none" w="lg" len="lg"/>
+            <a:tailEnd type="none" w="lg" len="lg"/>
           </a:ln>
         </p:spPr>
       </p:cxnSp>
       <p:sp>
         <p:nvSpPr>
           <p:cNvPr id="107" name="Shape 107"/>
-          <p:cNvSpPr txBox="1"/>
+          <p:cNvSpPr txBox="1">
+            <a:spLocks noGrp="1"/>
+          </p:cNvSpPr>
           <p:nvPr>
             <p:ph type="title"/>
           </p:nvPr>
@@ -10733,12 +9476,12 @@
           </a:prstGeom>
         </p:spPr>
         <p:txBody>
-          <a:bodyPr anchorCtr="0" anchor="t" bIns="91425" lIns="91425" rIns="91425" tIns="91425">
+          <a:bodyPr lIns="91425" tIns="91425" rIns="91425" bIns="91425" anchor="t" anchorCtr="0">
             <a:noAutofit/>
           </a:bodyPr>
           <a:lstStyle/>
           <a:p>
-            <a:pPr lvl="0" rtl="0" algn="ctr">
+            <a:pPr lvl="0" algn="ctr" rtl="0">
               <a:spcBef>
                 <a:spcPts val="0"/>
               </a:spcBef>
@@ -10758,7 +9501,7 @@
           <p:nvPr/>
         </p:nvCxnSpPr>
         <p:spPr>
-          <a:xfrm flipH="1" rot="10800000">
+          <a:xfrm rot="10800000" flipH="1">
             <a:off x="-10075" y="583700"/>
             <a:ext cx="9159600" cy="30299"/>
           </a:xfrm>
@@ -10766,14 +9509,14 @@
             <a:avLst/>
           </a:prstGeom>
           <a:noFill/>
-          <a:ln cap="flat" cmpd="sng" w="38100">
+          <a:ln w="38100" cap="flat" cmpd="sng">
             <a:solidFill>
               <a:srgbClr val="000000"/>
             </a:solidFill>
             <a:prstDash val="solid"/>
             <a:round/>
-            <a:headEnd len="lg" w="lg" type="none"/>
-            <a:tailEnd len="lg" w="lg" type="none"/>
+            <a:headEnd type="none" w="lg" len="lg"/>
+            <a:tailEnd type="none" w="lg" len="lg"/>
           </a:ln>
         </p:spPr>
       </p:cxnSp>
@@ -10789,7 +9532,7 @@
 </file>
 
 <file path=ppt/theme/theme1.xml><?xml version="1.0" encoding="utf-8"?>
-<a:theme xmlns:a="http://schemas.openxmlformats.org/drawingml/2006/main" xmlns:r="http://schemas.openxmlformats.org/officeDocument/2006/relationships" name="simple-light-2">
+<a:theme xmlns:a="http://schemas.openxmlformats.org/drawingml/2006/main" name="simple-light-2">
   <a:themeElements>
     <a:clrScheme name="Simple Light">
       <a:dk1>
@@ -11064,11 +9807,13 @@
       </a:bgFillStyleLst>
     </a:fmtScheme>
   </a:themeElements>
+  <a:objectDefaults/>
+  <a:extraClrSchemeLst/>
 </a:theme>
 </file>
 
 <file path=ppt/theme/theme2.xml><?xml version="1.0" encoding="utf-8"?>
-<a:theme xmlns:a="http://schemas.openxmlformats.org/drawingml/2006/main" xmlns:r="http://schemas.openxmlformats.org/officeDocument/2006/relationships" name="Custom Theme">
+<a:theme xmlns:a="http://schemas.openxmlformats.org/drawingml/2006/main" name="Custom Theme">
   <a:themeElements>
     <a:clrScheme name="Default">
       <a:dk1>
@@ -11343,5 +10088,7 @@
       </a:bgFillStyleLst>
     </a:fmtScheme>
   </a:themeElements>
+  <a:objectDefaults/>
+  <a:extraClrSchemeLst/>
 </a:theme>
 </file>
--- a/slideshows/grafreprezentacio.pptx
+++ b/slideshows/grafreprezentacio.pptx
@@ -5,7 +5,7 @@
     <p:sldMasterId id="2147483659" r:id="rId1"/>
   </p:sldMasterIdLst>
   <p:notesMasterIdLst>
-    <p:notesMasterId r:id="rId18"/>
+    <p:notesMasterId r:id="rId21"/>
   </p:notesMasterIdLst>
   <p:sldIdLst>
     <p:sldId id="256" r:id="rId2"/>
@@ -19,11 +19,14 @@
     <p:sldId id="264" r:id="rId10"/>
     <p:sldId id="265" r:id="rId11"/>
     <p:sldId id="266" r:id="rId12"/>
-    <p:sldId id="269" r:id="rId13"/>
-    <p:sldId id="270" r:id="rId14"/>
-    <p:sldId id="271" r:id="rId15"/>
-    <p:sldId id="272" r:id="rId16"/>
-    <p:sldId id="273" r:id="rId17"/>
+    <p:sldId id="274" r:id="rId13"/>
+    <p:sldId id="275" r:id="rId14"/>
+    <p:sldId id="276" r:id="rId15"/>
+    <p:sldId id="269" r:id="rId16"/>
+    <p:sldId id="270" r:id="rId17"/>
+    <p:sldId id="271" r:id="rId18"/>
+    <p:sldId id="272" r:id="rId19"/>
+    <p:sldId id="273" r:id="rId20"/>
   </p:sldIdLst>
   <p:sldSz cx="9144000" cy="5143500" type="screen16x9"/>
   <p:notesSz cx="6858000" cy="9144000"/>
@@ -231,7 +234,7 @@
   </p:defaultTextStyle>
   <p:extLst>
     <p:ext uri="{EFAFB233-063F-42B5-8137-9DF3F51BA10A}">
-      <p15:sldGuideLst xmlns:p15="http://schemas.microsoft.com/office/powerpoint/2012/main"/>
+      <p15:sldGuideLst xmlns:p15="http://schemas.microsoft.com/office/powerpoint/2012/main" xmlns=""/>
     </p:ext>
   </p:extLst>
 </p:presentation>
@@ -399,7 +402,7 @@
     </p:spTree>
     <p:extLst>
       <p:ext uri="{BB962C8B-B14F-4D97-AF65-F5344CB8AC3E}">
-        <p14:creationId xmlns:p14="http://schemas.microsoft.com/office/powerpoint/2010/main" val="4240770709"/>
+        <p14:creationId xmlns:p14="http://schemas.microsoft.com/office/powerpoint/2010/main" xmlns="" val="4240770709"/>
       </p:ext>
     </p:extLst>
   </p:cSld>
@@ -595,7 +598,7 @@
     </p:spTree>
     <p:extLst>
       <p:ext uri="{BB962C8B-B14F-4D97-AF65-F5344CB8AC3E}">
-        <p14:creationId xmlns:p14="http://schemas.microsoft.com/office/powerpoint/2010/main" val="4270500881"/>
+        <p14:creationId xmlns:p14="http://schemas.microsoft.com/office/powerpoint/2010/main" xmlns="" val="4270500881"/>
       </p:ext>
     </p:extLst>
   </p:cSld>
@@ -701,7 +704,7 @@
     </p:spTree>
     <p:extLst>
       <p:ext uri="{BB962C8B-B14F-4D97-AF65-F5344CB8AC3E}">
-        <p14:creationId xmlns:p14="http://schemas.microsoft.com/office/powerpoint/2010/main" val="1686389411"/>
+        <p14:creationId xmlns:p14="http://schemas.microsoft.com/office/powerpoint/2010/main" xmlns="" val="1686389411"/>
       </p:ext>
     </p:extLst>
   </p:cSld>
@@ -807,7 +810,7 @@
     </p:spTree>
     <p:extLst>
       <p:ext uri="{BB962C8B-B14F-4D97-AF65-F5344CB8AC3E}">
-        <p14:creationId xmlns:p14="http://schemas.microsoft.com/office/powerpoint/2010/main" val="2075670317"/>
+        <p14:creationId xmlns:p14="http://schemas.microsoft.com/office/powerpoint/2010/main" xmlns="" val="2075670317"/>
       </p:ext>
     </p:extLst>
   </p:cSld>
@@ -818,6 +821,218 @@
 </file>
 
 <file path=ppt/notesSlides/notesSlide12.xml><?xml version="1.0" encoding="utf-8"?>
+<p:notes xmlns:a="http://schemas.openxmlformats.org/drawingml/2006/main" xmlns:r="http://schemas.openxmlformats.org/officeDocument/2006/relationships" xmlns:p="http://schemas.openxmlformats.org/presentationml/2006/main" showMasterSp="0" showMasterPhAnim="0">
+  <p:cSld>
+    <p:spTree>
+      <p:nvGrpSpPr>
+        <p:cNvPr id="1" name="Shape 63"/>
+        <p:cNvGrpSpPr/>
+        <p:nvPr/>
+      </p:nvGrpSpPr>
+      <p:grpSpPr>
+        <a:xfrm>
+          <a:off x="0" y="0"/>
+          <a:ext cx="0" cy="0"/>
+          <a:chOff x="0" y="0"/>
+          <a:chExt cx="0" cy="0"/>
+        </a:xfrm>
+      </p:grpSpPr>
+      <p:sp>
+        <p:nvSpPr>
+          <p:cNvPr id="64" name="Shape 64"/>
+          <p:cNvSpPr>
+            <a:spLocks noGrp="1" noRot="1" noChangeAspect="1"/>
+          </p:cNvSpPr>
+          <p:nvPr>
+            <p:ph type="sldImg" idx="2"/>
+          </p:nvPr>
+        </p:nvSpPr>
+        <p:spPr>
+          <a:xfrm>
+            <a:off x="381000" y="685800"/>
+            <a:ext cx="6096000" cy="3429000"/>
+          </a:xfrm>
+          <a:custGeom>
+            <a:avLst/>
+            <a:gdLst/>
+            <a:ahLst/>
+            <a:cxnLst/>
+            <a:rect l="0" t="0" r="0" b="0"/>
+            <a:pathLst>
+              <a:path w="120000" h="120000" extrusionOk="0">
+                <a:moveTo>
+                  <a:pt x="0" y="0"/>
+                </a:moveTo>
+                <a:lnTo>
+                  <a:pt x="120000" y="0"/>
+                </a:lnTo>
+                <a:lnTo>
+                  <a:pt x="120000" y="120000"/>
+                </a:lnTo>
+                <a:lnTo>
+                  <a:pt x="0" y="120000"/>
+                </a:lnTo>
+                <a:close/>
+              </a:path>
+            </a:pathLst>
+          </a:custGeom>
+        </p:spPr>
+      </p:sp>
+      <p:sp>
+        <p:nvSpPr>
+          <p:cNvPr id="65" name="Shape 65"/>
+          <p:cNvSpPr txBox="1">
+            <a:spLocks noGrp="1"/>
+          </p:cNvSpPr>
+          <p:nvPr>
+            <p:ph type="body" idx="1"/>
+          </p:nvPr>
+        </p:nvSpPr>
+        <p:spPr>
+          <a:xfrm>
+            <a:off x="685800" y="4343400"/>
+            <a:ext cx="5486399" cy="4114800"/>
+          </a:xfrm>
+          <a:prstGeom prst="rect">
+            <a:avLst/>
+          </a:prstGeom>
+        </p:spPr>
+        <p:txBody>
+          <a:bodyPr lIns="91425" tIns="91425" rIns="91425" bIns="91425" anchor="t" anchorCtr="0">
+            <a:noAutofit/>
+          </a:bodyPr>
+          <a:lstStyle/>
+          <a:p>
+            <a:pPr lvl="0">
+              <a:spcBef>
+                <a:spcPts val="0"/>
+              </a:spcBef>
+              <a:buNone/>
+            </a:pPr>
+            <a:endParaRPr/>
+          </a:p>
+        </p:txBody>
+      </p:sp>
+    </p:spTree>
+    <p:extLst>
+      <p:ext uri="{BB962C8B-B14F-4D97-AF65-F5344CB8AC3E}">
+        <p14:creationId xmlns="" xmlns:p14="http://schemas.microsoft.com/office/powerpoint/2010/main" val="807925529"/>
+      </p:ext>
+    </p:extLst>
+  </p:cSld>
+  <p:clrMapOvr>
+    <a:masterClrMapping/>
+  </p:clrMapOvr>
+</p:notes>
+</file>
+
+<file path=ppt/notesSlides/notesSlide13.xml><?xml version="1.0" encoding="utf-8"?>
+<p:notes xmlns:a="http://schemas.openxmlformats.org/drawingml/2006/main" xmlns:r="http://schemas.openxmlformats.org/officeDocument/2006/relationships" xmlns:p="http://schemas.openxmlformats.org/presentationml/2006/main" showMasterSp="0" showMasterPhAnim="0">
+  <p:cSld>
+    <p:spTree>
+      <p:nvGrpSpPr>
+        <p:cNvPr id="1" name="Shape 69"/>
+        <p:cNvGrpSpPr/>
+        <p:nvPr/>
+      </p:nvGrpSpPr>
+      <p:grpSpPr>
+        <a:xfrm>
+          <a:off x="0" y="0"/>
+          <a:ext cx="0" cy="0"/>
+          <a:chOff x="0" y="0"/>
+          <a:chExt cx="0" cy="0"/>
+        </a:xfrm>
+      </p:grpSpPr>
+      <p:sp>
+        <p:nvSpPr>
+          <p:cNvPr id="70" name="Shape 70"/>
+          <p:cNvSpPr>
+            <a:spLocks noGrp="1" noRot="1" noChangeAspect="1"/>
+          </p:cNvSpPr>
+          <p:nvPr>
+            <p:ph type="sldImg" idx="2"/>
+          </p:nvPr>
+        </p:nvSpPr>
+        <p:spPr>
+          <a:xfrm>
+            <a:off x="381000" y="685800"/>
+            <a:ext cx="6096000" cy="3429000"/>
+          </a:xfrm>
+          <a:custGeom>
+            <a:avLst/>
+            <a:gdLst/>
+            <a:ahLst/>
+            <a:cxnLst/>
+            <a:rect l="0" t="0" r="0" b="0"/>
+            <a:pathLst>
+              <a:path w="120000" h="120000" extrusionOk="0">
+                <a:moveTo>
+                  <a:pt x="0" y="0"/>
+                </a:moveTo>
+                <a:lnTo>
+                  <a:pt x="120000" y="0"/>
+                </a:lnTo>
+                <a:lnTo>
+                  <a:pt x="120000" y="120000"/>
+                </a:lnTo>
+                <a:lnTo>
+                  <a:pt x="0" y="120000"/>
+                </a:lnTo>
+                <a:close/>
+              </a:path>
+            </a:pathLst>
+          </a:custGeom>
+        </p:spPr>
+      </p:sp>
+      <p:sp>
+        <p:nvSpPr>
+          <p:cNvPr id="71" name="Shape 71"/>
+          <p:cNvSpPr txBox="1">
+            <a:spLocks noGrp="1"/>
+          </p:cNvSpPr>
+          <p:nvPr>
+            <p:ph type="body" idx="1"/>
+          </p:nvPr>
+        </p:nvSpPr>
+        <p:spPr>
+          <a:xfrm>
+            <a:off x="685800" y="4343400"/>
+            <a:ext cx="5486399" cy="4114800"/>
+          </a:xfrm>
+          <a:prstGeom prst="rect">
+            <a:avLst/>
+          </a:prstGeom>
+        </p:spPr>
+        <p:txBody>
+          <a:bodyPr lIns="91425" tIns="91425" rIns="91425" bIns="91425" anchor="t" anchorCtr="0">
+            <a:noAutofit/>
+          </a:bodyPr>
+          <a:lstStyle/>
+          <a:p>
+            <a:pPr lvl="0">
+              <a:spcBef>
+                <a:spcPts val="0"/>
+              </a:spcBef>
+              <a:buNone/>
+            </a:pPr>
+            <a:endParaRPr/>
+          </a:p>
+        </p:txBody>
+      </p:sp>
+    </p:spTree>
+    <p:extLst>
+      <p:ext uri="{BB962C8B-B14F-4D97-AF65-F5344CB8AC3E}">
+        <p14:creationId xmlns="" xmlns:p14="http://schemas.microsoft.com/office/powerpoint/2010/main" val="1520075025"/>
+      </p:ext>
+    </p:extLst>
+  </p:cSld>
+  <p:clrMapOvr>
+    <a:masterClrMapping/>
+  </p:clrMapOvr>
+</p:notes>
+</file>
+
+<file path=ppt/notesSlides/notesSlide14.xml><?xml version="1.0" encoding="utf-8"?>
 <p:notes xmlns:a="http://schemas.openxmlformats.org/drawingml/2006/main" xmlns:r="http://schemas.openxmlformats.org/officeDocument/2006/relationships" xmlns:p="http://schemas.openxmlformats.org/presentationml/2006/main" showMasterSp="0" showMasterPhAnim="0">
   <p:cSld>
     <p:spTree>
@@ -917,7 +1132,7 @@
     </p:spTree>
     <p:extLst>
       <p:ext uri="{BB962C8B-B14F-4D97-AF65-F5344CB8AC3E}">
-        <p14:creationId xmlns:p14="http://schemas.microsoft.com/office/powerpoint/2010/main" val="307543425"/>
+        <p14:creationId xmlns:p14="http://schemas.microsoft.com/office/powerpoint/2010/main" xmlns="" val="307543425"/>
       </p:ext>
     </p:extLst>
   </p:cSld>
@@ -927,7 +1142,7 @@
 </p:notes>
 </file>
 
-<file path=ppt/notesSlides/notesSlide13.xml><?xml version="1.0" encoding="utf-8"?>
+<file path=ppt/notesSlides/notesSlide15.xml><?xml version="1.0" encoding="utf-8"?>
 <p:notes xmlns:a="http://schemas.openxmlformats.org/drawingml/2006/main" xmlns:r="http://schemas.openxmlformats.org/officeDocument/2006/relationships" xmlns:p="http://schemas.openxmlformats.org/presentationml/2006/main" showMasterSp="0" showMasterPhAnim="0">
   <p:cSld>
     <p:spTree>
@@ -1023,7 +1238,7 @@
     </p:spTree>
     <p:extLst>
       <p:ext uri="{BB962C8B-B14F-4D97-AF65-F5344CB8AC3E}">
-        <p14:creationId xmlns:p14="http://schemas.microsoft.com/office/powerpoint/2010/main" val="2357300524"/>
+        <p14:creationId xmlns:p14="http://schemas.microsoft.com/office/powerpoint/2010/main" xmlns="" val="2357300524"/>
       </p:ext>
     </p:extLst>
   </p:cSld>
@@ -1033,7 +1248,7 @@
 </p:notes>
 </file>
 
-<file path=ppt/notesSlides/notesSlide14.xml><?xml version="1.0" encoding="utf-8"?>
+<file path=ppt/notesSlides/notesSlide16.xml><?xml version="1.0" encoding="utf-8"?>
 <p:notes xmlns:a="http://schemas.openxmlformats.org/drawingml/2006/main" xmlns:r="http://schemas.openxmlformats.org/officeDocument/2006/relationships" xmlns:p="http://schemas.openxmlformats.org/presentationml/2006/main" showMasterSp="0" showMasterPhAnim="0">
   <p:cSld>
     <p:spTree>
@@ -1129,7 +1344,7 @@
     </p:spTree>
     <p:extLst>
       <p:ext uri="{BB962C8B-B14F-4D97-AF65-F5344CB8AC3E}">
-        <p14:creationId xmlns:p14="http://schemas.microsoft.com/office/powerpoint/2010/main" val="348659197"/>
+        <p14:creationId xmlns:p14="http://schemas.microsoft.com/office/powerpoint/2010/main" xmlns="" val="348659197"/>
       </p:ext>
     </p:extLst>
   </p:cSld>
@@ -1139,7 +1354,7 @@
 </p:notes>
 </file>
 
-<file path=ppt/notesSlides/notesSlide15.xml><?xml version="1.0" encoding="utf-8"?>
+<file path=ppt/notesSlides/notesSlide17.xml><?xml version="1.0" encoding="utf-8"?>
 <p:notes xmlns:a="http://schemas.openxmlformats.org/drawingml/2006/main" xmlns:r="http://schemas.openxmlformats.org/officeDocument/2006/relationships" xmlns:p="http://schemas.openxmlformats.org/presentationml/2006/main" showMasterSp="0" showMasterPhAnim="0">
   <p:cSld>
     <p:spTree>
@@ -1240,7 +1455,7 @@
     </p:spTree>
     <p:extLst>
       <p:ext uri="{BB962C8B-B14F-4D97-AF65-F5344CB8AC3E}">
-        <p14:creationId xmlns:p14="http://schemas.microsoft.com/office/powerpoint/2010/main" val="4135914698"/>
+        <p14:creationId xmlns:p14="http://schemas.microsoft.com/office/powerpoint/2010/main" xmlns="" val="4135914698"/>
       </p:ext>
     </p:extLst>
   </p:cSld>
@@ -1250,7 +1465,7 @@
 </p:notes>
 </file>
 
-<file path=ppt/notesSlides/notesSlide16.xml><?xml version="1.0" encoding="utf-8"?>
+<file path=ppt/notesSlides/notesSlide18.xml><?xml version="1.0" encoding="utf-8"?>
 <p:notes xmlns:a="http://schemas.openxmlformats.org/drawingml/2006/main" xmlns:r="http://schemas.openxmlformats.org/officeDocument/2006/relationships" xmlns:p="http://schemas.openxmlformats.org/presentationml/2006/main" showMasterSp="0" showMasterPhAnim="0">
   <p:cSld>
     <p:spTree>
@@ -1346,7 +1561,7 @@
     </p:spTree>
     <p:extLst>
       <p:ext uri="{BB962C8B-B14F-4D97-AF65-F5344CB8AC3E}">
-        <p14:creationId xmlns:p14="http://schemas.microsoft.com/office/powerpoint/2010/main" val="352379655"/>
+        <p14:creationId xmlns:p14="http://schemas.microsoft.com/office/powerpoint/2010/main" xmlns="" val="352379655"/>
       </p:ext>
     </p:extLst>
   </p:cSld>
@@ -1452,7 +1667,7 @@
     </p:spTree>
     <p:extLst>
       <p:ext uri="{BB962C8B-B14F-4D97-AF65-F5344CB8AC3E}">
-        <p14:creationId xmlns:p14="http://schemas.microsoft.com/office/powerpoint/2010/main" val="1199249993"/>
+        <p14:creationId xmlns:p14="http://schemas.microsoft.com/office/powerpoint/2010/main" xmlns="" val="1199249993"/>
       </p:ext>
     </p:extLst>
   </p:cSld>
@@ -1567,7 +1782,7 @@
     </p:spTree>
     <p:extLst>
       <p:ext uri="{BB962C8B-B14F-4D97-AF65-F5344CB8AC3E}">
-        <p14:creationId xmlns:p14="http://schemas.microsoft.com/office/powerpoint/2010/main" val="1634581459"/>
+        <p14:creationId xmlns:p14="http://schemas.microsoft.com/office/powerpoint/2010/main" xmlns="" val="1634581459"/>
       </p:ext>
     </p:extLst>
   </p:cSld>
@@ -1673,7 +1888,7 @@
     </p:spTree>
     <p:extLst>
       <p:ext uri="{BB962C8B-B14F-4D97-AF65-F5344CB8AC3E}">
-        <p14:creationId xmlns:p14="http://schemas.microsoft.com/office/powerpoint/2010/main" val="3568601046"/>
+        <p14:creationId xmlns:p14="http://schemas.microsoft.com/office/powerpoint/2010/main" xmlns="" val="3568601046"/>
       </p:ext>
     </p:extLst>
   </p:cSld>
@@ -1779,7 +1994,7 @@
     </p:spTree>
     <p:extLst>
       <p:ext uri="{BB962C8B-B14F-4D97-AF65-F5344CB8AC3E}">
-        <p14:creationId xmlns:p14="http://schemas.microsoft.com/office/powerpoint/2010/main" val="784043581"/>
+        <p14:creationId xmlns:p14="http://schemas.microsoft.com/office/powerpoint/2010/main" xmlns="" val="784043581"/>
       </p:ext>
     </p:extLst>
   </p:cSld>
@@ -1885,7 +2100,7 @@
     </p:spTree>
     <p:extLst>
       <p:ext uri="{BB962C8B-B14F-4D97-AF65-F5344CB8AC3E}">
-        <p14:creationId xmlns:p14="http://schemas.microsoft.com/office/powerpoint/2010/main" val="1751283784"/>
+        <p14:creationId xmlns:p14="http://schemas.microsoft.com/office/powerpoint/2010/main" xmlns="" val="1751283784"/>
       </p:ext>
     </p:extLst>
   </p:cSld>
@@ -1991,7 +2206,7 @@
     </p:spTree>
     <p:extLst>
       <p:ext uri="{BB962C8B-B14F-4D97-AF65-F5344CB8AC3E}">
-        <p14:creationId xmlns:p14="http://schemas.microsoft.com/office/powerpoint/2010/main" val="3994330825"/>
+        <p14:creationId xmlns:p14="http://schemas.microsoft.com/office/powerpoint/2010/main" xmlns="" val="3994330825"/>
       </p:ext>
     </p:extLst>
   </p:cSld>
@@ -2097,7 +2312,7 @@
     </p:spTree>
     <p:extLst>
       <p:ext uri="{BB962C8B-B14F-4D97-AF65-F5344CB8AC3E}">
-        <p14:creationId xmlns:p14="http://schemas.microsoft.com/office/powerpoint/2010/main" val="2008840253"/>
+        <p14:creationId xmlns:p14="http://schemas.microsoft.com/office/powerpoint/2010/main" xmlns="" val="2008840253"/>
       </p:ext>
     </p:extLst>
   </p:cSld>
@@ -2203,7 +2418,7 @@
     </p:spTree>
     <p:extLst>
       <p:ext uri="{BB962C8B-B14F-4D97-AF65-F5344CB8AC3E}">
-        <p14:creationId xmlns:p14="http://schemas.microsoft.com/office/powerpoint/2010/main" val="2359467975"/>
+        <p14:creationId xmlns:p14="http://schemas.microsoft.com/office/powerpoint/2010/main" xmlns="" val="2359467975"/>
       </p:ext>
     </p:extLst>
   </p:cSld>
@@ -2508,6 +2723,12 @@
             </a:pPr>
             <a:fld id="{00000000-1234-1234-1234-123412341234}" type="slidenum">
               <a:rPr lang="en"/>
+              <a:pPr lvl="0">
+                <a:spcBef>
+                  <a:spcPts val="0"/>
+                </a:spcBef>
+                <a:buNone/>
+              </a:pPr>
               <a:t>‹#›</a:t>
             </a:fld>
             <a:endParaRPr lang="en"/>
@@ -2745,6 +2966,12 @@
             </a:pPr>
             <a:fld id="{00000000-1234-1234-1234-123412341234}" type="slidenum">
               <a:rPr lang="en"/>
+              <a:pPr lvl="0">
+                <a:spcBef>
+                  <a:spcPts val="0"/>
+                </a:spcBef>
+                <a:buNone/>
+              </a:pPr>
               <a:t>‹#›</a:t>
             </a:fld>
             <a:endParaRPr lang="en"/>
@@ -2809,6 +3036,12 @@
             </a:pPr>
             <a:fld id="{00000000-1234-1234-1234-123412341234}" type="slidenum">
               <a:rPr lang="en"/>
+              <a:pPr lvl="0">
+                <a:spcBef>
+                  <a:spcPts val="0"/>
+                </a:spcBef>
+                <a:buNone/>
+              </a:pPr>
               <a:t>‹#›</a:t>
             </a:fld>
             <a:endParaRPr lang="en"/>
@@ -2964,6 +3197,12 @@
             </a:pPr>
             <a:fld id="{00000000-1234-1234-1234-123412341234}" type="slidenum">
               <a:rPr lang="en"/>
+              <a:pPr lvl="0">
+                <a:spcBef>
+                  <a:spcPts val="0"/>
+                </a:spcBef>
+                <a:buNone/>
+              </a:pPr>
               <a:t>‹#›</a:t>
             </a:fld>
             <a:endParaRPr lang="en"/>
@@ -3192,6 +3431,12 @@
             </a:pPr>
             <a:fld id="{00000000-1234-1234-1234-123412341234}" type="slidenum">
               <a:rPr lang="en"/>
+              <a:pPr lvl="0">
+                <a:spcBef>
+                  <a:spcPts val="0"/>
+                </a:spcBef>
+                <a:buNone/>
+              </a:pPr>
               <a:t>‹#›</a:t>
             </a:fld>
             <a:endParaRPr lang="en"/>
@@ -3520,6 +3765,12 @@
             </a:pPr>
             <a:fld id="{00000000-1234-1234-1234-123412341234}" type="slidenum">
               <a:rPr lang="en"/>
+              <a:pPr lvl="0">
+                <a:spcBef>
+                  <a:spcPts val="0"/>
+                </a:spcBef>
+                <a:buNone/>
+              </a:pPr>
               <a:t>‹#›</a:t>
             </a:fld>
             <a:endParaRPr lang="en"/>
@@ -3666,6 +3917,12 @@
             </a:pPr>
             <a:fld id="{00000000-1234-1234-1234-123412341234}" type="slidenum">
               <a:rPr lang="en"/>
+              <a:pPr lvl="0">
+                <a:spcBef>
+                  <a:spcPts val="0"/>
+                </a:spcBef>
+                <a:buNone/>
+              </a:pPr>
               <a:t>‹#›</a:t>
             </a:fld>
             <a:endParaRPr lang="en"/>
@@ -3912,6 +4169,12 @@
             </a:pPr>
             <a:fld id="{00000000-1234-1234-1234-123412341234}" type="slidenum">
               <a:rPr lang="en"/>
+              <a:pPr lvl="0">
+                <a:spcBef>
+                  <a:spcPts val="0"/>
+                </a:spcBef>
+                <a:buNone/>
+              </a:pPr>
               <a:t>‹#›</a:t>
             </a:fld>
             <a:endParaRPr lang="en"/>
@@ -4067,6 +4330,12 @@
             </a:pPr>
             <a:fld id="{00000000-1234-1234-1234-123412341234}" type="slidenum">
               <a:rPr lang="en"/>
+              <a:pPr lvl="0">
+                <a:spcBef>
+                  <a:spcPts val="0"/>
+                </a:spcBef>
+                <a:buNone/>
+              </a:pPr>
               <a:t>‹#›</a:t>
             </a:fld>
             <a:endParaRPr lang="en"/>
@@ -4495,6 +4764,12 @@
             </a:pPr>
             <a:fld id="{00000000-1234-1234-1234-123412341234}" type="slidenum">
               <a:rPr lang="en"/>
+              <a:pPr lvl="0">
+                <a:spcBef>
+                  <a:spcPts val="0"/>
+                </a:spcBef>
+                <a:buNone/>
+              </a:pPr>
               <a:t>‹#›</a:t>
             </a:fld>
             <a:endParaRPr lang="en"/>
@@ -4600,6 +4875,12 @@
             </a:pPr>
             <a:fld id="{00000000-1234-1234-1234-123412341234}" type="slidenum">
               <a:rPr lang="en"/>
+              <a:pPr lvl="0">
+                <a:spcBef>
+                  <a:spcPts val="0"/>
+                </a:spcBef>
+                <a:buNone/>
+              </a:pPr>
               <a:t>‹#›</a:t>
             </a:fld>
             <a:endParaRPr lang="en"/>
@@ -5051,6 +5332,12 @@
                   <a:schemeClr val="dk2"/>
                 </a:solidFill>
               </a:rPr>
+              <a:pPr lvl="0" algn="r">
+                <a:spcBef>
+                  <a:spcPts val="0"/>
+                </a:spcBef>
+                <a:buNone/>
+              </a:pPr>
               <a:t>‹#›</a:t>
             </a:fld>
             <a:endParaRPr lang="en" sz="1000">
@@ -6187,6 +6474,1297 @@
   <p:cSld>
     <p:spTree>
       <p:nvGrpSpPr>
+        <p:cNvPr id="1" name="Shape 66"/>
+        <p:cNvGrpSpPr/>
+        <p:nvPr/>
+      </p:nvGrpSpPr>
+      <p:grpSpPr>
+        <a:xfrm>
+          <a:off x="0" y="0"/>
+          <a:ext cx="0" cy="0"/>
+          <a:chOff x="0" y="0"/>
+          <a:chExt cx="0" cy="0"/>
+        </a:xfrm>
+      </p:grpSpPr>
+      <p:sp>
+        <p:nvSpPr>
+          <p:cNvPr id="67" name="Shape 67"/>
+          <p:cNvSpPr txBox="1">
+            <a:spLocks noGrp="1"/>
+          </p:cNvSpPr>
+          <p:nvPr>
+            <p:ph type="title"/>
+          </p:nvPr>
+        </p:nvSpPr>
+        <p:spPr>
+          <a:xfrm>
+            <a:off x="311700" y="0"/>
+            <a:ext cx="8520600" cy="572700"/>
+          </a:xfrm>
+          <a:prstGeom prst="rect">
+            <a:avLst/>
+          </a:prstGeom>
+        </p:spPr>
+        <p:txBody>
+          <a:bodyPr lIns="91425" tIns="91425" rIns="91425" bIns="91425" anchor="t" anchorCtr="0">
+            <a:noAutofit/>
+          </a:bodyPr>
+          <a:lstStyle/>
+          <a:p>
+            <a:pPr lvl="0" algn="ctr">
+              <a:spcBef>
+                <a:spcPts val="0"/>
+              </a:spcBef>
+              <a:buNone/>
+            </a:pPr>
+            <a:r>
+              <a:rPr lang="en" dirty="0"/>
+              <a:t>Osztályokra vonatkozó tanácsok</a:t>
+            </a:r>
+          </a:p>
+        </p:txBody>
+      </p:sp>
+      <p:sp>
+        <p:nvSpPr>
+          <p:cNvPr id="68" name="Shape 68"/>
+          <p:cNvSpPr txBox="1">
+            <a:spLocks noGrp="1"/>
+          </p:cNvSpPr>
+          <p:nvPr>
+            <p:ph type="body" idx="1"/>
+          </p:nvPr>
+        </p:nvSpPr>
+        <p:spPr>
+          <a:xfrm>
+            <a:off x="311700" y="572700"/>
+            <a:ext cx="8520600" cy="4570800"/>
+          </a:xfrm>
+          <a:prstGeom prst="rect">
+            <a:avLst/>
+          </a:prstGeom>
+        </p:spPr>
+        <p:txBody>
+          <a:bodyPr lIns="91425" tIns="91425" rIns="91425" bIns="91425" anchor="ctr" anchorCtr="0">
+            <a:noAutofit/>
+          </a:bodyPr>
+          <a:lstStyle/>
+          <a:p>
+            <a:pPr marL="457200" lvl="0" indent="-355600" rtl="0">
+              <a:lnSpc>
+                <a:spcPct val="100000"/>
+              </a:lnSpc>
+              <a:spcBef>
+                <a:spcPts val="0"/>
+              </a:spcBef>
+              <a:spcAft>
+                <a:spcPts val="0"/>
+              </a:spcAft>
+              <a:buClr>
+                <a:srgbClr val="000000"/>
+              </a:buClr>
+              <a:buSzPct val="100000"/>
+              <a:buFont typeface="Arial" panose="020B0604020202020204" pitchFamily="34" charset="0"/>
+              <a:buChar char="•"/>
+            </a:pPr>
+            <a:r>
+              <a:rPr lang="hu-HU" sz="2000" b="1" dirty="0" smtClean="0">
+                <a:solidFill>
+                  <a:srgbClr val="000000"/>
+                </a:solidFill>
+              </a:rPr>
+              <a:t>Single responsiblity: </a:t>
+            </a:r>
+            <a:r>
+              <a:rPr lang="en" sz="2000" dirty="0" smtClean="0">
+                <a:solidFill>
+                  <a:srgbClr val="000000"/>
+                </a:solidFill>
+              </a:rPr>
+              <a:t>egyetlen,jól </a:t>
+            </a:r>
+            <a:r>
+              <a:rPr lang="en" sz="2000" dirty="0">
+                <a:solidFill>
+                  <a:srgbClr val="000000"/>
+                </a:solidFill>
+              </a:rPr>
+              <a:t>szeparálható feladatkörre, funkcióra </a:t>
+            </a:r>
+            <a:r>
+              <a:rPr lang="en" sz="2000" dirty="0" smtClean="0">
+                <a:solidFill>
+                  <a:srgbClr val="000000"/>
+                </a:solidFill>
+              </a:rPr>
+              <a:t>összpontosító</a:t>
+            </a:r>
+            <a:r>
+              <a:rPr lang="hu-HU" sz="2000" dirty="0" smtClean="0">
+                <a:solidFill>
+                  <a:srgbClr val="000000"/>
+                </a:solidFill>
+              </a:rPr>
+              <a:t> </a:t>
+            </a:r>
+            <a:r>
+              <a:rPr lang="en" sz="2000" dirty="0" smtClean="0">
+                <a:solidFill>
+                  <a:srgbClr val="000000"/>
+                </a:solidFill>
+              </a:rPr>
+              <a:t>osztályok</a:t>
+            </a:r>
+            <a:endParaRPr lang="hu-HU" sz="2000" dirty="0" smtClean="0">
+              <a:solidFill>
+                <a:srgbClr val="000000"/>
+              </a:solidFill>
+            </a:endParaRPr>
+          </a:p>
+          <a:p>
+            <a:pPr marL="457200" lvl="0" indent="-355600" rtl="0">
+              <a:lnSpc>
+                <a:spcPct val="100000"/>
+              </a:lnSpc>
+              <a:spcBef>
+                <a:spcPts val="0"/>
+              </a:spcBef>
+              <a:spcAft>
+                <a:spcPts val="0"/>
+              </a:spcAft>
+              <a:buClr>
+                <a:srgbClr val="000000"/>
+              </a:buClr>
+              <a:buSzPct val="100000"/>
+              <a:buFont typeface="Arial" panose="020B0604020202020204" pitchFamily="34" charset="0"/>
+              <a:buChar char="•"/>
+            </a:pPr>
+            <a:r>
+              <a:rPr lang="hu-HU" sz="2000" b="1" dirty="0" smtClean="0">
+                <a:solidFill>
+                  <a:srgbClr val="000000"/>
+                </a:solidFill>
+              </a:rPr>
+              <a:t>„for the sake of DRYness”:</a:t>
+            </a:r>
+            <a:r>
+              <a:rPr lang="hu-HU" sz="2000" dirty="0" smtClean="0">
+                <a:solidFill>
+                  <a:srgbClr val="000000"/>
+                </a:solidFill>
+              </a:rPr>
+              <a:t> </a:t>
+            </a:r>
+            <a:r>
+              <a:rPr lang="en" sz="2000" dirty="0" smtClean="0">
+                <a:solidFill>
+                  <a:srgbClr val="000000"/>
+                </a:solidFill>
+              </a:rPr>
+              <a:t>modularitás</a:t>
+            </a:r>
+            <a:r>
+              <a:rPr lang="en" sz="2000" dirty="0">
+                <a:solidFill>
+                  <a:srgbClr val="000000"/>
+                </a:solidFill>
+              </a:rPr>
+              <a:t>, </a:t>
+            </a:r>
+            <a:r>
+              <a:rPr lang="en" sz="2000" dirty="0" smtClean="0">
+                <a:solidFill>
+                  <a:srgbClr val="000000"/>
+                </a:solidFill>
+              </a:rPr>
+              <a:t>újrafelhasználhatóság</a:t>
+            </a:r>
+            <a:endParaRPr lang="en" sz="2000" dirty="0">
+              <a:solidFill>
+                <a:srgbClr val="000000"/>
+              </a:solidFill>
+            </a:endParaRPr>
+          </a:p>
+          <a:p>
+            <a:pPr marL="457200" lvl="0" indent="-355600" rtl="0">
+              <a:lnSpc>
+                <a:spcPct val="100000"/>
+              </a:lnSpc>
+              <a:spcBef>
+                <a:spcPts val="0"/>
+              </a:spcBef>
+              <a:spcAft>
+                <a:spcPts val="0"/>
+              </a:spcAft>
+              <a:buClr>
+                <a:schemeClr val="dk1"/>
+              </a:buClr>
+              <a:buSzPct val="100000"/>
+              <a:buFont typeface="Arial" panose="020B0604020202020204" pitchFamily="34" charset="0"/>
+              <a:buChar char="•"/>
+            </a:pPr>
+            <a:r>
+              <a:rPr lang="en" sz="2000" dirty="0">
+                <a:solidFill>
+                  <a:schemeClr val="dk1"/>
+                </a:solidFill>
+              </a:rPr>
+              <a:t>osztályváltozó, vagy paraméter?: </a:t>
+            </a:r>
+            <a:endParaRPr lang="hu-HU" sz="2000" dirty="0" smtClean="0">
+              <a:solidFill>
+                <a:schemeClr val="dk1"/>
+              </a:solidFill>
+            </a:endParaRPr>
+          </a:p>
+          <a:p>
+            <a:pPr marL="101600">
+              <a:lnSpc>
+                <a:spcPct val="100000"/>
+              </a:lnSpc>
+              <a:spcAft>
+                <a:spcPts val="0"/>
+              </a:spcAft>
+              <a:buClr>
+                <a:schemeClr val="dk1"/>
+              </a:buClr>
+            </a:pPr>
+            <a:r>
+              <a:rPr lang="hu-HU" sz="2000" dirty="0" smtClean="0">
+                <a:solidFill>
+                  <a:schemeClr val="dk1"/>
+                </a:solidFill>
+              </a:rPr>
+              <a:t>      a.  </a:t>
+            </a:r>
+            <a:r>
+              <a:rPr lang="en" sz="2000" dirty="0" smtClean="0">
+                <a:solidFill>
+                  <a:schemeClr val="dk1"/>
+                </a:solidFill>
+              </a:rPr>
+              <a:t>ha </a:t>
+            </a:r>
+            <a:r>
+              <a:rPr lang="en" sz="2000" dirty="0">
+                <a:solidFill>
+                  <a:schemeClr val="dk1"/>
+                </a:solidFill>
+              </a:rPr>
+              <a:t>több helyen van függvényben használva, érdemes az </a:t>
+            </a:r>
+            <a:r>
+              <a:rPr lang="en" sz="2000" dirty="0" smtClean="0">
+                <a:solidFill>
+                  <a:schemeClr val="dk1"/>
+                </a:solidFill>
+              </a:rPr>
+              <a:t>osztályváltozó</a:t>
+            </a:r>
+            <a:endParaRPr lang="hu-HU" sz="2000" dirty="0" smtClean="0">
+              <a:solidFill>
+                <a:schemeClr val="dk1"/>
+              </a:solidFill>
+            </a:endParaRPr>
+          </a:p>
+          <a:p>
+            <a:pPr marL="101600">
+              <a:lnSpc>
+                <a:spcPct val="100000"/>
+              </a:lnSpc>
+              <a:spcAft>
+                <a:spcPts val="0"/>
+              </a:spcAft>
+              <a:buClr>
+                <a:schemeClr val="dk1"/>
+              </a:buClr>
+            </a:pPr>
+            <a:r>
+              <a:rPr lang="hu-HU" sz="2000" dirty="0" smtClean="0">
+                <a:solidFill>
+                  <a:schemeClr val="dk1"/>
+                </a:solidFill>
+              </a:rPr>
+              <a:t>      b.  Immutable objektumok (értékük nem fog változni)</a:t>
+            </a:r>
+          </a:p>
+          <a:p>
+            <a:pPr marL="101600">
+              <a:lnSpc>
+                <a:spcPct val="100000"/>
+              </a:lnSpc>
+              <a:spcAft>
+                <a:spcPts val="0"/>
+              </a:spcAft>
+              <a:buClr>
+                <a:schemeClr val="dk1"/>
+              </a:buClr>
+            </a:pPr>
+            <a:r>
+              <a:rPr lang="hu-HU" sz="2000" dirty="0">
+                <a:solidFill>
+                  <a:schemeClr val="dk1"/>
+                </a:solidFill>
+              </a:rPr>
+              <a:t> </a:t>
+            </a:r>
+            <a:r>
+              <a:rPr lang="hu-HU" sz="2000" dirty="0" smtClean="0">
+                <a:solidFill>
+                  <a:schemeClr val="dk1"/>
+                </a:solidFill>
+              </a:rPr>
+              <a:t>     c.  Belső változóink (classfileds) védelme (private láthatóságú +getter hozzá)</a:t>
+            </a:r>
+            <a:endParaRPr lang="en" sz="2000" dirty="0">
+              <a:solidFill>
+                <a:schemeClr val="dk1"/>
+              </a:solidFill>
+            </a:endParaRPr>
+          </a:p>
+          <a:p>
+            <a:pPr marL="457200" lvl="0" indent="-355600" rtl="0">
+              <a:lnSpc>
+                <a:spcPct val="100000"/>
+              </a:lnSpc>
+              <a:spcBef>
+                <a:spcPts val="0"/>
+              </a:spcBef>
+              <a:spcAft>
+                <a:spcPts val="0"/>
+              </a:spcAft>
+              <a:buClr>
+                <a:schemeClr val="dk1"/>
+              </a:buClr>
+              <a:buSzPct val="100000"/>
+              <a:buFont typeface="Arial" panose="020B0604020202020204" pitchFamily="34" charset="0"/>
+              <a:buChar char="•"/>
+            </a:pPr>
+            <a:r>
+              <a:rPr lang="hu-HU" sz="2000" dirty="0">
+                <a:solidFill>
+                  <a:schemeClr val="dk1"/>
+                </a:solidFill>
+              </a:rPr>
+              <a:t>K</a:t>
+            </a:r>
+            <a:r>
+              <a:rPr lang="en" sz="2000" dirty="0" smtClean="0">
+                <a:solidFill>
+                  <a:schemeClr val="dk1"/>
+                </a:solidFill>
+              </a:rPr>
+              <a:t>onstruktor </a:t>
+            </a:r>
+            <a:endParaRPr lang="en" sz="2000" dirty="0">
+              <a:solidFill>
+                <a:schemeClr val="dk1"/>
+              </a:solidFill>
+            </a:endParaRPr>
+          </a:p>
+          <a:p>
+            <a:pPr marL="914400" lvl="1" indent="-355600" rtl="0">
+              <a:lnSpc>
+                <a:spcPct val="100000"/>
+              </a:lnSpc>
+              <a:spcBef>
+                <a:spcPts val="0"/>
+              </a:spcBef>
+              <a:spcAft>
+                <a:spcPts val="0"/>
+              </a:spcAft>
+              <a:buClr>
+                <a:schemeClr val="dk1"/>
+              </a:buClr>
+              <a:buSzPct val="100000"/>
+              <a:buAutoNum type="alphaLcPeriod"/>
+            </a:pPr>
+            <a:r>
+              <a:rPr lang="en" sz="2000" dirty="0">
+                <a:solidFill>
+                  <a:schemeClr val="dk1"/>
+                </a:solidFill>
+              </a:rPr>
+              <a:t>ha nincs </a:t>
+            </a:r>
+            <a:r>
+              <a:rPr lang="hu-HU" sz="2000" dirty="0" smtClean="0">
+                <a:solidFill>
+                  <a:schemeClr val="dk1"/>
+                </a:solidFill>
+              </a:rPr>
+              <a:t>meg</a:t>
+            </a:r>
+            <a:r>
+              <a:rPr lang="en" sz="2000" dirty="0" smtClean="0">
+                <a:solidFill>
+                  <a:schemeClr val="dk1"/>
+                </a:solidFill>
+              </a:rPr>
+              <a:t>írva</a:t>
+            </a:r>
+            <a:r>
+              <a:rPr lang="en" sz="2000" dirty="0">
+                <a:solidFill>
+                  <a:schemeClr val="dk1"/>
+                </a:solidFill>
+              </a:rPr>
+              <a:t>, akkor is </a:t>
+            </a:r>
+            <a:r>
+              <a:rPr lang="en" sz="2000" dirty="0" smtClean="0">
+                <a:solidFill>
+                  <a:schemeClr val="dk1"/>
+                </a:solidFill>
+              </a:rPr>
+              <a:t>generál</a:t>
+            </a:r>
+            <a:r>
+              <a:rPr lang="hu-HU" sz="2000" dirty="0" smtClean="0">
+                <a:solidFill>
+                  <a:schemeClr val="dk1"/>
+                </a:solidFill>
+              </a:rPr>
+              <a:t>ó</a:t>
+            </a:r>
+            <a:r>
+              <a:rPr lang="en" sz="2000" dirty="0" smtClean="0">
+                <a:solidFill>
+                  <a:schemeClr val="dk1"/>
+                </a:solidFill>
+              </a:rPr>
+              <a:t>dik default</a:t>
+            </a:r>
+            <a:endParaRPr lang="en" sz="2000" dirty="0">
+              <a:solidFill>
+                <a:schemeClr val="dk1"/>
+              </a:solidFill>
+            </a:endParaRPr>
+          </a:p>
+          <a:p>
+            <a:pPr marL="914400" lvl="1" indent="-355600" rtl="0">
+              <a:lnSpc>
+                <a:spcPct val="100000"/>
+              </a:lnSpc>
+              <a:spcBef>
+                <a:spcPts val="0"/>
+              </a:spcBef>
+              <a:spcAft>
+                <a:spcPts val="0"/>
+              </a:spcAft>
+              <a:buClr>
+                <a:schemeClr val="dk1"/>
+              </a:buClr>
+              <a:buSzPct val="100000"/>
+              <a:buAutoNum type="alphaLcPeriod"/>
+            </a:pPr>
+            <a:r>
+              <a:rPr lang="en" sz="2000" dirty="0">
+                <a:solidFill>
+                  <a:schemeClr val="dk1"/>
+                </a:solidFill>
+              </a:rPr>
+              <a:t>a többféleképpen definiált </a:t>
+            </a:r>
+            <a:r>
+              <a:rPr lang="en" sz="2000" dirty="0" smtClean="0">
+                <a:solidFill>
+                  <a:schemeClr val="dk1"/>
+                </a:solidFill>
+              </a:rPr>
+              <a:t>szükséges-e?</a:t>
+            </a:r>
+            <a:r>
+              <a:rPr lang="hu-HU" sz="2000" dirty="0" smtClean="0">
+                <a:solidFill>
+                  <a:schemeClr val="dk1"/>
+                </a:solidFill>
+              </a:rPr>
+              <a:t> (overloading= túlterhelés típus alapján)</a:t>
+            </a:r>
+            <a:endParaRPr lang="en" sz="2000" dirty="0">
+              <a:solidFill>
+                <a:schemeClr val="dk1"/>
+              </a:solidFill>
+            </a:endParaRPr>
+          </a:p>
+          <a:p>
+            <a:pPr marL="914400" lvl="1" indent="-355600" rtl="0">
+              <a:lnSpc>
+                <a:spcPct val="100000"/>
+              </a:lnSpc>
+              <a:spcBef>
+                <a:spcPts val="0"/>
+              </a:spcBef>
+              <a:spcAft>
+                <a:spcPts val="0"/>
+              </a:spcAft>
+              <a:buClr>
+                <a:schemeClr val="dk1"/>
+              </a:buClr>
+              <a:buSzPct val="100000"/>
+              <a:buAutoNum type="alphaLcPeriod"/>
+            </a:pPr>
+            <a:r>
+              <a:rPr lang="en" sz="2000" dirty="0">
+                <a:solidFill>
+                  <a:schemeClr val="dk1"/>
+                </a:solidFill>
+              </a:rPr>
+              <a:t>super </a:t>
+            </a:r>
+            <a:r>
+              <a:rPr lang="en" sz="2000" dirty="0" smtClean="0">
+                <a:solidFill>
+                  <a:schemeClr val="dk1"/>
+                </a:solidFill>
+              </a:rPr>
+              <a:t>hívás</a:t>
+            </a:r>
+            <a:r>
+              <a:rPr lang="hu-HU" sz="2000" smtClean="0">
+                <a:solidFill>
+                  <a:schemeClr val="dk1"/>
+                </a:solidFill>
+              </a:rPr>
+              <a:t>a</a:t>
+            </a:r>
+            <a:endParaRPr lang="hu-HU" sz="2000" dirty="0" smtClean="0">
+              <a:solidFill>
+                <a:schemeClr val="dk1"/>
+              </a:solidFill>
+            </a:endParaRPr>
+          </a:p>
+        </p:txBody>
+      </p:sp>
+    </p:spTree>
+  </p:cSld>
+  <p:clrMapOvr>
+    <a:masterClrMapping/>
+  </p:clrMapOvr>
+  <p:transition spd="slow">
+    <p:cut/>
+  </p:transition>
+</p:sld>
+</file>
+
+<file path=ppt/slides/slide13.xml><?xml version="1.0" encoding="utf-8"?>
+<p:sld xmlns:a="http://schemas.openxmlformats.org/drawingml/2006/main" xmlns:r="http://schemas.openxmlformats.org/officeDocument/2006/relationships" xmlns:p="http://schemas.openxmlformats.org/presentationml/2006/main">
+  <p:cSld>
+    <p:spTree>
+      <p:nvGrpSpPr>
+        <p:cNvPr id="1" name=""/>
+        <p:cNvGrpSpPr/>
+        <p:nvPr/>
+      </p:nvGrpSpPr>
+      <p:grpSpPr>
+        <a:xfrm>
+          <a:off x="0" y="0"/>
+          <a:ext cx="0" cy="0"/>
+          <a:chOff x="0" y="0"/>
+          <a:chExt cx="0" cy="0"/>
+        </a:xfrm>
+      </p:grpSpPr>
+      <p:sp>
+        <p:nvSpPr>
+          <p:cNvPr id="2" name="Title 1"/>
+          <p:cNvSpPr>
+            <a:spLocks noGrp="1"/>
+          </p:cNvSpPr>
+          <p:nvPr>
+            <p:ph type="title"/>
+          </p:nvPr>
+        </p:nvSpPr>
+        <p:spPr/>
+        <p:txBody>
+          <a:bodyPr/>
+          <a:lstStyle/>
+          <a:p>
+            <a:pPr algn="ctr"/>
+            <a:r>
+              <a:rPr lang="en" dirty="0"/>
+              <a:t>Osztályokra vonatkozó tanácsok</a:t>
+            </a:r>
+            <a:endParaRPr lang="hu-HU" dirty="0"/>
+          </a:p>
+        </p:txBody>
+      </p:sp>
+      <p:sp>
+        <p:nvSpPr>
+          <p:cNvPr id="3" name="Text Placeholder 2"/>
+          <p:cNvSpPr>
+            <a:spLocks noGrp="1"/>
+          </p:cNvSpPr>
+          <p:nvPr>
+            <p:ph type="body" idx="1"/>
+          </p:nvPr>
+        </p:nvSpPr>
+        <p:spPr/>
+        <p:txBody>
+          <a:bodyPr/>
+          <a:lstStyle/>
+          <a:p>
+            <a:pPr marL="901700" indent="-342900">
+              <a:lnSpc>
+                <a:spcPct val="100000"/>
+              </a:lnSpc>
+              <a:spcAft>
+                <a:spcPts val="0"/>
+              </a:spcAft>
+              <a:buClr>
+                <a:schemeClr val="dk1"/>
+              </a:buClr>
+              <a:buFont typeface="Arial" panose="020B0604020202020204" pitchFamily="34" charset="0"/>
+              <a:buChar char="•"/>
+            </a:pPr>
+            <a:r>
+              <a:rPr lang="hu-HU" sz="2400" dirty="0" smtClean="0">
+                <a:solidFill>
+                  <a:srgbClr val="000000"/>
+                </a:solidFill>
+              </a:rPr>
+              <a:t>Ö</a:t>
+            </a:r>
+            <a:r>
+              <a:rPr lang="en" sz="2400" dirty="0" smtClean="0">
+                <a:solidFill>
+                  <a:srgbClr val="000000"/>
+                </a:solidFill>
+              </a:rPr>
+              <a:t>röklődés</a:t>
+            </a:r>
+            <a:r>
+              <a:rPr lang="hu-HU" sz="2400" dirty="0" smtClean="0">
+                <a:solidFill>
+                  <a:srgbClr val="000000"/>
+                </a:solidFill>
+              </a:rPr>
+              <a:t>:</a:t>
+            </a:r>
+          </a:p>
+          <a:p>
+            <a:pPr marL="1016000" lvl="3" indent="-457200">
+              <a:lnSpc>
+                <a:spcPct val="100000"/>
+              </a:lnSpc>
+              <a:spcAft>
+                <a:spcPts val="0"/>
+              </a:spcAft>
+              <a:buClr>
+                <a:schemeClr val="dk1"/>
+              </a:buClr>
+              <a:buFont typeface="+mj-lt"/>
+              <a:buAutoNum type="arabicPeriod"/>
+            </a:pPr>
+            <a:r>
+              <a:rPr lang="hu-HU" sz="2000" dirty="0" smtClean="0">
+                <a:solidFill>
+                  <a:srgbClr val="000000"/>
+                </a:solidFill>
+              </a:rPr>
+              <a:t> Öröklődés és</a:t>
+            </a:r>
+            <a:r>
+              <a:rPr lang="en" sz="2000" dirty="0" smtClean="0">
+                <a:solidFill>
+                  <a:srgbClr val="000000"/>
+                </a:solidFill>
+              </a:rPr>
+              <a:t> enkapszuláció</a:t>
+            </a:r>
+            <a:r>
+              <a:rPr lang="hu-HU" sz="2000" dirty="0" smtClean="0">
+                <a:solidFill>
+                  <a:srgbClr val="000000"/>
+                </a:solidFill>
+              </a:rPr>
+              <a:t> közötti különbség</a:t>
+            </a:r>
+            <a:endParaRPr lang="en" sz="2000" dirty="0">
+              <a:solidFill>
+                <a:srgbClr val="000000"/>
+              </a:solidFill>
+            </a:endParaRPr>
+          </a:p>
+          <a:p>
+            <a:pPr marL="1016000" lvl="3" indent="-457200">
+              <a:lnSpc>
+                <a:spcPct val="100000"/>
+              </a:lnSpc>
+              <a:spcAft>
+                <a:spcPts val="400"/>
+              </a:spcAft>
+              <a:buClr>
+                <a:srgbClr val="000000"/>
+              </a:buClr>
+              <a:buFont typeface="+mj-lt"/>
+              <a:buAutoNum type="arabicPeriod"/>
+            </a:pPr>
+            <a:r>
+              <a:rPr lang="hu-HU" sz="2000" dirty="0" smtClean="0">
+                <a:solidFill>
+                  <a:srgbClr val="000000"/>
+                </a:solidFill>
+              </a:rPr>
+              <a:t>Ő</a:t>
+            </a:r>
+            <a:r>
+              <a:rPr lang="en" sz="2000" dirty="0" smtClean="0">
+                <a:solidFill>
+                  <a:srgbClr val="000000"/>
+                </a:solidFill>
+              </a:rPr>
+              <a:t>sosztály</a:t>
+            </a:r>
+            <a:r>
+              <a:rPr lang="hu-HU" sz="2000" dirty="0" smtClean="0">
+                <a:solidFill>
+                  <a:srgbClr val="000000"/>
+                </a:solidFill>
+              </a:rPr>
+              <a:t>, az absztrakció célja</a:t>
+            </a:r>
+            <a:r>
+              <a:rPr lang="en" sz="2000" dirty="0" smtClean="0">
+                <a:solidFill>
+                  <a:srgbClr val="000000"/>
+                </a:solidFill>
+              </a:rPr>
+              <a:t>: </a:t>
+            </a:r>
+            <a:r>
+              <a:rPr lang="en" sz="2000" dirty="0">
+                <a:solidFill>
+                  <a:srgbClr val="000000"/>
+                </a:solidFill>
+              </a:rPr>
+              <a:t>közös tulajdonságok és viselkedés egy helyre mozgatása</a:t>
+            </a:r>
+          </a:p>
+          <a:p>
+            <a:pPr marL="1016000" lvl="3" indent="-457200">
+              <a:lnSpc>
+                <a:spcPct val="100000"/>
+              </a:lnSpc>
+              <a:spcAft>
+                <a:spcPts val="400"/>
+              </a:spcAft>
+              <a:buClr>
+                <a:srgbClr val="000000"/>
+              </a:buClr>
+              <a:buFont typeface="+mj-lt"/>
+              <a:buAutoNum type="arabicPeriod"/>
+            </a:pPr>
+            <a:r>
+              <a:rPr lang="en" sz="2000" dirty="0" smtClean="0">
+                <a:solidFill>
+                  <a:srgbClr val="000000"/>
+                </a:solidFill>
+              </a:rPr>
+              <a:t>diamond öröklődés</a:t>
+            </a:r>
+            <a:r>
+              <a:rPr lang="hu-HU" sz="2000" dirty="0" smtClean="0">
+                <a:solidFill>
+                  <a:srgbClr val="000000"/>
+                </a:solidFill>
+              </a:rPr>
+              <a:t> veszélyei</a:t>
+            </a:r>
+          </a:p>
+          <a:p>
+            <a:pPr marL="1016000" lvl="3" indent="-457200">
+              <a:lnSpc>
+                <a:spcPct val="100000"/>
+              </a:lnSpc>
+              <a:spcAft>
+                <a:spcPts val="400"/>
+              </a:spcAft>
+              <a:buClr>
+                <a:srgbClr val="000000"/>
+              </a:buClr>
+              <a:buFont typeface="+mj-lt"/>
+              <a:buAutoNum type="arabicPeriod"/>
+            </a:pPr>
+            <a:r>
+              <a:rPr lang="hu-HU" sz="2000" dirty="0" smtClean="0">
+                <a:solidFill>
+                  <a:srgbClr val="000000"/>
+                </a:solidFill>
+              </a:rPr>
+              <a:t>Absztrakt osztály (</a:t>
+            </a:r>
+            <a:r>
+              <a:rPr lang="hu-HU" sz="2000" dirty="0">
+                <a:solidFill>
+                  <a:srgbClr val="000000"/>
+                </a:solidFill>
+              </a:rPr>
+              <a:t>leszármaztatott osztály </a:t>
+            </a:r>
+            <a:r>
+              <a:rPr lang="hu-HU" sz="2000" dirty="0" smtClean="0">
+                <a:solidFill>
+                  <a:srgbClr val="000000"/>
+                </a:solidFill>
+              </a:rPr>
+              <a:t>extendálja)</a:t>
+            </a:r>
+            <a:endParaRPr lang="en" sz="2000" dirty="0">
+              <a:solidFill>
+                <a:srgbClr val="000000"/>
+              </a:solidFill>
+            </a:endParaRPr>
+          </a:p>
+          <a:p>
+            <a:pPr marL="1016000" lvl="3" indent="-457200">
+              <a:lnSpc>
+                <a:spcPct val="100000"/>
+              </a:lnSpc>
+              <a:spcAft>
+                <a:spcPts val="400"/>
+              </a:spcAft>
+              <a:buClr>
+                <a:srgbClr val="000000"/>
+              </a:buClr>
+              <a:buFont typeface="+mj-lt"/>
+              <a:buAutoNum type="arabicPeriod"/>
+            </a:pPr>
+            <a:r>
+              <a:rPr lang="hu-HU" sz="2000" dirty="0" smtClean="0">
+                <a:solidFill>
+                  <a:srgbClr val="000000"/>
+                </a:solidFill>
+              </a:rPr>
+              <a:t>Interfész osztály (egy osztály implementálhat többet is)</a:t>
+            </a:r>
+            <a:endParaRPr lang="en" sz="2000" dirty="0">
+              <a:solidFill>
+                <a:srgbClr val="000000"/>
+              </a:solidFill>
+            </a:endParaRPr>
+          </a:p>
+          <a:p>
+            <a:endParaRPr lang="hu-HU" dirty="0"/>
+          </a:p>
+        </p:txBody>
+      </p:sp>
+    </p:spTree>
+    <p:extLst>
+      <p:ext uri="{BB962C8B-B14F-4D97-AF65-F5344CB8AC3E}">
+        <p14:creationId xmlns="" xmlns:p14="http://schemas.microsoft.com/office/powerpoint/2010/main" val="1710381542"/>
+      </p:ext>
+    </p:extLst>
+  </p:cSld>
+  <p:clrMapOvr>
+    <a:masterClrMapping/>
+  </p:clrMapOvr>
+</p:sld>
+</file>
+
+<file path=ppt/slides/slide14.xml><?xml version="1.0" encoding="utf-8"?>
+<p:sld xmlns:a="http://schemas.openxmlformats.org/drawingml/2006/main" xmlns:r="http://schemas.openxmlformats.org/officeDocument/2006/relationships" xmlns:p="http://schemas.openxmlformats.org/presentationml/2006/main">
+  <p:cSld>
+    <p:spTree>
+      <p:nvGrpSpPr>
+        <p:cNvPr id="1" name="Shape 72"/>
+        <p:cNvGrpSpPr/>
+        <p:nvPr/>
+      </p:nvGrpSpPr>
+      <p:grpSpPr>
+        <a:xfrm>
+          <a:off x="0" y="0"/>
+          <a:ext cx="0" cy="0"/>
+          <a:chOff x="0" y="0"/>
+          <a:chExt cx="0" cy="0"/>
+        </a:xfrm>
+      </p:grpSpPr>
+      <p:sp>
+        <p:nvSpPr>
+          <p:cNvPr id="73" name="Shape 73"/>
+          <p:cNvSpPr txBox="1">
+            <a:spLocks noGrp="1"/>
+          </p:cNvSpPr>
+          <p:nvPr>
+            <p:ph type="title"/>
+          </p:nvPr>
+        </p:nvSpPr>
+        <p:spPr>
+          <a:xfrm>
+            <a:off x="311700" y="0"/>
+            <a:ext cx="8520599" cy="572699"/>
+          </a:xfrm>
+          <a:prstGeom prst="rect">
+            <a:avLst/>
+          </a:prstGeom>
+        </p:spPr>
+        <p:txBody>
+          <a:bodyPr lIns="91425" tIns="91425" rIns="91425" bIns="91425" anchor="t" anchorCtr="0">
+            <a:noAutofit/>
+          </a:bodyPr>
+          <a:lstStyle/>
+          <a:p>
+            <a:pPr lvl="0" algn="ctr">
+              <a:spcBef>
+                <a:spcPts val="0"/>
+              </a:spcBef>
+              <a:buNone/>
+            </a:pPr>
+            <a:r>
+              <a:rPr lang="en"/>
+              <a:t>Globális vonatkozású tanácsok</a:t>
+            </a:r>
+          </a:p>
+        </p:txBody>
+      </p:sp>
+      <p:sp>
+        <p:nvSpPr>
+          <p:cNvPr id="74" name="Shape 74"/>
+          <p:cNvSpPr txBox="1">
+            <a:spLocks noGrp="1"/>
+          </p:cNvSpPr>
+          <p:nvPr>
+            <p:ph type="body" idx="1"/>
+          </p:nvPr>
+        </p:nvSpPr>
+        <p:spPr>
+          <a:xfrm>
+            <a:off x="0" y="473075"/>
+            <a:ext cx="9144000" cy="4670400"/>
+          </a:xfrm>
+          <a:prstGeom prst="rect">
+            <a:avLst/>
+          </a:prstGeom>
+        </p:spPr>
+        <p:txBody>
+          <a:bodyPr lIns="91425" tIns="91425" rIns="91425" bIns="91425" anchor="ctr" anchorCtr="0">
+            <a:noAutofit/>
+          </a:bodyPr>
+          <a:lstStyle/>
+          <a:p>
+            <a:pPr marL="457200" lvl="0" indent="-381000" rtl="0">
+              <a:lnSpc>
+                <a:spcPct val="100000"/>
+              </a:lnSpc>
+              <a:spcBef>
+                <a:spcPts val="0"/>
+              </a:spcBef>
+              <a:spcAft>
+                <a:spcPts val="0"/>
+              </a:spcAft>
+              <a:buClr>
+                <a:schemeClr val="dk1"/>
+              </a:buClr>
+              <a:buSzPct val="100000"/>
+              <a:buFont typeface="Arial" panose="020B0604020202020204" pitchFamily="34" charset="0"/>
+              <a:buChar char="•"/>
+            </a:pPr>
+            <a:r>
+              <a:rPr lang="hu-HU" sz="2400" dirty="0" smtClean="0">
+                <a:solidFill>
+                  <a:schemeClr val="dk1"/>
+                </a:solidFill>
+              </a:rPr>
+              <a:t>E</a:t>
+            </a:r>
+            <a:r>
+              <a:rPr lang="en" sz="2400" dirty="0" smtClean="0">
+                <a:solidFill>
+                  <a:schemeClr val="dk1"/>
+                </a:solidFill>
+              </a:rPr>
+              <a:t>gy </a:t>
+            </a:r>
+            <a:r>
+              <a:rPr lang="en" sz="2400" dirty="0">
+                <a:solidFill>
+                  <a:schemeClr val="dk1"/>
+                </a:solidFill>
+              </a:rPr>
+              <a:t>probléma amibe belefutunk, valószínű más is belefutott már: leggyorsabb,legbiztosabb megoldás a neten utánakeresés</a:t>
+            </a:r>
+          </a:p>
+          <a:p>
+            <a:pPr marL="457200" lvl="0" indent="-381000" rtl="0">
+              <a:lnSpc>
+                <a:spcPct val="100000"/>
+              </a:lnSpc>
+              <a:spcBef>
+                <a:spcPts val="0"/>
+              </a:spcBef>
+              <a:spcAft>
+                <a:spcPts val="0"/>
+              </a:spcAft>
+              <a:buClr>
+                <a:schemeClr val="dk1"/>
+              </a:buClr>
+              <a:buSzPct val="100000"/>
+              <a:buFont typeface="Arial" panose="020B0604020202020204" pitchFamily="34" charset="0"/>
+              <a:buChar char="•"/>
+            </a:pPr>
+            <a:r>
+              <a:rPr lang="en" sz="2400" dirty="0">
+                <a:solidFill>
+                  <a:schemeClr val="dk1"/>
+                </a:solidFill>
+              </a:rPr>
+              <a:t>For ciklus helyett foreach vagy </a:t>
+            </a:r>
+            <a:r>
+              <a:rPr lang="en" sz="2400" dirty="0" smtClean="0">
+                <a:solidFill>
+                  <a:schemeClr val="dk1"/>
+                </a:solidFill>
+              </a:rPr>
+              <a:t>stream</a:t>
+            </a:r>
+            <a:r>
+              <a:rPr lang="hu-HU" sz="2400" dirty="0" smtClean="0">
+                <a:solidFill>
+                  <a:schemeClr val="dk1"/>
+                </a:solidFill>
+              </a:rPr>
+              <a:t> (Iterable interface megvalósítása miatt lehet)</a:t>
+            </a:r>
+            <a:endParaRPr lang="en" sz="2400" dirty="0">
+              <a:solidFill>
+                <a:schemeClr val="dk1"/>
+              </a:solidFill>
+            </a:endParaRPr>
+          </a:p>
+          <a:p>
+            <a:pPr marL="457200" lvl="0" indent="-381000" rtl="0">
+              <a:lnSpc>
+                <a:spcPct val="100000"/>
+              </a:lnSpc>
+              <a:spcBef>
+                <a:spcPts val="0"/>
+              </a:spcBef>
+              <a:spcAft>
+                <a:spcPts val="0"/>
+              </a:spcAft>
+              <a:buClr>
+                <a:schemeClr val="dk1"/>
+              </a:buClr>
+              <a:buSzPct val="100000"/>
+              <a:buFont typeface="Arial" panose="020B0604020202020204" pitchFamily="34" charset="0"/>
+              <a:buChar char="•"/>
+            </a:pPr>
+            <a:r>
+              <a:rPr lang="en" sz="2400" dirty="0" smtClean="0">
+                <a:solidFill>
+                  <a:schemeClr val="dk1"/>
+                </a:solidFill>
+              </a:rPr>
+              <a:t>Autoboxing</a:t>
+            </a:r>
+            <a:r>
+              <a:rPr lang="hu-HU" sz="2400" dirty="0" smtClean="0">
+                <a:solidFill>
+                  <a:schemeClr val="dk1"/>
+                </a:solidFill>
+              </a:rPr>
+              <a:t> és unboxing</a:t>
+            </a:r>
+            <a:endParaRPr lang="en" sz="2400" dirty="0">
+              <a:solidFill>
+                <a:schemeClr val="dk1"/>
+              </a:solidFill>
+            </a:endParaRPr>
+          </a:p>
+          <a:p>
+            <a:pPr marL="457200" lvl="0" indent="-381000" rtl="0">
+              <a:lnSpc>
+                <a:spcPct val="100000"/>
+              </a:lnSpc>
+              <a:spcBef>
+                <a:spcPts val="0"/>
+              </a:spcBef>
+              <a:spcAft>
+                <a:spcPts val="0"/>
+              </a:spcAft>
+              <a:buClr>
+                <a:schemeClr val="dk1"/>
+              </a:buClr>
+              <a:buSzPct val="100000"/>
+              <a:buFont typeface="Arial" panose="020B0604020202020204" pitchFamily="34" charset="0"/>
+              <a:buChar char="•"/>
+            </a:pPr>
+            <a:r>
+              <a:rPr lang="en" sz="2400" dirty="0" smtClean="0">
+                <a:solidFill>
+                  <a:schemeClr val="dk1"/>
+                </a:solidFill>
+              </a:rPr>
+              <a:t>Egyenlőségek</a:t>
+            </a:r>
+            <a:r>
+              <a:rPr lang="hu-HU" sz="2400" dirty="0" smtClean="0">
+                <a:solidFill>
+                  <a:schemeClr val="dk1"/>
+                </a:solidFill>
+              </a:rPr>
+              <a:t>(érték illetve referencia alapján: == vs. </a:t>
+            </a:r>
+            <a:r>
+              <a:rPr lang="hu-HU" sz="2400" dirty="0">
+                <a:solidFill>
+                  <a:schemeClr val="dk1"/>
+                </a:solidFill>
+              </a:rPr>
+              <a:t>e</a:t>
+            </a:r>
+            <a:r>
+              <a:rPr lang="hu-HU" sz="2400" dirty="0" smtClean="0">
+                <a:solidFill>
+                  <a:schemeClr val="dk1"/>
+                </a:solidFill>
+              </a:rPr>
+              <a:t>quals)</a:t>
+            </a:r>
+            <a:endParaRPr lang="en" sz="2400" dirty="0">
+              <a:solidFill>
+                <a:schemeClr val="dk1"/>
+              </a:solidFill>
+            </a:endParaRPr>
+          </a:p>
+          <a:p>
+            <a:pPr marL="457200" lvl="0" indent="-381000" rtl="0">
+              <a:lnSpc>
+                <a:spcPct val="100000"/>
+              </a:lnSpc>
+              <a:spcBef>
+                <a:spcPts val="0"/>
+              </a:spcBef>
+              <a:spcAft>
+                <a:spcPts val="0"/>
+              </a:spcAft>
+              <a:buClr>
+                <a:schemeClr val="dk1"/>
+              </a:buClr>
+              <a:buSzPct val="100000"/>
+              <a:buFont typeface="Arial" panose="020B0604020202020204" pitchFamily="34" charset="0"/>
+              <a:buChar char="•"/>
+            </a:pPr>
+            <a:r>
+              <a:rPr lang="hu-HU" sz="2400" dirty="0" smtClean="0">
+                <a:solidFill>
+                  <a:schemeClr val="dk1"/>
+                </a:solidFill>
+              </a:rPr>
+              <a:t>A</a:t>
+            </a:r>
+            <a:r>
+              <a:rPr lang="en" sz="2400" dirty="0" smtClean="0">
+                <a:solidFill>
+                  <a:schemeClr val="dk1"/>
+                </a:solidFill>
+              </a:rPr>
+              <a:t>rray-&gt;</a:t>
+            </a:r>
+            <a:r>
+              <a:rPr lang="hu-HU" sz="2400" dirty="0" smtClean="0">
+                <a:solidFill>
+                  <a:schemeClr val="dk1"/>
+                </a:solidFill>
+              </a:rPr>
+              <a:t>raw ArrayList-&gt;</a:t>
+            </a:r>
+            <a:r>
+              <a:rPr lang="en" sz="2400" dirty="0" smtClean="0">
+                <a:solidFill>
+                  <a:schemeClr val="dk1"/>
+                </a:solidFill>
+              </a:rPr>
+              <a:t>generic </a:t>
+            </a:r>
+            <a:r>
+              <a:rPr lang="hu-HU" sz="2400" dirty="0" smtClean="0">
+                <a:solidFill>
+                  <a:schemeClr val="dk1"/>
+                </a:solidFill>
+              </a:rPr>
+              <a:t>ArrayL</a:t>
+            </a:r>
+            <a:r>
+              <a:rPr lang="en" sz="2400" dirty="0" smtClean="0">
+                <a:solidFill>
+                  <a:schemeClr val="dk1"/>
+                </a:solidFill>
+              </a:rPr>
+              <a:t>ist</a:t>
+            </a:r>
+            <a:r>
+              <a:rPr lang="hu-HU" sz="2400" smtClean="0">
+                <a:solidFill>
+                  <a:schemeClr val="dk1"/>
+                </a:solidFill>
+              </a:rPr>
+              <a:t>&lt;&gt; </a:t>
+            </a:r>
+            <a:r>
+              <a:rPr lang="en" sz="2400" smtClean="0">
+                <a:solidFill>
+                  <a:schemeClr val="dk1"/>
+                </a:solidFill>
+              </a:rPr>
+              <a:t>-&gt;</a:t>
+            </a:r>
+            <a:r>
+              <a:rPr lang="hu-HU" sz="2400" dirty="0" smtClean="0">
+                <a:solidFill>
+                  <a:schemeClr val="dk1"/>
+                </a:solidFill>
+              </a:rPr>
+              <a:t>H</a:t>
+            </a:r>
+            <a:r>
+              <a:rPr lang="en" sz="2400" dirty="0" smtClean="0">
+                <a:solidFill>
+                  <a:schemeClr val="dk1"/>
+                </a:solidFill>
+              </a:rPr>
+              <a:t>ash</a:t>
+            </a:r>
+            <a:r>
+              <a:rPr lang="hu-HU" sz="2400" dirty="0" smtClean="0">
+                <a:solidFill>
+                  <a:schemeClr val="dk1"/>
+                </a:solidFill>
+              </a:rPr>
+              <a:t>S</a:t>
+            </a:r>
+            <a:r>
+              <a:rPr lang="en" sz="2400" dirty="0" smtClean="0">
+                <a:solidFill>
+                  <a:schemeClr val="dk1"/>
+                </a:solidFill>
+              </a:rPr>
+              <a:t>et</a:t>
+            </a:r>
+            <a:endParaRPr lang="hu-HU" sz="2400" dirty="0" smtClean="0">
+              <a:solidFill>
+                <a:schemeClr val="dk1"/>
+              </a:solidFill>
+            </a:endParaRPr>
+          </a:p>
+        </p:txBody>
+      </p:sp>
+    </p:spTree>
+  </p:cSld>
+  <p:clrMapOvr>
+    <a:masterClrMapping/>
+  </p:clrMapOvr>
+  <p:transition spd="slow">
+    <p:cut/>
+  </p:transition>
+</p:sld>
+</file>
+
+<file path=ppt/slides/slide15.xml><?xml version="1.0" encoding="utf-8"?>
+<p:sld xmlns:a="http://schemas.openxmlformats.org/drawingml/2006/main" xmlns:r="http://schemas.openxmlformats.org/officeDocument/2006/relationships" xmlns:p="http://schemas.openxmlformats.org/presentationml/2006/main">
+  <p:cSld>
+    <p:spTree>
+      <p:nvGrpSpPr>
         <p:cNvPr id="1" name="Shape 137"/>
         <p:cNvGrpSpPr/>
         <p:nvPr/>
@@ -6257,7 +7835,7 @@
 </p:sld>
 </file>
 
-<file path=ppt/slides/slide13.xml><?xml version="1.0" encoding="utf-8"?>
+<file path=ppt/slides/slide16.xml><?xml version="1.0" encoding="utf-8"?>
 <p:sld xmlns:a="http://schemas.openxmlformats.org/drawingml/2006/main" xmlns:r="http://schemas.openxmlformats.org/officeDocument/2006/relationships" xmlns:p="http://schemas.openxmlformats.org/presentationml/2006/main">
   <p:cSld>
     <p:spTree>
@@ -6554,7 +8132,7 @@
 </p:sld>
 </file>
 
-<file path=ppt/slides/slide14.xml><?xml version="1.0" encoding="utf-8"?>
+<file path=ppt/slides/slide17.xml><?xml version="1.0" encoding="utf-8"?>
 <p:sld xmlns:a="http://schemas.openxmlformats.org/drawingml/2006/main" xmlns:r="http://schemas.openxmlformats.org/officeDocument/2006/relationships" xmlns:p="http://schemas.openxmlformats.org/presentationml/2006/main">
   <p:cSld>
     <p:spTree>
@@ -7098,7 +8676,7 @@
 </p:sld>
 </file>
 
-<file path=ppt/slides/slide15.xml><?xml version="1.0" encoding="utf-8"?>
+<file path=ppt/slides/slide18.xml><?xml version="1.0" encoding="utf-8"?>
 <p:sld xmlns:a="http://schemas.openxmlformats.org/drawingml/2006/main" xmlns:r="http://schemas.openxmlformats.org/officeDocument/2006/relationships" xmlns:p="http://schemas.openxmlformats.org/presentationml/2006/main">
   <p:cSld>
     <p:spTree>
@@ -7164,7 +8742,7 @@
 </p:sld>
 </file>
 
-<file path=ppt/slides/slide16.xml><?xml version="1.0" encoding="utf-8"?>
+<file path=ppt/slides/slide19.xml><?xml version="1.0" encoding="utf-8"?>
 <p:sld xmlns:a="http://schemas.openxmlformats.org/drawingml/2006/main" xmlns:r="http://schemas.openxmlformats.org/officeDocument/2006/relationships" xmlns:p="http://schemas.openxmlformats.org/presentationml/2006/main">
   <p:cSld>
     <p:spTree>
@@ -7213,30 +8791,18 @@
               <a:buNone/>
             </a:pPr>
             <a:r>
-              <a:rPr lang="en"/>
-              <a:t>Köszönjük a figyelmet!</a:t>
-            </a:r>
-          </a:p>
-          <a:p>
-            <a:pPr lvl="0" rtl="0">
-              <a:spcBef>
-                <a:spcPts val="0"/>
-              </a:spcBef>
-              <a:buNone/>
-            </a:pPr>
-            <a:endParaRPr/>
-          </a:p>
-          <a:p>
-            <a:pPr lvl="0">
-              <a:spcBef>
-                <a:spcPts val="0"/>
-              </a:spcBef>
-              <a:buNone/>
-            </a:pPr>
-            <a:r>
-              <a:rPr lang="en"/>
-              <a:t>Záporozhatnak a kérdések!</a:t>
-            </a:r>
+              <a:rPr lang="en" dirty="0"/>
+              <a:t>Köszönjük a </a:t>
+            </a:r>
+            <a:r>
+              <a:rPr lang="en" dirty="0" smtClean="0"/>
+              <a:t>figyelmet</a:t>
+            </a:r>
+            <a:r>
+              <a:rPr lang="hu-HU" smtClean="0"/>
+              <a:t>!</a:t>
+            </a:r>
+            <a:endParaRPr lang="en" dirty="0"/>
           </a:p>
         </p:txBody>
       </p:sp>
